--- a/doc/report.pptx
+++ b/doc/report.pptx
@@ -8598,8 +8598,8 @@
         </p:blipFill>
         <p:spPr>
           <a:xfrm>
-            <a:off x="457200" y="1763871"/>
-            <a:ext cx="8229600" cy="4198620"/>
+            <a:off x="1557535" y="1763871"/>
+            <a:ext cx="6028929" cy="4198620"/>
           </a:xfrm>
         </p:spPr>
       </p:pic>

--- a/doc/report.pptx
+++ b/doc/report.pptx
@@ -152,6 +152,14 @@
       </a:defRPr>
     </a:lvl9pPr>
   </p:defaultTextStyle>
+  <p:extLst>
+    <p:ext uri="{EFAFB233-063F-42B5-8137-9DF3F51BA10A}">
+      <p15:sldGuideLst xmlns:p15="http://schemas.microsoft.com/office/powerpoint/2012/main"/>
+    </p:ext>
+    <p:ext uri="{2D200454-40CA-4A62-9FC3-DE9A4176ACB9}">
+      <p15:notesGuideLst xmlns:p15="http://schemas.microsoft.com/office/powerpoint/2012/main"/>
+    </p:ext>
+  </p:extLst>
 </p:presentation>
 </file>
 
@@ -373,7 +381,7 @@
               <a:pPr>
                 <a:defRPr/>
               </a:pPr>
-              <a:t>2017/10/26</a:t>
+              <a:t>2017/10/30</a:t>
             </a:fld>
             <a:endParaRPr lang="zh-TW" altLang="en-US"/>
           </a:p>
@@ -1415,7 +1423,7 @@
               <a:pPr>
                 <a:defRPr/>
               </a:pPr>
-              <a:t>2017/10/26</a:t>
+              <a:t>2017/10/30</a:t>
             </a:fld>
             <a:endParaRPr lang="zh-TW" altLang="en-US"/>
           </a:p>
@@ -1610,7 +1618,7 @@
               <a:pPr>
                 <a:defRPr/>
               </a:pPr>
-              <a:t>2017/10/26</a:t>
+              <a:t>2017/10/30</a:t>
             </a:fld>
             <a:endParaRPr lang="zh-TW" altLang="en-US"/>
           </a:p>
@@ -1815,7 +1823,7 @@
               <a:pPr>
                 <a:defRPr/>
               </a:pPr>
-              <a:t>2017/10/26</a:t>
+              <a:t>2017/10/30</a:t>
             </a:fld>
             <a:endParaRPr lang="zh-TW" altLang="en-US"/>
           </a:p>
@@ -2054,7 +2062,7 @@
               <a:pPr>
                 <a:defRPr/>
               </a:pPr>
-              <a:t>2017/10/26</a:t>
+              <a:t>2017/10/30</a:t>
             </a:fld>
             <a:endParaRPr lang="zh-TW" altLang="en-US"/>
           </a:p>
@@ -2323,7 +2331,7 @@
               <a:pPr>
                 <a:defRPr/>
               </a:pPr>
-              <a:t>2017/10/26</a:t>
+              <a:t>2017/10/30</a:t>
             </a:fld>
             <a:endParaRPr lang="zh-TW" altLang="en-US"/>
           </a:p>
@@ -2636,7 +2644,7 @@
               <a:pPr>
                 <a:defRPr/>
               </a:pPr>
-              <a:t>2017/10/26</a:t>
+              <a:t>2017/10/30</a:t>
             </a:fld>
             <a:endParaRPr lang="zh-TW" altLang="en-US"/>
           </a:p>
@@ -3083,7 +3091,7 @@
               <a:pPr>
                 <a:defRPr/>
               </a:pPr>
-              <a:t>2017/10/26</a:t>
+              <a:t>2017/10/30</a:t>
             </a:fld>
             <a:endParaRPr lang="zh-TW" altLang="en-US"/>
           </a:p>
@@ -3226,7 +3234,7 @@
               <a:pPr>
                 <a:defRPr/>
               </a:pPr>
-              <a:t>2017/10/26</a:t>
+              <a:t>2017/10/30</a:t>
             </a:fld>
             <a:endParaRPr lang="zh-TW" altLang="en-US"/>
           </a:p>
@@ -3346,7 +3354,7 @@
               <a:pPr>
                 <a:defRPr/>
               </a:pPr>
-              <a:t>2017/10/26</a:t>
+              <a:t>2017/10/30</a:t>
             </a:fld>
             <a:endParaRPr lang="zh-TW" altLang="en-US"/>
           </a:p>
@@ -3648,7 +3656,7 @@
               <a:pPr>
                 <a:defRPr/>
               </a:pPr>
-              <a:t>2017/10/26</a:t>
+              <a:t>2017/10/30</a:t>
             </a:fld>
             <a:endParaRPr lang="zh-TW" altLang="en-US"/>
           </a:p>
@@ -3933,7 +3941,7 @@
               <a:pPr>
                 <a:defRPr/>
               </a:pPr>
-              <a:t>2017/10/26</a:t>
+              <a:t>2017/10/30</a:t>
             </a:fld>
             <a:endParaRPr lang="zh-TW" altLang="en-US"/>
           </a:p>
@@ -4215,7 +4223,7 @@
               <a:pPr>
                 <a:defRPr/>
               </a:pPr>
-              <a:t>2017/10/26</a:t>
+              <a:t>2017/10/30</a:t>
             </a:fld>
             <a:endParaRPr lang="zh-TW" altLang="en-US"/>
           </a:p>
@@ -4269,7 +4277,6 @@
               <a:rPr lang="zh-TW" altLang="en-US"/>
               <a:t>軟體系統實驗室</a:t>
             </a:r>
-            <a:endParaRPr lang="zh-TW" altLang="en-US"/>
           </a:p>
         </p:txBody>
       </p:sp>
@@ -4970,11 +4977,6 @@
               </a:rPr>
               <a:t>2017/11/03</a:t>
             </a:r>
-            <a:endParaRPr lang="en-US" altLang="zh-TW" sz="2000" dirty="0" smtClean="0">
-              <a:solidFill>
-                <a:srgbClr val="F2F2F2"/>
-              </a:solidFill>
-            </a:endParaRPr>
           </a:p>
           <a:p>
             <a:endParaRPr lang="en-US" altLang="zh-TW" dirty="0" smtClean="0">
@@ -5037,7 +5039,6 @@
               <a:rPr lang="en-US" altLang="zh-TW" dirty="0" smtClean="0"/>
               <a:t>UI &amp; Prototype</a:t>
             </a:r>
-            <a:endParaRPr lang="en-US" altLang="zh-TW" dirty="0" smtClean="0"/>
           </a:p>
         </p:txBody>
       </p:sp>
@@ -5064,7 +5065,7 @@
               <a:pPr>
                 <a:defRPr/>
               </a:pPr>
-              <a:t>2017/10/27</a:t>
+              <a:t>2017/10/30</a:t>
             </a:fld>
             <a:endParaRPr lang="zh-TW" altLang="en-US"/>
           </a:p>
@@ -5230,7 +5231,6 @@
               <a:rPr lang="en-US" altLang="zh-TW" dirty="0" smtClean="0"/>
               <a:t>Assignments</a:t>
             </a:r>
-            <a:endParaRPr lang="en-US" altLang="zh-TW" dirty="0" smtClean="0"/>
           </a:p>
         </p:txBody>
       </p:sp>
@@ -5389,15 +5389,6 @@
                         </a:rPr>
                         <a:t>鍾承翰、吳彥銘、林杰毅、陳佐昂</a:t>
                       </a:r>
-                      <a:endParaRPr lang="zh-TW" altLang="en-US" sz="1200" kern="0" dirty="0" smtClean="0">
-                        <a:solidFill>
-                          <a:srgbClr val="000000"/>
-                        </a:solidFill>
-                        <a:effectLst/>
-                        <a:latin typeface="Calibri" panose="020F0502020204030204" pitchFamily="34" charset="0"/>
-                        <a:ea typeface="+mn-ea"/>
-                        <a:cs typeface="新細明體" panose="02020500000000000000" pitchFamily="18" charset="-120"/>
-                      </a:endParaRPr>
                     </a:p>
                   </a:txBody>
                   <a:tcPr marL="91451" marR="91451" marT="45725" marB="45725"/>
@@ -5607,15 +5598,6 @@
                         </a:rPr>
                         <a:t>鍾承翰、吳彥銘、林杰毅、陳佐昂</a:t>
                       </a:r>
-                      <a:endParaRPr lang="zh-TW" altLang="en-US" sz="1200" kern="0" dirty="0" smtClean="0">
-                        <a:solidFill>
-                          <a:srgbClr val="000000"/>
-                        </a:solidFill>
-                        <a:effectLst/>
-                        <a:latin typeface="Calibri" panose="020F0502020204030204" pitchFamily="34" charset="0"/>
-                        <a:ea typeface="+mn-ea"/>
-                        <a:cs typeface="新細明體" panose="02020500000000000000" pitchFamily="18" charset="-120"/>
-                      </a:endParaRPr>
                     </a:p>
                   </a:txBody>
                   <a:tcPr marL="91451" marR="91451" marT="45725" marB="45725"/>
@@ -5951,15 +5933,6 @@
                         </a:rPr>
                         <a:t>鍾承翰、吳彥銘、林杰毅、陳佐昂</a:t>
                       </a:r>
-                      <a:endParaRPr lang="zh-TW" altLang="en-US" sz="1200" kern="0" dirty="0" smtClean="0">
-                        <a:solidFill>
-                          <a:srgbClr val="000000"/>
-                        </a:solidFill>
-                        <a:effectLst/>
-                        <a:latin typeface="Calibri" panose="020F0502020204030204" pitchFamily="34" charset="0"/>
-                        <a:ea typeface="+mn-ea"/>
-                        <a:cs typeface="新細明體" panose="02020500000000000000" pitchFamily="18" charset="-120"/>
-                      </a:endParaRPr>
                     </a:p>
                   </a:txBody>
                   <a:tcPr marL="91451" marR="91451" marT="45725" marB="45725"/>
@@ -6365,7 +6338,7 @@
               <a:pPr>
                 <a:defRPr/>
               </a:pPr>
-              <a:t>2017/10/27</a:t>
+              <a:t>2017/10/30</a:t>
             </a:fld>
             <a:endParaRPr lang="zh-TW" altLang="en-US"/>
           </a:p>
@@ -6449,7 +6422,6 @@
               <a:rPr lang="en-US" altLang="zh-TW" dirty="0" smtClean="0"/>
               <a:t>Assignments</a:t>
             </a:r>
-            <a:endParaRPr lang="en-US" altLang="zh-TW" dirty="0" smtClean="0"/>
           </a:p>
         </p:txBody>
       </p:sp>
@@ -6887,15 +6859,6 @@
                         </a:rPr>
                         <a:t>鍾承翰、林杰毅、陳佐昂</a:t>
                       </a:r>
-                      <a:endParaRPr lang="zh-TW" altLang="en-US" sz="1200" kern="0" dirty="0" smtClean="0">
-                        <a:solidFill>
-                          <a:srgbClr val="000000"/>
-                        </a:solidFill>
-                        <a:effectLst/>
-                        <a:latin typeface="Calibri" panose="020F0502020204030204" pitchFamily="34" charset="0"/>
-                        <a:ea typeface="+mn-ea"/>
-                        <a:cs typeface="新細明體" panose="02020500000000000000" pitchFamily="18" charset="-120"/>
-                      </a:endParaRPr>
                     </a:p>
                   </a:txBody>
                   <a:tcPr marL="91451" marR="91451" marT="45725" marB="45725"/>
@@ -7461,7 +7424,7 @@
               <a:pPr>
                 <a:defRPr/>
               </a:pPr>
-              <a:t>2017/10/27</a:t>
+              <a:t>2017/10/30</a:t>
             </a:fld>
             <a:endParaRPr lang="zh-TW" altLang="en-US"/>
           </a:p>
@@ -7552,25 +7515,637 @@
           </a:p>
         </p:txBody>
       </p:sp>
-      <p:sp>
-        <p:nvSpPr>
-          <p:cNvPr id="3" name="內容版面配置區 2"/>
-          <p:cNvSpPr>
-            <a:spLocks noGrp="1"/>
-          </p:cNvSpPr>
+      <p:graphicFrame>
+        <p:nvGraphicFramePr>
+          <p:cNvPr id="7" name="內容版面配置區 6"/>
+          <p:cNvGraphicFramePr>
+            <a:graphicFrameLocks noGrp="1"/>
+          </p:cNvGraphicFramePr>
           <p:nvPr>
             <p:ph idx="1"/>
+            <p:extLst>
+              <p:ext uri="{D42A27DB-BD31-4B8C-83A1-F6EECF244321}">
+                <p14:modId xmlns:p14="http://schemas.microsoft.com/office/powerpoint/2010/main" val="1657734404"/>
+              </p:ext>
+            </p:extLst>
           </p:nvPr>
-        </p:nvSpPr>
-        <p:spPr/>
-        <p:txBody>
-          <a:bodyPr/>
-          <a:lstStyle/>
-          <a:p>
-            <a:endParaRPr lang="zh-TW" altLang="en-US" dirty="0"/>
-          </a:p>
-        </p:txBody>
-      </p:sp>
+        </p:nvGraphicFramePr>
+        <p:xfrm>
+          <a:off x="457200" y="1600200"/>
+          <a:ext cx="8229600" cy="4079240"/>
+        </p:xfrm>
+        <a:graphic>
+          <a:graphicData uri="http://schemas.openxmlformats.org/drawingml/2006/table">
+            <a:tbl>
+              <a:tblPr firstRow="1" bandRow="1">
+                <a:tableStyleId>{5C22544A-7EE6-4342-B048-85BDC9FD1C3A}</a:tableStyleId>
+              </a:tblPr>
+              <a:tblGrid>
+                <a:gridCol w="4114800">
+                  <a:extLst>
+                    <a:ext uri="{9D8B030D-6E8A-4147-A177-3AD203B41FA5}">
+                      <a16:colId xmlns:a16="http://schemas.microsoft.com/office/drawing/2014/main" val="62378008"/>
+                    </a:ext>
+                  </a:extLst>
+                </a:gridCol>
+                <a:gridCol w="4114800">
+                  <a:extLst>
+                    <a:ext uri="{9D8B030D-6E8A-4147-A177-3AD203B41FA5}">
+                      <a16:colId xmlns:a16="http://schemas.microsoft.com/office/drawing/2014/main" val="3074775320"/>
+                    </a:ext>
+                  </a:extLst>
+                </a:gridCol>
+              </a:tblGrid>
+              <a:tr h="370840">
+                <a:tc>
+                  <a:txBody>
+                    <a:bodyPr/>
+                    <a:lstStyle/>
+                    <a:p>
+                      <a:r>
+                        <a:rPr lang="zh-TW" altLang="en-US" dirty="0" smtClean="0"/>
+                        <a:t>日期</a:t>
+                      </a:r>
+                      <a:endParaRPr lang="zh-TW" altLang="en-US" dirty="0"/>
+                    </a:p>
+                  </a:txBody>
+                  <a:tcPr/>
+                </a:tc>
+                <a:tc>
+                  <a:txBody>
+                    <a:bodyPr/>
+                    <a:lstStyle/>
+                    <a:p>
+                      <a:r>
+                        <a:rPr lang="zh-TW" altLang="en-US" dirty="0" smtClean="0"/>
+                        <a:t>小時</a:t>
+                      </a:r>
+                      <a:endParaRPr lang="zh-TW" altLang="en-US" dirty="0"/>
+                    </a:p>
+                  </a:txBody>
+                  <a:tcPr/>
+                </a:tc>
+                <a:extLst>
+                  <a:ext uri="{0D108BD9-81ED-4DB2-BD59-A6C34878D82A}">
+                    <a16:rowId xmlns:a16="http://schemas.microsoft.com/office/drawing/2014/main" val="1544415356"/>
+                  </a:ext>
+                </a:extLst>
+              </a:tr>
+              <a:tr h="370840">
+                <a:tc>
+                  <a:txBody>
+                    <a:bodyPr/>
+                    <a:lstStyle/>
+                    <a:p>
+                      <a:pPr marL="0" marR="0" indent="0" algn="l" defTabSz="914400" rtl="0" eaLnBrk="1" fontAlgn="auto" latinLnBrk="0" hangingPunct="1">
+                        <a:lnSpc>
+                          <a:spcPct val="100000"/>
+                        </a:lnSpc>
+                        <a:spcBef>
+                          <a:spcPts val="0"/>
+                        </a:spcBef>
+                        <a:spcAft>
+                          <a:spcPts val="0"/>
+                        </a:spcAft>
+                        <a:buClrTx/>
+                        <a:buSzTx/>
+                        <a:buFontTx/>
+                        <a:buNone/>
+                        <a:tabLst/>
+                        <a:defRPr/>
+                      </a:pPr>
+                      <a:r>
+                        <a:rPr lang="en-US" altLang="zh-TW" dirty="0" smtClean="0"/>
+                        <a:t>10/2</a:t>
+                      </a:r>
+                      <a:endParaRPr lang="zh-TW" altLang="en-US" dirty="0" smtClean="0"/>
+                    </a:p>
+                  </a:txBody>
+                  <a:tcPr/>
+                </a:tc>
+                <a:tc>
+                  <a:txBody>
+                    <a:bodyPr/>
+                    <a:lstStyle/>
+                    <a:p>
+                      <a:pPr marL="0" marR="0" indent="0" algn="l" defTabSz="914400" rtl="0" eaLnBrk="1" fontAlgn="auto" latinLnBrk="0" hangingPunct="1">
+                        <a:lnSpc>
+                          <a:spcPct val="100000"/>
+                        </a:lnSpc>
+                        <a:spcBef>
+                          <a:spcPts val="0"/>
+                        </a:spcBef>
+                        <a:spcAft>
+                          <a:spcPts val="0"/>
+                        </a:spcAft>
+                        <a:buClrTx/>
+                        <a:buSzTx/>
+                        <a:buFontTx/>
+                        <a:buNone/>
+                        <a:tabLst/>
+                        <a:defRPr/>
+                      </a:pPr>
+                      <a:r>
+                        <a:rPr lang="en-US" altLang="zh-TW" dirty="0" smtClean="0"/>
+                        <a:t>3</a:t>
+                      </a:r>
+                      <a:r>
+                        <a:rPr lang="zh-TW" altLang="en-US" dirty="0" smtClean="0"/>
+                        <a:t>小時</a:t>
+                      </a:r>
+                    </a:p>
+                  </a:txBody>
+                  <a:tcPr/>
+                </a:tc>
+                <a:extLst>
+                  <a:ext uri="{0D108BD9-81ED-4DB2-BD59-A6C34878D82A}">
+                    <a16:rowId xmlns:a16="http://schemas.microsoft.com/office/drawing/2014/main" val="3044866068"/>
+                  </a:ext>
+                </a:extLst>
+              </a:tr>
+              <a:tr h="370840">
+                <a:tc>
+                  <a:txBody>
+                    <a:bodyPr/>
+                    <a:lstStyle/>
+                    <a:p>
+                      <a:r>
+                        <a:rPr lang="en-US" altLang="zh-TW" dirty="0" smtClean="0"/>
+                        <a:t>10/5</a:t>
+                      </a:r>
+                      <a:endParaRPr lang="zh-TW" altLang="en-US" dirty="0"/>
+                    </a:p>
+                  </a:txBody>
+                  <a:tcPr/>
+                </a:tc>
+                <a:tc>
+                  <a:txBody>
+                    <a:bodyPr/>
+                    <a:lstStyle/>
+                    <a:p>
+                      <a:r>
+                        <a:rPr lang="en-US" altLang="zh-TW" dirty="0" smtClean="0"/>
+                        <a:t>2</a:t>
+                      </a:r>
+                      <a:r>
+                        <a:rPr lang="zh-TW" altLang="en-US" dirty="0" smtClean="0"/>
+                        <a:t>小時</a:t>
+                      </a:r>
+                      <a:endParaRPr lang="zh-TW" altLang="en-US" dirty="0"/>
+                    </a:p>
+                  </a:txBody>
+                  <a:tcPr/>
+                </a:tc>
+                <a:extLst>
+                  <a:ext uri="{0D108BD9-81ED-4DB2-BD59-A6C34878D82A}">
+                    <a16:rowId xmlns:a16="http://schemas.microsoft.com/office/drawing/2014/main" val="1829722761"/>
+                  </a:ext>
+                </a:extLst>
+              </a:tr>
+              <a:tr h="370840">
+                <a:tc>
+                  <a:txBody>
+                    <a:bodyPr/>
+                    <a:lstStyle/>
+                    <a:p>
+                      <a:r>
+                        <a:rPr lang="en-US" altLang="zh-TW" dirty="0" smtClean="0"/>
+                        <a:t>10/11</a:t>
+                      </a:r>
+                      <a:endParaRPr lang="zh-TW" altLang="en-US" dirty="0"/>
+                    </a:p>
+                  </a:txBody>
+                  <a:tcPr/>
+                </a:tc>
+                <a:tc>
+                  <a:txBody>
+                    <a:bodyPr/>
+                    <a:lstStyle/>
+                    <a:p>
+                      <a:pPr marL="0" marR="0" indent="0" algn="l" defTabSz="914400" rtl="0" eaLnBrk="1" fontAlgn="auto" latinLnBrk="0" hangingPunct="1">
+                        <a:lnSpc>
+                          <a:spcPct val="100000"/>
+                        </a:lnSpc>
+                        <a:spcBef>
+                          <a:spcPts val="0"/>
+                        </a:spcBef>
+                        <a:spcAft>
+                          <a:spcPts val="0"/>
+                        </a:spcAft>
+                        <a:buClrTx/>
+                        <a:buSzTx/>
+                        <a:buFontTx/>
+                        <a:buNone/>
+                        <a:tabLst/>
+                        <a:defRPr/>
+                      </a:pPr>
+                      <a:r>
+                        <a:rPr lang="en-US" altLang="zh-TW" dirty="0" smtClean="0"/>
+                        <a:t>3</a:t>
+                      </a:r>
+                      <a:r>
+                        <a:rPr lang="zh-TW" altLang="en-US" dirty="0" smtClean="0"/>
+                        <a:t>小時</a:t>
+                      </a:r>
+                    </a:p>
+                  </a:txBody>
+                  <a:tcPr/>
+                </a:tc>
+                <a:extLst>
+                  <a:ext uri="{0D108BD9-81ED-4DB2-BD59-A6C34878D82A}">
+                    <a16:rowId xmlns:a16="http://schemas.microsoft.com/office/drawing/2014/main" val="1680919419"/>
+                  </a:ext>
+                </a:extLst>
+              </a:tr>
+              <a:tr h="370840">
+                <a:tc>
+                  <a:txBody>
+                    <a:bodyPr/>
+                    <a:lstStyle/>
+                    <a:p>
+                      <a:r>
+                        <a:rPr lang="en-US" altLang="zh-TW" dirty="0" smtClean="0"/>
+                        <a:t>10/18</a:t>
+                      </a:r>
+                      <a:endParaRPr lang="zh-TW" altLang="en-US" dirty="0"/>
+                    </a:p>
+                  </a:txBody>
+                  <a:tcPr/>
+                </a:tc>
+                <a:tc>
+                  <a:txBody>
+                    <a:bodyPr/>
+                    <a:lstStyle/>
+                    <a:p>
+                      <a:pPr marL="0" marR="0" indent="0" algn="l" defTabSz="914400" rtl="0" eaLnBrk="1" fontAlgn="auto" latinLnBrk="0" hangingPunct="1">
+                        <a:lnSpc>
+                          <a:spcPct val="100000"/>
+                        </a:lnSpc>
+                        <a:spcBef>
+                          <a:spcPts val="0"/>
+                        </a:spcBef>
+                        <a:spcAft>
+                          <a:spcPts val="0"/>
+                        </a:spcAft>
+                        <a:buClrTx/>
+                        <a:buSzTx/>
+                        <a:buFontTx/>
+                        <a:buNone/>
+                        <a:tabLst/>
+                        <a:defRPr/>
+                      </a:pPr>
+                      <a:r>
+                        <a:rPr lang="en-US" altLang="zh-TW" dirty="0" smtClean="0"/>
+                        <a:t>1</a:t>
+                      </a:r>
+                      <a:r>
+                        <a:rPr lang="zh-TW" altLang="en-US" dirty="0" smtClean="0"/>
+                        <a:t>小時</a:t>
+                      </a:r>
+                    </a:p>
+                  </a:txBody>
+                  <a:tcPr/>
+                </a:tc>
+                <a:extLst>
+                  <a:ext uri="{0D108BD9-81ED-4DB2-BD59-A6C34878D82A}">
+                    <a16:rowId xmlns:a16="http://schemas.microsoft.com/office/drawing/2014/main" val="2783317447"/>
+                  </a:ext>
+                </a:extLst>
+              </a:tr>
+              <a:tr h="370840">
+                <a:tc>
+                  <a:txBody>
+                    <a:bodyPr/>
+                    <a:lstStyle/>
+                    <a:p>
+                      <a:r>
+                        <a:rPr lang="en-US" altLang="zh-TW" dirty="0" smtClean="0"/>
+                        <a:t>10/19</a:t>
+                      </a:r>
+                      <a:endParaRPr lang="zh-TW" altLang="en-US" dirty="0"/>
+                    </a:p>
+                  </a:txBody>
+                  <a:tcPr/>
+                </a:tc>
+                <a:tc>
+                  <a:txBody>
+                    <a:bodyPr/>
+                    <a:lstStyle/>
+                    <a:p>
+                      <a:pPr marL="0" marR="0" indent="0" algn="l" defTabSz="914400" rtl="0" eaLnBrk="1" fontAlgn="auto" latinLnBrk="0" hangingPunct="1">
+                        <a:lnSpc>
+                          <a:spcPct val="100000"/>
+                        </a:lnSpc>
+                        <a:spcBef>
+                          <a:spcPts val="0"/>
+                        </a:spcBef>
+                        <a:spcAft>
+                          <a:spcPts val="0"/>
+                        </a:spcAft>
+                        <a:buClrTx/>
+                        <a:buSzTx/>
+                        <a:buFontTx/>
+                        <a:buNone/>
+                        <a:tabLst/>
+                        <a:defRPr/>
+                      </a:pPr>
+                      <a:r>
+                        <a:rPr lang="en-US" altLang="zh-TW" dirty="0" smtClean="0"/>
+                        <a:t>3</a:t>
+                      </a:r>
+                      <a:r>
+                        <a:rPr lang="zh-TW" altLang="en-US" dirty="0" smtClean="0"/>
+                        <a:t>小時</a:t>
+                      </a:r>
+                    </a:p>
+                  </a:txBody>
+                  <a:tcPr/>
+                </a:tc>
+                <a:extLst>
+                  <a:ext uri="{0D108BD9-81ED-4DB2-BD59-A6C34878D82A}">
+                    <a16:rowId xmlns:a16="http://schemas.microsoft.com/office/drawing/2014/main" val="4073050539"/>
+                  </a:ext>
+                </a:extLst>
+              </a:tr>
+              <a:tr h="370840">
+                <a:tc>
+                  <a:txBody>
+                    <a:bodyPr/>
+                    <a:lstStyle/>
+                    <a:p>
+                      <a:r>
+                        <a:rPr lang="en-US" altLang="zh-TW" dirty="0" smtClean="0"/>
+                        <a:t>10/20</a:t>
+                      </a:r>
+                      <a:endParaRPr lang="zh-TW" altLang="en-US" dirty="0"/>
+                    </a:p>
+                  </a:txBody>
+                  <a:tcPr/>
+                </a:tc>
+                <a:tc>
+                  <a:txBody>
+                    <a:bodyPr/>
+                    <a:lstStyle/>
+                    <a:p>
+                      <a:pPr marL="0" marR="0" indent="0" algn="l" defTabSz="914400" rtl="0" eaLnBrk="1" fontAlgn="auto" latinLnBrk="0" hangingPunct="1">
+                        <a:lnSpc>
+                          <a:spcPct val="100000"/>
+                        </a:lnSpc>
+                        <a:spcBef>
+                          <a:spcPts val="0"/>
+                        </a:spcBef>
+                        <a:spcAft>
+                          <a:spcPts val="0"/>
+                        </a:spcAft>
+                        <a:buClrTx/>
+                        <a:buSzTx/>
+                        <a:buFontTx/>
+                        <a:buNone/>
+                        <a:tabLst/>
+                        <a:defRPr/>
+                      </a:pPr>
+                      <a:r>
+                        <a:rPr lang="en-US" altLang="zh-TW" dirty="0" smtClean="0"/>
+                        <a:t>3</a:t>
+                      </a:r>
+                      <a:r>
+                        <a:rPr lang="zh-TW" altLang="en-US" dirty="0" smtClean="0"/>
+                        <a:t>小時</a:t>
+                      </a:r>
+                    </a:p>
+                  </a:txBody>
+                  <a:tcPr/>
+                </a:tc>
+                <a:extLst>
+                  <a:ext uri="{0D108BD9-81ED-4DB2-BD59-A6C34878D82A}">
+                    <a16:rowId xmlns:a16="http://schemas.microsoft.com/office/drawing/2014/main" val="2598383543"/>
+                  </a:ext>
+                </a:extLst>
+              </a:tr>
+              <a:tr h="370840">
+                <a:tc>
+                  <a:txBody>
+                    <a:bodyPr/>
+                    <a:lstStyle/>
+                    <a:p>
+                      <a:r>
+                        <a:rPr lang="en-US" altLang="zh-TW" dirty="0" smtClean="0"/>
+                        <a:t>10/26</a:t>
+                      </a:r>
+                      <a:endParaRPr lang="zh-TW" altLang="en-US" dirty="0"/>
+                    </a:p>
+                  </a:txBody>
+                  <a:tcPr/>
+                </a:tc>
+                <a:tc>
+                  <a:txBody>
+                    <a:bodyPr/>
+                    <a:lstStyle/>
+                    <a:p>
+                      <a:pPr marL="0" marR="0" indent="0" algn="l" defTabSz="914400" rtl="0" eaLnBrk="1" fontAlgn="auto" latinLnBrk="0" hangingPunct="1">
+                        <a:lnSpc>
+                          <a:spcPct val="100000"/>
+                        </a:lnSpc>
+                        <a:spcBef>
+                          <a:spcPts val="0"/>
+                        </a:spcBef>
+                        <a:spcAft>
+                          <a:spcPts val="0"/>
+                        </a:spcAft>
+                        <a:buClrTx/>
+                        <a:buSzTx/>
+                        <a:buFontTx/>
+                        <a:buNone/>
+                        <a:tabLst/>
+                        <a:defRPr/>
+                      </a:pPr>
+                      <a:r>
+                        <a:rPr lang="en-US" altLang="zh-TW" dirty="0" smtClean="0"/>
+                        <a:t>2</a:t>
+                      </a:r>
+                      <a:r>
+                        <a:rPr lang="zh-TW" altLang="en-US" dirty="0" smtClean="0"/>
+                        <a:t>小時</a:t>
+                      </a:r>
+                    </a:p>
+                  </a:txBody>
+                  <a:tcPr/>
+                </a:tc>
+                <a:extLst>
+                  <a:ext uri="{0D108BD9-81ED-4DB2-BD59-A6C34878D82A}">
+                    <a16:rowId xmlns:a16="http://schemas.microsoft.com/office/drawing/2014/main" val="2465584741"/>
+                  </a:ext>
+                </a:extLst>
+              </a:tr>
+              <a:tr h="370840">
+                <a:tc>
+                  <a:txBody>
+                    <a:bodyPr/>
+                    <a:lstStyle/>
+                    <a:p>
+                      <a:r>
+                        <a:rPr lang="en-US" altLang="zh-TW" dirty="0" smtClean="0"/>
+                        <a:t>10/27</a:t>
+                      </a:r>
+                      <a:endParaRPr lang="zh-TW" altLang="en-US" dirty="0"/>
+                    </a:p>
+                  </a:txBody>
+                  <a:tcPr/>
+                </a:tc>
+                <a:tc>
+                  <a:txBody>
+                    <a:bodyPr/>
+                    <a:lstStyle/>
+                    <a:p>
+                      <a:pPr marL="0" marR="0" indent="0" algn="l" defTabSz="914400" rtl="0" eaLnBrk="1" fontAlgn="auto" latinLnBrk="0" hangingPunct="1">
+                        <a:lnSpc>
+                          <a:spcPct val="100000"/>
+                        </a:lnSpc>
+                        <a:spcBef>
+                          <a:spcPts val="0"/>
+                        </a:spcBef>
+                        <a:spcAft>
+                          <a:spcPts val="0"/>
+                        </a:spcAft>
+                        <a:buClrTx/>
+                        <a:buSzTx/>
+                        <a:buFontTx/>
+                        <a:buNone/>
+                        <a:tabLst/>
+                        <a:defRPr/>
+                      </a:pPr>
+                      <a:r>
+                        <a:rPr lang="en-US" altLang="zh-TW" dirty="0" smtClean="0"/>
+                        <a:t>1</a:t>
+                      </a:r>
+                      <a:r>
+                        <a:rPr lang="zh-TW" altLang="en-US" dirty="0" smtClean="0"/>
+                        <a:t>小時</a:t>
+                      </a:r>
+                    </a:p>
+                  </a:txBody>
+                  <a:tcPr/>
+                </a:tc>
+                <a:extLst>
+                  <a:ext uri="{0D108BD9-81ED-4DB2-BD59-A6C34878D82A}">
+                    <a16:rowId xmlns:a16="http://schemas.microsoft.com/office/drawing/2014/main" val="2330444438"/>
+                  </a:ext>
+                </a:extLst>
+              </a:tr>
+              <a:tr h="370840">
+                <a:tc>
+                  <a:txBody>
+                    <a:bodyPr/>
+                    <a:lstStyle/>
+                    <a:p>
+                      <a:r>
+                        <a:rPr lang="en-US" altLang="zh-TW" dirty="0" smtClean="0"/>
+                        <a:t>10/29</a:t>
+                      </a:r>
+                      <a:endParaRPr lang="zh-TW" altLang="en-US" dirty="0"/>
+                    </a:p>
+                  </a:txBody>
+                  <a:tcPr/>
+                </a:tc>
+                <a:tc>
+                  <a:txBody>
+                    <a:bodyPr/>
+                    <a:lstStyle/>
+                    <a:p>
+                      <a:pPr marL="0" marR="0" indent="0" algn="l" defTabSz="914400" rtl="0" eaLnBrk="1" fontAlgn="auto" latinLnBrk="0" hangingPunct="1">
+                        <a:lnSpc>
+                          <a:spcPct val="100000"/>
+                        </a:lnSpc>
+                        <a:spcBef>
+                          <a:spcPts val="0"/>
+                        </a:spcBef>
+                        <a:spcAft>
+                          <a:spcPts val="0"/>
+                        </a:spcAft>
+                        <a:buClrTx/>
+                        <a:buSzTx/>
+                        <a:buFontTx/>
+                        <a:buNone/>
+                        <a:tabLst/>
+                        <a:defRPr/>
+                      </a:pPr>
+                      <a:r>
+                        <a:rPr lang="en-US" altLang="zh-TW" dirty="0" smtClean="0"/>
+                        <a:t>6</a:t>
+                      </a:r>
+                      <a:r>
+                        <a:rPr lang="zh-TW" altLang="en-US" dirty="0" smtClean="0"/>
+                        <a:t>小時</a:t>
+                      </a:r>
+                    </a:p>
+                  </a:txBody>
+                  <a:tcPr/>
+                </a:tc>
+                <a:extLst>
+                  <a:ext uri="{0D108BD9-81ED-4DB2-BD59-A6C34878D82A}">
+                    <a16:rowId xmlns:a16="http://schemas.microsoft.com/office/drawing/2014/main" val="3390130878"/>
+                  </a:ext>
+                </a:extLst>
+              </a:tr>
+              <a:tr h="370840">
+                <a:tc>
+                  <a:txBody>
+                    <a:bodyPr/>
+                    <a:lstStyle/>
+                    <a:p>
+                      <a:r>
+                        <a:rPr lang="en-US" altLang="zh-TW" dirty="0" smtClean="0"/>
+                        <a:t>10/30</a:t>
+                      </a:r>
+                      <a:endParaRPr lang="zh-TW" altLang="en-US" dirty="0"/>
+                    </a:p>
+                  </a:txBody>
+                  <a:tcPr/>
+                </a:tc>
+                <a:tc>
+                  <a:txBody>
+                    <a:bodyPr/>
+                    <a:lstStyle/>
+                    <a:p>
+                      <a:pPr marL="0" marR="0" indent="0" algn="l" defTabSz="914400" rtl="0" eaLnBrk="1" fontAlgn="auto" latinLnBrk="0" hangingPunct="1">
+                        <a:lnSpc>
+                          <a:spcPct val="100000"/>
+                        </a:lnSpc>
+                        <a:spcBef>
+                          <a:spcPts val="0"/>
+                        </a:spcBef>
+                        <a:spcAft>
+                          <a:spcPts val="0"/>
+                        </a:spcAft>
+                        <a:buClrTx/>
+                        <a:buSzTx/>
+                        <a:buFontTx/>
+                        <a:buNone/>
+                        <a:tabLst/>
+                        <a:defRPr/>
+                      </a:pPr>
+                      <a:r>
+                        <a:rPr lang="en-US" altLang="zh-TW" dirty="0" smtClean="0"/>
+                        <a:t>6</a:t>
+                      </a:r>
+                      <a:r>
+                        <a:rPr lang="zh-TW" altLang="en-US" dirty="0" smtClean="0"/>
+                        <a:t>小時</a:t>
+                      </a:r>
+                    </a:p>
+                  </a:txBody>
+                  <a:tcPr/>
+                </a:tc>
+                <a:extLst>
+                  <a:ext uri="{0D108BD9-81ED-4DB2-BD59-A6C34878D82A}">
+                    <a16:rowId xmlns:a16="http://schemas.microsoft.com/office/drawing/2014/main" val="1561468546"/>
+                  </a:ext>
+                </a:extLst>
+              </a:tr>
+            </a:tbl>
+          </a:graphicData>
+        </a:graphic>
+      </p:graphicFrame>
       <p:sp>
         <p:nvSpPr>
           <p:cNvPr id="4" name="日期版面配置區 3"/>
@@ -7594,7 +8169,7 @@
               <a:pPr>
                 <a:defRPr/>
               </a:pPr>
-              <a:t>2017/10/26</a:t>
+              <a:t>2017/10/30</a:t>
             </a:fld>
             <a:endParaRPr lang="zh-TW" altLang="en-US"/>
           </a:p>
@@ -7820,7 +8395,7 @@
               <a:pPr>
                 <a:defRPr/>
               </a:pPr>
-              <a:t>2017/10/26</a:t>
+              <a:t>2017/10/30</a:t>
             </a:fld>
             <a:endParaRPr lang="zh-TW" altLang="en-US"/>
           </a:p>
@@ -7931,7 +8506,7 @@
               <a:pPr>
                 <a:defRPr/>
               </a:pPr>
-              <a:t>2017/10/26</a:t>
+              <a:t>2017/10/30</a:t>
             </a:fld>
             <a:endParaRPr lang="zh-TW" altLang="en-US" dirty="0"/>
           </a:p>
@@ -8297,7 +8872,7 @@
               <a:pPr>
                 <a:defRPr/>
               </a:pPr>
-              <a:t>2017/10/26</a:t>
+              <a:t>2017/10/30</a:t>
             </a:fld>
             <a:endParaRPr lang="zh-TW" altLang="en-US"/>
           </a:p>
@@ -8431,15 +9006,7 @@
             </a:r>
             <a:r>
               <a:rPr lang="zh-TW" altLang="en-US" dirty="0"/>
-              <a:t>身</a:t>
-            </a:r>
-            <a:r>
-              <a:rPr lang="zh-TW" altLang="en-US" dirty="0"/>
-              <a:t>為課程管理者，我希望瀏覽作業的繳交</a:t>
-            </a:r>
-            <a:r>
-              <a:rPr lang="zh-TW" altLang="en-US" dirty="0"/>
-              <a:t>狀況</a:t>
+              <a:t>身為課程管理者，我希望瀏覽作業的繳交狀況</a:t>
             </a:r>
             <a:endParaRPr lang="en-US" altLang="zh-TW" dirty="0"/>
           </a:p>
@@ -8490,7 +9057,7 @@
               <a:pPr>
                 <a:defRPr/>
               </a:pPr>
-              <a:t>2017/10/26</a:t>
+              <a:t>2017/10/30</a:t>
             </a:fld>
             <a:endParaRPr lang="zh-TW" altLang="en-US"/>
           </a:p>
@@ -8626,7 +9193,7 @@
               <a:pPr>
                 <a:defRPr/>
               </a:pPr>
-              <a:t>2017/10/26</a:t>
+              <a:t>2017/10/30</a:t>
             </a:fld>
             <a:endParaRPr lang="zh-TW" altLang="en-US"/>
           </a:p>
@@ -11264,7 +11831,7 @@
               <a:pPr>
                 <a:defRPr/>
               </a:pPr>
-              <a:t>2017/10/26</a:t>
+              <a:t>2017/10/30</a:t>
             </a:fld>
             <a:endParaRPr lang="zh-TW" altLang="en-US"/>
           </a:p>
@@ -13852,7 +14419,7 @@
               <a:pPr>
                 <a:defRPr/>
               </a:pPr>
-              <a:t>2017/10/27</a:t>
+              <a:t>2017/10/30</a:t>
             </a:fld>
             <a:endParaRPr lang="zh-TW" altLang="en-US"/>
           </a:p>
@@ -14857,7 +15424,7 @@
               <a:pPr>
                 <a:defRPr/>
               </a:pPr>
-              <a:t>2017/10/27</a:t>
+              <a:t>2017/10/30</a:t>
             </a:fld>
             <a:endParaRPr lang="zh-TW" altLang="en-US"/>
           </a:p>

--- a/doc/report.pptx
+++ b/doc/report.pptx
@@ -5,10 +5,10 @@
     <p:sldMasterId id="2147483828" r:id="rId1"/>
   </p:sldMasterIdLst>
   <p:notesMasterIdLst>
-    <p:notesMasterId r:id="rId15"/>
+    <p:notesMasterId r:id="rId16"/>
   </p:notesMasterIdLst>
   <p:handoutMasterIdLst>
-    <p:handoutMasterId r:id="rId16"/>
+    <p:handoutMasterId r:id="rId17"/>
   </p:handoutMasterIdLst>
   <p:sldIdLst>
     <p:sldId id="256" r:id="rId2"/>
@@ -24,6 +24,7 @@
     <p:sldId id="264" r:id="rId12"/>
     <p:sldId id="265" r:id="rId13"/>
     <p:sldId id="258" r:id="rId14"/>
+    <p:sldId id="269" r:id="rId15"/>
   </p:sldIdLst>
   <p:sldSz cx="9144000" cy="6858000" type="screen4x3"/>
   <p:notesSz cx="7099300" cy="10234613"/>
@@ -275,6 +276,11 @@
         </p:txBody>
       </p:sp>
     </p:spTree>
+    <p:extLst>
+      <p:ext uri="{BB962C8B-B14F-4D97-AF65-F5344CB8AC3E}">
+        <p14:creationId xmlns:p14="http://schemas.microsoft.com/office/powerpoint/2010/main" val="3268074773"/>
+      </p:ext>
+    </p:extLst>
   </p:cSld>
   <p:clrMap bg1="lt1" tx1="dk1" bg2="lt2" tx2="dk2" accent1="accent1" accent2="accent2" accent3="accent3" accent4="accent4" accent5="accent5" accent6="accent6" hlink="hlink" folHlink="folHlink"/>
   <p:hf hdr="0" ftr="0" dt="0"/>
@@ -381,7 +387,7 @@
               <a:pPr>
                 <a:defRPr/>
               </a:pPr>
-              <a:t>2017/10/30</a:t>
+              <a:t>2017/10/31</a:t>
             </a:fld>
             <a:endParaRPr lang="zh-TW" altLang="en-US"/>
           </a:p>
@@ -561,6 +567,11 @@
         </p:txBody>
       </p:sp>
     </p:spTree>
+    <p:extLst>
+      <p:ext uri="{BB962C8B-B14F-4D97-AF65-F5344CB8AC3E}">
+        <p14:creationId xmlns:p14="http://schemas.microsoft.com/office/powerpoint/2010/main" val="1012400098"/>
+      </p:ext>
+    </p:extLst>
   </p:cSld>
   <p:clrMap bg1="lt1" tx1="dk1" bg2="lt2" tx2="dk2" accent1="accent1" accent2="accent2" accent3="accent3" accent4="accent4" accent5="accent5" accent6="accent6" hlink="hlink" folHlink="folHlink"/>
   <p:hf hdr="0" ftr="0" dt="0"/>
@@ -1423,7 +1434,7 @@
               <a:pPr>
                 <a:defRPr/>
               </a:pPr>
-              <a:t>2017/10/30</a:t>
+              <a:t>2017/10/31</a:t>
             </a:fld>
             <a:endParaRPr lang="zh-TW" altLang="en-US"/>
           </a:p>
@@ -1618,7 +1629,7 @@
               <a:pPr>
                 <a:defRPr/>
               </a:pPr>
-              <a:t>2017/10/30</a:t>
+              <a:t>2017/10/31</a:t>
             </a:fld>
             <a:endParaRPr lang="zh-TW" altLang="en-US"/>
           </a:p>
@@ -1823,7 +1834,7 @@
               <a:pPr>
                 <a:defRPr/>
               </a:pPr>
-              <a:t>2017/10/30</a:t>
+              <a:t>2017/10/31</a:t>
             </a:fld>
             <a:endParaRPr lang="zh-TW" altLang="en-US"/>
           </a:p>
@@ -2062,7 +2073,7 @@
               <a:pPr>
                 <a:defRPr/>
               </a:pPr>
-              <a:t>2017/10/30</a:t>
+              <a:t>2017/10/31</a:t>
             </a:fld>
             <a:endParaRPr lang="zh-TW" altLang="en-US"/>
           </a:p>
@@ -2331,7 +2342,7 @@
               <a:pPr>
                 <a:defRPr/>
               </a:pPr>
-              <a:t>2017/10/30</a:t>
+              <a:t>2017/10/31</a:t>
             </a:fld>
             <a:endParaRPr lang="zh-TW" altLang="en-US"/>
           </a:p>
@@ -2644,7 +2655,7 @@
               <a:pPr>
                 <a:defRPr/>
               </a:pPr>
-              <a:t>2017/10/30</a:t>
+              <a:t>2017/10/31</a:t>
             </a:fld>
             <a:endParaRPr lang="zh-TW" altLang="en-US"/>
           </a:p>
@@ -3091,7 +3102,7 @@
               <a:pPr>
                 <a:defRPr/>
               </a:pPr>
-              <a:t>2017/10/30</a:t>
+              <a:t>2017/10/31</a:t>
             </a:fld>
             <a:endParaRPr lang="zh-TW" altLang="en-US"/>
           </a:p>
@@ -3234,7 +3245,7 @@
               <a:pPr>
                 <a:defRPr/>
               </a:pPr>
-              <a:t>2017/10/30</a:t>
+              <a:t>2017/10/31</a:t>
             </a:fld>
             <a:endParaRPr lang="zh-TW" altLang="en-US"/>
           </a:p>
@@ -3354,7 +3365,7 @@
               <a:pPr>
                 <a:defRPr/>
               </a:pPr>
-              <a:t>2017/10/30</a:t>
+              <a:t>2017/10/31</a:t>
             </a:fld>
             <a:endParaRPr lang="zh-TW" altLang="en-US"/>
           </a:p>
@@ -3656,7 +3667,7 @@
               <a:pPr>
                 <a:defRPr/>
               </a:pPr>
-              <a:t>2017/10/30</a:t>
+              <a:t>2017/10/31</a:t>
             </a:fld>
             <a:endParaRPr lang="zh-TW" altLang="en-US"/>
           </a:p>
@@ -3941,7 +3952,7 @@
               <a:pPr>
                 <a:defRPr/>
               </a:pPr>
-              <a:t>2017/10/30</a:t>
+              <a:t>2017/10/31</a:t>
             </a:fld>
             <a:endParaRPr lang="zh-TW" altLang="en-US"/>
           </a:p>
@@ -4223,7 +4234,7 @@
               <a:pPr>
                 <a:defRPr/>
               </a:pPr>
-              <a:t>2017/10/30</a:t>
+              <a:t>2017/10/31</a:t>
             </a:fld>
             <a:endParaRPr lang="zh-TW" altLang="en-US"/>
           </a:p>
@@ -5065,7 +5076,7 @@
               <a:pPr>
                 <a:defRPr/>
               </a:pPr>
-              <a:t>2017/10/30</a:t>
+              <a:t>2017/10/31</a:t>
             </a:fld>
             <a:endParaRPr lang="zh-TW" altLang="en-US"/>
           </a:p>
@@ -5263,14 +5274,14 @@
                 <a:gridCol w="2712099">
                   <a:extLst>
                     <a:ext uri="{9D8B030D-6E8A-4147-A177-3AD203B41FA5}">
-                      <a16:colId xmlns:a16="http://schemas.microsoft.com/office/drawing/2014/main" val="87633011"/>
+                      <a16:colId xmlns:a16="http://schemas.microsoft.com/office/drawing/2014/main" xmlns="" val="87633011"/>
                     </a:ext>
                   </a:extLst>
                 </a:gridCol>
                 <a:gridCol w="5449101">
                   <a:extLst>
                     <a:ext uri="{9D8B030D-6E8A-4147-A177-3AD203B41FA5}">
-                      <a16:colId xmlns:a16="http://schemas.microsoft.com/office/drawing/2014/main" val="2925896174"/>
+                      <a16:colId xmlns:a16="http://schemas.microsoft.com/office/drawing/2014/main" xmlns="" val="2925896174"/>
                     </a:ext>
                   </a:extLst>
                 </a:gridCol>
@@ -5306,7 +5317,7 @@
                 </a:tc>
                 <a:extLst>
                   <a:ext uri="{0D108BD9-81ED-4DB2-BD59-A6C34878D82A}">
-                    <a16:rowId xmlns:a16="http://schemas.microsoft.com/office/drawing/2014/main" val="3895224598"/>
+                    <a16:rowId xmlns:a16="http://schemas.microsoft.com/office/drawing/2014/main" xmlns="" val="3895224598"/>
                   </a:ext>
                 </a:extLst>
               </a:tr>
@@ -5395,7 +5406,7 @@
                 </a:tc>
                 <a:extLst>
                   <a:ext uri="{0D108BD9-81ED-4DB2-BD59-A6C34878D82A}">
-                    <a16:rowId xmlns:a16="http://schemas.microsoft.com/office/drawing/2014/main" val="2227397568"/>
+                    <a16:rowId xmlns:a16="http://schemas.microsoft.com/office/drawing/2014/main" xmlns="" val="2227397568"/>
                   </a:ext>
                 </a:extLst>
               </a:tr>
@@ -5476,7 +5487,7 @@
                 </a:tc>
                 <a:extLst>
                   <a:ext uri="{0D108BD9-81ED-4DB2-BD59-A6C34878D82A}">
-                    <a16:rowId xmlns:a16="http://schemas.microsoft.com/office/drawing/2014/main" val="2285874812"/>
+                    <a16:rowId xmlns:a16="http://schemas.microsoft.com/office/drawing/2014/main" xmlns="" val="2285874812"/>
                   </a:ext>
                 </a:extLst>
               </a:tr>
@@ -5536,7 +5547,7 @@
                 </a:tc>
                 <a:extLst>
                   <a:ext uri="{0D108BD9-81ED-4DB2-BD59-A6C34878D82A}">
-                    <a16:rowId xmlns:a16="http://schemas.microsoft.com/office/drawing/2014/main" val="3504635375"/>
+                    <a16:rowId xmlns:a16="http://schemas.microsoft.com/office/drawing/2014/main" xmlns="" val="3504635375"/>
                   </a:ext>
                 </a:extLst>
               </a:tr>
@@ -5604,7 +5615,7 @@
                 </a:tc>
                 <a:extLst>
                   <a:ext uri="{0D108BD9-81ED-4DB2-BD59-A6C34878D82A}">
-                    <a16:rowId xmlns:a16="http://schemas.microsoft.com/office/drawing/2014/main" val="1370675075"/>
+                    <a16:rowId xmlns:a16="http://schemas.microsoft.com/office/drawing/2014/main" xmlns="" val="1370675075"/>
                   </a:ext>
                 </a:extLst>
               </a:tr>
@@ -5664,7 +5675,7 @@
                 </a:tc>
                 <a:extLst>
                   <a:ext uri="{0D108BD9-81ED-4DB2-BD59-A6C34878D82A}">
-                    <a16:rowId xmlns:a16="http://schemas.microsoft.com/office/drawing/2014/main" val="4079855752"/>
+                    <a16:rowId xmlns:a16="http://schemas.microsoft.com/office/drawing/2014/main" xmlns="" val="4079855752"/>
                   </a:ext>
                 </a:extLst>
               </a:tr>
@@ -5724,7 +5735,7 @@
                 </a:tc>
                 <a:extLst>
                   <a:ext uri="{0D108BD9-81ED-4DB2-BD59-A6C34878D82A}">
-                    <a16:rowId xmlns:a16="http://schemas.microsoft.com/office/drawing/2014/main" val="3252417867"/>
+                    <a16:rowId xmlns:a16="http://schemas.microsoft.com/office/drawing/2014/main" xmlns="" val="3252417867"/>
                   </a:ext>
                 </a:extLst>
               </a:tr>
@@ -5784,7 +5795,7 @@
                 </a:tc>
                 <a:extLst>
                   <a:ext uri="{0D108BD9-81ED-4DB2-BD59-A6C34878D82A}">
-                    <a16:rowId xmlns:a16="http://schemas.microsoft.com/office/drawing/2014/main" val="2776023583"/>
+                    <a16:rowId xmlns:a16="http://schemas.microsoft.com/office/drawing/2014/main" xmlns="" val="2776023583"/>
                   </a:ext>
                 </a:extLst>
               </a:tr>
@@ -5859,7 +5870,7 @@
                 </a:tc>
                 <a:extLst>
                   <a:ext uri="{0D108BD9-81ED-4DB2-BD59-A6C34878D82A}">
-                    <a16:rowId xmlns:a16="http://schemas.microsoft.com/office/drawing/2014/main" val="1167250090"/>
+                    <a16:rowId xmlns:a16="http://schemas.microsoft.com/office/drawing/2014/main" xmlns="" val="1167250090"/>
                   </a:ext>
                 </a:extLst>
               </a:tr>
@@ -5939,7 +5950,7 @@
                 </a:tc>
                 <a:extLst>
                   <a:ext uri="{0D108BD9-81ED-4DB2-BD59-A6C34878D82A}">
-                    <a16:rowId xmlns:a16="http://schemas.microsoft.com/office/drawing/2014/main" val="3851974090"/>
+                    <a16:rowId xmlns:a16="http://schemas.microsoft.com/office/drawing/2014/main" xmlns="" val="3851974090"/>
                   </a:ext>
                 </a:extLst>
               </a:tr>
@@ -6011,7 +6022,7 @@
                 </a:tc>
                 <a:extLst>
                   <a:ext uri="{0D108BD9-81ED-4DB2-BD59-A6C34878D82A}">
-                    <a16:rowId xmlns:a16="http://schemas.microsoft.com/office/drawing/2014/main" val="3064833447"/>
+                    <a16:rowId xmlns:a16="http://schemas.microsoft.com/office/drawing/2014/main" xmlns="" val="3064833447"/>
                   </a:ext>
                 </a:extLst>
               </a:tr>
@@ -6083,7 +6094,7 @@
                 </a:tc>
                 <a:extLst>
                   <a:ext uri="{0D108BD9-81ED-4DB2-BD59-A6C34878D82A}">
-                    <a16:rowId xmlns:a16="http://schemas.microsoft.com/office/drawing/2014/main" val="1873275827"/>
+                    <a16:rowId xmlns:a16="http://schemas.microsoft.com/office/drawing/2014/main" xmlns="" val="1873275827"/>
                   </a:ext>
                 </a:extLst>
               </a:tr>
@@ -6163,7 +6174,7 @@
                 </a:tc>
                 <a:extLst>
                   <a:ext uri="{0D108BD9-81ED-4DB2-BD59-A6C34878D82A}">
-                    <a16:rowId xmlns:a16="http://schemas.microsoft.com/office/drawing/2014/main" val="4216443485"/>
+                    <a16:rowId xmlns:a16="http://schemas.microsoft.com/office/drawing/2014/main" xmlns="" val="4216443485"/>
                   </a:ext>
                 </a:extLst>
               </a:tr>
@@ -6235,7 +6246,7 @@
                 </a:tc>
                 <a:extLst>
                   <a:ext uri="{0D108BD9-81ED-4DB2-BD59-A6C34878D82A}">
-                    <a16:rowId xmlns:a16="http://schemas.microsoft.com/office/drawing/2014/main" val="524508212"/>
+                    <a16:rowId xmlns:a16="http://schemas.microsoft.com/office/drawing/2014/main" xmlns="" val="524508212"/>
                   </a:ext>
                 </a:extLst>
               </a:tr>
@@ -6307,7 +6318,7 @@
                 </a:tc>
                 <a:extLst>
                   <a:ext uri="{0D108BD9-81ED-4DB2-BD59-A6C34878D82A}">
-                    <a16:rowId xmlns:a16="http://schemas.microsoft.com/office/drawing/2014/main" val="2657342310"/>
+                    <a16:rowId xmlns:a16="http://schemas.microsoft.com/office/drawing/2014/main" xmlns="" val="2657342310"/>
                   </a:ext>
                 </a:extLst>
               </a:tr>
@@ -6338,7 +6349,7 @@
               <a:pPr>
                 <a:defRPr/>
               </a:pPr>
-              <a:t>2017/10/30</a:t>
+              <a:t>2017/10/31</a:t>
             </a:fld>
             <a:endParaRPr lang="zh-TW" altLang="en-US"/>
           </a:p>
@@ -6454,14 +6465,14 @@
                 <a:gridCol w="2712099">
                   <a:extLst>
                     <a:ext uri="{9D8B030D-6E8A-4147-A177-3AD203B41FA5}">
-                      <a16:colId xmlns:a16="http://schemas.microsoft.com/office/drawing/2014/main" val="87633011"/>
+                      <a16:colId xmlns:a16="http://schemas.microsoft.com/office/drawing/2014/main" xmlns="" val="87633011"/>
                     </a:ext>
                   </a:extLst>
                 </a:gridCol>
                 <a:gridCol w="5449101">
                   <a:extLst>
                     <a:ext uri="{9D8B030D-6E8A-4147-A177-3AD203B41FA5}">
-                      <a16:colId xmlns:a16="http://schemas.microsoft.com/office/drawing/2014/main" val="2925896174"/>
+                      <a16:colId xmlns:a16="http://schemas.microsoft.com/office/drawing/2014/main" xmlns="" val="2925896174"/>
                     </a:ext>
                   </a:extLst>
                 </a:gridCol>
@@ -6497,7 +6508,7 @@
                 </a:tc>
                 <a:extLst>
                   <a:ext uri="{0D108BD9-81ED-4DB2-BD59-A6C34878D82A}">
-                    <a16:rowId xmlns:a16="http://schemas.microsoft.com/office/drawing/2014/main" val="3895224598"/>
+                    <a16:rowId xmlns:a16="http://schemas.microsoft.com/office/drawing/2014/main" xmlns="" val="3895224598"/>
                   </a:ext>
                 </a:extLst>
               </a:tr>
@@ -6569,7 +6580,7 @@
                 </a:tc>
                 <a:extLst>
                   <a:ext uri="{0D108BD9-81ED-4DB2-BD59-A6C34878D82A}">
-                    <a16:rowId xmlns:a16="http://schemas.microsoft.com/office/drawing/2014/main" val="2227397568"/>
+                    <a16:rowId xmlns:a16="http://schemas.microsoft.com/office/drawing/2014/main" xmlns="" val="2227397568"/>
                   </a:ext>
                 </a:extLst>
               </a:tr>
@@ -6641,7 +6652,7 @@
                 </a:tc>
                 <a:extLst>
                   <a:ext uri="{0D108BD9-81ED-4DB2-BD59-A6C34878D82A}">
-                    <a16:rowId xmlns:a16="http://schemas.microsoft.com/office/drawing/2014/main" val="2285874812"/>
+                    <a16:rowId xmlns:a16="http://schemas.microsoft.com/office/drawing/2014/main" xmlns="" val="2285874812"/>
                   </a:ext>
                 </a:extLst>
               </a:tr>
@@ -6713,7 +6724,7 @@
                 </a:tc>
                 <a:extLst>
                   <a:ext uri="{0D108BD9-81ED-4DB2-BD59-A6C34878D82A}">
-                    <a16:rowId xmlns:a16="http://schemas.microsoft.com/office/drawing/2014/main" val="3504635375"/>
+                    <a16:rowId xmlns:a16="http://schemas.microsoft.com/office/drawing/2014/main" xmlns="" val="3504635375"/>
                   </a:ext>
                 </a:extLst>
               </a:tr>
@@ -6785,7 +6796,7 @@
                 </a:tc>
                 <a:extLst>
                   <a:ext uri="{0D108BD9-81ED-4DB2-BD59-A6C34878D82A}">
-                    <a16:rowId xmlns:a16="http://schemas.microsoft.com/office/drawing/2014/main" val="1370675075"/>
+                    <a16:rowId xmlns:a16="http://schemas.microsoft.com/office/drawing/2014/main" xmlns="" val="1370675075"/>
                   </a:ext>
                 </a:extLst>
               </a:tr>
@@ -6865,7 +6876,7 @@
                 </a:tc>
                 <a:extLst>
                   <a:ext uri="{0D108BD9-81ED-4DB2-BD59-A6C34878D82A}">
-                    <a16:rowId xmlns:a16="http://schemas.microsoft.com/office/drawing/2014/main" val="4079855752"/>
+                    <a16:rowId xmlns:a16="http://schemas.microsoft.com/office/drawing/2014/main" xmlns="" val="4079855752"/>
                   </a:ext>
                 </a:extLst>
               </a:tr>
@@ -6937,7 +6948,7 @@
                 </a:tc>
                 <a:extLst>
                   <a:ext uri="{0D108BD9-81ED-4DB2-BD59-A6C34878D82A}">
-                    <a16:rowId xmlns:a16="http://schemas.microsoft.com/office/drawing/2014/main" val="3252417867"/>
+                    <a16:rowId xmlns:a16="http://schemas.microsoft.com/office/drawing/2014/main" xmlns="" val="3252417867"/>
                   </a:ext>
                 </a:extLst>
               </a:tr>
@@ -7009,7 +7020,7 @@
                 </a:tc>
                 <a:extLst>
                   <a:ext uri="{0D108BD9-81ED-4DB2-BD59-A6C34878D82A}">
-                    <a16:rowId xmlns:a16="http://schemas.microsoft.com/office/drawing/2014/main" val="2776023583"/>
+                    <a16:rowId xmlns:a16="http://schemas.microsoft.com/office/drawing/2014/main" xmlns="" val="2776023583"/>
                   </a:ext>
                 </a:extLst>
               </a:tr>
@@ -7081,7 +7092,7 @@
                 </a:tc>
                 <a:extLst>
                   <a:ext uri="{0D108BD9-81ED-4DB2-BD59-A6C34878D82A}">
-                    <a16:rowId xmlns:a16="http://schemas.microsoft.com/office/drawing/2014/main" val="1167250090"/>
+                    <a16:rowId xmlns:a16="http://schemas.microsoft.com/office/drawing/2014/main" xmlns="" val="1167250090"/>
                   </a:ext>
                 </a:extLst>
               </a:tr>
@@ -7153,7 +7164,7 @@
                 </a:tc>
                 <a:extLst>
                   <a:ext uri="{0D108BD9-81ED-4DB2-BD59-A6C34878D82A}">
-                    <a16:rowId xmlns:a16="http://schemas.microsoft.com/office/drawing/2014/main" val="3851974090"/>
+                    <a16:rowId xmlns:a16="http://schemas.microsoft.com/office/drawing/2014/main" xmlns="" val="3851974090"/>
                   </a:ext>
                 </a:extLst>
               </a:tr>
@@ -7233,7 +7244,7 @@
                 </a:tc>
                 <a:extLst>
                   <a:ext uri="{0D108BD9-81ED-4DB2-BD59-A6C34878D82A}">
-                    <a16:rowId xmlns:a16="http://schemas.microsoft.com/office/drawing/2014/main" val="3064833447"/>
+                    <a16:rowId xmlns:a16="http://schemas.microsoft.com/office/drawing/2014/main" xmlns="" val="3064833447"/>
                   </a:ext>
                 </a:extLst>
               </a:tr>
@@ -7313,7 +7324,7 @@
                 </a:tc>
                 <a:extLst>
                   <a:ext uri="{0D108BD9-81ED-4DB2-BD59-A6C34878D82A}">
-                    <a16:rowId xmlns:a16="http://schemas.microsoft.com/office/drawing/2014/main" val="1873275827"/>
+                    <a16:rowId xmlns:a16="http://schemas.microsoft.com/office/drawing/2014/main" xmlns="" val="1873275827"/>
                   </a:ext>
                 </a:extLst>
               </a:tr>
@@ -7393,7 +7404,7 @@
                 </a:tc>
                 <a:extLst>
                   <a:ext uri="{0D108BD9-81ED-4DB2-BD59-A6C34878D82A}">
-                    <a16:rowId xmlns:a16="http://schemas.microsoft.com/office/drawing/2014/main" val="4216443485"/>
+                    <a16:rowId xmlns:a16="http://schemas.microsoft.com/office/drawing/2014/main" xmlns="" val="4216443485"/>
                   </a:ext>
                 </a:extLst>
               </a:tr>
@@ -7424,7 +7435,7 @@
               <a:pPr>
                 <a:defRPr/>
               </a:pPr>
-              <a:t>2017/10/30</a:t>
+              <a:t>2017/10/31</a:t>
             </a:fld>
             <a:endParaRPr lang="zh-TW" altLang="en-US"/>
           </a:p>
@@ -7544,14 +7555,14 @@
                 <a:gridCol w="4114800">
                   <a:extLst>
                     <a:ext uri="{9D8B030D-6E8A-4147-A177-3AD203B41FA5}">
-                      <a16:colId xmlns:a16="http://schemas.microsoft.com/office/drawing/2014/main" val="62378008"/>
+                      <a16:colId xmlns:a16="http://schemas.microsoft.com/office/drawing/2014/main" xmlns="" val="62378008"/>
                     </a:ext>
                   </a:extLst>
                 </a:gridCol>
                 <a:gridCol w="4114800">
                   <a:extLst>
                     <a:ext uri="{9D8B030D-6E8A-4147-A177-3AD203B41FA5}">
-                      <a16:colId xmlns:a16="http://schemas.microsoft.com/office/drawing/2014/main" val="3074775320"/>
+                      <a16:colId xmlns:a16="http://schemas.microsoft.com/office/drawing/2014/main" xmlns="" val="3074775320"/>
                     </a:ext>
                   </a:extLst>
                 </a:gridCol>
@@ -7587,7 +7598,7 @@
                 </a:tc>
                 <a:extLst>
                   <a:ext uri="{0D108BD9-81ED-4DB2-BD59-A6C34878D82A}">
-                    <a16:rowId xmlns:a16="http://schemas.microsoft.com/office/drawing/2014/main" val="1544415356"/>
+                    <a16:rowId xmlns:a16="http://schemas.microsoft.com/office/drawing/2014/main" xmlns="" val="1544415356"/>
                   </a:ext>
                 </a:extLst>
               </a:tr>
@@ -7659,7 +7670,7 @@
                 </a:tc>
                 <a:extLst>
                   <a:ext uri="{0D108BD9-81ED-4DB2-BD59-A6C34878D82A}">
-                    <a16:rowId xmlns:a16="http://schemas.microsoft.com/office/drawing/2014/main" val="3044866068"/>
+                    <a16:rowId xmlns:a16="http://schemas.microsoft.com/office/drawing/2014/main" xmlns="" val="3044866068"/>
                   </a:ext>
                 </a:extLst>
               </a:tr>
@@ -7698,7 +7709,7 @@
                 </a:tc>
                 <a:extLst>
                   <a:ext uri="{0D108BD9-81ED-4DB2-BD59-A6C34878D82A}">
-                    <a16:rowId xmlns:a16="http://schemas.microsoft.com/office/drawing/2014/main" val="1829722761"/>
+                    <a16:rowId xmlns:a16="http://schemas.microsoft.com/office/drawing/2014/main" xmlns="" val="1829722761"/>
                   </a:ext>
                 </a:extLst>
               </a:tr>
@@ -7753,7 +7764,7 @@
                 </a:tc>
                 <a:extLst>
                   <a:ext uri="{0D108BD9-81ED-4DB2-BD59-A6C34878D82A}">
-                    <a16:rowId xmlns:a16="http://schemas.microsoft.com/office/drawing/2014/main" val="1680919419"/>
+                    <a16:rowId xmlns:a16="http://schemas.microsoft.com/office/drawing/2014/main" xmlns="" val="1680919419"/>
                   </a:ext>
                 </a:extLst>
               </a:tr>
@@ -7808,7 +7819,7 @@
                 </a:tc>
                 <a:extLst>
                   <a:ext uri="{0D108BD9-81ED-4DB2-BD59-A6C34878D82A}">
-                    <a16:rowId xmlns:a16="http://schemas.microsoft.com/office/drawing/2014/main" val="2783317447"/>
+                    <a16:rowId xmlns:a16="http://schemas.microsoft.com/office/drawing/2014/main" xmlns="" val="2783317447"/>
                   </a:ext>
                 </a:extLst>
               </a:tr>
@@ -7863,7 +7874,7 @@
                 </a:tc>
                 <a:extLst>
                   <a:ext uri="{0D108BD9-81ED-4DB2-BD59-A6C34878D82A}">
-                    <a16:rowId xmlns:a16="http://schemas.microsoft.com/office/drawing/2014/main" val="4073050539"/>
+                    <a16:rowId xmlns:a16="http://schemas.microsoft.com/office/drawing/2014/main" xmlns="" val="4073050539"/>
                   </a:ext>
                 </a:extLst>
               </a:tr>
@@ -7918,7 +7929,7 @@
                 </a:tc>
                 <a:extLst>
                   <a:ext uri="{0D108BD9-81ED-4DB2-BD59-A6C34878D82A}">
-                    <a16:rowId xmlns:a16="http://schemas.microsoft.com/office/drawing/2014/main" val="2598383543"/>
+                    <a16:rowId xmlns:a16="http://schemas.microsoft.com/office/drawing/2014/main" xmlns="" val="2598383543"/>
                   </a:ext>
                 </a:extLst>
               </a:tr>
@@ -7973,7 +7984,7 @@
                 </a:tc>
                 <a:extLst>
                   <a:ext uri="{0D108BD9-81ED-4DB2-BD59-A6C34878D82A}">
-                    <a16:rowId xmlns:a16="http://schemas.microsoft.com/office/drawing/2014/main" val="2465584741"/>
+                    <a16:rowId xmlns:a16="http://schemas.microsoft.com/office/drawing/2014/main" xmlns="" val="2465584741"/>
                   </a:ext>
                 </a:extLst>
               </a:tr>
@@ -8028,7 +8039,7 @@
                 </a:tc>
                 <a:extLst>
                   <a:ext uri="{0D108BD9-81ED-4DB2-BD59-A6C34878D82A}">
-                    <a16:rowId xmlns:a16="http://schemas.microsoft.com/office/drawing/2014/main" val="2330444438"/>
+                    <a16:rowId xmlns:a16="http://schemas.microsoft.com/office/drawing/2014/main" xmlns="" val="2330444438"/>
                   </a:ext>
                 </a:extLst>
               </a:tr>
@@ -8083,7 +8094,7 @@
                 </a:tc>
                 <a:extLst>
                   <a:ext uri="{0D108BD9-81ED-4DB2-BD59-A6C34878D82A}">
-                    <a16:rowId xmlns:a16="http://schemas.microsoft.com/office/drawing/2014/main" val="3390130878"/>
+                    <a16:rowId xmlns:a16="http://schemas.microsoft.com/office/drawing/2014/main" xmlns="" val="3390130878"/>
                   </a:ext>
                 </a:extLst>
               </a:tr>
@@ -8138,7 +8149,7 @@
                 </a:tc>
                 <a:extLst>
                   <a:ext uri="{0D108BD9-81ED-4DB2-BD59-A6C34878D82A}">
-                    <a16:rowId xmlns:a16="http://schemas.microsoft.com/office/drawing/2014/main" val="1561468546"/>
+                    <a16:rowId xmlns:a16="http://schemas.microsoft.com/office/drawing/2014/main" xmlns="" val="1561468546"/>
                   </a:ext>
                 </a:extLst>
               </a:tr>
@@ -8169,7 +8180,7 @@
               <a:pPr>
                 <a:defRPr/>
               </a:pPr>
-              <a:t>2017/10/30</a:t>
+              <a:t>2017/10/31</a:t>
             </a:fld>
             <a:endParaRPr lang="zh-TW" altLang="en-US"/>
           </a:p>
@@ -8229,6 +8240,153 @@
     <p:extLst>
       <p:ext uri="{BB962C8B-B14F-4D97-AF65-F5344CB8AC3E}">
         <p14:creationId xmlns:p14="http://schemas.microsoft.com/office/powerpoint/2010/main" val="48295477"/>
+      </p:ext>
+    </p:extLst>
+  </p:cSld>
+  <p:clrMapOvr>
+    <a:masterClrMapping/>
+  </p:clrMapOvr>
+</p:sld>
+</file>
+
+<file path=ppt/slides/slide14.xml><?xml version="1.0" encoding="utf-8"?>
+<p:sld xmlns:a="http://schemas.openxmlformats.org/drawingml/2006/main" xmlns:r="http://schemas.openxmlformats.org/officeDocument/2006/relationships" xmlns:p="http://schemas.openxmlformats.org/presentationml/2006/main">
+  <p:cSld>
+    <p:spTree>
+      <p:nvGrpSpPr>
+        <p:cNvPr id="1" name=""/>
+        <p:cNvGrpSpPr/>
+        <p:nvPr/>
+      </p:nvGrpSpPr>
+      <p:grpSpPr>
+        <a:xfrm>
+          <a:off x="0" y="0"/>
+          <a:ext cx="0" cy="0"/>
+          <a:chOff x="0" y="0"/>
+          <a:chExt cx="0" cy="0"/>
+        </a:xfrm>
+      </p:grpSpPr>
+      <p:sp>
+        <p:nvSpPr>
+          <p:cNvPr id="2" name="標題 1"/>
+          <p:cNvSpPr>
+            <a:spLocks noGrp="1"/>
+          </p:cNvSpPr>
+          <p:nvPr>
+            <p:ph type="title"/>
+          </p:nvPr>
+        </p:nvSpPr>
+        <p:spPr/>
+        <p:txBody>
+          <a:bodyPr/>
+          <a:lstStyle/>
+          <a:p>
+            <a:endParaRPr lang="zh-TW" altLang="en-US"/>
+          </a:p>
+        </p:txBody>
+      </p:sp>
+      <p:sp>
+        <p:nvSpPr>
+          <p:cNvPr id="3" name="內容版面配置區 2"/>
+          <p:cNvSpPr>
+            <a:spLocks noGrp="1"/>
+          </p:cNvSpPr>
+          <p:nvPr>
+            <p:ph idx="1"/>
+          </p:nvPr>
+        </p:nvSpPr>
+        <p:spPr/>
+        <p:txBody>
+          <a:bodyPr/>
+          <a:lstStyle/>
+          <a:p>
+            <a:endParaRPr lang="zh-TW" altLang="en-US"/>
+          </a:p>
+        </p:txBody>
+      </p:sp>
+      <p:sp>
+        <p:nvSpPr>
+          <p:cNvPr id="4" name="日期版面配置區 3"/>
+          <p:cNvSpPr>
+            <a:spLocks noGrp="1"/>
+          </p:cNvSpPr>
+          <p:nvPr>
+            <p:ph type="dt" sz="half" idx="10"/>
+          </p:nvPr>
+        </p:nvSpPr>
+        <p:spPr/>
+        <p:txBody>
+          <a:bodyPr/>
+          <a:lstStyle/>
+          <a:p>
+            <a:pPr>
+              <a:defRPr/>
+            </a:pPr>
+            <a:fld id="{BDD5BDAA-1E82-4E6D-BE3B-29DB0DC5194D}" type="datetime1">
+              <a:rPr lang="zh-TW" altLang="en-US" smtClean="0"/>
+              <a:pPr>
+                <a:defRPr/>
+              </a:pPr>
+              <a:t>2017/10/31</a:t>
+            </a:fld>
+            <a:endParaRPr lang="zh-TW" altLang="en-US"/>
+          </a:p>
+        </p:txBody>
+      </p:sp>
+      <p:sp>
+        <p:nvSpPr>
+          <p:cNvPr id="5" name="頁尾版面配置區 4"/>
+          <p:cNvSpPr>
+            <a:spLocks noGrp="1"/>
+          </p:cNvSpPr>
+          <p:nvPr>
+            <p:ph type="ftr" sz="quarter" idx="11"/>
+          </p:nvPr>
+        </p:nvSpPr>
+        <p:spPr/>
+        <p:txBody>
+          <a:bodyPr/>
+          <a:lstStyle/>
+          <a:p>
+            <a:pPr>
+              <a:defRPr/>
+            </a:pPr>
+            <a:r>
+              <a:rPr lang="zh-TW" altLang="en-US" smtClean="0"/>
+              <a:t>軟體系統實驗室</a:t>
+            </a:r>
+            <a:endParaRPr lang="zh-TW" altLang="en-US"/>
+          </a:p>
+        </p:txBody>
+      </p:sp>
+      <p:sp>
+        <p:nvSpPr>
+          <p:cNvPr id="6" name="投影片編號版面配置區 5"/>
+          <p:cNvSpPr>
+            <a:spLocks noGrp="1"/>
+          </p:cNvSpPr>
+          <p:nvPr>
+            <p:ph type="sldNum" sz="quarter" idx="12"/>
+          </p:nvPr>
+        </p:nvSpPr>
+        <p:spPr/>
+        <p:txBody>
+          <a:bodyPr/>
+          <a:lstStyle/>
+          <a:p>
+            <a:fld id="{B6A84E2D-DD4B-4F2A-87C5-E179AF885E22}" type="slidenum">
+              <a:rPr lang="zh-TW" altLang="en-US" smtClean="0"/>
+              <a:pPr/>
+              <a:t>14</a:t>
+            </a:fld>
+            <a:endParaRPr lang="zh-TW" altLang="en-US"/>
+          </a:p>
+        </p:txBody>
+      </p:sp>
+    </p:spTree>
+    <p:extLst>
+      <p:ext uri="{BB962C8B-B14F-4D97-AF65-F5344CB8AC3E}">
+        <p14:creationId xmlns:p14="http://schemas.microsoft.com/office/powerpoint/2010/main" val="1724752648"/>
       </p:ext>
     </p:extLst>
   </p:cSld>
@@ -8395,7 +8553,7 @@
               <a:pPr>
                 <a:defRPr/>
               </a:pPr>
-              <a:t>2017/10/30</a:t>
+              <a:t>2017/10/31</a:t>
             </a:fld>
             <a:endParaRPr lang="zh-TW" altLang="en-US"/>
           </a:p>
@@ -8506,7 +8664,7 @@
               <a:pPr>
                 <a:defRPr/>
               </a:pPr>
-              <a:t>2017/10/30</a:t>
+              <a:t>2017/10/31</a:t>
             </a:fld>
             <a:endParaRPr lang="zh-TW" altLang="en-US" dirty="0"/>
           </a:p>
@@ -8872,7 +9030,7 @@
               <a:pPr>
                 <a:defRPr/>
               </a:pPr>
-              <a:t>2017/10/30</a:t>
+              <a:t>2017/10/31</a:t>
             </a:fld>
             <a:endParaRPr lang="zh-TW" altLang="en-US"/>
           </a:p>
@@ -9057,7 +9215,7 @@
               <a:pPr>
                 <a:defRPr/>
               </a:pPr>
-              <a:t>2017/10/30</a:t>
+              <a:t>2017/10/31</a:t>
             </a:fld>
             <a:endParaRPr lang="zh-TW" altLang="en-US"/>
           </a:p>
@@ -9135,41 +9293,20 @@
             <a:pPr lvl="1"/>
             <a:r>
               <a:rPr lang="en-US" altLang="zh-TW" dirty="0" smtClean="0"/>
-              <a:t>System Block Diagram</a:t>
+              <a:t>S</a:t>
+            </a:r>
+            <a:r>
+              <a:rPr lang="en-US" altLang="zh-TW" u="sng" dirty="0" smtClean="0"/>
+              <a:t>ystem </a:t>
+            </a:r>
+            <a:r>
+              <a:rPr lang="en-US" altLang="zh-TW" dirty="0" smtClean="0"/>
+              <a:t>Block Diagram</a:t>
             </a:r>
             <a:endParaRPr lang="zh-TW" altLang="en-US" dirty="0"/>
           </a:p>
         </p:txBody>
       </p:sp>
-      <p:pic>
-        <p:nvPicPr>
-          <p:cNvPr id="7" name="內容版面配置區 6"/>
-          <p:cNvPicPr>
-            <a:picLocks noGrp="1" noChangeAspect="1"/>
-          </p:cNvPicPr>
-          <p:nvPr>
-            <p:ph idx="1"/>
-          </p:nvPr>
-        </p:nvPicPr>
-        <p:blipFill>
-          <a:blip r:embed="rId3">
-            <a:extLst>
-              <a:ext uri="{28A0092B-C50C-407E-A947-70E740481C1C}">
-                <a14:useLocalDpi xmlns:a14="http://schemas.microsoft.com/office/drawing/2010/main" val="0"/>
-              </a:ext>
-            </a:extLst>
-          </a:blip>
-          <a:stretch>
-            <a:fillRect/>
-          </a:stretch>
-        </p:blipFill>
-        <p:spPr>
-          <a:xfrm>
-            <a:off x="1557535" y="1763871"/>
-            <a:ext cx="6028929" cy="4198620"/>
-          </a:xfrm>
-        </p:spPr>
-      </p:pic>
       <p:sp>
         <p:nvSpPr>
           <p:cNvPr id="4" name="日期版面配置區 3"/>
@@ -9193,9 +9330,9 @@
               <a:pPr>
                 <a:defRPr/>
               </a:pPr>
-              <a:t>2017/10/30</a:t>
+              <a:t>2017/10/31</a:t>
             </a:fld>
-            <a:endParaRPr lang="zh-TW" altLang="en-US"/>
+            <a:endParaRPr lang="zh-TW" altLang="en-US" dirty="0"/>
           </a:p>
         </p:txBody>
       </p:sp>
@@ -9223,6 +9360,587 @@
           </a:p>
         </p:txBody>
       </p:sp>
+      <p:grpSp>
+        <p:nvGrpSpPr>
+          <p:cNvPr id="23" name="群組 22"/>
+          <p:cNvGrpSpPr/>
+          <p:nvPr/>
+        </p:nvGrpSpPr>
+        <p:grpSpPr>
+          <a:xfrm>
+            <a:off x="1043608" y="1695622"/>
+            <a:ext cx="7272808" cy="4392488"/>
+            <a:chOff x="611560" y="1700808"/>
+            <a:chExt cx="7272808" cy="4392488"/>
+          </a:xfrm>
+        </p:grpSpPr>
+        <p:sp>
+          <p:nvSpPr>
+            <p:cNvPr id="5" name="矩形 4"/>
+            <p:cNvSpPr/>
+            <p:nvPr/>
+          </p:nvSpPr>
+          <p:spPr>
+            <a:xfrm>
+              <a:off x="611560" y="1700808"/>
+              <a:ext cx="7272808" cy="4392488"/>
+            </a:xfrm>
+            <a:prstGeom prst="rect">
+              <a:avLst/>
+            </a:prstGeom>
+            <a:solidFill>
+              <a:schemeClr val="accent5">
+                <a:lumMod val="75000"/>
+              </a:schemeClr>
+            </a:solidFill>
+            <a:ln>
+              <a:solidFill>
+                <a:schemeClr val="tx1"/>
+              </a:solidFill>
+            </a:ln>
+          </p:spPr>
+          <p:style>
+            <a:lnRef idx="2">
+              <a:schemeClr val="accent5">
+                <a:shade val="50000"/>
+              </a:schemeClr>
+            </a:lnRef>
+            <a:fillRef idx="1">
+              <a:schemeClr val="accent5"/>
+            </a:fillRef>
+            <a:effectRef idx="0">
+              <a:schemeClr val="accent5"/>
+            </a:effectRef>
+            <a:fontRef idx="minor">
+              <a:schemeClr val="lt1"/>
+            </a:fontRef>
+          </p:style>
+          <p:txBody>
+            <a:bodyPr rtlCol="0" anchor="ctr"/>
+            <a:lstStyle/>
+            <a:p>
+              <a:pPr algn="ctr"/>
+              <a:endParaRPr lang="zh-TW" altLang="en-US"/>
+            </a:p>
+          </p:txBody>
+        </p:sp>
+        <p:sp>
+          <p:nvSpPr>
+            <p:cNvPr id="8" name="文字方塊 7"/>
+            <p:cNvSpPr txBox="1"/>
+            <p:nvPr/>
+          </p:nvSpPr>
+          <p:spPr>
+            <a:xfrm>
+              <a:off x="2483768" y="1851130"/>
+              <a:ext cx="3672408" cy="523220"/>
+            </a:xfrm>
+            <a:prstGeom prst="rect">
+              <a:avLst/>
+            </a:prstGeom>
+            <a:noFill/>
+          </p:spPr>
+          <p:txBody>
+            <a:bodyPr wrap="square" rtlCol="0">
+              <a:spAutoFit/>
+            </a:bodyPr>
+            <a:lstStyle/>
+            <a:p>
+              <a:pPr algn="ctr"/>
+              <a:r>
+                <a:rPr lang="en-US" altLang="zh-TW" sz="2800" dirty="0" smtClean="0">
+                  <a:solidFill>
+                    <a:schemeClr val="bg1"/>
+                  </a:solidFill>
+                </a:rPr>
+                <a:t>PASS</a:t>
+              </a:r>
+              <a:endParaRPr lang="zh-TW" altLang="en-US" sz="2800" dirty="0">
+                <a:solidFill>
+                  <a:schemeClr val="bg1"/>
+                </a:solidFill>
+              </a:endParaRPr>
+            </a:p>
+          </p:txBody>
+        </p:sp>
+        <p:sp>
+          <p:nvSpPr>
+            <p:cNvPr id="9" name="矩形 8"/>
+            <p:cNvSpPr/>
+            <p:nvPr/>
+          </p:nvSpPr>
+          <p:spPr>
+            <a:xfrm>
+              <a:off x="1475656" y="2399574"/>
+              <a:ext cx="2952328" cy="1558706"/>
+            </a:xfrm>
+            <a:prstGeom prst="rect">
+              <a:avLst/>
+            </a:prstGeom>
+            <a:solidFill>
+              <a:schemeClr val="accent1">
+                <a:lumMod val="75000"/>
+              </a:schemeClr>
+            </a:solidFill>
+            <a:ln>
+              <a:solidFill>
+                <a:schemeClr val="tx1"/>
+              </a:solidFill>
+            </a:ln>
+          </p:spPr>
+          <p:style>
+            <a:lnRef idx="2">
+              <a:schemeClr val="accent1">
+                <a:shade val="50000"/>
+              </a:schemeClr>
+            </a:lnRef>
+            <a:fillRef idx="1">
+              <a:schemeClr val="accent1"/>
+            </a:fillRef>
+            <a:effectRef idx="0">
+              <a:schemeClr val="accent1"/>
+            </a:effectRef>
+            <a:fontRef idx="minor">
+              <a:schemeClr val="lt1"/>
+            </a:fontRef>
+          </p:style>
+          <p:txBody>
+            <a:bodyPr rtlCol="0" anchor="ctr"/>
+            <a:lstStyle/>
+            <a:p>
+              <a:pPr algn="ctr"/>
+              <a:endParaRPr lang="zh-TW" altLang="en-US"/>
+            </a:p>
+          </p:txBody>
+        </p:sp>
+        <p:sp>
+          <p:nvSpPr>
+            <p:cNvPr id="11" name="矩形 10"/>
+            <p:cNvSpPr/>
+            <p:nvPr/>
+          </p:nvSpPr>
+          <p:spPr>
+            <a:xfrm>
+              <a:off x="1475656" y="4051602"/>
+              <a:ext cx="2952327" cy="1825669"/>
+            </a:xfrm>
+            <a:prstGeom prst="rect">
+              <a:avLst/>
+            </a:prstGeom>
+            <a:solidFill>
+              <a:schemeClr val="accent1">
+                <a:lumMod val="75000"/>
+              </a:schemeClr>
+            </a:solidFill>
+            <a:ln>
+              <a:solidFill>
+                <a:schemeClr val="tx1"/>
+              </a:solidFill>
+            </a:ln>
+          </p:spPr>
+          <p:style>
+            <a:lnRef idx="2">
+              <a:schemeClr val="accent1">
+                <a:shade val="50000"/>
+              </a:schemeClr>
+            </a:lnRef>
+            <a:fillRef idx="1">
+              <a:schemeClr val="accent1"/>
+            </a:fillRef>
+            <a:effectRef idx="0">
+              <a:schemeClr val="accent1"/>
+            </a:effectRef>
+            <a:fontRef idx="minor">
+              <a:schemeClr val="lt1"/>
+            </a:fontRef>
+          </p:style>
+          <p:txBody>
+            <a:bodyPr rtlCol="0" anchor="ctr"/>
+            <a:lstStyle/>
+            <a:p>
+              <a:pPr algn="ctr"/>
+              <a:endParaRPr lang="zh-TW" altLang="en-US"/>
+            </a:p>
+          </p:txBody>
+        </p:sp>
+        <p:sp>
+          <p:nvSpPr>
+            <p:cNvPr id="12" name="矩形 11"/>
+            <p:cNvSpPr/>
+            <p:nvPr/>
+          </p:nvSpPr>
+          <p:spPr>
+            <a:xfrm>
+              <a:off x="4777531" y="3136803"/>
+              <a:ext cx="2831976" cy="1558706"/>
+            </a:xfrm>
+            <a:prstGeom prst="rect">
+              <a:avLst/>
+            </a:prstGeom>
+            <a:solidFill>
+              <a:schemeClr val="accent1">
+                <a:lumMod val="75000"/>
+              </a:schemeClr>
+            </a:solidFill>
+            <a:ln>
+              <a:solidFill>
+                <a:schemeClr val="tx1"/>
+              </a:solidFill>
+            </a:ln>
+          </p:spPr>
+          <p:style>
+            <a:lnRef idx="2">
+              <a:schemeClr val="accent6">
+                <a:shade val="50000"/>
+              </a:schemeClr>
+            </a:lnRef>
+            <a:fillRef idx="1">
+              <a:schemeClr val="accent6"/>
+            </a:fillRef>
+            <a:effectRef idx="0">
+              <a:schemeClr val="accent6"/>
+            </a:effectRef>
+            <a:fontRef idx="minor">
+              <a:schemeClr val="lt1"/>
+            </a:fontRef>
+          </p:style>
+          <p:txBody>
+            <a:bodyPr rtlCol="0" anchor="ctr"/>
+            <a:lstStyle/>
+            <a:p>
+              <a:pPr algn="ctr"/>
+              <a:r>
+                <a:rPr lang="en-US" altLang="zh-TW" sz="7200" b="1" dirty="0" smtClean="0"/>
+                <a:t>DB</a:t>
+              </a:r>
+              <a:endParaRPr lang="zh-TW" altLang="en-US" b="1" dirty="0"/>
+            </a:p>
+          </p:txBody>
+        </p:sp>
+        <p:sp>
+          <p:nvSpPr>
+            <p:cNvPr id="13" name="矩形 12"/>
+            <p:cNvSpPr/>
+            <p:nvPr/>
+          </p:nvSpPr>
+          <p:spPr>
+            <a:xfrm>
+              <a:off x="1575233" y="2903756"/>
+              <a:ext cx="2744619" cy="466094"/>
+            </a:xfrm>
+            <a:prstGeom prst="rect">
+              <a:avLst/>
+            </a:prstGeom>
+            <a:ln>
+              <a:solidFill>
+                <a:schemeClr val="tx1"/>
+              </a:solidFill>
+            </a:ln>
+          </p:spPr>
+          <p:style>
+            <a:lnRef idx="2">
+              <a:schemeClr val="accent1">
+                <a:shade val="50000"/>
+              </a:schemeClr>
+            </a:lnRef>
+            <a:fillRef idx="1">
+              <a:schemeClr val="accent1"/>
+            </a:fillRef>
+            <a:effectRef idx="0">
+              <a:schemeClr val="accent1"/>
+            </a:effectRef>
+            <a:fontRef idx="minor">
+              <a:schemeClr val="lt1"/>
+            </a:fontRef>
+          </p:style>
+          <p:txBody>
+            <a:bodyPr rtlCol="0" anchor="ctr"/>
+            <a:lstStyle/>
+            <a:p>
+              <a:pPr algn="ctr"/>
+              <a:r>
+                <a:rPr lang="zh-TW" altLang="en-US" dirty="0" smtClean="0"/>
+                <a:t>使用者管理</a:t>
+              </a:r>
+              <a:endParaRPr lang="zh-TW" altLang="en-US" dirty="0"/>
+            </a:p>
+          </p:txBody>
+        </p:sp>
+        <p:sp>
+          <p:nvSpPr>
+            <p:cNvPr id="14" name="矩形 13"/>
+            <p:cNvSpPr/>
+            <p:nvPr/>
+          </p:nvSpPr>
+          <p:spPr>
+            <a:xfrm>
+              <a:off x="1575233" y="3429001"/>
+              <a:ext cx="2744619" cy="431408"/>
+            </a:xfrm>
+            <a:prstGeom prst="rect">
+              <a:avLst/>
+            </a:prstGeom>
+            <a:ln>
+              <a:solidFill>
+                <a:schemeClr val="tx1"/>
+              </a:solidFill>
+            </a:ln>
+          </p:spPr>
+          <p:style>
+            <a:lnRef idx="2">
+              <a:schemeClr val="accent1">
+                <a:shade val="50000"/>
+              </a:schemeClr>
+            </a:lnRef>
+            <a:fillRef idx="1">
+              <a:schemeClr val="accent1"/>
+            </a:fillRef>
+            <a:effectRef idx="0">
+              <a:schemeClr val="accent1"/>
+            </a:effectRef>
+            <a:fontRef idx="minor">
+              <a:schemeClr val="lt1"/>
+            </a:fontRef>
+          </p:style>
+          <p:txBody>
+            <a:bodyPr rtlCol="0" anchor="ctr"/>
+            <a:lstStyle/>
+            <a:p>
+              <a:pPr algn="ctr"/>
+              <a:r>
+                <a:rPr lang="zh-TW" altLang="en-US" dirty="0" smtClean="0"/>
+                <a:t>權限管理</a:t>
+              </a:r>
+              <a:endParaRPr lang="zh-TW" altLang="en-US" dirty="0"/>
+            </a:p>
+          </p:txBody>
+        </p:sp>
+        <p:sp>
+          <p:nvSpPr>
+            <p:cNvPr id="18" name="文字方塊 17"/>
+            <p:cNvSpPr txBox="1"/>
+            <p:nvPr/>
+          </p:nvSpPr>
+          <p:spPr>
+            <a:xfrm>
+              <a:off x="1907704" y="2492896"/>
+              <a:ext cx="2160240" cy="369332"/>
+            </a:xfrm>
+            <a:prstGeom prst="rect">
+              <a:avLst/>
+            </a:prstGeom>
+            <a:noFill/>
+          </p:spPr>
+          <p:txBody>
+            <a:bodyPr wrap="square" rtlCol="0">
+              <a:spAutoFit/>
+            </a:bodyPr>
+            <a:lstStyle/>
+            <a:p>
+              <a:pPr algn="ctr"/>
+              <a:r>
+                <a:rPr lang="en-US" altLang="zh-TW" dirty="0" smtClean="0">
+                  <a:solidFill>
+                    <a:schemeClr val="bg1"/>
+                  </a:solidFill>
+                </a:rPr>
+                <a:t>UMS</a:t>
+              </a:r>
+              <a:endParaRPr lang="zh-TW" altLang="en-US" dirty="0">
+                <a:solidFill>
+                  <a:schemeClr val="bg1"/>
+                </a:solidFill>
+              </a:endParaRPr>
+            </a:p>
+          </p:txBody>
+        </p:sp>
+        <p:sp>
+          <p:nvSpPr>
+            <p:cNvPr id="19" name="文字方塊 18"/>
+            <p:cNvSpPr txBox="1"/>
+            <p:nvPr/>
+          </p:nvSpPr>
+          <p:spPr>
+            <a:xfrm>
+              <a:off x="1804190" y="4056784"/>
+              <a:ext cx="2219417" cy="369332"/>
+            </a:xfrm>
+            <a:prstGeom prst="rect">
+              <a:avLst/>
+            </a:prstGeom>
+            <a:noFill/>
+          </p:spPr>
+          <p:txBody>
+            <a:bodyPr wrap="square" rtlCol="0">
+              <a:spAutoFit/>
+            </a:bodyPr>
+            <a:lstStyle/>
+            <a:p>
+              <a:pPr algn="ctr"/>
+              <a:r>
+                <a:rPr lang="en-US" altLang="zh-TW" dirty="0" smtClean="0">
+                  <a:solidFill>
+                    <a:schemeClr val="bg1"/>
+                  </a:solidFill>
+                </a:rPr>
+                <a:t>CMHSS</a:t>
+              </a:r>
+              <a:endParaRPr lang="zh-TW" altLang="en-US" dirty="0">
+                <a:solidFill>
+                  <a:schemeClr val="bg1"/>
+                </a:solidFill>
+              </a:endParaRPr>
+            </a:p>
+          </p:txBody>
+        </p:sp>
+        <p:sp>
+          <p:nvSpPr>
+            <p:cNvPr id="20" name="矩形 19"/>
+            <p:cNvSpPr/>
+            <p:nvPr/>
+          </p:nvSpPr>
+          <p:spPr>
+            <a:xfrm>
+              <a:off x="1651398" y="5438796"/>
+              <a:ext cx="2592288" cy="360040"/>
+            </a:xfrm>
+            <a:prstGeom prst="rect">
+              <a:avLst/>
+            </a:prstGeom>
+            <a:ln>
+              <a:solidFill>
+                <a:schemeClr val="tx1"/>
+              </a:solidFill>
+            </a:ln>
+          </p:spPr>
+          <p:style>
+            <a:lnRef idx="2">
+              <a:schemeClr val="accent1">
+                <a:shade val="50000"/>
+              </a:schemeClr>
+            </a:lnRef>
+            <a:fillRef idx="1">
+              <a:schemeClr val="accent1"/>
+            </a:fillRef>
+            <a:effectRef idx="0">
+              <a:schemeClr val="accent1"/>
+            </a:effectRef>
+            <a:fontRef idx="minor">
+              <a:schemeClr val="lt1"/>
+            </a:fontRef>
+          </p:style>
+          <p:txBody>
+            <a:bodyPr rtlCol="0" anchor="ctr"/>
+            <a:lstStyle/>
+            <a:p>
+              <a:pPr algn="ctr"/>
+              <a:r>
+                <a:rPr lang="zh-TW" altLang="en-US" dirty="0" smtClean="0"/>
+                <a:t>課程管理</a:t>
+              </a:r>
+              <a:endParaRPr lang="zh-TW" altLang="en-US" dirty="0"/>
+            </a:p>
+          </p:txBody>
+        </p:sp>
+        <p:sp>
+          <p:nvSpPr>
+            <p:cNvPr id="21" name="矩形 20"/>
+            <p:cNvSpPr/>
+            <p:nvPr/>
+          </p:nvSpPr>
+          <p:spPr>
+            <a:xfrm>
+              <a:off x="1651398" y="4985879"/>
+              <a:ext cx="2592288" cy="360040"/>
+            </a:xfrm>
+            <a:prstGeom prst="rect">
+              <a:avLst/>
+            </a:prstGeom>
+            <a:ln>
+              <a:solidFill>
+                <a:schemeClr val="tx1"/>
+              </a:solidFill>
+            </a:ln>
+          </p:spPr>
+          <p:style>
+            <a:lnRef idx="2">
+              <a:schemeClr val="accent1">
+                <a:shade val="50000"/>
+              </a:schemeClr>
+            </a:lnRef>
+            <a:fillRef idx="1">
+              <a:schemeClr val="accent1"/>
+            </a:fillRef>
+            <a:effectRef idx="0">
+              <a:schemeClr val="accent1"/>
+            </a:effectRef>
+            <a:fontRef idx="minor">
+              <a:schemeClr val="lt1"/>
+            </a:fontRef>
+          </p:style>
+          <p:txBody>
+            <a:bodyPr rtlCol="0" anchor="ctr"/>
+            <a:lstStyle/>
+            <a:p>
+              <a:pPr algn="ctr"/>
+              <a:r>
+                <a:rPr lang="zh-TW" altLang="en-US" dirty="0" smtClean="0"/>
+                <a:t>作業管理</a:t>
+              </a:r>
+              <a:endParaRPr lang="zh-TW" altLang="en-US" dirty="0"/>
+            </a:p>
+          </p:txBody>
+        </p:sp>
+        <p:sp>
+          <p:nvSpPr>
+            <p:cNvPr id="22" name="矩形 21"/>
+            <p:cNvSpPr/>
+            <p:nvPr/>
+          </p:nvSpPr>
+          <p:spPr>
+            <a:xfrm>
+              <a:off x="1651398" y="4531752"/>
+              <a:ext cx="2592288" cy="360040"/>
+            </a:xfrm>
+            <a:prstGeom prst="rect">
+              <a:avLst/>
+            </a:prstGeom>
+            <a:ln>
+              <a:solidFill>
+                <a:schemeClr val="tx1"/>
+              </a:solidFill>
+            </a:ln>
+          </p:spPr>
+          <p:style>
+            <a:lnRef idx="2">
+              <a:schemeClr val="accent1">
+                <a:shade val="50000"/>
+              </a:schemeClr>
+            </a:lnRef>
+            <a:fillRef idx="1">
+              <a:schemeClr val="accent1"/>
+            </a:fillRef>
+            <a:effectRef idx="0">
+              <a:schemeClr val="accent1"/>
+            </a:effectRef>
+            <a:fontRef idx="minor">
+              <a:schemeClr val="lt1"/>
+            </a:fontRef>
+          </p:style>
+          <p:txBody>
+            <a:bodyPr rtlCol="0" anchor="ctr"/>
+            <a:lstStyle/>
+            <a:p>
+              <a:pPr algn="ctr"/>
+              <a:r>
+                <a:rPr lang="zh-TW" altLang="en-US" dirty="0" smtClean="0"/>
+                <a:t>產生報表</a:t>
+              </a:r>
+              <a:endParaRPr lang="zh-TW" altLang="en-US" dirty="0"/>
+            </a:p>
+          </p:txBody>
+        </p:sp>
+      </p:grpSp>
     </p:spTree>
     <p:extLst>
       <p:ext uri="{BB962C8B-B14F-4D97-AF65-F5344CB8AC3E}">
@@ -9306,35 +10024,35 @@
                 <a:gridCol w="2812212">
                   <a:extLst>
                     <a:ext uri="{9D8B030D-6E8A-4147-A177-3AD203B41FA5}">
-                      <a16:colId xmlns:a16="http://schemas.microsoft.com/office/drawing/2014/main" val="2884299164"/>
+                      <a16:colId xmlns:a16="http://schemas.microsoft.com/office/drawing/2014/main" xmlns="" val="2884299164"/>
                     </a:ext>
                   </a:extLst>
                 </a:gridCol>
                 <a:gridCol w="1357798">
                   <a:extLst>
                     <a:ext uri="{9D8B030D-6E8A-4147-A177-3AD203B41FA5}">
-                      <a16:colId xmlns:a16="http://schemas.microsoft.com/office/drawing/2014/main" val="2714764970"/>
+                      <a16:colId xmlns:a16="http://schemas.microsoft.com/office/drawing/2014/main" xmlns="" val="2714764970"/>
                     </a:ext>
                   </a:extLst>
                 </a:gridCol>
                 <a:gridCol w="1357798">
                   <a:extLst>
                     <a:ext uri="{9D8B030D-6E8A-4147-A177-3AD203B41FA5}">
-                      <a16:colId xmlns:a16="http://schemas.microsoft.com/office/drawing/2014/main" val="379868310"/>
+                      <a16:colId xmlns:a16="http://schemas.microsoft.com/office/drawing/2014/main" xmlns="" val="379868310"/>
                     </a:ext>
                   </a:extLst>
                 </a:gridCol>
                 <a:gridCol w="1357798">
                   <a:extLst>
                     <a:ext uri="{9D8B030D-6E8A-4147-A177-3AD203B41FA5}">
-                      <a16:colId xmlns:a16="http://schemas.microsoft.com/office/drawing/2014/main" val="2643519724"/>
+                      <a16:colId xmlns:a16="http://schemas.microsoft.com/office/drawing/2014/main" xmlns="" val="2643519724"/>
                     </a:ext>
                   </a:extLst>
                 </a:gridCol>
                 <a:gridCol w="1343996">
                   <a:extLst>
                     <a:ext uri="{9D8B030D-6E8A-4147-A177-3AD203B41FA5}">
-                      <a16:colId xmlns:a16="http://schemas.microsoft.com/office/drawing/2014/main" val="3932700639"/>
+                      <a16:colId xmlns:a16="http://schemas.microsoft.com/office/drawing/2014/main" xmlns="" val="3932700639"/>
                     </a:ext>
                   </a:extLst>
                 </a:gridCol>
@@ -9472,7 +10190,7 @@
                 </a:tc>
                 <a:extLst>
                   <a:ext uri="{0D108BD9-81ED-4DB2-BD59-A6C34878D82A}">
-                    <a16:rowId xmlns:a16="http://schemas.microsoft.com/office/drawing/2014/main" val="2269722852"/>
+                    <a16:rowId xmlns:a16="http://schemas.microsoft.com/office/drawing/2014/main" xmlns="" val="2269722852"/>
                   </a:ext>
                 </a:extLst>
               </a:tr>
@@ -9627,7 +10345,7 @@
                 </a:tc>
                 <a:extLst>
                   <a:ext uri="{0D108BD9-81ED-4DB2-BD59-A6C34878D82A}">
-                    <a16:rowId xmlns:a16="http://schemas.microsoft.com/office/drawing/2014/main" val="3037958497"/>
+                    <a16:rowId xmlns:a16="http://schemas.microsoft.com/office/drawing/2014/main" xmlns="" val="3037958497"/>
                   </a:ext>
                 </a:extLst>
               </a:tr>
@@ -9782,7 +10500,7 @@
                 </a:tc>
                 <a:extLst>
                   <a:ext uri="{0D108BD9-81ED-4DB2-BD59-A6C34878D82A}">
-                    <a16:rowId xmlns:a16="http://schemas.microsoft.com/office/drawing/2014/main" val="2629449705"/>
+                    <a16:rowId xmlns:a16="http://schemas.microsoft.com/office/drawing/2014/main" xmlns="" val="2629449705"/>
                   </a:ext>
                 </a:extLst>
               </a:tr>
@@ -9940,7 +10658,7 @@
                 </a:tc>
                 <a:extLst>
                   <a:ext uri="{0D108BD9-81ED-4DB2-BD59-A6C34878D82A}">
-                    <a16:rowId xmlns:a16="http://schemas.microsoft.com/office/drawing/2014/main" val="2081270809"/>
+                    <a16:rowId xmlns:a16="http://schemas.microsoft.com/office/drawing/2014/main" xmlns="" val="2081270809"/>
                   </a:ext>
                 </a:extLst>
               </a:tr>
@@ -10095,7 +10813,7 @@
                 </a:tc>
                 <a:extLst>
                   <a:ext uri="{0D108BD9-81ED-4DB2-BD59-A6C34878D82A}">
-                    <a16:rowId xmlns:a16="http://schemas.microsoft.com/office/drawing/2014/main" val="400150635"/>
+                    <a16:rowId xmlns:a16="http://schemas.microsoft.com/office/drawing/2014/main" xmlns="" val="400150635"/>
                   </a:ext>
                 </a:extLst>
               </a:tr>
@@ -10250,7 +10968,7 @@
                 </a:tc>
                 <a:extLst>
                   <a:ext uri="{0D108BD9-81ED-4DB2-BD59-A6C34878D82A}">
-                    <a16:rowId xmlns:a16="http://schemas.microsoft.com/office/drawing/2014/main" val="2243106353"/>
+                    <a16:rowId xmlns:a16="http://schemas.microsoft.com/office/drawing/2014/main" xmlns="" val="2243106353"/>
                   </a:ext>
                 </a:extLst>
               </a:tr>
@@ -10405,7 +11123,7 @@
                 </a:tc>
                 <a:extLst>
                   <a:ext uri="{0D108BD9-81ED-4DB2-BD59-A6C34878D82A}">
-                    <a16:rowId xmlns:a16="http://schemas.microsoft.com/office/drawing/2014/main" val="3821672162"/>
+                    <a16:rowId xmlns:a16="http://schemas.microsoft.com/office/drawing/2014/main" xmlns="" val="3821672162"/>
                   </a:ext>
                 </a:extLst>
               </a:tr>
@@ -10560,7 +11278,7 @@
                 </a:tc>
                 <a:extLst>
                   <a:ext uri="{0D108BD9-81ED-4DB2-BD59-A6C34878D82A}">
-                    <a16:rowId xmlns:a16="http://schemas.microsoft.com/office/drawing/2014/main" val="3481478037"/>
+                    <a16:rowId xmlns:a16="http://schemas.microsoft.com/office/drawing/2014/main" xmlns="" val="3481478037"/>
                   </a:ext>
                 </a:extLst>
               </a:tr>
@@ -10715,7 +11433,7 @@
                 </a:tc>
                 <a:extLst>
                   <a:ext uri="{0D108BD9-81ED-4DB2-BD59-A6C34878D82A}">
-                    <a16:rowId xmlns:a16="http://schemas.microsoft.com/office/drawing/2014/main" val="2352246313"/>
+                    <a16:rowId xmlns:a16="http://schemas.microsoft.com/office/drawing/2014/main" xmlns="" val="2352246313"/>
                   </a:ext>
                 </a:extLst>
               </a:tr>
@@ -10870,7 +11588,7 @@
                 </a:tc>
                 <a:extLst>
                   <a:ext uri="{0D108BD9-81ED-4DB2-BD59-A6C34878D82A}">
-                    <a16:rowId xmlns:a16="http://schemas.microsoft.com/office/drawing/2014/main" val="2724839462"/>
+                    <a16:rowId xmlns:a16="http://schemas.microsoft.com/office/drawing/2014/main" xmlns="" val="2724839462"/>
                   </a:ext>
                 </a:extLst>
               </a:tr>
@@ -11025,7 +11743,7 @@
                 </a:tc>
                 <a:extLst>
                   <a:ext uri="{0D108BD9-81ED-4DB2-BD59-A6C34878D82A}">
-                    <a16:rowId xmlns:a16="http://schemas.microsoft.com/office/drawing/2014/main" val="4197378840"/>
+                    <a16:rowId xmlns:a16="http://schemas.microsoft.com/office/drawing/2014/main" xmlns="" val="4197378840"/>
                   </a:ext>
                 </a:extLst>
               </a:tr>
@@ -11180,7 +11898,7 @@
                 </a:tc>
                 <a:extLst>
                   <a:ext uri="{0D108BD9-81ED-4DB2-BD59-A6C34878D82A}">
-                    <a16:rowId xmlns:a16="http://schemas.microsoft.com/office/drawing/2014/main" val="3687018084"/>
+                    <a16:rowId xmlns:a16="http://schemas.microsoft.com/office/drawing/2014/main" xmlns="" val="3687018084"/>
                   </a:ext>
                 </a:extLst>
               </a:tr>
@@ -11335,7 +12053,7 @@
                 </a:tc>
                 <a:extLst>
                   <a:ext uri="{0D108BD9-81ED-4DB2-BD59-A6C34878D82A}">
-                    <a16:rowId xmlns:a16="http://schemas.microsoft.com/office/drawing/2014/main" val="3831483923"/>
+                    <a16:rowId xmlns:a16="http://schemas.microsoft.com/office/drawing/2014/main" xmlns="" val="3831483923"/>
                   </a:ext>
                 </a:extLst>
               </a:tr>
@@ -11490,7 +12208,7 @@
                 </a:tc>
                 <a:extLst>
                   <a:ext uri="{0D108BD9-81ED-4DB2-BD59-A6C34878D82A}">
-                    <a16:rowId xmlns:a16="http://schemas.microsoft.com/office/drawing/2014/main" val="1008865574"/>
+                    <a16:rowId xmlns:a16="http://schemas.microsoft.com/office/drawing/2014/main" xmlns="" val="1008865574"/>
                   </a:ext>
                 </a:extLst>
               </a:tr>
@@ -11645,7 +12363,7 @@
                 </a:tc>
                 <a:extLst>
                   <a:ext uri="{0D108BD9-81ED-4DB2-BD59-A6C34878D82A}">
-                    <a16:rowId xmlns:a16="http://schemas.microsoft.com/office/drawing/2014/main" val="4256689391"/>
+                    <a16:rowId xmlns:a16="http://schemas.microsoft.com/office/drawing/2014/main" xmlns="" val="4256689391"/>
                   </a:ext>
                 </a:extLst>
               </a:tr>
@@ -11800,7 +12518,7 @@
                 </a:tc>
                 <a:extLst>
                   <a:ext uri="{0D108BD9-81ED-4DB2-BD59-A6C34878D82A}">
-                    <a16:rowId xmlns:a16="http://schemas.microsoft.com/office/drawing/2014/main" val="3843843987"/>
+                    <a16:rowId xmlns:a16="http://schemas.microsoft.com/office/drawing/2014/main" xmlns="" val="3843843987"/>
                   </a:ext>
                 </a:extLst>
               </a:tr>
@@ -11831,7 +12549,7 @@
               <a:pPr>
                 <a:defRPr/>
               </a:pPr>
-              <a:t>2017/10/30</a:t>
+              <a:t>2017/10/31</a:t>
             </a:fld>
             <a:endParaRPr lang="zh-TW" altLang="en-US"/>
           </a:p>
@@ -12007,35 +12725,35 @@
                 <a:gridCol w="2812212">
                   <a:extLst>
                     <a:ext uri="{9D8B030D-6E8A-4147-A177-3AD203B41FA5}">
-                      <a16:colId xmlns:a16="http://schemas.microsoft.com/office/drawing/2014/main" val="2884299164"/>
+                      <a16:colId xmlns:a16="http://schemas.microsoft.com/office/drawing/2014/main" xmlns="" val="2884299164"/>
                     </a:ext>
                   </a:extLst>
                 </a:gridCol>
                 <a:gridCol w="1357798">
                   <a:extLst>
                     <a:ext uri="{9D8B030D-6E8A-4147-A177-3AD203B41FA5}">
-                      <a16:colId xmlns:a16="http://schemas.microsoft.com/office/drawing/2014/main" val="2714764970"/>
+                      <a16:colId xmlns:a16="http://schemas.microsoft.com/office/drawing/2014/main" xmlns="" val="2714764970"/>
                     </a:ext>
                   </a:extLst>
                 </a:gridCol>
                 <a:gridCol w="1357798">
                   <a:extLst>
                     <a:ext uri="{9D8B030D-6E8A-4147-A177-3AD203B41FA5}">
-                      <a16:colId xmlns:a16="http://schemas.microsoft.com/office/drawing/2014/main" val="379868310"/>
+                      <a16:colId xmlns:a16="http://schemas.microsoft.com/office/drawing/2014/main" xmlns="" val="379868310"/>
                     </a:ext>
                   </a:extLst>
                 </a:gridCol>
                 <a:gridCol w="1357798">
                   <a:extLst>
                     <a:ext uri="{9D8B030D-6E8A-4147-A177-3AD203B41FA5}">
-                      <a16:colId xmlns:a16="http://schemas.microsoft.com/office/drawing/2014/main" val="2643519724"/>
+                      <a16:colId xmlns:a16="http://schemas.microsoft.com/office/drawing/2014/main" xmlns="" val="2643519724"/>
                     </a:ext>
                   </a:extLst>
                 </a:gridCol>
                 <a:gridCol w="1343996">
                   <a:extLst>
                     <a:ext uri="{9D8B030D-6E8A-4147-A177-3AD203B41FA5}">
-                      <a16:colId xmlns:a16="http://schemas.microsoft.com/office/drawing/2014/main" val="3932700639"/>
+                      <a16:colId xmlns:a16="http://schemas.microsoft.com/office/drawing/2014/main" xmlns="" val="3932700639"/>
                     </a:ext>
                   </a:extLst>
                 </a:gridCol>
@@ -12173,7 +12891,7 @@
                 </a:tc>
                 <a:extLst>
                   <a:ext uri="{0D108BD9-81ED-4DB2-BD59-A6C34878D82A}">
-                    <a16:rowId xmlns:a16="http://schemas.microsoft.com/office/drawing/2014/main" val="2269722852"/>
+                    <a16:rowId xmlns:a16="http://schemas.microsoft.com/office/drawing/2014/main" xmlns="" val="2269722852"/>
                   </a:ext>
                 </a:extLst>
               </a:tr>
@@ -12331,7 +13049,7 @@
                 </a:tc>
                 <a:extLst>
                   <a:ext uri="{0D108BD9-81ED-4DB2-BD59-A6C34878D82A}">
-                    <a16:rowId xmlns:a16="http://schemas.microsoft.com/office/drawing/2014/main" val="3037958497"/>
+                    <a16:rowId xmlns:a16="http://schemas.microsoft.com/office/drawing/2014/main" xmlns="" val="3037958497"/>
                   </a:ext>
                 </a:extLst>
               </a:tr>
@@ -12492,7 +13210,7 @@
                 </a:tc>
                 <a:extLst>
                   <a:ext uri="{0D108BD9-81ED-4DB2-BD59-A6C34878D82A}">
-                    <a16:rowId xmlns:a16="http://schemas.microsoft.com/office/drawing/2014/main" val="2629449705"/>
+                    <a16:rowId xmlns:a16="http://schemas.microsoft.com/office/drawing/2014/main" xmlns="" val="2629449705"/>
                   </a:ext>
                 </a:extLst>
               </a:tr>
@@ -12650,7 +13368,7 @@
                 </a:tc>
                 <a:extLst>
                   <a:ext uri="{0D108BD9-81ED-4DB2-BD59-A6C34878D82A}">
-                    <a16:rowId xmlns:a16="http://schemas.microsoft.com/office/drawing/2014/main" val="2081270809"/>
+                    <a16:rowId xmlns:a16="http://schemas.microsoft.com/office/drawing/2014/main" xmlns="" val="2081270809"/>
                   </a:ext>
                 </a:extLst>
               </a:tr>
@@ -12808,7 +13526,7 @@
                 </a:tc>
                 <a:extLst>
                   <a:ext uri="{0D108BD9-81ED-4DB2-BD59-A6C34878D82A}">
-                    <a16:rowId xmlns:a16="http://schemas.microsoft.com/office/drawing/2014/main" val="400150635"/>
+                    <a16:rowId xmlns:a16="http://schemas.microsoft.com/office/drawing/2014/main" xmlns="" val="400150635"/>
                   </a:ext>
                 </a:extLst>
               </a:tr>
@@ -12966,7 +13684,7 @@
                 </a:tc>
                 <a:extLst>
                   <a:ext uri="{0D108BD9-81ED-4DB2-BD59-A6C34878D82A}">
-                    <a16:rowId xmlns:a16="http://schemas.microsoft.com/office/drawing/2014/main" val="2243106353"/>
+                    <a16:rowId xmlns:a16="http://schemas.microsoft.com/office/drawing/2014/main" xmlns="" val="2243106353"/>
                   </a:ext>
                 </a:extLst>
               </a:tr>
@@ -13124,7 +13842,7 @@
                 </a:tc>
                 <a:extLst>
                   <a:ext uri="{0D108BD9-81ED-4DB2-BD59-A6C34878D82A}">
-                    <a16:rowId xmlns:a16="http://schemas.microsoft.com/office/drawing/2014/main" val="3821672162"/>
+                    <a16:rowId xmlns:a16="http://schemas.microsoft.com/office/drawing/2014/main" xmlns="" val="3821672162"/>
                   </a:ext>
                 </a:extLst>
               </a:tr>
@@ -13282,7 +14000,7 @@
                 </a:tc>
                 <a:extLst>
                   <a:ext uri="{0D108BD9-81ED-4DB2-BD59-A6C34878D82A}">
-                    <a16:rowId xmlns:a16="http://schemas.microsoft.com/office/drawing/2014/main" val="3481478037"/>
+                    <a16:rowId xmlns:a16="http://schemas.microsoft.com/office/drawing/2014/main" xmlns="" val="3481478037"/>
                   </a:ext>
                 </a:extLst>
               </a:tr>
@@ -13440,7 +14158,7 @@
                 </a:tc>
                 <a:extLst>
                   <a:ext uri="{0D108BD9-81ED-4DB2-BD59-A6C34878D82A}">
-                    <a16:rowId xmlns:a16="http://schemas.microsoft.com/office/drawing/2014/main" val="2352246313"/>
+                    <a16:rowId xmlns:a16="http://schemas.microsoft.com/office/drawing/2014/main" xmlns="" val="2352246313"/>
                   </a:ext>
                 </a:extLst>
               </a:tr>
@@ -13598,7 +14316,7 @@
                 </a:tc>
                 <a:extLst>
                   <a:ext uri="{0D108BD9-81ED-4DB2-BD59-A6C34878D82A}">
-                    <a16:rowId xmlns:a16="http://schemas.microsoft.com/office/drawing/2014/main" val="2724839462"/>
+                    <a16:rowId xmlns:a16="http://schemas.microsoft.com/office/drawing/2014/main" xmlns="" val="2724839462"/>
                   </a:ext>
                 </a:extLst>
               </a:tr>
@@ -13756,7 +14474,7 @@
                 </a:tc>
                 <a:extLst>
                   <a:ext uri="{0D108BD9-81ED-4DB2-BD59-A6C34878D82A}">
-                    <a16:rowId xmlns:a16="http://schemas.microsoft.com/office/drawing/2014/main" val="4197378840"/>
+                    <a16:rowId xmlns:a16="http://schemas.microsoft.com/office/drawing/2014/main" xmlns="" val="4197378840"/>
                   </a:ext>
                 </a:extLst>
               </a:tr>
@@ -13914,7 +14632,7 @@
                 </a:tc>
                 <a:extLst>
                   <a:ext uri="{0D108BD9-81ED-4DB2-BD59-A6C34878D82A}">
-                    <a16:rowId xmlns:a16="http://schemas.microsoft.com/office/drawing/2014/main" val="3687018084"/>
+                    <a16:rowId xmlns:a16="http://schemas.microsoft.com/office/drawing/2014/main" xmlns="" val="3687018084"/>
                   </a:ext>
                 </a:extLst>
               </a:tr>
@@ -14072,7 +14790,7 @@
                 </a:tc>
                 <a:extLst>
                   <a:ext uri="{0D108BD9-81ED-4DB2-BD59-A6C34878D82A}">
-                    <a16:rowId xmlns:a16="http://schemas.microsoft.com/office/drawing/2014/main" val="3831483923"/>
+                    <a16:rowId xmlns:a16="http://schemas.microsoft.com/office/drawing/2014/main" xmlns="" val="3831483923"/>
                   </a:ext>
                 </a:extLst>
               </a:tr>
@@ -14230,7 +14948,7 @@
                 </a:tc>
                 <a:extLst>
                   <a:ext uri="{0D108BD9-81ED-4DB2-BD59-A6C34878D82A}">
-                    <a16:rowId xmlns:a16="http://schemas.microsoft.com/office/drawing/2014/main" val="1008865574"/>
+                    <a16:rowId xmlns:a16="http://schemas.microsoft.com/office/drawing/2014/main" xmlns="" val="1008865574"/>
                   </a:ext>
                 </a:extLst>
               </a:tr>
@@ -14388,7 +15106,7 @@
                 </a:tc>
                 <a:extLst>
                   <a:ext uri="{0D108BD9-81ED-4DB2-BD59-A6C34878D82A}">
-                    <a16:rowId xmlns:a16="http://schemas.microsoft.com/office/drawing/2014/main" val="4256689391"/>
+                    <a16:rowId xmlns:a16="http://schemas.microsoft.com/office/drawing/2014/main" xmlns="" val="4256689391"/>
                   </a:ext>
                 </a:extLst>
               </a:tr>
@@ -14419,7 +15137,7 @@
               <a:pPr>
                 <a:defRPr/>
               </a:pPr>
-              <a:t>2017/10/30</a:t>
+              <a:t>2017/10/31</a:t>
             </a:fld>
             <a:endParaRPr lang="zh-TW" altLang="en-US"/>
           </a:p>
@@ -14595,35 +15313,35 @@
                 <a:gridCol w="2812212">
                   <a:extLst>
                     <a:ext uri="{9D8B030D-6E8A-4147-A177-3AD203B41FA5}">
-                      <a16:colId xmlns:a16="http://schemas.microsoft.com/office/drawing/2014/main" val="2884299164"/>
+                      <a16:colId xmlns:a16="http://schemas.microsoft.com/office/drawing/2014/main" xmlns="" val="2884299164"/>
                     </a:ext>
                   </a:extLst>
                 </a:gridCol>
                 <a:gridCol w="1357798">
                   <a:extLst>
                     <a:ext uri="{9D8B030D-6E8A-4147-A177-3AD203B41FA5}">
-                      <a16:colId xmlns:a16="http://schemas.microsoft.com/office/drawing/2014/main" val="2714764970"/>
+                      <a16:colId xmlns:a16="http://schemas.microsoft.com/office/drawing/2014/main" xmlns="" val="2714764970"/>
                     </a:ext>
                   </a:extLst>
                 </a:gridCol>
                 <a:gridCol w="1357798">
                   <a:extLst>
                     <a:ext uri="{9D8B030D-6E8A-4147-A177-3AD203B41FA5}">
-                      <a16:colId xmlns:a16="http://schemas.microsoft.com/office/drawing/2014/main" val="379868310"/>
+                      <a16:colId xmlns:a16="http://schemas.microsoft.com/office/drawing/2014/main" xmlns="" val="379868310"/>
                     </a:ext>
                   </a:extLst>
                 </a:gridCol>
                 <a:gridCol w="1357798">
                   <a:extLst>
                     <a:ext uri="{9D8B030D-6E8A-4147-A177-3AD203B41FA5}">
-                      <a16:colId xmlns:a16="http://schemas.microsoft.com/office/drawing/2014/main" val="2643519724"/>
+                      <a16:colId xmlns:a16="http://schemas.microsoft.com/office/drawing/2014/main" xmlns="" val="2643519724"/>
                     </a:ext>
                   </a:extLst>
                 </a:gridCol>
                 <a:gridCol w="1343996">
                   <a:extLst>
                     <a:ext uri="{9D8B030D-6E8A-4147-A177-3AD203B41FA5}">
-                      <a16:colId xmlns:a16="http://schemas.microsoft.com/office/drawing/2014/main" val="3932700639"/>
+                      <a16:colId xmlns:a16="http://schemas.microsoft.com/office/drawing/2014/main" xmlns="" val="3932700639"/>
                     </a:ext>
                   </a:extLst>
                 </a:gridCol>
@@ -14761,7 +15479,7 @@
                 </a:tc>
                 <a:extLst>
                   <a:ext uri="{0D108BD9-81ED-4DB2-BD59-A6C34878D82A}">
-                    <a16:rowId xmlns:a16="http://schemas.microsoft.com/office/drawing/2014/main" val="2269722852"/>
+                    <a16:rowId xmlns:a16="http://schemas.microsoft.com/office/drawing/2014/main" xmlns="" val="2269722852"/>
                   </a:ext>
                 </a:extLst>
               </a:tr>
@@ -14919,7 +15637,7 @@
                 </a:tc>
                 <a:extLst>
                   <a:ext uri="{0D108BD9-81ED-4DB2-BD59-A6C34878D82A}">
-                    <a16:rowId xmlns:a16="http://schemas.microsoft.com/office/drawing/2014/main" val="3037958497"/>
+                    <a16:rowId xmlns:a16="http://schemas.microsoft.com/office/drawing/2014/main" xmlns="" val="3037958497"/>
                   </a:ext>
                 </a:extLst>
               </a:tr>
@@ -15077,7 +15795,7 @@
                 </a:tc>
                 <a:extLst>
                   <a:ext uri="{0D108BD9-81ED-4DB2-BD59-A6C34878D82A}">
-                    <a16:rowId xmlns:a16="http://schemas.microsoft.com/office/drawing/2014/main" val="2629449705"/>
+                    <a16:rowId xmlns:a16="http://schemas.microsoft.com/office/drawing/2014/main" xmlns="" val="2629449705"/>
                   </a:ext>
                 </a:extLst>
               </a:tr>
@@ -15235,7 +15953,7 @@
                 </a:tc>
                 <a:extLst>
                   <a:ext uri="{0D108BD9-81ED-4DB2-BD59-A6C34878D82A}">
-                    <a16:rowId xmlns:a16="http://schemas.microsoft.com/office/drawing/2014/main" val="2081270809"/>
+                    <a16:rowId xmlns:a16="http://schemas.microsoft.com/office/drawing/2014/main" xmlns="" val="2081270809"/>
                   </a:ext>
                 </a:extLst>
               </a:tr>
@@ -15393,7 +16111,7 @@
                 </a:tc>
                 <a:extLst>
                   <a:ext uri="{0D108BD9-81ED-4DB2-BD59-A6C34878D82A}">
-                    <a16:rowId xmlns:a16="http://schemas.microsoft.com/office/drawing/2014/main" val="1725899984"/>
+                    <a16:rowId xmlns:a16="http://schemas.microsoft.com/office/drawing/2014/main" xmlns="" val="1725899984"/>
                   </a:ext>
                 </a:extLst>
               </a:tr>
@@ -15424,7 +16142,7 @@
               <a:pPr>
                 <a:defRPr/>
               </a:pPr>
-              <a:t>2017/10/30</a:t>
+              <a:t>2017/10/31</a:t>
             </a:fld>
             <a:endParaRPr lang="zh-TW" altLang="en-US"/>
           </a:p>

--- a/doc/report.pptx
+++ b/doc/report.pptx
@@ -744,6 +744,56 @@
           <a:bodyPr/>
           <a:lstStyle/>
           <a:p>
+            <a:r>
+              <a:rPr lang="en-US" altLang="zh-TW" dirty="0" smtClean="0"/>
+              <a:t>Zombie</a:t>
+            </a:r>
+            <a:r>
+              <a:rPr lang="en-US" altLang="zh-TW" baseline="0" dirty="0" smtClean="0"/>
+              <a:t> </a:t>
+            </a:r>
+            <a:r>
+              <a:rPr lang="en-US" altLang="zh-TW" baseline="0" dirty="0" err="1" smtClean="0"/>
+              <a:t>acception</a:t>
+            </a:r>
+            <a:r>
+              <a:rPr lang="en-US" altLang="zh-TW" baseline="0" dirty="0" smtClean="0"/>
+              <a:t> test</a:t>
+            </a:r>
+            <a:br>
+              <a:rPr lang="en-US" altLang="zh-TW" baseline="0" dirty="0" smtClean="0"/>
+            </a:br>
+            <a:r>
+              <a:rPr lang="en-US" altLang="zh-TW" baseline="0" dirty="0" smtClean="0"/>
+              <a:t>mocha unit test</a:t>
+            </a:r>
+            <a:br>
+              <a:rPr lang="en-US" altLang="zh-TW" baseline="0" dirty="0" smtClean="0"/>
+            </a:br>
+            <a:r>
+              <a:rPr lang="zh-TW" altLang="en-US" baseline="0" dirty="0" smtClean="0"/>
+              <a:t>是架</a:t>
+            </a:r>
+            <a:r>
+              <a:rPr lang="en-US" altLang="zh-TW" baseline="0" dirty="0" smtClean="0"/>
+              <a:t>CI</a:t>
+            </a:r>
+            <a:r>
+              <a:rPr lang="zh-TW" altLang="en-US" baseline="0" dirty="0" smtClean="0"/>
+              <a:t> </a:t>
+            </a:r>
+            <a:r>
+              <a:rPr lang="zh-TW" altLang="en-US" baseline="0" dirty="0" smtClean="0"/>
+              <a:t> </a:t>
+            </a:r>
+            <a:r>
+              <a:rPr lang="en-US" altLang="zh-TW" baseline="0" dirty="0" err="1" smtClean="0"/>
+              <a:t>jenkins</a:t>
+            </a:r>
+            <a:r>
+              <a:rPr lang="zh-TW" altLang="en-US" baseline="0" dirty="0" smtClean="0"/>
+              <a:t>  來跑整合測試</a:t>
+            </a:r>
             <a:endParaRPr lang="zh-TW" altLang="en-US" dirty="0"/>
           </a:p>
         </p:txBody>
@@ -766,7 +816,7 @@
             <a:fld id="{F4E554D8-CE34-424B-893E-6F862093FEC6}" type="slidenum">
               <a:rPr lang="zh-TW" altLang="en-US" smtClean="0"/>
               <a:pPr/>
-              <a:t>6</a:t>
+              <a:t>3</a:t>
             </a:fld>
             <a:endParaRPr lang="zh-TW" altLang="en-US"/>
           </a:p>
@@ -775,7 +825,7 @@
     </p:spTree>
     <p:extLst>
       <p:ext uri="{BB962C8B-B14F-4D97-AF65-F5344CB8AC3E}">
-        <p14:creationId xmlns:p14="http://schemas.microsoft.com/office/powerpoint/2010/main" val="1816577921"/>
+        <p14:creationId xmlns:p14="http://schemas.microsoft.com/office/powerpoint/2010/main" val="138980888"/>
       </p:ext>
     </p:extLst>
   </p:cSld>
@@ -851,7 +901,7 @@
             <a:fld id="{F4E554D8-CE34-424B-893E-6F862093FEC6}" type="slidenum">
               <a:rPr lang="zh-TW" altLang="en-US" smtClean="0"/>
               <a:pPr/>
-              <a:t>8</a:t>
+              <a:t>6</a:t>
             </a:fld>
             <a:endParaRPr lang="zh-TW" altLang="en-US"/>
           </a:p>
@@ -860,7 +910,7 @@
     </p:spTree>
     <p:extLst>
       <p:ext uri="{BB962C8B-B14F-4D97-AF65-F5344CB8AC3E}">
-        <p14:creationId xmlns:p14="http://schemas.microsoft.com/office/powerpoint/2010/main" val="2510223429"/>
+        <p14:creationId xmlns:p14="http://schemas.microsoft.com/office/powerpoint/2010/main" val="1816577921"/>
       </p:ext>
     </p:extLst>
   </p:cSld>
@@ -936,7 +986,7 @@
             <a:fld id="{F4E554D8-CE34-424B-893E-6F862093FEC6}" type="slidenum">
               <a:rPr lang="zh-TW" altLang="en-US" smtClean="0"/>
               <a:pPr/>
-              <a:t>9</a:t>
+              <a:t>8</a:t>
             </a:fld>
             <a:endParaRPr lang="zh-TW" altLang="en-US"/>
           </a:p>
@@ -945,7 +995,7 @@
     </p:spTree>
     <p:extLst>
       <p:ext uri="{BB962C8B-B14F-4D97-AF65-F5344CB8AC3E}">
-        <p14:creationId xmlns:p14="http://schemas.microsoft.com/office/powerpoint/2010/main" val="2689522153"/>
+        <p14:creationId xmlns:p14="http://schemas.microsoft.com/office/powerpoint/2010/main" val="2510223429"/>
       </p:ext>
     </p:extLst>
   </p:cSld>
@@ -1021,7 +1071,7 @@
             <a:fld id="{F4E554D8-CE34-424B-893E-6F862093FEC6}" type="slidenum">
               <a:rPr lang="zh-TW" altLang="en-US" smtClean="0"/>
               <a:pPr/>
-              <a:t>10</a:t>
+              <a:t>9</a:t>
             </a:fld>
             <a:endParaRPr lang="zh-TW" altLang="en-US"/>
           </a:p>
@@ -1030,7 +1080,7 @@
     </p:spTree>
     <p:extLst>
       <p:ext uri="{BB962C8B-B14F-4D97-AF65-F5344CB8AC3E}">
-        <p14:creationId xmlns:p14="http://schemas.microsoft.com/office/powerpoint/2010/main" val="2095768248"/>
+        <p14:creationId xmlns:p14="http://schemas.microsoft.com/office/powerpoint/2010/main" val="2689522153"/>
       </p:ext>
     </p:extLst>
   </p:cSld>
@@ -1106,7 +1156,7 @@
             <a:fld id="{F4E554D8-CE34-424B-893E-6F862093FEC6}" type="slidenum">
               <a:rPr lang="zh-TW" altLang="en-US" smtClean="0"/>
               <a:pPr/>
-              <a:t>11</a:t>
+              <a:t>10</a:t>
             </a:fld>
             <a:endParaRPr lang="zh-TW" altLang="en-US"/>
           </a:p>
@@ -1115,7 +1165,7 @@
     </p:spTree>
     <p:extLst>
       <p:ext uri="{BB962C8B-B14F-4D97-AF65-F5344CB8AC3E}">
-        <p14:creationId xmlns:p14="http://schemas.microsoft.com/office/powerpoint/2010/main" val="2874431936"/>
+        <p14:creationId xmlns:p14="http://schemas.microsoft.com/office/powerpoint/2010/main" val="2095768248"/>
       </p:ext>
     </p:extLst>
   </p:cSld>
@@ -1169,6 +1219,25 @@
           <a:bodyPr/>
           <a:lstStyle/>
           <a:p>
+            <a:r>
+              <a:rPr lang="zh-TW" altLang="en-US" dirty="0" smtClean="0"/>
+              <a:t>目前工作分配如圖</a:t>
+            </a:r>
+            <a:r>
+              <a:rPr lang="en-US" altLang="zh-TW" dirty="0" smtClean="0"/>
+              <a:t/>
+            </a:r>
+            <a:br>
+              <a:rPr lang="en-US" altLang="zh-TW" dirty="0" smtClean="0"/>
+            </a:br>
+            <a:r>
+              <a:rPr lang="zh-TW" altLang="en-US" dirty="0" smtClean="0"/>
+              <a:t>我們組員會盡量配合一起</a:t>
+            </a:r>
+            <a:r>
+              <a:rPr lang="en-US" altLang="zh-TW" dirty="0" smtClean="0"/>
+              <a:t>working </a:t>
+            </a:r>
             <a:endParaRPr lang="zh-TW" altLang="en-US" dirty="0"/>
           </a:p>
         </p:txBody>
@@ -1191,6 +1260,91 @@
             <a:fld id="{F4E554D8-CE34-424B-893E-6F862093FEC6}" type="slidenum">
               <a:rPr lang="zh-TW" altLang="en-US" smtClean="0"/>
               <a:pPr/>
+              <a:t>11</a:t>
+            </a:fld>
+            <a:endParaRPr lang="zh-TW" altLang="en-US"/>
+          </a:p>
+        </p:txBody>
+      </p:sp>
+    </p:spTree>
+    <p:extLst>
+      <p:ext uri="{BB962C8B-B14F-4D97-AF65-F5344CB8AC3E}">
+        <p14:creationId xmlns:p14="http://schemas.microsoft.com/office/powerpoint/2010/main" val="2874431936"/>
+      </p:ext>
+    </p:extLst>
+  </p:cSld>
+  <p:clrMapOvr>
+    <a:masterClrMapping/>
+  </p:clrMapOvr>
+</p:notes>
+</file>
+
+<file path=ppt/notesSlides/notesSlide7.xml><?xml version="1.0" encoding="utf-8"?>
+<p:notes xmlns:a="http://schemas.openxmlformats.org/drawingml/2006/main" xmlns:r="http://schemas.openxmlformats.org/officeDocument/2006/relationships" xmlns:p="http://schemas.openxmlformats.org/presentationml/2006/main">
+  <p:cSld>
+    <p:spTree>
+      <p:nvGrpSpPr>
+        <p:cNvPr id="1" name=""/>
+        <p:cNvGrpSpPr/>
+        <p:nvPr/>
+      </p:nvGrpSpPr>
+      <p:grpSpPr>
+        <a:xfrm>
+          <a:off x="0" y="0"/>
+          <a:ext cx="0" cy="0"/>
+          <a:chOff x="0" y="0"/>
+          <a:chExt cx="0" cy="0"/>
+        </a:xfrm>
+      </p:grpSpPr>
+      <p:sp>
+        <p:nvSpPr>
+          <p:cNvPr id="2" name="投影片圖像版面配置區 1"/>
+          <p:cNvSpPr>
+            <a:spLocks noGrp="1" noRot="1" noChangeAspect="1"/>
+          </p:cNvSpPr>
+          <p:nvPr>
+            <p:ph type="sldImg"/>
+          </p:nvPr>
+        </p:nvSpPr>
+        <p:spPr/>
+      </p:sp>
+      <p:sp>
+        <p:nvSpPr>
+          <p:cNvPr id="3" name="備忘稿版面配置區 2"/>
+          <p:cNvSpPr>
+            <a:spLocks noGrp="1"/>
+          </p:cNvSpPr>
+          <p:nvPr>
+            <p:ph type="body" idx="1"/>
+          </p:nvPr>
+        </p:nvSpPr>
+        <p:spPr/>
+        <p:txBody>
+          <a:bodyPr/>
+          <a:lstStyle/>
+          <a:p>
+            <a:endParaRPr lang="zh-TW" altLang="en-US" dirty="0"/>
+          </a:p>
+        </p:txBody>
+      </p:sp>
+      <p:sp>
+        <p:nvSpPr>
+          <p:cNvPr id="4" name="投影片編號版面配置區 3"/>
+          <p:cNvSpPr>
+            <a:spLocks noGrp="1"/>
+          </p:cNvSpPr>
+          <p:nvPr>
+            <p:ph type="sldNum" sz="quarter" idx="10"/>
+          </p:nvPr>
+        </p:nvSpPr>
+        <p:spPr/>
+        <p:txBody>
+          <a:bodyPr/>
+          <a:lstStyle/>
+          <a:p>
+            <a:fld id="{F4E554D8-CE34-424B-893E-6F862093FEC6}" type="slidenum">
+              <a:rPr lang="zh-TW" altLang="en-US" smtClean="0"/>
+              <a:pPr/>
               <a:t>12</a:t>
             </a:fld>
             <a:endParaRPr lang="zh-TW" altLang="en-US"/>
@@ -1201,6 +1355,114 @@
     <p:extLst>
       <p:ext uri="{BB962C8B-B14F-4D97-AF65-F5344CB8AC3E}">
         <p14:creationId xmlns:p14="http://schemas.microsoft.com/office/powerpoint/2010/main" val="3007137297"/>
+      </p:ext>
+    </p:extLst>
+  </p:cSld>
+  <p:clrMapOvr>
+    <a:masterClrMapping/>
+  </p:clrMapOvr>
+</p:notes>
+</file>
+
+<file path=ppt/notesSlides/notesSlide8.xml><?xml version="1.0" encoding="utf-8"?>
+<p:notes xmlns:a="http://schemas.openxmlformats.org/drawingml/2006/main" xmlns:r="http://schemas.openxmlformats.org/officeDocument/2006/relationships" xmlns:p="http://schemas.openxmlformats.org/presentationml/2006/main">
+  <p:cSld>
+    <p:spTree>
+      <p:nvGrpSpPr>
+        <p:cNvPr id="1" name=""/>
+        <p:cNvGrpSpPr/>
+        <p:nvPr/>
+      </p:nvGrpSpPr>
+      <p:grpSpPr>
+        <a:xfrm>
+          <a:off x="0" y="0"/>
+          <a:ext cx="0" cy="0"/>
+          <a:chOff x="0" y="0"/>
+          <a:chExt cx="0" cy="0"/>
+        </a:xfrm>
+      </p:grpSpPr>
+      <p:sp>
+        <p:nvSpPr>
+          <p:cNvPr id="2" name="投影片圖像版面配置區 1"/>
+          <p:cNvSpPr>
+            <a:spLocks noGrp="1" noRot="1" noChangeAspect="1"/>
+          </p:cNvSpPr>
+          <p:nvPr>
+            <p:ph type="sldImg"/>
+          </p:nvPr>
+        </p:nvSpPr>
+        <p:spPr/>
+      </p:sp>
+      <p:sp>
+        <p:nvSpPr>
+          <p:cNvPr id="3" name="備忘稿版面配置區 2"/>
+          <p:cNvSpPr>
+            <a:spLocks noGrp="1"/>
+          </p:cNvSpPr>
+          <p:nvPr>
+            <p:ph type="body" idx="1"/>
+          </p:nvPr>
+        </p:nvSpPr>
+        <p:spPr/>
+        <p:txBody>
+          <a:bodyPr/>
+          <a:lstStyle/>
+          <a:p>
+            <a:r>
+              <a:rPr lang="zh-TW" altLang="en-US" dirty="0" smtClean="0"/>
+              <a:t>這是我們工作的時間 </a:t>
+            </a:r>
+            <a:r>
+              <a:rPr lang="en-US" altLang="zh-TW" dirty="0" smtClean="0"/>
+              <a:t/>
+            </a:r>
+            <a:br>
+              <a:rPr lang="en-US" altLang="zh-TW" dirty="0" smtClean="0"/>
+            </a:br>
+            <a:r>
+              <a:rPr lang="zh-TW" altLang="en-US" dirty="0" smtClean="0"/>
+              <a:t>最後兩天蠻趕的 </a:t>
+            </a:r>
+            <a:r>
+              <a:rPr lang="en-US" altLang="zh-TW" dirty="0" smtClean="0"/>
+              <a:t>UI</a:t>
+            </a:r>
+            <a:r>
+              <a:rPr lang="zh-TW" altLang="en-US" dirty="0" smtClean="0"/>
+              <a:t>設計實作</a:t>
+            </a:r>
+            <a:endParaRPr lang="zh-TW" altLang="en-US" dirty="0"/>
+          </a:p>
+        </p:txBody>
+      </p:sp>
+      <p:sp>
+        <p:nvSpPr>
+          <p:cNvPr id="4" name="投影片編號版面配置區 3"/>
+          <p:cNvSpPr>
+            <a:spLocks noGrp="1"/>
+          </p:cNvSpPr>
+          <p:nvPr>
+            <p:ph type="sldNum" sz="quarter" idx="10"/>
+          </p:nvPr>
+        </p:nvSpPr>
+        <p:spPr/>
+        <p:txBody>
+          <a:bodyPr/>
+          <a:lstStyle/>
+          <a:p>
+            <a:fld id="{F4E554D8-CE34-424B-893E-6F862093FEC6}" type="slidenum">
+              <a:rPr lang="zh-TW" altLang="en-US" smtClean="0"/>
+              <a:pPr/>
+              <a:t>13</a:t>
+            </a:fld>
+            <a:endParaRPr lang="zh-TW" altLang="en-US"/>
+          </a:p>
+        </p:txBody>
+      </p:sp>
+    </p:spTree>
+    <p:extLst>
+      <p:ext uri="{BB962C8B-B14F-4D97-AF65-F5344CB8AC3E}">
+        <p14:creationId xmlns:p14="http://schemas.microsoft.com/office/powerpoint/2010/main" val="2792481395"/>
       </p:ext>
     </p:extLst>
   </p:cSld>
@@ -4986,8 +5248,13 @@
                   <a:srgbClr val="F2F2F2"/>
                 </a:solidFill>
               </a:rPr>
-              <a:t>2017/11/03</a:t>
+              <a:t>2017/11/01</a:t>
             </a:r>
+            <a:endParaRPr lang="en-US" altLang="zh-TW" sz="2000" dirty="0" smtClean="0">
+              <a:solidFill>
+                <a:srgbClr val="F2F2F2"/>
+              </a:solidFill>
+            </a:endParaRPr>
           </a:p>
           <a:p>
             <a:endParaRPr lang="en-US" altLang="zh-TW" dirty="0" smtClean="0">
@@ -4995,6 +5262,52 @@
                 <a:srgbClr val="F2F2F2"/>
               </a:solidFill>
             </a:endParaRPr>
+          </a:p>
+        </p:txBody>
+      </p:sp>
+      <p:sp>
+        <p:nvSpPr>
+          <p:cNvPr id="3" name="文字方塊 2"/>
+          <p:cNvSpPr txBox="1"/>
+          <p:nvPr/>
+        </p:nvSpPr>
+        <p:spPr>
+          <a:xfrm>
+            <a:off x="323528" y="4077072"/>
+            <a:ext cx="2664296" cy="369332"/>
+          </a:xfrm>
+          <a:prstGeom prst="rect">
+            <a:avLst/>
+          </a:prstGeom>
+          <a:noFill/>
+        </p:spPr>
+        <p:txBody>
+          <a:bodyPr wrap="square" rtlCol="0">
+            <a:spAutoFit/>
+          </a:bodyPr>
+          <a:lstStyle/>
+          <a:p>
+            <a:pPr algn="ctr"/>
+            <a:r>
+              <a:rPr lang="zh-TW" altLang="en-US" b="1" dirty="0" smtClean="0">
+                <a:solidFill>
+                  <a:schemeClr val="bg1"/>
+                </a:solidFill>
+                <a:latin typeface="標楷體" panose="03000509000000000000" pitchFamily="65" charset="-120"/>
+                <a:ea typeface="標楷體" panose="03000509000000000000" pitchFamily="65" charset="-120"/>
+              </a:rPr>
+              <a:t>第三</a:t>
+            </a:r>
+            <a:r>
+              <a:rPr lang="zh-TW" altLang="en-US" b="1" dirty="0">
+                <a:solidFill>
+                  <a:schemeClr val="bg1"/>
+                </a:solidFill>
+                <a:latin typeface="標楷體" panose="03000509000000000000" pitchFamily="65" charset="-120"/>
+                <a:ea typeface="標楷體" panose="03000509000000000000" pitchFamily="65" charset="-120"/>
+              </a:rPr>
+              <a:t>組</a:t>
+            </a:r>
           </a:p>
         </p:txBody>
       </p:sp>
@@ -5184,6 +5497,12 @@
           <a:bodyPr/>
           <a:lstStyle/>
           <a:p>
+            <a:r>
+              <a:rPr lang="en-US" altLang="zh-TW" dirty="0">
+                <a:hlinkClick r:id="rId3"/>
+              </a:rPr>
+              <a:t>http://140.124.181.88:8080/</a:t>
+            </a:r>
             <a:endParaRPr lang="zh-TW" altLang="en-US" dirty="0"/>
           </a:p>
         </p:txBody>
@@ -5198,6 +5517,13 @@
   <p:clrMapOvr>
     <a:masterClrMapping/>
   </p:clrMapOvr>
+  <p:timing>
+    <p:tnLst>
+      <p:par>
+        <p:cTn id="1" dur="indefinite" restart="never" nodeType="tmRoot"/>
+      </p:par>
+    </p:tnLst>
+  </p:timing>
 </p:sld>
 </file>
 
@@ -5274,14 +5600,14 @@
                 <a:gridCol w="2712099">
                   <a:extLst>
                     <a:ext uri="{9D8B030D-6E8A-4147-A177-3AD203B41FA5}">
-                      <a16:colId xmlns:a16="http://schemas.microsoft.com/office/drawing/2014/main" xmlns="" val="87633011"/>
+                      <a16:colId xmlns="" xmlns:a16="http://schemas.microsoft.com/office/drawing/2014/main" val="87633011"/>
                     </a:ext>
                   </a:extLst>
                 </a:gridCol>
                 <a:gridCol w="5449101">
                   <a:extLst>
                     <a:ext uri="{9D8B030D-6E8A-4147-A177-3AD203B41FA5}">
-                      <a16:colId xmlns:a16="http://schemas.microsoft.com/office/drawing/2014/main" xmlns="" val="2925896174"/>
+                      <a16:colId xmlns="" xmlns:a16="http://schemas.microsoft.com/office/drawing/2014/main" val="2925896174"/>
                     </a:ext>
                   </a:extLst>
                 </a:gridCol>
@@ -5317,7 +5643,7 @@
                 </a:tc>
                 <a:extLst>
                   <a:ext uri="{0D108BD9-81ED-4DB2-BD59-A6C34878D82A}">
-                    <a16:rowId xmlns:a16="http://schemas.microsoft.com/office/drawing/2014/main" xmlns="" val="3895224598"/>
+                    <a16:rowId xmlns="" xmlns:a16="http://schemas.microsoft.com/office/drawing/2014/main" val="3895224598"/>
                   </a:ext>
                 </a:extLst>
               </a:tr>
@@ -5406,7 +5732,7 @@
                 </a:tc>
                 <a:extLst>
                   <a:ext uri="{0D108BD9-81ED-4DB2-BD59-A6C34878D82A}">
-                    <a16:rowId xmlns:a16="http://schemas.microsoft.com/office/drawing/2014/main" xmlns="" val="2227397568"/>
+                    <a16:rowId xmlns="" xmlns:a16="http://schemas.microsoft.com/office/drawing/2014/main" val="2227397568"/>
                   </a:ext>
                 </a:extLst>
               </a:tr>
@@ -5487,7 +5813,7 @@
                 </a:tc>
                 <a:extLst>
                   <a:ext uri="{0D108BD9-81ED-4DB2-BD59-A6C34878D82A}">
-                    <a16:rowId xmlns:a16="http://schemas.microsoft.com/office/drawing/2014/main" xmlns="" val="2285874812"/>
+                    <a16:rowId xmlns="" xmlns:a16="http://schemas.microsoft.com/office/drawing/2014/main" val="2285874812"/>
                   </a:ext>
                 </a:extLst>
               </a:tr>
@@ -5547,7 +5873,7 @@
                 </a:tc>
                 <a:extLst>
                   <a:ext uri="{0D108BD9-81ED-4DB2-BD59-A6C34878D82A}">
-                    <a16:rowId xmlns:a16="http://schemas.microsoft.com/office/drawing/2014/main" xmlns="" val="3504635375"/>
+                    <a16:rowId xmlns="" xmlns:a16="http://schemas.microsoft.com/office/drawing/2014/main" val="3504635375"/>
                   </a:ext>
                 </a:extLst>
               </a:tr>
@@ -5615,7 +5941,7 @@
                 </a:tc>
                 <a:extLst>
                   <a:ext uri="{0D108BD9-81ED-4DB2-BD59-A6C34878D82A}">
-                    <a16:rowId xmlns:a16="http://schemas.microsoft.com/office/drawing/2014/main" xmlns="" val="1370675075"/>
+                    <a16:rowId xmlns="" xmlns:a16="http://schemas.microsoft.com/office/drawing/2014/main" val="1370675075"/>
                   </a:ext>
                 </a:extLst>
               </a:tr>
@@ -5675,7 +6001,7 @@
                 </a:tc>
                 <a:extLst>
                   <a:ext uri="{0D108BD9-81ED-4DB2-BD59-A6C34878D82A}">
-                    <a16:rowId xmlns:a16="http://schemas.microsoft.com/office/drawing/2014/main" xmlns="" val="4079855752"/>
+                    <a16:rowId xmlns="" xmlns:a16="http://schemas.microsoft.com/office/drawing/2014/main" val="4079855752"/>
                   </a:ext>
                 </a:extLst>
               </a:tr>
@@ -5735,7 +6061,7 @@
                 </a:tc>
                 <a:extLst>
                   <a:ext uri="{0D108BD9-81ED-4DB2-BD59-A6C34878D82A}">
-                    <a16:rowId xmlns:a16="http://schemas.microsoft.com/office/drawing/2014/main" xmlns="" val="3252417867"/>
+                    <a16:rowId xmlns="" xmlns:a16="http://schemas.microsoft.com/office/drawing/2014/main" val="3252417867"/>
                   </a:ext>
                 </a:extLst>
               </a:tr>
@@ -5795,7 +6121,7 @@
                 </a:tc>
                 <a:extLst>
                   <a:ext uri="{0D108BD9-81ED-4DB2-BD59-A6C34878D82A}">
-                    <a16:rowId xmlns:a16="http://schemas.microsoft.com/office/drawing/2014/main" xmlns="" val="2776023583"/>
+                    <a16:rowId xmlns="" xmlns:a16="http://schemas.microsoft.com/office/drawing/2014/main" val="2776023583"/>
                   </a:ext>
                 </a:extLst>
               </a:tr>
@@ -5870,7 +6196,7 @@
                 </a:tc>
                 <a:extLst>
                   <a:ext uri="{0D108BD9-81ED-4DB2-BD59-A6C34878D82A}">
-                    <a16:rowId xmlns:a16="http://schemas.microsoft.com/office/drawing/2014/main" xmlns="" val="1167250090"/>
+                    <a16:rowId xmlns="" xmlns:a16="http://schemas.microsoft.com/office/drawing/2014/main" val="1167250090"/>
                   </a:ext>
                 </a:extLst>
               </a:tr>
@@ -5950,7 +6276,7 @@
                 </a:tc>
                 <a:extLst>
                   <a:ext uri="{0D108BD9-81ED-4DB2-BD59-A6C34878D82A}">
-                    <a16:rowId xmlns:a16="http://schemas.microsoft.com/office/drawing/2014/main" xmlns="" val="3851974090"/>
+                    <a16:rowId xmlns="" xmlns:a16="http://schemas.microsoft.com/office/drawing/2014/main" val="3851974090"/>
                   </a:ext>
                 </a:extLst>
               </a:tr>
@@ -6022,7 +6348,7 @@
                 </a:tc>
                 <a:extLst>
                   <a:ext uri="{0D108BD9-81ED-4DB2-BD59-A6C34878D82A}">
-                    <a16:rowId xmlns:a16="http://schemas.microsoft.com/office/drawing/2014/main" xmlns="" val="3064833447"/>
+                    <a16:rowId xmlns="" xmlns:a16="http://schemas.microsoft.com/office/drawing/2014/main" val="3064833447"/>
                   </a:ext>
                 </a:extLst>
               </a:tr>
@@ -6094,7 +6420,7 @@
                 </a:tc>
                 <a:extLst>
                   <a:ext uri="{0D108BD9-81ED-4DB2-BD59-A6C34878D82A}">
-                    <a16:rowId xmlns:a16="http://schemas.microsoft.com/office/drawing/2014/main" xmlns="" val="1873275827"/>
+                    <a16:rowId xmlns="" xmlns:a16="http://schemas.microsoft.com/office/drawing/2014/main" val="1873275827"/>
                   </a:ext>
                 </a:extLst>
               </a:tr>
@@ -6174,7 +6500,7 @@
                 </a:tc>
                 <a:extLst>
                   <a:ext uri="{0D108BD9-81ED-4DB2-BD59-A6C34878D82A}">
-                    <a16:rowId xmlns:a16="http://schemas.microsoft.com/office/drawing/2014/main" xmlns="" val="4216443485"/>
+                    <a16:rowId xmlns="" xmlns:a16="http://schemas.microsoft.com/office/drawing/2014/main" val="4216443485"/>
                   </a:ext>
                 </a:extLst>
               </a:tr>
@@ -6246,7 +6572,7 @@
                 </a:tc>
                 <a:extLst>
                   <a:ext uri="{0D108BD9-81ED-4DB2-BD59-A6C34878D82A}">
-                    <a16:rowId xmlns:a16="http://schemas.microsoft.com/office/drawing/2014/main" xmlns="" val="524508212"/>
+                    <a16:rowId xmlns="" xmlns:a16="http://schemas.microsoft.com/office/drawing/2014/main" val="524508212"/>
                   </a:ext>
                 </a:extLst>
               </a:tr>
@@ -6318,7 +6644,7 @@
                 </a:tc>
                 <a:extLst>
                   <a:ext uri="{0D108BD9-81ED-4DB2-BD59-A6C34878D82A}">
-                    <a16:rowId xmlns:a16="http://schemas.microsoft.com/office/drawing/2014/main" xmlns="" val="2657342310"/>
+                    <a16:rowId xmlns="" xmlns:a16="http://schemas.microsoft.com/office/drawing/2014/main" val="2657342310"/>
                   </a:ext>
                 </a:extLst>
               </a:tr>
@@ -6389,6 +6715,13 @@
   <p:clrMapOvr>
     <a:masterClrMapping/>
   </p:clrMapOvr>
+  <p:timing>
+    <p:tnLst>
+      <p:par>
+        <p:cTn id="1" dur="indefinite" restart="never" nodeType="tmRoot"/>
+      </p:par>
+    </p:tnLst>
+  </p:timing>
 </p:sld>
 </file>
 
@@ -6465,14 +6798,14 @@
                 <a:gridCol w="2712099">
                   <a:extLst>
                     <a:ext uri="{9D8B030D-6E8A-4147-A177-3AD203B41FA5}">
-                      <a16:colId xmlns:a16="http://schemas.microsoft.com/office/drawing/2014/main" xmlns="" val="87633011"/>
+                      <a16:colId xmlns="" xmlns:a16="http://schemas.microsoft.com/office/drawing/2014/main" val="87633011"/>
                     </a:ext>
                   </a:extLst>
                 </a:gridCol>
                 <a:gridCol w="5449101">
                   <a:extLst>
                     <a:ext uri="{9D8B030D-6E8A-4147-A177-3AD203B41FA5}">
-                      <a16:colId xmlns:a16="http://schemas.microsoft.com/office/drawing/2014/main" xmlns="" val="2925896174"/>
+                      <a16:colId xmlns="" xmlns:a16="http://schemas.microsoft.com/office/drawing/2014/main" val="2925896174"/>
                     </a:ext>
                   </a:extLst>
                 </a:gridCol>
@@ -6508,7 +6841,7 @@
                 </a:tc>
                 <a:extLst>
                   <a:ext uri="{0D108BD9-81ED-4DB2-BD59-A6C34878D82A}">
-                    <a16:rowId xmlns:a16="http://schemas.microsoft.com/office/drawing/2014/main" xmlns="" val="3895224598"/>
+                    <a16:rowId xmlns="" xmlns:a16="http://schemas.microsoft.com/office/drawing/2014/main" val="3895224598"/>
                   </a:ext>
                 </a:extLst>
               </a:tr>
@@ -6580,7 +6913,7 @@
                 </a:tc>
                 <a:extLst>
                   <a:ext uri="{0D108BD9-81ED-4DB2-BD59-A6C34878D82A}">
-                    <a16:rowId xmlns:a16="http://schemas.microsoft.com/office/drawing/2014/main" xmlns="" val="2227397568"/>
+                    <a16:rowId xmlns="" xmlns:a16="http://schemas.microsoft.com/office/drawing/2014/main" val="2227397568"/>
                   </a:ext>
                 </a:extLst>
               </a:tr>
@@ -6652,7 +6985,7 @@
                 </a:tc>
                 <a:extLst>
                   <a:ext uri="{0D108BD9-81ED-4DB2-BD59-A6C34878D82A}">
-                    <a16:rowId xmlns:a16="http://schemas.microsoft.com/office/drawing/2014/main" xmlns="" val="2285874812"/>
+                    <a16:rowId xmlns="" xmlns:a16="http://schemas.microsoft.com/office/drawing/2014/main" val="2285874812"/>
                   </a:ext>
                 </a:extLst>
               </a:tr>
@@ -6724,7 +7057,7 @@
                 </a:tc>
                 <a:extLst>
                   <a:ext uri="{0D108BD9-81ED-4DB2-BD59-A6C34878D82A}">
-                    <a16:rowId xmlns:a16="http://schemas.microsoft.com/office/drawing/2014/main" xmlns="" val="3504635375"/>
+                    <a16:rowId xmlns="" xmlns:a16="http://schemas.microsoft.com/office/drawing/2014/main" val="3504635375"/>
                   </a:ext>
                 </a:extLst>
               </a:tr>
@@ -6796,7 +7129,7 @@
                 </a:tc>
                 <a:extLst>
                   <a:ext uri="{0D108BD9-81ED-4DB2-BD59-A6C34878D82A}">
-                    <a16:rowId xmlns:a16="http://schemas.microsoft.com/office/drawing/2014/main" xmlns="" val="1370675075"/>
+                    <a16:rowId xmlns="" xmlns:a16="http://schemas.microsoft.com/office/drawing/2014/main" val="1370675075"/>
                   </a:ext>
                 </a:extLst>
               </a:tr>
@@ -6876,7 +7209,7 @@
                 </a:tc>
                 <a:extLst>
                   <a:ext uri="{0D108BD9-81ED-4DB2-BD59-A6C34878D82A}">
-                    <a16:rowId xmlns:a16="http://schemas.microsoft.com/office/drawing/2014/main" xmlns="" val="4079855752"/>
+                    <a16:rowId xmlns="" xmlns:a16="http://schemas.microsoft.com/office/drawing/2014/main" val="4079855752"/>
                   </a:ext>
                 </a:extLst>
               </a:tr>
@@ -6948,7 +7281,7 @@
                 </a:tc>
                 <a:extLst>
                   <a:ext uri="{0D108BD9-81ED-4DB2-BD59-A6C34878D82A}">
-                    <a16:rowId xmlns:a16="http://schemas.microsoft.com/office/drawing/2014/main" xmlns="" val="3252417867"/>
+                    <a16:rowId xmlns="" xmlns:a16="http://schemas.microsoft.com/office/drawing/2014/main" val="3252417867"/>
                   </a:ext>
                 </a:extLst>
               </a:tr>
@@ -7020,7 +7353,7 @@
                 </a:tc>
                 <a:extLst>
                   <a:ext uri="{0D108BD9-81ED-4DB2-BD59-A6C34878D82A}">
-                    <a16:rowId xmlns:a16="http://schemas.microsoft.com/office/drawing/2014/main" xmlns="" val="2776023583"/>
+                    <a16:rowId xmlns="" xmlns:a16="http://schemas.microsoft.com/office/drawing/2014/main" val="2776023583"/>
                   </a:ext>
                 </a:extLst>
               </a:tr>
@@ -7092,7 +7425,7 @@
                 </a:tc>
                 <a:extLst>
                   <a:ext uri="{0D108BD9-81ED-4DB2-BD59-A6C34878D82A}">
-                    <a16:rowId xmlns:a16="http://schemas.microsoft.com/office/drawing/2014/main" xmlns="" val="1167250090"/>
+                    <a16:rowId xmlns="" xmlns:a16="http://schemas.microsoft.com/office/drawing/2014/main" val="1167250090"/>
                   </a:ext>
                 </a:extLst>
               </a:tr>
@@ -7164,7 +7497,7 @@
                 </a:tc>
                 <a:extLst>
                   <a:ext uri="{0D108BD9-81ED-4DB2-BD59-A6C34878D82A}">
-                    <a16:rowId xmlns:a16="http://schemas.microsoft.com/office/drawing/2014/main" xmlns="" val="3851974090"/>
+                    <a16:rowId xmlns="" xmlns:a16="http://schemas.microsoft.com/office/drawing/2014/main" val="3851974090"/>
                   </a:ext>
                 </a:extLst>
               </a:tr>
@@ -7244,7 +7577,7 @@
                 </a:tc>
                 <a:extLst>
                   <a:ext uri="{0D108BD9-81ED-4DB2-BD59-A6C34878D82A}">
-                    <a16:rowId xmlns:a16="http://schemas.microsoft.com/office/drawing/2014/main" xmlns="" val="3064833447"/>
+                    <a16:rowId xmlns="" xmlns:a16="http://schemas.microsoft.com/office/drawing/2014/main" val="3064833447"/>
                   </a:ext>
                 </a:extLst>
               </a:tr>
@@ -7324,7 +7657,7 @@
                 </a:tc>
                 <a:extLst>
                   <a:ext uri="{0D108BD9-81ED-4DB2-BD59-A6C34878D82A}">
-                    <a16:rowId xmlns:a16="http://schemas.microsoft.com/office/drawing/2014/main" xmlns="" val="1873275827"/>
+                    <a16:rowId xmlns="" xmlns:a16="http://schemas.microsoft.com/office/drawing/2014/main" val="1873275827"/>
                   </a:ext>
                 </a:extLst>
               </a:tr>
@@ -7404,7 +7737,7 @@
                 </a:tc>
                 <a:extLst>
                   <a:ext uri="{0D108BD9-81ED-4DB2-BD59-A6C34878D82A}">
-                    <a16:rowId xmlns:a16="http://schemas.microsoft.com/office/drawing/2014/main" xmlns="" val="4216443485"/>
+                    <a16:rowId xmlns="" xmlns:a16="http://schemas.microsoft.com/office/drawing/2014/main" val="4216443485"/>
                   </a:ext>
                 </a:extLst>
               </a:tr>
@@ -7475,6 +7808,13 @@
   <p:clrMapOvr>
     <a:masterClrMapping/>
   </p:clrMapOvr>
+  <p:timing>
+    <p:tnLst>
+      <p:par>
+        <p:cTn id="1" dur="indefinite" restart="never" nodeType="tmRoot"/>
+      </p:par>
+    </p:tnLst>
+  </p:timing>
 </p:sld>
 </file>
 
@@ -7536,7 +7876,7 @@
             <p:ph idx="1"/>
             <p:extLst>
               <p:ext uri="{D42A27DB-BD31-4B8C-83A1-F6EECF244321}">
-                <p14:modId xmlns:p14="http://schemas.microsoft.com/office/powerpoint/2010/main" val="1657734404"/>
+                <p14:modId xmlns:p14="http://schemas.microsoft.com/office/powerpoint/2010/main" val="8627931"/>
               </p:ext>
             </p:extLst>
           </p:nvPr>
@@ -7552,17 +7892,18 @@
                 <a:tableStyleId>{5C22544A-7EE6-4342-B048-85BDC9FD1C3A}</a:tableStyleId>
               </a:tblPr>
               <a:tblGrid>
-                <a:gridCol w="4114800">
+                <a:gridCol w="2743200">
                   <a:extLst>
                     <a:ext uri="{9D8B030D-6E8A-4147-A177-3AD203B41FA5}">
-                      <a16:colId xmlns:a16="http://schemas.microsoft.com/office/drawing/2014/main" xmlns="" val="62378008"/>
+                      <a16:colId xmlns="" xmlns:a16="http://schemas.microsoft.com/office/drawing/2014/main" val="62378008"/>
                     </a:ext>
                   </a:extLst>
                 </a:gridCol>
-                <a:gridCol w="4114800">
+                <a:gridCol w="2743200"/>
+                <a:gridCol w="2743200">
                   <a:extLst>
                     <a:ext uri="{9D8B030D-6E8A-4147-A177-3AD203B41FA5}">
-                      <a16:colId xmlns:a16="http://schemas.microsoft.com/office/drawing/2014/main" xmlns="" val="3074775320"/>
+                      <a16:colId xmlns="" xmlns:a16="http://schemas.microsoft.com/office/drawing/2014/main" val="3074775320"/>
                     </a:ext>
                   </a:extLst>
                 </a:gridCol>
@@ -7589,6 +7930,20 @@
                     <a:p>
                       <a:r>
                         <a:rPr lang="zh-TW" altLang="en-US" dirty="0" smtClean="0"/>
+                        <a:t>描述</a:t>
+                      </a:r>
+                      <a:endParaRPr lang="zh-TW" altLang="en-US" dirty="0"/>
+                    </a:p>
+                  </a:txBody>
+                  <a:tcPr/>
+                </a:tc>
+                <a:tc>
+                  <a:txBody>
+                    <a:bodyPr/>
+                    <a:lstStyle/>
+                    <a:p>
+                      <a:r>
+                        <a:rPr lang="zh-TW" altLang="en-US" dirty="0" smtClean="0"/>
                         <a:t>小時</a:t>
                       </a:r>
                       <a:endParaRPr lang="zh-TW" altLang="en-US" dirty="0"/>
@@ -7598,7 +7953,7 @@
                 </a:tc>
                 <a:extLst>
                   <a:ext uri="{0D108BD9-81ED-4DB2-BD59-A6C34878D82A}">
-                    <a16:rowId xmlns:a16="http://schemas.microsoft.com/office/drawing/2014/main" xmlns="" val="1544415356"/>
+                    <a16:rowId xmlns="" xmlns:a16="http://schemas.microsoft.com/office/drawing/2014/main" val="1544415356"/>
                   </a:ext>
                 </a:extLst>
               </a:tr>
@@ -7658,72 +8013,9 @@
                       </a:pPr>
                       <a:r>
                         <a:rPr lang="en-US" altLang="zh-TW" dirty="0" smtClean="0"/>
-                        <a:t>3</a:t>
-                      </a:r>
-                      <a:r>
-                        <a:rPr lang="zh-TW" altLang="en-US" dirty="0" smtClean="0"/>
-                        <a:t>小時</a:t>
-                      </a:r>
-                    </a:p>
-                  </a:txBody>
-                  <a:tcPr/>
-                </a:tc>
-                <a:extLst>
-                  <a:ext uri="{0D108BD9-81ED-4DB2-BD59-A6C34878D82A}">
-                    <a16:rowId xmlns:a16="http://schemas.microsoft.com/office/drawing/2014/main" xmlns="" val="3044866068"/>
-                  </a:ext>
-                </a:extLst>
-              </a:tr>
-              <a:tr h="370840">
-                <a:tc>
-                  <a:txBody>
-                    <a:bodyPr/>
-                    <a:lstStyle/>
-                    <a:p>
-                      <a:r>
-                        <a:rPr lang="en-US" altLang="zh-TW" dirty="0" smtClean="0"/>
-                        <a:t>10/5</a:t>
-                      </a:r>
-                      <a:endParaRPr lang="zh-TW" altLang="en-US" dirty="0"/>
-                    </a:p>
-                  </a:txBody>
-                  <a:tcPr/>
-                </a:tc>
-                <a:tc>
-                  <a:txBody>
-                    <a:bodyPr/>
-                    <a:lstStyle/>
-                    <a:p>
-                      <a:r>
-                        <a:rPr lang="en-US" altLang="zh-TW" dirty="0" smtClean="0"/>
-                        <a:t>2</a:t>
-                      </a:r>
-                      <a:r>
-                        <a:rPr lang="zh-TW" altLang="en-US" dirty="0" smtClean="0"/>
-                        <a:t>小時</a:t>
-                      </a:r>
-                      <a:endParaRPr lang="zh-TW" altLang="en-US" dirty="0"/>
-                    </a:p>
-                  </a:txBody>
-                  <a:tcPr/>
-                </a:tc>
-                <a:extLst>
-                  <a:ext uri="{0D108BD9-81ED-4DB2-BD59-A6C34878D82A}">
-                    <a16:rowId xmlns:a16="http://schemas.microsoft.com/office/drawing/2014/main" xmlns="" val="1829722761"/>
-                  </a:ext>
-                </a:extLst>
-              </a:tr>
-              <a:tr h="370840">
-                <a:tc>
-                  <a:txBody>
-                    <a:bodyPr/>
-                    <a:lstStyle/>
-                    <a:p>
-                      <a:r>
-                        <a:rPr lang="en-US" altLang="zh-TW" dirty="0" smtClean="0"/>
-                        <a:t>10/11</a:t>
-                      </a:r>
-                      <a:endParaRPr lang="zh-TW" altLang="en-US" dirty="0"/>
+                        <a:t>PEP</a:t>
+                      </a:r>
+                      <a:endParaRPr lang="zh-TW" altLang="en-US" dirty="0" smtClean="0"/>
                     </a:p>
                   </a:txBody>
                   <a:tcPr/>
@@ -7764,7 +8056,7 @@
                 </a:tc>
                 <a:extLst>
                   <a:ext uri="{0D108BD9-81ED-4DB2-BD59-A6C34878D82A}">
-                    <a16:rowId xmlns:a16="http://schemas.microsoft.com/office/drawing/2014/main" xmlns="" val="1680919419"/>
+                    <a16:rowId xmlns="" xmlns:a16="http://schemas.microsoft.com/office/drawing/2014/main" val="3044866068"/>
                   </a:ext>
                 </a:extLst>
               </a:tr>
@@ -7776,7 +8068,7 @@
                     <a:p>
                       <a:r>
                         <a:rPr lang="en-US" altLang="zh-TW" dirty="0" smtClean="0"/>
-                        <a:t>10/18</a:t>
+                        <a:t>10/5</a:t>
                       </a:r>
                       <a:endParaRPr lang="zh-TW" altLang="en-US" dirty="0"/>
                     </a:p>
@@ -7788,7 +8080,7 @@
                     <a:bodyPr/>
                     <a:lstStyle/>
                     <a:p>
-                      <a:pPr marL="0" marR="0" indent="0" algn="l" defTabSz="914400" rtl="0" eaLnBrk="1" fontAlgn="auto" latinLnBrk="0" hangingPunct="1">
+                      <a:pPr marL="0" marR="0" lvl="0" indent="0" algn="l" defTabSz="914400" rtl="0" eaLnBrk="1" fontAlgn="auto" latinLnBrk="0" hangingPunct="1">
                         <a:lnSpc>
                           <a:spcPct val="100000"/>
                         </a:lnSpc>
@@ -7807,19 +8099,34 @@
                       </a:pPr>
                       <a:r>
                         <a:rPr lang="en-US" altLang="zh-TW" dirty="0" smtClean="0"/>
-                        <a:t>1</a:t>
+                        <a:t>PEP</a:t>
+                      </a:r>
+                      <a:endParaRPr lang="zh-TW" altLang="en-US" dirty="0" smtClean="0"/>
+                    </a:p>
+                  </a:txBody>
+                  <a:tcPr/>
+                </a:tc>
+                <a:tc>
+                  <a:txBody>
+                    <a:bodyPr/>
+                    <a:lstStyle/>
+                    <a:p>
+                      <a:r>
+                        <a:rPr lang="en-US" altLang="zh-TW" dirty="0" smtClean="0"/>
+                        <a:t>2</a:t>
                       </a:r>
                       <a:r>
                         <a:rPr lang="zh-TW" altLang="en-US" dirty="0" smtClean="0"/>
                         <a:t>小時</a:t>
                       </a:r>
+                      <a:endParaRPr lang="zh-TW" altLang="en-US" dirty="0"/>
                     </a:p>
                   </a:txBody>
                   <a:tcPr/>
                 </a:tc>
                 <a:extLst>
                   <a:ext uri="{0D108BD9-81ED-4DB2-BD59-A6C34878D82A}">
-                    <a16:rowId xmlns:a16="http://schemas.microsoft.com/office/drawing/2014/main" xmlns="" val="2783317447"/>
+                    <a16:rowId xmlns="" xmlns:a16="http://schemas.microsoft.com/office/drawing/2014/main" val="1829722761"/>
                   </a:ext>
                 </a:extLst>
               </a:tr>
@@ -7831,7 +8138,7 @@
                     <a:p>
                       <a:r>
                         <a:rPr lang="en-US" altLang="zh-TW" dirty="0" smtClean="0"/>
-                        <a:t>10/19</a:t>
+                        <a:t>10/11</a:t>
                       </a:r>
                       <a:endParaRPr lang="zh-TW" altLang="en-US" dirty="0"/>
                     </a:p>
@@ -7843,7 +8150,7 @@
                     <a:bodyPr/>
                     <a:lstStyle/>
                     <a:p>
-                      <a:pPr marL="0" marR="0" indent="0" algn="l" defTabSz="914400" rtl="0" eaLnBrk="1" fontAlgn="auto" latinLnBrk="0" hangingPunct="1">
+                      <a:pPr marL="0" marR="0" lvl="0" indent="0" algn="l" defTabSz="914400" rtl="0" eaLnBrk="1" fontAlgn="auto" latinLnBrk="0" hangingPunct="1">
                         <a:lnSpc>
                           <a:spcPct val="100000"/>
                         </a:lnSpc>
@@ -7862,33 +8169,9 @@
                       </a:pPr>
                       <a:r>
                         <a:rPr lang="en-US" altLang="zh-TW" dirty="0" smtClean="0"/>
-                        <a:t>3</a:t>
-                      </a:r>
-                      <a:r>
-                        <a:rPr lang="zh-TW" altLang="en-US" dirty="0" smtClean="0"/>
-                        <a:t>小時</a:t>
-                      </a:r>
-                    </a:p>
-                  </a:txBody>
-                  <a:tcPr/>
-                </a:tc>
-                <a:extLst>
-                  <a:ext uri="{0D108BD9-81ED-4DB2-BD59-A6C34878D82A}">
-                    <a16:rowId xmlns:a16="http://schemas.microsoft.com/office/drawing/2014/main" xmlns="" val="4073050539"/>
-                  </a:ext>
-                </a:extLst>
-              </a:tr>
-              <a:tr h="370840">
-                <a:tc>
-                  <a:txBody>
-                    <a:bodyPr/>
-                    <a:lstStyle/>
-                    <a:p>
-                      <a:r>
-                        <a:rPr lang="en-US" altLang="zh-TW" dirty="0" smtClean="0"/>
-                        <a:t>10/20</a:t>
-                      </a:r>
-                      <a:endParaRPr lang="zh-TW" altLang="en-US" dirty="0"/>
+                        <a:t>PEP</a:t>
+                      </a:r>
+                      <a:endParaRPr lang="zh-TW" altLang="en-US" dirty="0" smtClean="0"/>
                     </a:p>
                   </a:txBody>
                   <a:tcPr/>
@@ -7929,7 +8212,7 @@
                 </a:tc>
                 <a:extLst>
                   <a:ext uri="{0D108BD9-81ED-4DB2-BD59-A6C34878D82A}">
-                    <a16:rowId xmlns:a16="http://schemas.microsoft.com/office/drawing/2014/main" xmlns="" val="2598383543"/>
+                    <a16:rowId xmlns="" xmlns:a16="http://schemas.microsoft.com/office/drawing/2014/main" val="1680919419"/>
                   </a:ext>
                 </a:extLst>
               </a:tr>
@@ -7941,7 +8224,7 @@
                     <a:p>
                       <a:r>
                         <a:rPr lang="en-US" altLang="zh-TW" dirty="0" smtClean="0"/>
-                        <a:t>10/26</a:t>
+                        <a:t>10/18</a:t>
                       </a:r>
                       <a:endParaRPr lang="zh-TW" altLang="en-US" dirty="0"/>
                     </a:p>
@@ -7953,7 +8236,7 @@
                     <a:bodyPr/>
                     <a:lstStyle/>
                     <a:p>
-                      <a:pPr marL="0" marR="0" indent="0" algn="l" defTabSz="914400" rtl="0" eaLnBrk="1" fontAlgn="auto" latinLnBrk="0" hangingPunct="1">
+                      <a:pPr marL="0" marR="0" lvl="0" indent="0" algn="l" defTabSz="914400" rtl="0" eaLnBrk="1" fontAlgn="auto" latinLnBrk="0" hangingPunct="1">
                         <a:lnSpc>
                           <a:spcPct val="100000"/>
                         </a:lnSpc>
@@ -7972,33 +8255,9 @@
                       </a:pPr>
                       <a:r>
                         <a:rPr lang="en-US" altLang="zh-TW" dirty="0" smtClean="0"/>
-                        <a:t>2</a:t>
-                      </a:r>
-                      <a:r>
-                        <a:rPr lang="zh-TW" altLang="en-US" dirty="0" smtClean="0"/>
-                        <a:t>小時</a:t>
-                      </a:r>
-                    </a:p>
-                  </a:txBody>
-                  <a:tcPr/>
-                </a:tc>
-                <a:extLst>
-                  <a:ext uri="{0D108BD9-81ED-4DB2-BD59-A6C34878D82A}">
-                    <a16:rowId xmlns:a16="http://schemas.microsoft.com/office/drawing/2014/main" xmlns="" val="2465584741"/>
-                  </a:ext>
-                </a:extLst>
-              </a:tr>
-              <a:tr h="370840">
-                <a:tc>
-                  <a:txBody>
-                    <a:bodyPr/>
-                    <a:lstStyle/>
-                    <a:p>
-                      <a:r>
-                        <a:rPr lang="en-US" altLang="zh-TW" dirty="0" smtClean="0"/>
-                        <a:t>10/27</a:t>
-                      </a:r>
-                      <a:endParaRPr lang="zh-TW" altLang="en-US" dirty="0"/>
+                        <a:t>PEP</a:t>
+                      </a:r>
+                      <a:endParaRPr lang="zh-TW" altLang="en-US" dirty="0" smtClean="0"/>
                     </a:p>
                   </a:txBody>
                   <a:tcPr/>
@@ -8039,7 +8298,7 @@
                 </a:tc>
                 <a:extLst>
                   <a:ext uri="{0D108BD9-81ED-4DB2-BD59-A6C34878D82A}">
-                    <a16:rowId xmlns:a16="http://schemas.microsoft.com/office/drawing/2014/main" xmlns="" val="2330444438"/>
+                    <a16:rowId xmlns="" xmlns:a16="http://schemas.microsoft.com/office/drawing/2014/main" val="2783317447"/>
                   </a:ext>
                 </a:extLst>
               </a:tr>
@@ -8051,7 +8310,7 @@
                     <a:p>
                       <a:r>
                         <a:rPr lang="en-US" altLang="zh-TW" dirty="0" smtClean="0"/>
-                        <a:t>10/29</a:t>
+                        <a:t>10/19</a:t>
                       </a:r>
                       <a:endParaRPr lang="zh-TW" altLang="en-US" dirty="0"/>
                     </a:p>
@@ -8063,7 +8322,7 @@
                     <a:bodyPr/>
                     <a:lstStyle/>
                     <a:p>
-                      <a:pPr marL="0" marR="0" indent="0" algn="l" defTabSz="914400" rtl="0" eaLnBrk="1" fontAlgn="auto" latinLnBrk="0" hangingPunct="1">
+                      <a:pPr marL="0" marR="0" lvl="0" indent="0" algn="l" defTabSz="914400" rtl="0" eaLnBrk="1" fontAlgn="auto" latinLnBrk="0" hangingPunct="1">
                         <a:lnSpc>
                           <a:spcPct val="100000"/>
                         </a:lnSpc>
@@ -8082,33 +8341,28 @@
                       </a:pPr>
                       <a:r>
                         <a:rPr lang="en-US" altLang="zh-TW" dirty="0" smtClean="0"/>
-                        <a:t>6</a:t>
+                        <a:t>PEP</a:t>
                       </a:r>
                       <a:r>
                         <a:rPr lang="zh-TW" altLang="en-US" dirty="0" smtClean="0"/>
-                        <a:t>小時</a:t>
-                      </a:r>
-                    </a:p>
-                  </a:txBody>
-                  <a:tcPr/>
-                </a:tc>
-                <a:extLst>
-                  <a:ext uri="{0D108BD9-81ED-4DB2-BD59-A6C34878D82A}">
-                    <a16:rowId xmlns:a16="http://schemas.microsoft.com/office/drawing/2014/main" xmlns="" val="3390130878"/>
-                  </a:ext>
-                </a:extLst>
-              </a:tr>
-              <a:tr h="370840">
-                <a:tc>
-                  <a:txBody>
-                    <a:bodyPr/>
-                    <a:lstStyle/>
-                    <a:p>
+                        <a:t> </a:t>
+                      </a:r>
                       <a:r>
                         <a:rPr lang="en-US" altLang="zh-TW" dirty="0" smtClean="0"/>
-                        <a:t>10/30</a:t>
-                      </a:r>
-                      <a:endParaRPr lang="zh-TW" altLang="en-US" dirty="0"/>
+                        <a:t>&amp;</a:t>
+                      </a:r>
+                      <a:r>
+                        <a:rPr lang="zh-TW" altLang="en-US" dirty="0" smtClean="0"/>
+                        <a:t> </a:t>
+                      </a:r>
+                      <a:r>
+                        <a:rPr lang="en-US" altLang="zh-TW" dirty="0" smtClean="0"/>
+                        <a:t>PASS</a:t>
+                      </a:r>
+                      <a:r>
+                        <a:rPr lang="zh-TW" altLang="en-US" dirty="0" smtClean="0"/>
+                        <a:t>開發</a:t>
+                      </a:r>
                     </a:p>
                   </a:txBody>
                   <a:tcPr/>
@@ -8137,7 +8391,7 @@
                       </a:pPr>
                       <a:r>
                         <a:rPr lang="en-US" altLang="zh-TW" dirty="0" smtClean="0"/>
-                        <a:t>6</a:t>
+                        <a:t>3</a:t>
                       </a:r>
                       <a:r>
                         <a:rPr lang="zh-TW" altLang="en-US" dirty="0" smtClean="0"/>
@@ -8149,7 +8403,442 @@
                 </a:tc>
                 <a:extLst>
                   <a:ext uri="{0D108BD9-81ED-4DB2-BD59-A6C34878D82A}">
-                    <a16:rowId xmlns:a16="http://schemas.microsoft.com/office/drawing/2014/main" xmlns="" val="1561468546"/>
+                    <a16:rowId xmlns="" xmlns:a16="http://schemas.microsoft.com/office/drawing/2014/main" val="4073050539"/>
+                  </a:ext>
+                </a:extLst>
+              </a:tr>
+              <a:tr h="370840">
+                <a:tc>
+                  <a:txBody>
+                    <a:bodyPr/>
+                    <a:lstStyle/>
+                    <a:p>
+                      <a:r>
+                        <a:rPr lang="en-US" altLang="zh-TW" dirty="0" smtClean="0"/>
+                        <a:t>10/20</a:t>
+                      </a:r>
+                      <a:endParaRPr lang="zh-TW" altLang="en-US" dirty="0"/>
+                    </a:p>
+                  </a:txBody>
+                  <a:tcPr/>
+                </a:tc>
+                <a:tc>
+                  <a:txBody>
+                    <a:bodyPr/>
+                    <a:lstStyle/>
+                    <a:p>
+                      <a:r>
+                        <a:rPr lang="en-US" altLang="zh-TW" dirty="0" smtClean="0"/>
+                        <a:t>SRS</a:t>
+                      </a:r>
+                      <a:endParaRPr lang="zh-TW" altLang="en-US" dirty="0"/>
+                    </a:p>
+                  </a:txBody>
+                  <a:tcPr/>
+                </a:tc>
+                <a:tc>
+                  <a:txBody>
+                    <a:bodyPr/>
+                    <a:lstStyle/>
+                    <a:p>
+                      <a:pPr marL="0" marR="0" indent="0" algn="l" defTabSz="914400" rtl="0" eaLnBrk="1" fontAlgn="auto" latinLnBrk="0" hangingPunct="1">
+                        <a:lnSpc>
+                          <a:spcPct val="100000"/>
+                        </a:lnSpc>
+                        <a:spcBef>
+                          <a:spcPts val="0"/>
+                        </a:spcBef>
+                        <a:spcAft>
+                          <a:spcPts val="0"/>
+                        </a:spcAft>
+                        <a:buClrTx/>
+                        <a:buSzTx/>
+                        <a:buFontTx/>
+                        <a:buNone/>
+                        <a:tabLst/>
+                        <a:defRPr/>
+                      </a:pPr>
+                      <a:r>
+                        <a:rPr lang="en-US" altLang="zh-TW" dirty="0" smtClean="0"/>
+                        <a:t>3</a:t>
+                      </a:r>
+                      <a:r>
+                        <a:rPr lang="zh-TW" altLang="en-US" dirty="0" smtClean="0"/>
+                        <a:t>小時</a:t>
+                      </a:r>
+                    </a:p>
+                  </a:txBody>
+                  <a:tcPr/>
+                </a:tc>
+                <a:extLst>
+                  <a:ext uri="{0D108BD9-81ED-4DB2-BD59-A6C34878D82A}">
+                    <a16:rowId xmlns="" xmlns:a16="http://schemas.microsoft.com/office/drawing/2014/main" val="2598383543"/>
+                  </a:ext>
+                </a:extLst>
+              </a:tr>
+              <a:tr h="370840">
+                <a:tc>
+                  <a:txBody>
+                    <a:bodyPr/>
+                    <a:lstStyle/>
+                    <a:p>
+                      <a:r>
+                        <a:rPr lang="en-US" altLang="zh-TW" dirty="0" smtClean="0"/>
+                        <a:t>10/26</a:t>
+                      </a:r>
+                      <a:endParaRPr lang="zh-TW" altLang="en-US" dirty="0"/>
+                    </a:p>
+                  </a:txBody>
+                  <a:tcPr/>
+                </a:tc>
+                <a:tc>
+                  <a:txBody>
+                    <a:bodyPr/>
+                    <a:lstStyle/>
+                    <a:p>
+                      <a:pPr marL="0" marR="0" lvl="0" indent="0" algn="l" defTabSz="914400" rtl="0" eaLnBrk="1" fontAlgn="auto" latinLnBrk="0" hangingPunct="1">
+                        <a:lnSpc>
+                          <a:spcPct val="100000"/>
+                        </a:lnSpc>
+                        <a:spcBef>
+                          <a:spcPts val="0"/>
+                        </a:spcBef>
+                        <a:spcAft>
+                          <a:spcPts val="0"/>
+                        </a:spcAft>
+                        <a:buClrTx/>
+                        <a:buSzTx/>
+                        <a:buFontTx/>
+                        <a:buNone/>
+                        <a:tabLst/>
+                        <a:defRPr/>
+                      </a:pPr>
+                      <a:r>
+                        <a:rPr lang="en-US" altLang="zh-TW" dirty="0" smtClean="0"/>
+                        <a:t>SRS</a:t>
+                      </a:r>
+                      <a:endParaRPr lang="zh-TW" altLang="en-US" dirty="0" smtClean="0"/>
+                    </a:p>
+                  </a:txBody>
+                  <a:tcPr/>
+                </a:tc>
+                <a:tc>
+                  <a:txBody>
+                    <a:bodyPr/>
+                    <a:lstStyle/>
+                    <a:p>
+                      <a:pPr marL="0" marR="0" indent="0" algn="l" defTabSz="914400" rtl="0" eaLnBrk="1" fontAlgn="auto" latinLnBrk="0" hangingPunct="1">
+                        <a:lnSpc>
+                          <a:spcPct val="100000"/>
+                        </a:lnSpc>
+                        <a:spcBef>
+                          <a:spcPts val="0"/>
+                        </a:spcBef>
+                        <a:spcAft>
+                          <a:spcPts val="0"/>
+                        </a:spcAft>
+                        <a:buClrTx/>
+                        <a:buSzTx/>
+                        <a:buFontTx/>
+                        <a:buNone/>
+                        <a:tabLst/>
+                        <a:defRPr/>
+                      </a:pPr>
+                      <a:r>
+                        <a:rPr lang="en-US" altLang="zh-TW" dirty="0" smtClean="0"/>
+                        <a:t>2</a:t>
+                      </a:r>
+                      <a:r>
+                        <a:rPr lang="zh-TW" altLang="en-US" dirty="0" smtClean="0"/>
+                        <a:t>小時</a:t>
+                      </a:r>
+                    </a:p>
+                  </a:txBody>
+                  <a:tcPr/>
+                </a:tc>
+                <a:extLst>
+                  <a:ext uri="{0D108BD9-81ED-4DB2-BD59-A6C34878D82A}">
+                    <a16:rowId xmlns="" xmlns:a16="http://schemas.microsoft.com/office/drawing/2014/main" val="2465584741"/>
+                  </a:ext>
+                </a:extLst>
+              </a:tr>
+              <a:tr h="370840">
+                <a:tc>
+                  <a:txBody>
+                    <a:bodyPr/>
+                    <a:lstStyle/>
+                    <a:p>
+                      <a:r>
+                        <a:rPr lang="en-US" altLang="zh-TW" dirty="0" smtClean="0"/>
+                        <a:t>10/27</a:t>
+                      </a:r>
+                      <a:endParaRPr lang="zh-TW" altLang="en-US" dirty="0"/>
+                    </a:p>
+                  </a:txBody>
+                  <a:tcPr/>
+                </a:tc>
+                <a:tc>
+                  <a:txBody>
+                    <a:bodyPr/>
+                    <a:lstStyle/>
+                    <a:p>
+                      <a:pPr marL="0" marR="0" lvl="0" indent="0" algn="l" defTabSz="914400" rtl="0" eaLnBrk="1" fontAlgn="auto" latinLnBrk="0" hangingPunct="1">
+                        <a:lnSpc>
+                          <a:spcPct val="100000"/>
+                        </a:lnSpc>
+                        <a:spcBef>
+                          <a:spcPts val="0"/>
+                        </a:spcBef>
+                        <a:spcAft>
+                          <a:spcPts val="0"/>
+                        </a:spcAft>
+                        <a:buClrTx/>
+                        <a:buSzTx/>
+                        <a:buFontTx/>
+                        <a:buNone/>
+                        <a:tabLst/>
+                        <a:defRPr/>
+                      </a:pPr>
+                      <a:r>
+                        <a:rPr lang="en-US" altLang="zh-TW" dirty="0" smtClean="0"/>
+                        <a:t>SRS</a:t>
+                      </a:r>
+                      <a:endParaRPr lang="zh-TW" altLang="en-US" dirty="0" smtClean="0"/>
+                    </a:p>
+                  </a:txBody>
+                  <a:tcPr/>
+                </a:tc>
+                <a:tc>
+                  <a:txBody>
+                    <a:bodyPr/>
+                    <a:lstStyle/>
+                    <a:p>
+                      <a:pPr marL="0" marR="0" indent="0" algn="l" defTabSz="914400" rtl="0" eaLnBrk="1" fontAlgn="auto" latinLnBrk="0" hangingPunct="1">
+                        <a:lnSpc>
+                          <a:spcPct val="100000"/>
+                        </a:lnSpc>
+                        <a:spcBef>
+                          <a:spcPts val="0"/>
+                        </a:spcBef>
+                        <a:spcAft>
+                          <a:spcPts val="0"/>
+                        </a:spcAft>
+                        <a:buClrTx/>
+                        <a:buSzTx/>
+                        <a:buFontTx/>
+                        <a:buNone/>
+                        <a:tabLst/>
+                        <a:defRPr/>
+                      </a:pPr>
+                      <a:r>
+                        <a:rPr lang="en-US" altLang="zh-TW" dirty="0" smtClean="0"/>
+                        <a:t>1</a:t>
+                      </a:r>
+                      <a:r>
+                        <a:rPr lang="zh-TW" altLang="en-US" dirty="0" smtClean="0"/>
+                        <a:t>小時</a:t>
+                      </a:r>
+                    </a:p>
+                  </a:txBody>
+                  <a:tcPr/>
+                </a:tc>
+                <a:extLst>
+                  <a:ext uri="{0D108BD9-81ED-4DB2-BD59-A6C34878D82A}">
+                    <a16:rowId xmlns="" xmlns:a16="http://schemas.microsoft.com/office/drawing/2014/main" val="2330444438"/>
+                  </a:ext>
+                </a:extLst>
+              </a:tr>
+              <a:tr h="370840">
+                <a:tc>
+                  <a:txBody>
+                    <a:bodyPr/>
+                    <a:lstStyle/>
+                    <a:p>
+                      <a:r>
+                        <a:rPr lang="en-US" altLang="zh-TW" dirty="0" smtClean="0"/>
+                        <a:t>10/29</a:t>
+                      </a:r>
+                      <a:endParaRPr lang="zh-TW" altLang="en-US" dirty="0"/>
+                    </a:p>
+                  </a:txBody>
+                  <a:tcPr/>
+                </a:tc>
+                <a:tc>
+                  <a:txBody>
+                    <a:bodyPr/>
+                    <a:lstStyle/>
+                    <a:p>
+                      <a:pPr marL="0" marR="0" lvl="0" indent="0" algn="l" defTabSz="914400" rtl="0" eaLnBrk="1" fontAlgn="auto" latinLnBrk="0" hangingPunct="1">
+                        <a:lnSpc>
+                          <a:spcPct val="100000"/>
+                        </a:lnSpc>
+                        <a:spcBef>
+                          <a:spcPts val="0"/>
+                        </a:spcBef>
+                        <a:spcAft>
+                          <a:spcPts val="0"/>
+                        </a:spcAft>
+                        <a:buClrTx/>
+                        <a:buSzTx/>
+                        <a:buFontTx/>
+                        <a:buNone/>
+                        <a:tabLst/>
+                        <a:defRPr/>
+                      </a:pPr>
+                      <a:r>
+                        <a:rPr lang="en-US" altLang="zh-TW" dirty="0" smtClean="0"/>
+                        <a:t>SRS&amp;</a:t>
+                      </a:r>
+                      <a:r>
+                        <a:rPr lang="zh-TW" altLang="en-US" dirty="0" smtClean="0"/>
+                        <a:t> </a:t>
+                      </a:r>
+                      <a:r>
+                        <a:rPr lang="en-US" altLang="zh-TW" dirty="0" smtClean="0"/>
+                        <a:t>UI</a:t>
+                      </a:r>
+                      <a:r>
+                        <a:rPr lang="zh-TW" altLang="en-US" dirty="0" smtClean="0"/>
+                        <a:t> 設計</a:t>
+                      </a:r>
+                    </a:p>
+                  </a:txBody>
+                  <a:tcPr/>
+                </a:tc>
+                <a:tc>
+                  <a:txBody>
+                    <a:bodyPr/>
+                    <a:lstStyle/>
+                    <a:p>
+                      <a:pPr marL="0" marR="0" indent="0" algn="l" defTabSz="914400" rtl="0" eaLnBrk="1" fontAlgn="auto" latinLnBrk="0" hangingPunct="1">
+                        <a:lnSpc>
+                          <a:spcPct val="100000"/>
+                        </a:lnSpc>
+                        <a:spcBef>
+                          <a:spcPts val="0"/>
+                        </a:spcBef>
+                        <a:spcAft>
+                          <a:spcPts val="0"/>
+                        </a:spcAft>
+                        <a:buClrTx/>
+                        <a:buSzTx/>
+                        <a:buFontTx/>
+                        <a:buNone/>
+                        <a:tabLst/>
+                        <a:defRPr/>
+                      </a:pPr>
+                      <a:r>
+                        <a:rPr lang="en-US" altLang="zh-TW" dirty="0" smtClean="0"/>
+                        <a:t>6</a:t>
+                      </a:r>
+                      <a:r>
+                        <a:rPr lang="zh-TW" altLang="en-US" dirty="0" smtClean="0"/>
+                        <a:t>小時</a:t>
+                      </a:r>
+                    </a:p>
+                  </a:txBody>
+                  <a:tcPr/>
+                </a:tc>
+                <a:extLst>
+                  <a:ext uri="{0D108BD9-81ED-4DB2-BD59-A6C34878D82A}">
+                    <a16:rowId xmlns="" xmlns:a16="http://schemas.microsoft.com/office/drawing/2014/main" val="3390130878"/>
+                  </a:ext>
+                </a:extLst>
+              </a:tr>
+              <a:tr h="370840">
+                <a:tc>
+                  <a:txBody>
+                    <a:bodyPr/>
+                    <a:lstStyle/>
+                    <a:p>
+                      <a:r>
+                        <a:rPr lang="en-US" altLang="zh-TW" dirty="0" smtClean="0"/>
+                        <a:t>10/30</a:t>
+                      </a:r>
+                      <a:endParaRPr lang="zh-TW" altLang="en-US" dirty="0"/>
+                    </a:p>
+                  </a:txBody>
+                  <a:tcPr/>
+                </a:tc>
+                <a:tc>
+                  <a:txBody>
+                    <a:bodyPr/>
+                    <a:lstStyle/>
+                    <a:p>
+                      <a:pPr marL="0" marR="0" lvl="0" indent="0" algn="l" defTabSz="914400" rtl="0" eaLnBrk="1" fontAlgn="auto" latinLnBrk="0" hangingPunct="1">
+                        <a:lnSpc>
+                          <a:spcPct val="100000"/>
+                        </a:lnSpc>
+                        <a:spcBef>
+                          <a:spcPts val="0"/>
+                        </a:spcBef>
+                        <a:spcAft>
+                          <a:spcPts val="0"/>
+                        </a:spcAft>
+                        <a:buClrTx/>
+                        <a:buSzTx/>
+                        <a:buFontTx/>
+                        <a:buNone/>
+                        <a:tabLst/>
+                        <a:defRPr/>
+                      </a:pPr>
+                      <a:r>
+                        <a:rPr lang="en-US" altLang="zh-TW" dirty="0" smtClean="0"/>
+                        <a:t>SRS&amp;</a:t>
+                      </a:r>
+                      <a:r>
+                        <a:rPr lang="zh-TW" altLang="en-US" dirty="0" smtClean="0"/>
+                        <a:t> </a:t>
+                      </a:r>
+                      <a:r>
+                        <a:rPr lang="en-US" altLang="zh-TW" dirty="0" smtClean="0"/>
+                        <a:t>UI</a:t>
+                      </a:r>
+                      <a:r>
+                        <a:rPr lang="zh-TW" altLang="en-US" dirty="0" smtClean="0"/>
+                        <a:t> 設計</a:t>
+                      </a:r>
+                    </a:p>
+                  </a:txBody>
+                  <a:tcPr/>
+                </a:tc>
+                <a:tc>
+                  <a:txBody>
+                    <a:bodyPr/>
+                    <a:lstStyle/>
+                    <a:p>
+                      <a:pPr marL="0" marR="0" indent="0" algn="l" defTabSz="914400" rtl="0" eaLnBrk="1" fontAlgn="auto" latinLnBrk="0" hangingPunct="1">
+                        <a:lnSpc>
+                          <a:spcPct val="100000"/>
+                        </a:lnSpc>
+                        <a:spcBef>
+                          <a:spcPts val="0"/>
+                        </a:spcBef>
+                        <a:spcAft>
+                          <a:spcPts val="0"/>
+                        </a:spcAft>
+                        <a:buClrTx/>
+                        <a:buSzTx/>
+                        <a:buFontTx/>
+                        <a:buNone/>
+                        <a:tabLst/>
+                        <a:defRPr/>
+                      </a:pPr>
+                      <a:r>
+                        <a:rPr lang="en-US" altLang="zh-TW" dirty="0" smtClean="0"/>
+                        <a:t>6</a:t>
+                      </a:r>
+                      <a:r>
+                        <a:rPr lang="zh-TW" altLang="en-US" dirty="0" smtClean="0"/>
+                        <a:t>小時</a:t>
+                      </a:r>
+                    </a:p>
+                  </a:txBody>
+                  <a:tcPr/>
+                </a:tc>
+                <a:extLst>
+                  <a:ext uri="{0D108BD9-81ED-4DB2-BD59-A6C34878D82A}">
+                    <a16:rowId xmlns="" xmlns:a16="http://schemas.microsoft.com/office/drawing/2014/main" val="1561468546"/>
                   </a:ext>
                 </a:extLst>
               </a:tr>
@@ -8188,32 +8877,6 @@
       </p:sp>
       <p:sp>
         <p:nvSpPr>
-          <p:cNvPr id="5" name="頁尾版面配置區 4"/>
-          <p:cNvSpPr>
-            <a:spLocks noGrp="1"/>
-          </p:cNvSpPr>
-          <p:nvPr>
-            <p:ph type="ftr" sz="quarter" idx="11"/>
-          </p:nvPr>
-        </p:nvSpPr>
-        <p:spPr/>
-        <p:txBody>
-          <a:bodyPr/>
-          <a:lstStyle/>
-          <a:p>
-            <a:pPr>
-              <a:defRPr/>
-            </a:pPr>
-            <a:r>
-              <a:rPr lang="zh-TW" altLang="en-US" smtClean="0"/>
-              <a:t>軟體系統實驗室</a:t>
-            </a:r>
-            <a:endParaRPr lang="zh-TW" altLang="en-US"/>
-          </a:p>
-        </p:txBody>
-      </p:sp>
-      <p:sp>
-        <p:nvSpPr>
           <p:cNvPr id="6" name="投影片編號版面配置區 5"/>
           <p:cNvSpPr>
             <a:spLocks noGrp="1"/>
@@ -8246,6 +8909,13 @@
   <p:clrMapOvr>
     <a:masterClrMapping/>
   </p:clrMapOvr>
+  <p:timing>
+    <p:tnLst>
+      <p:par>
+        <p:cTn id="1" dur="indefinite" restart="never" nodeType="tmRoot"/>
+      </p:par>
+    </p:tnLst>
+  </p:timing>
 </p:sld>
 </file>
 
@@ -8281,29 +8951,43 @@
           <a:bodyPr/>
           <a:lstStyle/>
           <a:p>
-            <a:endParaRPr lang="zh-TW" altLang="en-US"/>
+            <a:r>
+              <a:rPr lang="en-US" altLang="zh-TW" dirty="0" smtClean="0"/>
+              <a:t>Q&amp;A</a:t>
+            </a:r>
+            <a:endParaRPr lang="zh-TW" altLang="en-US" dirty="0"/>
           </a:p>
         </p:txBody>
       </p:sp>
-      <p:sp>
-        <p:nvSpPr>
-          <p:cNvPr id="3" name="內容版面配置區 2"/>
-          <p:cNvSpPr>
-            <a:spLocks noGrp="1"/>
-          </p:cNvSpPr>
+      <p:pic>
+        <p:nvPicPr>
+          <p:cNvPr id="7" name="內容版面配置區 6"/>
+          <p:cNvPicPr>
+            <a:picLocks noGrp="1" noChangeAspect="1"/>
+          </p:cNvPicPr>
           <p:nvPr>
             <p:ph idx="1"/>
           </p:nvPr>
-        </p:nvSpPr>
-        <p:spPr/>
-        <p:txBody>
-          <a:bodyPr/>
-          <a:lstStyle/>
-          <a:p>
-            <a:endParaRPr lang="zh-TW" altLang="en-US"/>
-          </a:p>
-        </p:txBody>
-      </p:sp>
+        </p:nvPicPr>
+        <p:blipFill>
+          <a:blip r:embed="rId2" cstate="print">
+            <a:extLst>
+              <a:ext uri="{28A0092B-C50C-407E-A947-70E740481C1C}">
+                <a14:useLocalDpi xmlns:a14="http://schemas.microsoft.com/office/drawing/2010/main" val="0"/>
+              </a:ext>
+            </a:extLst>
+          </a:blip>
+          <a:stretch>
+            <a:fillRect/>
+          </a:stretch>
+        </p:blipFill>
+        <p:spPr>
+          <a:xfrm>
+            <a:off x="2979244" y="1988840"/>
+            <a:ext cx="3185512" cy="3185512"/>
+          </a:xfrm>
+        </p:spPr>
+      </p:pic>
       <p:sp>
         <p:nvSpPr>
           <p:cNvPr id="4" name="日期版面配置區 3"/>
@@ -8329,32 +9013,6 @@
               </a:pPr>
               <a:t>2017/10/31</a:t>
             </a:fld>
-            <a:endParaRPr lang="zh-TW" altLang="en-US"/>
-          </a:p>
-        </p:txBody>
-      </p:sp>
-      <p:sp>
-        <p:nvSpPr>
-          <p:cNvPr id="5" name="頁尾版面配置區 4"/>
-          <p:cNvSpPr>
-            <a:spLocks noGrp="1"/>
-          </p:cNvSpPr>
-          <p:nvPr>
-            <p:ph type="ftr" sz="quarter" idx="11"/>
-          </p:nvPr>
-        </p:nvSpPr>
-        <p:spPr/>
-        <p:txBody>
-          <a:bodyPr/>
-          <a:lstStyle/>
-          <a:p>
-            <a:pPr>
-              <a:defRPr/>
-            </a:pPr>
-            <a:r>
-              <a:rPr lang="zh-TW" altLang="en-US" smtClean="0"/>
-              <a:t>軟體系統實驗室</a:t>
-            </a:r>
             <a:endParaRPr lang="zh-TW" altLang="en-US"/>
           </a:p>
         </p:txBody>
@@ -8393,6 +9051,13 @@
   <p:clrMapOvr>
     <a:masterClrMapping/>
   </p:clrMapOvr>
+  <p:timing>
+    <p:tnLst>
+      <p:par>
+        <p:cTn id="1" dur="indefinite" restart="never" nodeType="tmRoot"/>
+      </p:par>
+    </p:tnLst>
+  </p:timing>
 </p:sld>
 </file>
 
@@ -8593,6 +9258,13 @@
   <p:clrMapOvr>
     <a:masterClrMapping/>
   </p:clrMapOvr>
+  <p:timing>
+    <p:tnLst>
+      <p:par>
+        <p:cTn id="1" dur="indefinite" restart="never" nodeType="tmRoot"/>
+      </p:par>
+    </p:tnLst>
+  </p:timing>
 </p:sld>
 </file>
 
@@ -8822,7 +9494,7 @@
           </p:nvPr>
         </p:nvPicPr>
         <p:blipFill>
-          <a:blip r:embed="rId2">
+          <a:blip r:embed="rId3">
             <a:extLst>
               <a:ext uri="{28A0092B-C50C-407E-A947-70E740481C1C}">
                 <a14:useLocalDpi xmlns:a14="http://schemas.microsoft.com/office/drawing/2010/main" val="0"/>
@@ -9070,6 +9742,13 @@
   <p:clrMapOvr>
     <a:masterClrMapping/>
   </p:clrMapOvr>
+  <p:timing>
+    <p:tnLst>
+      <p:par>
+        <p:cTn id="1" dur="indefinite" restart="never" nodeType="tmRoot"/>
+      </p:par>
+    </p:tnLst>
+  </p:timing>
 </p:sld>
 </file>
 
@@ -9255,6 +9934,13 @@
   <p:clrMapOvr>
     <a:masterClrMapping/>
   </p:clrMapOvr>
+  <p:timing>
+    <p:tnLst>
+      <p:par>
+        <p:cTn id="1" dur="indefinite" restart="never" nodeType="tmRoot"/>
+      </p:par>
+    </p:tnLst>
+  </p:timing>
 </p:sld>
 </file>
 
@@ -9723,8 +10409,8 @@
           </p:nvSpPr>
           <p:spPr>
             <a:xfrm>
-              <a:off x="1907704" y="2492896"/>
-              <a:ext cx="2160240" cy="369332"/>
+              <a:off x="1863367" y="2445284"/>
+              <a:ext cx="2160240" cy="461665"/>
             </a:xfrm>
             <a:prstGeom prst="rect">
               <a:avLst/>
@@ -9739,14 +10425,25 @@
             <a:p>
               <a:pPr algn="ctr"/>
               <a:r>
-                <a:rPr lang="en-US" altLang="zh-TW" dirty="0" smtClean="0">
+                <a:rPr lang="en-US" altLang="zh-TW" sz="1200" dirty="0" smtClean="0">
                   <a:solidFill>
                     <a:schemeClr val="bg1"/>
                   </a:solidFill>
                 </a:rPr>
                 <a:t>UMS</a:t>
               </a:r>
-              <a:endParaRPr lang="zh-TW" altLang="en-US" dirty="0">
+            </a:p>
+            <a:p>
+              <a:pPr algn="ctr"/>
+              <a:r>
+                <a:rPr lang="zh-TW" altLang="en-US" sz="1200" dirty="0" smtClean="0">
+                  <a:solidFill>
+                    <a:schemeClr val="bg1"/>
+                  </a:solidFill>
+                </a:rPr>
+                <a:t>使用者管理子系統</a:t>
+              </a:r>
+              <a:endParaRPr lang="zh-TW" altLang="en-US" sz="1200" dirty="0">
                 <a:solidFill>
                   <a:schemeClr val="bg1"/>
                 </a:solidFill>
@@ -9763,7 +10460,7 @@
           <p:spPr>
             <a:xfrm>
               <a:off x="1804190" y="4056784"/>
-              <a:ext cx="2219417" cy="369332"/>
+              <a:ext cx="2219417" cy="461665"/>
             </a:xfrm>
             <a:prstGeom prst="rect">
               <a:avLst/>
@@ -9778,14 +10475,45 @@
             <a:p>
               <a:pPr algn="ctr"/>
               <a:r>
-                <a:rPr lang="en-US" altLang="zh-TW" dirty="0" smtClean="0">
+                <a:rPr lang="en-US" altLang="zh-TW" sz="1200" dirty="0" smtClean="0">
                   <a:solidFill>
                     <a:schemeClr val="bg1"/>
                   </a:solidFill>
                 </a:rPr>
                 <a:t>CMHSS</a:t>
               </a:r>
-              <a:endParaRPr lang="zh-TW" altLang="en-US" dirty="0">
+              <a:r>
+                <a:rPr lang="zh-TW" altLang="en-US" sz="1200" dirty="0" smtClean="0">
+                  <a:solidFill>
+                    <a:schemeClr val="bg1"/>
+                  </a:solidFill>
+                </a:rPr>
+                <a:t> </a:t>
+              </a:r>
+              <a:r>
+                <a:rPr lang="en-US" altLang="zh-TW" sz="1200" dirty="0" smtClean="0">
+                  <a:solidFill>
+                    <a:schemeClr val="bg1"/>
+                  </a:solidFill>
+                </a:rPr>
+                <a:t/>
+              </a:r>
+              <a:br>
+                <a:rPr lang="en-US" altLang="zh-TW" sz="1200" dirty="0" smtClean="0">
+                  <a:solidFill>
+                    <a:schemeClr val="bg1"/>
+                  </a:solidFill>
+                </a:rPr>
+              </a:br>
+              <a:r>
+                <a:rPr lang="zh-TW" altLang="en-US" sz="1200" dirty="0" smtClean="0">
+                  <a:solidFill>
+                    <a:schemeClr val="bg1"/>
+                  </a:solidFill>
+                </a:rPr>
+                <a:t>課程管理與作業繳交子系統</a:t>
+              </a:r>
+              <a:endParaRPr lang="zh-TW" altLang="en-US" sz="1200" dirty="0">
                 <a:solidFill>
                   <a:schemeClr val="bg1"/>
                 </a:solidFill>
@@ -9951,6 +10679,13 @@
   <p:clrMapOvr>
     <a:masterClrMapping/>
   </p:clrMapOvr>
+  <p:timing>
+    <p:tnLst>
+      <p:par>
+        <p:cTn id="1" dur="indefinite" restart="never" nodeType="tmRoot"/>
+      </p:par>
+    </p:tnLst>
+  </p:timing>
 </p:sld>
 </file>
 
@@ -10024,35 +10759,35 @@
                 <a:gridCol w="2812212">
                   <a:extLst>
                     <a:ext uri="{9D8B030D-6E8A-4147-A177-3AD203B41FA5}">
-                      <a16:colId xmlns:a16="http://schemas.microsoft.com/office/drawing/2014/main" xmlns="" val="2884299164"/>
+                      <a16:colId xmlns="" xmlns:a16="http://schemas.microsoft.com/office/drawing/2014/main" val="2884299164"/>
                     </a:ext>
                   </a:extLst>
                 </a:gridCol>
                 <a:gridCol w="1357798">
                   <a:extLst>
                     <a:ext uri="{9D8B030D-6E8A-4147-A177-3AD203B41FA5}">
-                      <a16:colId xmlns:a16="http://schemas.microsoft.com/office/drawing/2014/main" xmlns="" val="2714764970"/>
+                      <a16:colId xmlns="" xmlns:a16="http://schemas.microsoft.com/office/drawing/2014/main" val="2714764970"/>
                     </a:ext>
                   </a:extLst>
                 </a:gridCol>
                 <a:gridCol w="1357798">
                   <a:extLst>
                     <a:ext uri="{9D8B030D-6E8A-4147-A177-3AD203B41FA5}">
-                      <a16:colId xmlns:a16="http://schemas.microsoft.com/office/drawing/2014/main" xmlns="" val="379868310"/>
+                      <a16:colId xmlns="" xmlns:a16="http://schemas.microsoft.com/office/drawing/2014/main" val="379868310"/>
                     </a:ext>
                   </a:extLst>
                 </a:gridCol>
                 <a:gridCol w="1357798">
                   <a:extLst>
                     <a:ext uri="{9D8B030D-6E8A-4147-A177-3AD203B41FA5}">
-                      <a16:colId xmlns:a16="http://schemas.microsoft.com/office/drawing/2014/main" xmlns="" val="2643519724"/>
+                      <a16:colId xmlns="" xmlns:a16="http://schemas.microsoft.com/office/drawing/2014/main" val="2643519724"/>
                     </a:ext>
                   </a:extLst>
                 </a:gridCol>
                 <a:gridCol w="1343996">
                   <a:extLst>
                     <a:ext uri="{9D8B030D-6E8A-4147-A177-3AD203B41FA5}">
-                      <a16:colId xmlns:a16="http://schemas.microsoft.com/office/drawing/2014/main" xmlns="" val="3932700639"/>
+                      <a16:colId xmlns="" xmlns:a16="http://schemas.microsoft.com/office/drawing/2014/main" val="3932700639"/>
                     </a:ext>
                   </a:extLst>
                 </a:gridCol>
@@ -10190,7 +10925,7 @@
                 </a:tc>
                 <a:extLst>
                   <a:ext uri="{0D108BD9-81ED-4DB2-BD59-A6C34878D82A}">
-                    <a16:rowId xmlns:a16="http://schemas.microsoft.com/office/drawing/2014/main" xmlns="" val="2269722852"/>
+                    <a16:rowId xmlns="" xmlns:a16="http://schemas.microsoft.com/office/drawing/2014/main" val="2269722852"/>
                   </a:ext>
                 </a:extLst>
               </a:tr>
@@ -10345,7 +11080,7 @@
                 </a:tc>
                 <a:extLst>
                   <a:ext uri="{0D108BD9-81ED-4DB2-BD59-A6C34878D82A}">
-                    <a16:rowId xmlns:a16="http://schemas.microsoft.com/office/drawing/2014/main" xmlns="" val="3037958497"/>
+                    <a16:rowId xmlns="" xmlns:a16="http://schemas.microsoft.com/office/drawing/2014/main" val="3037958497"/>
                   </a:ext>
                 </a:extLst>
               </a:tr>
@@ -10500,7 +11235,7 @@
                 </a:tc>
                 <a:extLst>
                   <a:ext uri="{0D108BD9-81ED-4DB2-BD59-A6C34878D82A}">
-                    <a16:rowId xmlns:a16="http://schemas.microsoft.com/office/drawing/2014/main" xmlns="" val="2629449705"/>
+                    <a16:rowId xmlns="" xmlns:a16="http://schemas.microsoft.com/office/drawing/2014/main" val="2629449705"/>
                   </a:ext>
                 </a:extLst>
               </a:tr>
@@ -10658,7 +11393,7 @@
                 </a:tc>
                 <a:extLst>
                   <a:ext uri="{0D108BD9-81ED-4DB2-BD59-A6C34878D82A}">
-                    <a16:rowId xmlns:a16="http://schemas.microsoft.com/office/drawing/2014/main" xmlns="" val="2081270809"/>
+                    <a16:rowId xmlns="" xmlns:a16="http://schemas.microsoft.com/office/drawing/2014/main" val="2081270809"/>
                   </a:ext>
                 </a:extLst>
               </a:tr>
@@ -10813,7 +11548,7 @@
                 </a:tc>
                 <a:extLst>
                   <a:ext uri="{0D108BD9-81ED-4DB2-BD59-A6C34878D82A}">
-                    <a16:rowId xmlns:a16="http://schemas.microsoft.com/office/drawing/2014/main" xmlns="" val="400150635"/>
+                    <a16:rowId xmlns="" xmlns:a16="http://schemas.microsoft.com/office/drawing/2014/main" val="400150635"/>
                   </a:ext>
                 </a:extLst>
               </a:tr>
@@ -10968,7 +11703,7 @@
                 </a:tc>
                 <a:extLst>
                   <a:ext uri="{0D108BD9-81ED-4DB2-BD59-A6C34878D82A}">
-                    <a16:rowId xmlns:a16="http://schemas.microsoft.com/office/drawing/2014/main" xmlns="" val="2243106353"/>
+                    <a16:rowId xmlns="" xmlns:a16="http://schemas.microsoft.com/office/drawing/2014/main" val="2243106353"/>
                   </a:ext>
                 </a:extLst>
               </a:tr>
@@ -11123,7 +11858,7 @@
                 </a:tc>
                 <a:extLst>
                   <a:ext uri="{0D108BD9-81ED-4DB2-BD59-A6C34878D82A}">
-                    <a16:rowId xmlns:a16="http://schemas.microsoft.com/office/drawing/2014/main" xmlns="" val="3821672162"/>
+                    <a16:rowId xmlns="" xmlns:a16="http://schemas.microsoft.com/office/drawing/2014/main" val="3821672162"/>
                   </a:ext>
                 </a:extLst>
               </a:tr>
@@ -11278,7 +12013,7 @@
                 </a:tc>
                 <a:extLst>
                   <a:ext uri="{0D108BD9-81ED-4DB2-BD59-A6C34878D82A}">
-                    <a16:rowId xmlns:a16="http://schemas.microsoft.com/office/drawing/2014/main" xmlns="" val="3481478037"/>
+                    <a16:rowId xmlns="" xmlns:a16="http://schemas.microsoft.com/office/drawing/2014/main" val="3481478037"/>
                   </a:ext>
                 </a:extLst>
               </a:tr>
@@ -11433,7 +12168,7 @@
                 </a:tc>
                 <a:extLst>
                   <a:ext uri="{0D108BD9-81ED-4DB2-BD59-A6C34878D82A}">
-                    <a16:rowId xmlns:a16="http://schemas.microsoft.com/office/drawing/2014/main" xmlns="" val="2352246313"/>
+                    <a16:rowId xmlns="" xmlns:a16="http://schemas.microsoft.com/office/drawing/2014/main" val="2352246313"/>
                   </a:ext>
                 </a:extLst>
               </a:tr>
@@ -11588,7 +12323,7 @@
                 </a:tc>
                 <a:extLst>
                   <a:ext uri="{0D108BD9-81ED-4DB2-BD59-A6C34878D82A}">
-                    <a16:rowId xmlns:a16="http://schemas.microsoft.com/office/drawing/2014/main" xmlns="" val="2724839462"/>
+                    <a16:rowId xmlns="" xmlns:a16="http://schemas.microsoft.com/office/drawing/2014/main" val="2724839462"/>
                   </a:ext>
                 </a:extLst>
               </a:tr>
@@ -11743,7 +12478,7 @@
                 </a:tc>
                 <a:extLst>
                   <a:ext uri="{0D108BD9-81ED-4DB2-BD59-A6C34878D82A}">
-                    <a16:rowId xmlns:a16="http://schemas.microsoft.com/office/drawing/2014/main" xmlns="" val="4197378840"/>
+                    <a16:rowId xmlns="" xmlns:a16="http://schemas.microsoft.com/office/drawing/2014/main" val="4197378840"/>
                   </a:ext>
                 </a:extLst>
               </a:tr>
@@ -11898,7 +12633,7 @@
                 </a:tc>
                 <a:extLst>
                   <a:ext uri="{0D108BD9-81ED-4DB2-BD59-A6C34878D82A}">
-                    <a16:rowId xmlns:a16="http://schemas.microsoft.com/office/drawing/2014/main" xmlns="" val="3687018084"/>
+                    <a16:rowId xmlns="" xmlns:a16="http://schemas.microsoft.com/office/drawing/2014/main" val="3687018084"/>
                   </a:ext>
                 </a:extLst>
               </a:tr>
@@ -12053,7 +12788,7 @@
                 </a:tc>
                 <a:extLst>
                   <a:ext uri="{0D108BD9-81ED-4DB2-BD59-A6C34878D82A}">
-                    <a16:rowId xmlns:a16="http://schemas.microsoft.com/office/drawing/2014/main" xmlns="" val="3831483923"/>
+                    <a16:rowId xmlns="" xmlns:a16="http://schemas.microsoft.com/office/drawing/2014/main" val="3831483923"/>
                   </a:ext>
                 </a:extLst>
               </a:tr>
@@ -12208,7 +12943,7 @@
                 </a:tc>
                 <a:extLst>
                   <a:ext uri="{0D108BD9-81ED-4DB2-BD59-A6C34878D82A}">
-                    <a16:rowId xmlns:a16="http://schemas.microsoft.com/office/drawing/2014/main" xmlns="" val="1008865574"/>
+                    <a16:rowId xmlns="" xmlns:a16="http://schemas.microsoft.com/office/drawing/2014/main" val="1008865574"/>
                   </a:ext>
                 </a:extLst>
               </a:tr>
@@ -12363,7 +13098,7 @@
                 </a:tc>
                 <a:extLst>
                   <a:ext uri="{0D108BD9-81ED-4DB2-BD59-A6C34878D82A}">
-                    <a16:rowId xmlns:a16="http://schemas.microsoft.com/office/drawing/2014/main" xmlns="" val="4256689391"/>
+                    <a16:rowId xmlns="" xmlns:a16="http://schemas.microsoft.com/office/drawing/2014/main" val="4256689391"/>
                   </a:ext>
                 </a:extLst>
               </a:tr>
@@ -12518,7 +13253,7 @@
                 </a:tc>
                 <a:extLst>
                   <a:ext uri="{0D108BD9-81ED-4DB2-BD59-A6C34878D82A}">
-                    <a16:rowId xmlns:a16="http://schemas.microsoft.com/office/drawing/2014/main" xmlns="" val="3843843987"/>
+                    <a16:rowId xmlns="" xmlns:a16="http://schemas.microsoft.com/office/drawing/2014/main" val="3843843987"/>
                   </a:ext>
                 </a:extLst>
               </a:tr>
@@ -12652,6 +13387,13 @@
   <p:clrMapOvr>
     <a:masterClrMapping/>
   </p:clrMapOvr>
+  <p:timing>
+    <p:tnLst>
+      <p:par>
+        <p:cTn id="1" dur="indefinite" restart="never" nodeType="tmRoot"/>
+      </p:par>
+    </p:tnLst>
+  </p:timing>
 </p:sld>
 </file>
 
@@ -12725,35 +13467,35 @@
                 <a:gridCol w="2812212">
                   <a:extLst>
                     <a:ext uri="{9D8B030D-6E8A-4147-A177-3AD203B41FA5}">
-                      <a16:colId xmlns:a16="http://schemas.microsoft.com/office/drawing/2014/main" xmlns="" val="2884299164"/>
+                      <a16:colId xmlns="" xmlns:a16="http://schemas.microsoft.com/office/drawing/2014/main" val="2884299164"/>
                     </a:ext>
                   </a:extLst>
                 </a:gridCol>
                 <a:gridCol w="1357798">
                   <a:extLst>
                     <a:ext uri="{9D8B030D-6E8A-4147-A177-3AD203B41FA5}">
-                      <a16:colId xmlns:a16="http://schemas.microsoft.com/office/drawing/2014/main" xmlns="" val="2714764970"/>
+                      <a16:colId xmlns="" xmlns:a16="http://schemas.microsoft.com/office/drawing/2014/main" val="2714764970"/>
                     </a:ext>
                   </a:extLst>
                 </a:gridCol>
                 <a:gridCol w="1357798">
                   <a:extLst>
                     <a:ext uri="{9D8B030D-6E8A-4147-A177-3AD203B41FA5}">
-                      <a16:colId xmlns:a16="http://schemas.microsoft.com/office/drawing/2014/main" xmlns="" val="379868310"/>
+                      <a16:colId xmlns="" xmlns:a16="http://schemas.microsoft.com/office/drawing/2014/main" val="379868310"/>
                     </a:ext>
                   </a:extLst>
                 </a:gridCol>
                 <a:gridCol w="1357798">
                   <a:extLst>
                     <a:ext uri="{9D8B030D-6E8A-4147-A177-3AD203B41FA5}">
-                      <a16:colId xmlns:a16="http://schemas.microsoft.com/office/drawing/2014/main" xmlns="" val="2643519724"/>
+                      <a16:colId xmlns="" xmlns:a16="http://schemas.microsoft.com/office/drawing/2014/main" val="2643519724"/>
                     </a:ext>
                   </a:extLst>
                 </a:gridCol>
                 <a:gridCol w="1343996">
                   <a:extLst>
                     <a:ext uri="{9D8B030D-6E8A-4147-A177-3AD203B41FA5}">
-                      <a16:colId xmlns:a16="http://schemas.microsoft.com/office/drawing/2014/main" xmlns="" val="3932700639"/>
+                      <a16:colId xmlns="" xmlns:a16="http://schemas.microsoft.com/office/drawing/2014/main" val="3932700639"/>
                     </a:ext>
                   </a:extLst>
                 </a:gridCol>
@@ -12891,7 +13633,7 @@
                 </a:tc>
                 <a:extLst>
                   <a:ext uri="{0D108BD9-81ED-4DB2-BD59-A6C34878D82A}">
-                    <a16:rowId xmlns:a16="http://schemas.microsoft.com/office/drawing/2014/main" xmlns="" val="2269722852"/>
+                    <a16:rowId xmlns="" xmlns:a16="http://schemas.microsoft.com/office/drawing/2014/main" val="2269722852"/>
                   </a:ext>
                 </a:extLst>
               </a:tr>
@@ -13049,7 +13791,7 @@
                 </a:tc>
                 <a:extLst>
                   <a:ext uri="{0D108BD9-81ED-4DB2-BD59-A6C34878D82A}">
-                    <a16:rowId xmlns:a16="http://schemas.microsoft.com/office/drawing/2014/main" xmlns="" val="3037958497"/>
+                    <a16:rowId xmlns="" xmlns:a16="http://schemas.microsoft.com/office/drawing/2014/main" val="3037958497"/>
                   </a:ext>
                 </a:extLst>
               </a:tr>
@@ -13210,7 +13952,7 @@
                 </a:tc>
                 <a:extLst>
                   <a:ext uri="{0D108BD9-81ED-4DB2-BD59-A6C34878D82A}">
-                    <a16:rowId xmlns:a16="http://schemas.microsoft.com/office/drawing/2014/main" xmlns="" val="2629449705"/>
+                    <a16:rowId xmlns="" xmlns:a16="http://schemas.microsoft.com/office/drawing/2014/main" val="2629449705"/>
                   </a:ext>
                 </a:extLst>
               </a:tr>
@@ -13368,7 +14110,7 @@
                 </a:tc>
                 <a:extLst>
                   <a:ext uri="{0D108BD9-81ED-4DB2-BD59-A6C34878D82A}">
-                    <a16:rowId xmlns:a16="http://schemas.microsoft.com/office/drawing/2014/main" xmlns="" val="2081270809"/>
+                    <a16:rowId xmlns="" xmlns:a16="http://schemas.microsoft.com/office/drawing/2014/main" val="2081270809"/>
                   </a:ext>
                 </a:extLst>
               </a:tr>
@@ -13526,7 +14268,7 @@
                 </a:tc>
                 <a:extLst>
                   <a:ext uri="{0D108BD9-81ED-4DB2-BD59-A6C34878D82A}">
-                    <a16:rowId xmlns:a16="http://schemas.microsoft.com/office/drawing/2014/main" xmlns="" val="400150635"/>
+                    <a16:rowId xmlns="" xmlns:a16="http://schemas.microsoft.com/office/drawing/2014/main" val="400150635"/>
                   </a:ext>
                 </a:extLst>
               </a:tr>
@@ -13684,7 +14426,7 @@
                 </a:tc>
                 <a:extLst>
                   <a:ext uri="{0D108BD9-81ED-4DB2-BD59-A6C34878D82A}">
-                    <a16:rowId xmlns:a16="http://schemas.microsoft.com/office/drawing/2014/main" xmlns="" val="2243106353"/>
+                    <a16:rowId xmlns="" xmlns:a16="http://schemas.microsoft.com/office/drawing/2014/main" val="2243106353"/>
                   </a:ext>
                 </a:extLst>
               </a:tr>
@@ -13842,7 +14584,7 @@
                 </a:tc>
                 <a:extLst>
                   <a:ext uri="{0D108BD9-81ED-4DB2-BD59-A6C34878D82A}">
-                    <a16:rowId xmlns:a16="http://schemas.microsoft.com/office/drawing/2014/main" xmlns="" val="3821672162"/>
+                    <a16:rowId xmlns="" xmlns:a16="http://schemas.microsoft.com/office/drawing/2014/main" val="3821672162"/>
                   </a:ext>
                 </a:extLst>
               </a:tr>
@@ -14000,7 +14742,7 @@
                 </a:tc>
                 <a:extLst>
                   <a:ext uri="{0D108BD9-81ED-4DB2-BD59-A6C34878D82A}">
-                    <a16:rowId xmlns:a16="http://schemas.microsoft.com/office/drawing/2014/main" xmlns="" val="3481478037"/>
+                    <a16:rowId xmlns="" xmlns:a16="http://schemas.microsoft.com/office/drawing/2014/main" val="3481478037"/>
                   </a:ext>
                 </a:extLst>
               </a:tr>
@@ -14158,7 +14900,7 @@
                 </a:tc>
                 <a:extLst>
                   <a:ext uri="{0D108BD9-81ED-4DB2-BD59-A6C34878D82A}">
-                    <a16:rowId xmlns:a16="http://schemas.microsoft.com/office/drawing/2014/main" xmlns="" val="2352246313"/>
+                    <a16:rowId xmlns="" xmlns:a16="http://schemas.microsoft.com/office/drawing/2014/main" val="2352246313"/>
                   </a:ext>
                 </a:extLst>
               </a:tr>
@@ -14316,7 +15058,7 @@
                 </a:tc>
                 <a:extLst>
                   <a:ext uri="{0D108BD9-81ED-4DB2-BD59-A6C34878D82A}">
-                    <a16:rowId xmlns:a16="http://schemas.microsoft.com/office/drawing/2014/main" xmlns="" val="2724839462"/>
+                    <a16:rowId xmlns="" xmlns:a16="http://schemas.microsoft.com/office/drawing/2014/main" val="2724839462"/>
                   </a:ext>
                 </a:extLst>
               </a:tr>
@@ -14474,7 +15216,7 @@
                 </a:tc>
                 <a:extLst>
                   <a:ext uri="{0D108BD9-81ED-4DB2-BD59-A6C34878D82A}">
-                    <a16:rowId xmlns:a16="http://schemas.microsoft.com/office/drawing/2014/main" xmlns="" val="4197378840"/>
+                    <a16:rowId xmlns="" xmlns:a16="http://schemas.microsoft.com/office/drawing/2014/main" val="4197378840"/>
                   </a:ext>
                 </a:extLst>
               </a:tr>
@@ -14632,7 +15374,7 @@
                 </a:tc>
                 <a:extLst>
                   <a:ext uri="{0D108BD9-81ED-4DB2-BD59-A6C34878D82A}">
-                    <a16:rowId xmlns:a16="http://schemas.microsoft.com/office/drawing/2014/main" xmlns="" val="3687018084"/>
+                    <a16:rowId xmlns="" xmlns:a16="http://schemas.microsoft.com/office/drawing/2014/main" val="3687018084"/>
                   </a:ext>
                 </a:extLst>
               </a:tr>
@@ -14790,7 +15532,7 @@
                 </a:tc>
                 <a:extLst>
                   <a:ext uri="{0D108BD9-81ED-4DB2-BD59-A6C34878D82A}">
-                    <a16:rowId xmlns:a16="http://schemas.microsoft.com/office/drawing/2014/main" xmlns="" val="3831483923"/>
+                    <a16:rowId xmlns="" xmlns:a16="http://schemas.microsoft.com/office/drawing/2014/main" val="3831483923"/>
                   </a:ext>
                 </a:extLst>
               </a:tr>
@@ -14948,7 +15690,7 @@
                 </a:tc>
                 <a:extLst>
                   <a:ext uri="{0D108BD9-81ED-4DB2-BD59-A6C34878D82A}">
-                    <a16:rowId xmlns:a16="http://schemas.microsoft.com/office/drawing/2014/main" xmlns="" val="1008865574"/>
+                    <a16:rowId xmlns="" xmlns:a16="http://schemas.microsoft.com/office/drawing/2014/main" val="1008865574"/>
                   </a:ext>
                 </a:extLst>
               </a:tr>
@@ -15106,7 +15848,7 @@
                 </a:tc>
                 <a:extLst>
                   <a:ext uri="{0D108BD9-81ED-4DB2-BD59-A6C34878D82A}">
-                    <a16:rowId xmlns:a16="http://schemas.microsoft.com/office/drawing/2014/main" xmlns="" val="4256689391"/>
+                    <a16:rowId xmlns="" xmlns:a16="http://schemas.microsoft.com/office/drawing/2014/main" val="4256689391"/>
                   </a:ext>
                 </a:extLst>
               </a:tr>
@@ -15240,6 +15982,13 @@
   <p:clrMapOvr>
     <a:masterClrMapping/>
   </p:clrMapOvr>
+  <p:timing>
+    <p:tnLst>
+      <p:par>
+        <p:cTn id="1" dur="indefinite" restart="never" nodeType="tmRoot"/>
+      </p:par>
+    </p:tnLst>
+  </p:timing>
 </p:sld>
 </file>
 
@@ -15313,35 +16062,35 @@
                 <a:gridCol w="2812212">
                   <a:extLst>
                     <a:ext uri="{9D8B030D-6E8A-4147-A177-3AD203B41FA5}">
-                      <a16:colId xmlns:a16="http://schemas.microsoft.com/office/drawing/2014/main" xmlns="" val="2884299164"/>
+                      <a16:colId xmlns="" xmlns:a16="http://schemas.microsoft.com/office/drawing/2014/main" val="2884299164"/>
                     </a:ext>
                   </a:extLst>
                 </a:gridCol>
                 <a:gridCol w="1357798">
                   <a:extLst>
                     <a:ext uri="{9D8B030D-6E8A-4147-A177-3AD203B41FA5}">
-                      <a16:colId xmlns:a16="http://schemas.microsoft.com/office/drawing/2014/main" xmlns="" val="2714764970"/>
+                      <a16:colId xmlns="" xmlns:a16="http://schemas.microsoft.com/office/drawing/2014/main" val="2714764970"/>
                     </a:ext>
                   </a:extLst>
                 </a:gridCol>
                 <a:gridCol w="1357798">
                   <a:extLst>
                     <a:ext uri="{9D8B030D-6E8A-4147-A177-3AD203B41FA5}">
-                      <a16:colId xmlns:a16="http://schemas.microsoft.com/office/drawing/2014/main" xmlns="" val="379868310"/>
+                      <a16:colId xmlns="" xmlns:a16="http://schemas.microsoft.com/office/drawing/2014/main" val="379868310"/>
                     </a:ext>
                   </a:extLst>
                 </a:gridCol>
                 <a:gridCol w="1357798">
                   <a:extLst>
                     <a:ext uri="{9D8B030D-6E8A-4147-A177-3AD203B41FA5}">
-                      <a16:colId xmlns:a16="http://schemas.microsoft.com/office/drawing/2014/main" xmlns="" val="2643519724"/>
+                      <a16:colId xmlns="" xmlns:a16="http://schemas.microsoft.com/office/drawing/2014/main" val="2643519724"/>
                     </a:ext>
                   </a:extLst>
                 </a:gridCol>
                 <a:gridCol w="1343996">
                   <a:extLst>
                     <a:ext uri="{9D8B030D-6E8A-4147-A177-3AD203B41FA5}">
-                      <a16:colId xmlns:a16="http://schemas.microsoft.com/office/drawing/2014/main" xmlns="" val="3932700639"/>
+                      <a16:colId xmlns="" xmlns:a16="http://schemas.microsoft.com/office/drawing/2014/main" val="3932700639"/>
                     </a:ext>
                   </a:extLst>
                 </a:gridCol>
@@ -15479,7 +16228,7 @@
                 </a:tc>
                 <a:extLst>
                   <a:ext uri="{0D108BD9-81ED-4DB2-BD59-A6C34878D82A}">
-                    <a16:rowId xmlns:a16="http://schemas.microsoft.com/office/drawing/2014/main" xmlns="" val="2269722852"/>
+                    <a16:rowId xmlns="" xmlns:a16="http://schemas.microsoft.com/office/drawing/2014/main" val="2269722852"/>
                   </a:ext>
                 </a:extLst>
               </a:tr>
@@ -15637,7 +16386,7 @@
                 </a:tc>
                 <a:extLst>
                   <a:ext uri="{0D108BD9-81ED-4DB2-BD59-A6C34878D82A}">
-                    <a16:rowId xmlns:a16="http://schemas.microsoft.com/office/drawing/2014/main" xmlns="" val="3037958497"/>
+                    <a16:rowId xmlns="" xmlns:a16="http://schemas.microsoft.com/office/drawing/2014/main" val="3037958497"/>
                   </a:ext>
                 </a:extLst>
               </a:tr>
@@ -15795,7 +16544,7 @@
                 </a:tc>
                 <a:extLst>
                   <a:ext uri="{0D108BD9-81ED-4DB2-BD59-A6C34878D82A}">
-                    <a16:rowId xmlns:a16="http://schemas.microsoft.com/office/drawing/2014/main" xmlns="" val="2629449705"/>
+                    <a16:rowId xmlns="" xmlns:a16="http://schemas.microsoft.com/office/drawing/2014/main" val="2629449705"/>
                   </a:ext>
                 </a:extLst>
               </a:tr>
@@ -15953,7 +16702,7 @@
                 </a:tc>
                 <a:extLst>
                   <a:ext uri="{0D108BD9-81ED-4DB2-BD59-A6C34878D82A}">
-                    <a16:rowId xmlns:a16="http://schemas.microsoft.com/office/drawing/2014/main" xmlns="" val="2081270809"/>
+                    <a16:rowId xmlns="" xmlns:a16="http://schemas.microsoft.com/office/drawing/2014/main" val="2081270809"/>
                   </a:ext>
                 </a:extLst>
               </a:tr>
@@ -16111,7 +16860,7 @@
                 </a:tc>
                 <a:extLst>
                   <a:ext uri="{0D108BD9-81ED-4DB2-BD59-A6C34878D82A}">
-                    <a16:rowId xmlns:a16="http://schemas.microsoft.com/office/drawing/2014/main" xmlns="" val="1725899984"/>
+                    <a16:rowId xmlns="" xmlns:a16="http://schemas.microsoft.com/office/drawing/2014/main" val="1725899984"/>
                   </a:ext>
                 </a:extLst>
               </a:tr>
@@ -16245,6 +16994,13 @@
   <p:clrMapOvr>
     <a:masterClrMapping/>
   </p:clrMapOvr>
+  <p:timing>
+    <p:tnLst>
+      <p:par>
+        <p:cTn id="1" dur="indefinite" restart="never" nodeType="tmRoot"/>
+      </p:par>
+    </p:tnLst>
+  </p:timing>
 </p:sld>
 </file>
 

--- a/doc/report.pptx
+++ b/doc/report.pptx
@@ -5,10 +5,10 @@
     <p:sldMasterId id="2147483828" r:id="rId1"/>
   </p:sldMasterIdLst>
   <p:notesMasterIdLst>
-    <p:notesMasterId r:id="rId16"/>
+    <p:notesMasterId r:id="rId17"/>
   </p:notesMasterIdLst>
   <p:handoutMasterIdLst>
-    <p:handoutMasterId r:id="rId17"/>
+    <p:handoutMasterId r:id="rId18"/>
   </p:handoutMasterIdLst>
   <p:sldIdLst>
     <p:sldId id="256" r:id="rId2"/>
@@ -21,10 +21,11 @@
     <p:sldId id="266" r:id="rId9"/>
     <p:sldId id="267" r:id="rId10"/>
     <p:sldId id="268" r:id="rId11"/>
-    <p:sldId id="264" r:id="rId12"/>
-    <p:sldId id="265" r:id="rId13"/>
-    <p:sldId id="258" r:id="rId14"/>
-    <p:sldId id="269" r:id="rId15"/>
+    <p:sldId id="270" r:id="rId12"/>
+    <p:sldId id="264" r:id="rId13"/>
+    <p:sldId id="265" r:id="rId14"/>
+    <p:sldId id="258" r:id="rId15"/>
+    <p:sldId id="269" r:id="rId16"/>
   </p:sldIdLst>
   <p:sldSz cx="9144000" cy="6858000" type="screen4x3"/>
   <p:notesSz cx="7099300" cy="10234613"/>
@@ -387,7 +388,7 @@
               <a:pPr>
                 <a:defRPr/>
               </a:pPr>
-              <a:t>2017/10/31</a:t>
+              <a:t>2017/11/1</a:t>
             </a:fld>
             <a:endParaRPr lang="zh-TW" altLang="en-US"/>
           </a:p>
@@ -780,11 +781,7 @@
             </a:r>
             <a:r>
               <a:rPr lang="zh-TW" altLang="en-US" baseline="0" dirty="0" smtClean="0"/>
-              <a:t> </a:t>
-            </a:r>
-            <a:r>
-              <a:rPr lang="zh-TW" altLang="en-US" baseline="0" dirty="0" smtClean="0"/>
-              <a:t> </a:t>
+              <a:t>  </a:t>
             </a:r>
             <a:r>
               <a:rPr lang="en-US" altLang="zh-TW" baseline="0" dirty="0" err="1" smtClean="0"/>
@@ -1260,7 +1257,7 @@
             <a:fld id="{F4E554D8-CE34-424B-893E-6F862093FEC6}" type="slidenum">
               <a:rPr lang="zh-TW" altLang="en-US" smtClean="0"/>
               <a:pPr/>
-              <a:t>11</a:t>
+              <a:t>12</a:t>
             </a:fld>
             <a:endParaRPr lang="zh-TW" altLang="en-US"/>
           </a:p>
@@ -1345,7 +1342,7 @@
             <a:fld id="{F4E554D8-CE34-424B-893E-6F862093FEC6}" type="slidenum">
               <a:rPr lang="zh-TW" altLang="en-US" smtClean="0"/>
               <a:pPr/>
-              <a:t>12</a:t>
+              <a:t>13</a:t>
             </a:fld>
             <a:endParaRPr lang="zh-TW" altLang="en-US"/>
           </a:p>
@@ -1453,7 +1450,7 @@
             <a:fld id="{F4E554D8-CE34-424B-893E-6F862093FEC6}" type="slidenum">
               <a:rPr lang="zh-TW" altLang="en-US" smtClean="0"/>
               <a:pPr/>
-              <a:t>13</a:t>
+              <a:t>14</a:t>
             </a:fld>
             <a:endParaRPr lang="zh-TW" altLang="en-US"/>
           </a:p>
@@ -1696,7 +1693,7 @@
               <a:pPr>
                 <a:defRPr/>
               </a:pPr>
-              <a:t>2017/10/31</a:t>
+              <a:t>2017/11/1</a:t>
             </a:fld>
             <a:endParaRPr lang="zh-TW" altLang="en-US"/>
           </a:p>
@@ -1891,7 +1888,7 @@
               <a:pPr>
                 <a:defRPr/>
               </a:pPr>
-              <a:t>2017/10/31</a:t>
+              <a:t>2017/11/1</a:t>
             </a:fld>
             <a:endParaRPr lang="zh-TW" altLang="en-US"/>
           </a:p>
@@ -2096,7 +2093,7 @@
               <a:pPr>
                 <a:defRPr/>
               </a:pPr>
-              <a:t>2017/10/31</a:t>
+              <a:t>2017/11/1</a:t>
             </a:fld>
             <a:endParaRPr lang="zh-TW" altLang="en-US"/>
           </a:p>
@@ -2335,7 +2332,7 @@
               <a:pPr>
                 <a:defRPr/>
               </a:pPr>
-              <a:t>2017/10/31</a:t>
+              <a:t>2017/11/1</a:t>
             </a:fld>
             <a:endParaRPr lang="zh-TW" altLang="en-US"/>
           </a:p>
@@ -2604,7 +2601,7 @@
               <a:pPr>
                 <a:defRPr/>
               </a:pPr>
-              <a:t>2017/10/31</a:t>
+              <a:t>2017/11/1</a:t>
             </a:fld>
             <a:endParaRPr lang="zh-TW" altLang="en-US"/>
           </a:p>
@@ -2917,7 +2914,7 @@
               <a:pPr>
                 <a:defRPr/>
               </a:pPr>
-              <a:t>2017/10/31</a:t>
+              <a:t>2017/11/1</a:t>
             </a:fld>
             <a:endParaRPr lang="zh-TW" altLang="en-US"/>
           </a:p>
@@ -3364,7 +3361,7 @@
               <a:pPr>
                 <a:defRPr/>
               </a:pPr>
-              <a:t>2017/10/31</a:t>
+              <a:t>2017/11/1</a:t>
             </a:fld>
             <a:endParaRPr lang="zh-TW" altLang="en-US"/>
           </a:p>
@@ -3507,7 +3504,7 @@
               <a:pPr>
                 <a:defRPr/>
               </a:pPr>
-              <a:t>2017/10/31</a:t>
+              <a:t>2017/11/1</a:t>
             </a:fld>
             <a:endParaRPr lang="zh-TW" altLang="en-US"/>
           </a:p>
@@ -3627,7 +3624,7 @@
               <a:pPr>
                 <a:defRPr/>
               </a:pPr>
-              <a:t>2017/10/31</a:t>
+              <a:t>2017/11/1</a:t>
             </a:fld>
             <a:endParaRPr lang="zh-TW" altLang="en-US"/>
           </a:p>
@@ -3929,7 +3926,7 @@
               <a:pPr>
                 <a:defRPr/>
               </a:pPr>
-              <a:t>2017/10/31</a:t>
+              <a:t>2017/11/1</a:t>
             </a:fld>
             <a:endParaRPr lang="zh-TW" altLang="en-US"/>
           </a:p>
@@ -4214,7 +4211,7 @@
               <a:pPr>
                 <a:defRPr/>
               </a:pPr>
-              <a:t>2017/10/31</a:t>
+              <a:t>2017/11/1</a:t>
             </a:fld>
             <a:endParaRPr lang="zh-TW" altLang="en-US"/>
           </a:p>
@@ -4496,7 +4493,7 @@
               <a:pPr>
                 <a:defRPr/>
               </a:pPr>
-              <a:t>2017/10/31</a:t>
+              <a:t>2017/11/1</a:t>
             </a:fld>
             <a:endParaRPr lang="zh-TW" altLang="en-US"/>
           </a:p>
@@ -5250,11 +5247,6 @@
               </a:rPr>
               <a:t>2017/11/01</a:t>
             </a:r>
-            <a:endParaRPr lang="en-US" altLang="zh-TW" sz="2000" dirty="0" smtClean="0">
-              <a:solidFill>
-                <a:srgbClr val="F2F2F2"/>
-              </a:solidFill>
-            </a:endParaRPr>
           </a:p>
           <a:p>
             <a:endParaRPr lang="en-US" altLang="zh-TW" dirty="0" smtClean="0">
@@ -5389,7 +5381,7 @@
               <a:pPr>
                 <a:defRPr/>
               </a:pPr>
-              <a:t>2017/10/31</a:t>
+              <a:t>2017/11/1</a:t>
             </a:fld>
             <a:endParaRPr lang="zh-TW" altLang="en-US"/>
           </a:p>
@@ -5559,1099 +5551,43 @@
           <a:bodyPr/>
           <a:lstStyle/>
           <a:p>
-            <a:pPr lvl="1"/>
             <a:r>
               <a:rPr lang="en-US" altLang="zh-TW" dirty="0"/>
-              <a:t>Task </a:t>
+              <a:t>UI &amp; Prototype</a:t>
             </a:r>
-            <a:r>
-              <a:rPr lang="en-US" altLang="zh-TW" dirty="0" smtClean="0"/>
-              <a:t>Assignments</a:t>
-            </a:r>
+            <a:endParaRPr lang="zh-TW" altLang="en-US" dirty="0"/>
           </a:p>
         </p:txBody>
       </p:sp>
-      <p:graphicFrame>
-        <p:nvGraphicFramePr>
-          <p:cNvPr id="8" name="內容版面配置區 7"/>
-          <p:cNvGraphicFramePr>
-            <a:graphicFrameLocks noGrp="1"/>
-          </p:cNvGraphicFramePr>
+      <p:pic>
+        <p:nvPicPr>
+          <p:cNvPr id="7" name="內容版面配置區 6"/>
+          <p:cNvPicPr>
+            <a:picLocks noGrp="1" noChangeAspect="1"/>
+          </p:cNvPicPr>
           <p:nvPr>
             <p:ph idx="1"/>
-            <p:extLst>
-              <p:ext uri="{D42A27DB-BD31-4B8C-83A1-F6EECF244321}">
-                <p14:modId xmlns:p14="http://schemas.microsoft.com/office/powerpoint/2010/main" val="3009199857"/>
-              </p:ext>
-            </p:extLst>
           </p:nvPr>
-        </p:nvGraphicFramePr>
-        <p:xfrm>
-          <a:off x="444210" y="1371069"/>
-          <a:ext cx="8161200" cy="5068627"/>
-        </p:xfrm>
-        <a:graphic>
-          <a:graphicData uri="http://schemas.openxmlformats.org/drawingml/2006/table">
-            <a:tbl>
-              <a:tblPr firstRow="1" bandRow="1">
-                <a:tableStyleId>{5C22544A-7EE6-4342-B048-85BDC9FD1C3A}</a:tableStyleId>
-              </a:tblPr>
-              <a:tblGrid>
-                <a:gridCol w="2712099">
-                  <a:extLst>
-                    <a:ext uri="{9D8B030D-6E8A-4147-A177-3AD203B41FA5}">
-                      <a16:colId xmlns="" xmlns:a16="http://schemas.microsoft.com/office/drawing/2014/main" val="87633011"/>
-                    </a:ext>
-                  </a:extLst>
-                </a:gridCol>
-                <a:gridCol w="5449101">
-                  <a:extLst>
-                    <a:ext uri="{9D8B030D-6E8A-4147-A177-3AD203B41FA5}">
-                      <a16:colId xmlns="" xmlns:a16="http://schemas.microsoft.com/office/drawing/2014/main" val="2925896174"/>
-                    </a:ext>
-                  </a:extLst>
-                </a:gridCol>
-              </a:tblGrid>
-              <a:tr h="365859">
-                <a:tc>
-                  <a:txBody>
-                    <a:bodyPr/>
-                    <a:lstStyle/>
-                    <a:p>
-                      <a:r>
-                        <a:rPr lang="en-US" altLang="zh-TW" sz="1800" dirty="0" smtClean="0"/>
-                        <a:t>Task</a:t>
-                      </a:r>
-                      <a:endParaRPr lang="zh-TW" altLang="en-US" sz="1800" dirty="0"/>
-                    </a:p>
-                  </a:txBody>
-                  <a:tcPr marL="91451" marR="91451" marT="45725" marB="45725"/>
-                </a:tc>
-                <a:tc>
-                  <a:txBody>
-                    <a:bodyPr/>
-                    <a:lstStyle/>
-                    <a:p>
-                      <a:r>
-                        <a:rPr lang="en-US" altLang="zh-TW" sz="1800" dirty="0" smtClean="0"/>
-                        <a:t>name</a:t>
-                      </a:r>
-                      <a:endParaRPr lang="zh-TW" altLang="en-US" sz="1800" dirty="0"/>
-                    </a:p>
-                  </a:txBody>
-                  <a:tcPr marL="91451" marR="91451" marT="45725" marB="45725"/>
-                </a:tc>
-                <a:extLst>
-                  <a:ext uri="{0D108BD9-81ED-4DB2-BD59-A6C34878D82A}">
-                    <a16:rowId xmlns="" xmlns:a16="http://schemas.microsoft.com/office/drawing/2014/main" val="3895224598"/>
-                  </a:ext>
-                </a:extLst>
-              </a:tr>
-              <a:tr h="335912">
-                <a:tc>
-                  <a:txBody>
-                    <a:bodyPr/>
-                    <a:lstStyle/>
-                    <a:p>
-                      <a:pPr algn="l">
-                        <a:spcAft>
-                          <a:spcPts val="0"/>
-                        </a:spcAft>
-                      </a:pPr>
-                      <a:r>
-                        <a:rPr lang="zh-TW" sz="1200" b="1" kern="0" dirty="0">
-                          <a:solidFill>
-                            <a:srgbClr val="000000"/>
-                          </a:solidFill>
-                          <a:effectLst/>
-                          <a:latin typeface="Calibri" panose="020F0502020204030204" pitchFamily="34" charset="0"/>
-                          <a:ea typeface="新細明體" panose="02020500000000000000" pitchFamily="18" charset="-120"/>
-                          <a:cs typeface="新細明體" panose="02020500000000000000" pitchFamily="18" charset="-120"/>
-                        </a:rPr>
-                        <a:t>專案執行計畫</a:t>
-                      </a:r>
-                      <a:r>
-                        <a:rPr lang="zh-TW" sz="1200" b="1" kern="0" dirty="0">
-                          <a:solidFill>
-                            <a:srgbClr val="000000"/>
-                          </a:solidFill>
-                          <a:effectLst/>
-                          <a:latin typeface="Calibri" panose="020F0502020204030204" pitchFamily="34" charset="0"/>
-                          <a:ea typeface="Times New Roman" panose="02020603050405020304" pitchFamily="18" charset="0"/>
-                          <a:cs typeface="Times New Roman" panose="02020603050405020304" pitchFamily="18" charset="0"/>
-                        </a:rPr>
-                        <a:t> </a:t>
-                      </a:r>
-                      <a:endParaRPr lang="zh-TW" sz="1200" b="1" kern="100" dirty="0">
-                        <a:effectLst/>
-                        <a:latin typeface="Calibri" panose="020F0502020204030204" pitchFamily="34" charset="0"/>
-                        <a:ea typeface="新細明體" panose="02020500000000000000" pitchFamily="18" charset="-120"/>
-                        <a:cs typeface="Times New Roman" panose="02020603050405020304" pitchFamily="18" charset="0"/>
-                      </a:endParaRPr>
-                    </a:p>
-                  </a:txBody>
-                  <a:tcPr marL="36199" marR="0" marT="0" marB="36199"/>
-                </a:tc>
-                <a:tc>
-                  <a:txBody>
-                    <a:bodyPr/>
-                    <a:lstStyle/>
-                    <a:p>
-                      <a:pPr marL="0" marR="0" indent="0" algn="l" defTabSz="914400" rtl="0" eaLnBrk="1" fontAlgn="auto" latinLnBrk="0" hangingPunct="1">
-                        <a:lnSpc>
-                          <a:spcPct val="100000"/>
-                        </a:lnSpc>
-                        <a:spcBef>
-                          <a:spcPts val="0"/>
-                        </a:spcBef>
-                        <a:spcAft>
-                          <a:spcPts val="0"/>
-                        </a:spcAft>
-                        <a:buClrTx/>
-                        <a:buSzTx/>
-                        <a:buFontTx/>
-                        <a:buNone/>
-                        <a:tabLst/>
-                        <a:defRPr/>
-                      </a:pPr>
-                      <a:r>
-                        <a:rPr lang="zh-TW" altLang="en-US" sz="1200" kern="0" dirty="0" smtClean="0">
-                          <a:solidFill>
-                            <a:srgbClr val="000000"/>
-                          </a:solidFill>
-                          <a:effectLst/>
-                          <a:latin typeface="Calibri" panose="020F0502020204030204" pitchFamily="34" charset="0"/>
-                          <a:ea typeface="+mn-ea"/>
-                          <a:cs typeface="新細明體" panose="02020500000000000000" pitchFamily="18" charset="-120"/>
-                        </a:rPr>
-                        <a:t>鍾承翰、吳彥銘、林杰毅、陳佐昂</a:t>
-                      </a:r>
-                    </a:p>
-                  </a:txBody>
-                  <a:tcPr marL="91451" marR="91451" marT="45725" marB="45725"/>
-                </a:tc>
-                <a:extLst>
-                  <a:ext uri="{0D108BD9-81ED-4DB2-BD59-A6C34878D82A}">
-                    <a16:rowId xmlns="" xmlns:a16="http://schemas.microsoft.com/office/drawing/2014/main" val="2227397568"/>
-                  </a:ext>
-                </a:extLst>
-              </a:tr>
-              <a:tr h="335912">
-                <a:tc>
-                  <a:txBody>
-                    <a:bodyPr/>
-                    <a:lstStyle/>
-                    <a:p>
-                      <a:pPr algn="l">
-                        <a:spcAft>
-                          <a:spcPts val="0"/>
-                        </a:spcAft>
-                      </a:pPr>
-                      <a:r>
-                        <a:rPr lang="zh-TW" sz="1200" b="1" kern="0">
-                          <a:solidFill>
-                            <a:srgbClr val="000000"/>
-                          </a:solidFill>
-                          <a:effectLst/>
-                          <a:latin typeface="Calibri" panose="020F0502020204030204" pitchFamily="34" charset="0"/>
-                          <a:ea typeface="新細明體" panose="02020500000000000000" pitchFamily="18" charset="-120"/>
-                          <a:cs typeface="新細明體" panose="02020500000000000000" pitchFamily="18" charset="-120"/>
-                        </a:rPr>
-                        <a:t>軟體需求規格書撰寫</a:t>
-                      </a:r>
-                      <a:r>
-                        <a:rPr lang="zh-TW" sz="1200" b="1" kern="0">
-                          <a:solidFill>
-                            <a:srgbClr val="000000"/>
-                          </a:solidFill>
-                          <a:effectLst/>
-                          <a:latin typeface="Calibri" panose="020F0502020204030204" pitchFamily="34" charset="0"/>
-                          <a:ea typeface="Times New Roman" panose="02020603050405020304" pitchFamily="18" charset="0"/>
-                          <a:cs typeface="Times New Roman" panose="02020603050405020304" pitchFamily="18" charset="0"/>
-                        </a:rPr>
-                        <a:t> </a:t>
-                      </a:r>
-                      <a:endParaRPr lang="zh-TW" sz="1200" b="1" kern="100">
-                        <a:effectLst/>
-                        <a:latin typeface="Calibri" panose="020F0502020204030204" pitchFamily="34" charset="0"/>
-                        <a:ea typeface="新細明體" panose="02020500000000000000" pitchFamily="18" charset="-120"/>
-                        <a:cs typeface="Times New Roman" panose="02020603050405020304" pitchFamily="18" charset="0"/>
-                      </a:endParaRPr>
-                    </a:p>
-                  </a:txBody>
-                  <a:tcPr marL="36199" marR="0" marT="0" marB="36199"/>
-                </a:tc>
-                <a:tc>
-                  <a:txBody>
-                    <a:bodyPr/>
-                    <a:lstStyle/>
-                    <a:p>
-                      <a:r>
-                        <a:rPr lang="zh-TW" altLang="en-US" sz="1200" kern="0" dirty="0" smtClean="0">
-                          <a:solidFill>
-                            <a:srgbClr val="000000"/>
-                          </a:solidFill>
-                          <a:effectLst/>
-                          <a:latin typeface="Calibri" panose="020F0502020204030204" pitchFamily="34" charset="0"/>
-                          <a:ea typeface="新細明體" panose="02020500000000000000" pitchFamily="18" charset="-120"/>
-                          <a:cs typeface="新細明體" panose="02020500000000000000" pitchFamily="18" charset="-120"/>
-                        </a:rPr>
-                        <a:t>鍾承翰、吳彥銘</a:t>
-                      </a:r>
-                      <a:endParaRPr lang="zh-TW" altLang="en-US" sz="1200" kern="0" dirty="0">
-                        <a:solidFill>
-                          <a:srgbClr val="000000"/>
-                        </a:solidFill>
-                        <a:effectLst/>
-                        <a:latin typeface="Calibri" panose="020F0502020204030204" pitchFamily="34" charset="0"/>
-                        <a:ea typeface="新細明體" panose="02020500000000000000" pitchFamily="18" charset="-120"/>
-                        <a:cs typeface="新細明體" panose="02020500000000000000" pitchFamily="18" charset="-120"/>
-                      </a:endParaRPr>
-                    </a:p>
-                  </a:txBody>
-                  <a:tcPr marL="91451" marR="91451" marT="45725" marB="45725"/>
-                </a:tc>
-                <a:extLst>
-                  <a:ext uri="{0D108BD9-81ED-4DB2-BD59-A6C34878D82A}">
-                    <a16:rowId xmlns="" xmlns:a16="http://schemas.microsoft.com/office/drawing/2014/main" val="2285874812"/>
-                  </a:ext>
-                </a:extLst>
-              </a:tr>
-              <a:tr h="335912">
-                <a:tc>
-                  <a:txBody>
-                    <a:bodyPr/>
-                    <a:lstStyle/>
-                    <a:p>
-                      <a:pPr algn="l">
-                        <a:spcAft>
-                          <a:spcPts val="0"/>
-                        </a:spcAft>
-                      </a:pPr>
-                      <a:r>
-                        <a:rPr lang="zh-TW" sz="1200" b="1" kern="100" dirty="0">
-                          <a:effectLst/>
-                          <a:latin typeface="Calibri" panose="020F0502020204030204" pitchFamily="34" charset="0"/>
-                          <a:ea typeface="新細明體" panose="02020500000000000000" pitchFamily="18" charset="-120"/>
-                          <a:cs typeface="Times New Roman" panose="02020603050405020304" pitchFamily="18" charset="0"/>
-                        </a:rPr>
-                        <a:t>軟體設計描述</a:t>
-                      </a:r>
-                    </a:p>
-                  </a:txBody>
-                  <a:tcPr marL="36199" marR="0" marT="0" marB="36199"/>
-                </a:tc>
-                <a:tc>
-                  <a:txBody>
-                    <a:bodyPr/>
-                    <a:lstStyle/>
-                    <a:p>
-                      <a:r>
-                        <a:rPr lang="zh-TW" altLang="en-US" sz="1200" kern="0" dirty="0" smtClean="0">
-                          <a:solidFill>
-                            <a:srgbClr val="000000"/>
-                          </a:solidFill>
-                          <a:effectLst/>
-                          <a:latin typeface="Calibri" panose="020F0502020204030204" pitchFamily="34" charset="0"/>
-                          <a:ea typeface="新細明體" panose="02020500000000000000" pitchFamily="18" charset="-120"/>
-                          <a:cs typeface="新細明體" panose="02020500000000000000" pitchFamily="18" charset="-120"/>
-                        </a:rPr>
-                        <a:t>陳佐昂、林杰毅</a:t>
-                      </a:r>
-                      <a:endParaRPr lang="en-US" altLang="zh-TW" sz="1200" kern="0" dirty="0" smtClean="0">
-                        <a:solidFill>
-                          <a:srgbClr val="000000"/>
-                        </a:solidFill>
-                        <a:effectLst/>
-                        <a:latin typeface="Calibri" panose="020F0502020204030204" pitchFamily="34" charset="0"/>
-                        <a:ea typeface="新細明體" panose="02020500000000000000" pitchFamily="18" charset="-120"/>
-                        <a:cs typeface="新細明體" panose="02020500000000000000" pitchFamily="18" charset="-120"/>
-                      </a:endParaRPr>
-                    </a:p>
-                  </a:txBody>
-                  <a:tcPr marL="91451" marR="91451" marT="45725" marB="45725"/>
-                </a:tc>
-                <a:extLst>
-                  <a:ext uri="{0D108BD9-81ED-4DB2-BD59-A6C34878D82A}">
-                    <a16:rowId xmlns="" xmlns:a16="http://schemas.microsoft.com/office/drawing/2014/main" val="3504635375"/>
-                  </a:ext>
-                </a:extLst>
-              </a:tr>
-              <a:tr h="335912">
-                <a:tc>
-                  <a:txBody>
-                    <a:bodyPr/>
-                    <a:lstStyle/>
-                    <a:p>
-                      <a:pPr algn="l">
-                        <a:spcAft>
-                          <a:spcPts val="0"/>
-                        </a:spcAft>
-                      </a:pPr>
-                      <a:r>
-                        <a:rPr lang="zh-TW" sz="1200" b="1" kern="100">
-                          <a:effectLst/>
-                          <a:latin typeface="Calibri" panose="020F0502020204030204" pitchFamily="34" charset="0"/>
-                          <a:ea typeface="新細明體" panose="02020500000000000000" pitchFamily="18" charset="-120"/>
-                          <a:cs typeface="Times New Roman" panose="02020603050405020304" pitchFamily="18" charset="0"/>
-                        </a:rPr>
-                        <a:t>軟體測試文件</a:t>
-                      </a:r>
-                    </a:p>
-                  </a:txBody>
-                  <a:tcPr marL="36199" marR="0" marT="0" marB="36199"/>
-                </a:tc>
-                <a:tc>
-                  <a:txBody>
-                    <a:bodyPr/>
-                    <a:lstStyle/>
-                    <a:p>
-                      <a:pPr marL="0" marR="0" indent="0" algn="l" defTabSz="914400" rtl="0" eaLnBrk="1" fontAlgn="auto" latinLnBrk="0" hangingPunct="1">
-                        <a:lnSpc>
-                          <a:spcPct val="100000"/>
-                        </a:lnSpc>
-                        <a:spcBef>
-                          <a:spcPts val="0"/>
-                        </a:spcBef>
-                        <a:spcAft>
-                          <a:spcPts val="0"/>
-                        </a:spcAft>
-                        <a:buClrTx/>
-                        <a:buSzTx/>
-                        <a:buFontTx/>
-                        <a:buNone/>
-                        <a:tabLst/>
-                        <a:defRPr/>
-                      </a:pPr>
-                      <a:r>
-                        <a:rPr lang="zh-TW" altLang="en-US" sz="1200" kern="0" dirty="0" smtClean="0">
-                          <a:solidFill>
-                            <a:srgbClr val="000000"/>
-                          </a:solidFill>
-                          <a:effectLst/>
-                          <a:latin typeface="Calibri" panose="020F0502020204030204" pitchFamily="34" charset="0"/>
-                          <a:ea typeface="+mn-ea"/>
-                          <a:cs typeface="新細明體" panose="02020500000000000000" pitchFamily="18" charset="-120"/>
-                        </a:rPr>
-                        <a:t>鍾承翰、吳彥銘、林杰毅、陳佐昂</a:t>
-                      </a:r>
-                    </a:p>
-                  </a:txBody>
-                  <a:tcPr marL="91451" marR="91451" marT="45725" marB="45725"/>
-                </a:tc>
-                <a:extLst>
-                  <a:ext uri="{0D108BD9-81ED-4DB2-BD59-A6C34878D82A}">
-                    <a16:rowId xmlns="" xmlns:a16="http://schemas.microsoft.com/office/drawing/2014/main" val="1370675075"/>
-                  </a:ext>
-                </a:extLst>
-              </a:tr>
-              <a:tr h="335912">
-                <a:tc>
-                  <a:txBody>
-                    <a:bodyPr/>
-                    <a:lstStyle/>
-                    <a:p>
-                      <a:pPr algn="l">
-                        <a:spcAft>
-                          <a:spcPts val="0"/>
-                        </a:spcAft>
-                      </a:pPr>
-                      <a:r>
-                        <a:rPr lang="zh-TW" sz="1200" b="1" kern="100" dirty="0">
-                          <a:effectLst/>
-                          <a:latin typeface="Calibri" panose="020F0502020204030204" pitchFamily="34" charset="0"/>
-                          <a:ea typeface="新細明體" panose="02020500000000000000" pitchFamily="18" charset="-120"/>
-                          <a:cs typeface="Times New Roman" panose="02020603050405020304" pitchFamily="18" charset="0"/>
-                        </a:rPr>
-                        <a:t>手冊文件遞交</a:t>
-                      </a:r>
-                    </a:p>
-                  </a:txBody>
-                  <a:tcPr marL="36199" marR="0" marT="0" marB="36199"/>
-                </a:tc>
-                <a:tc>
-                  <a:txBody>
-                    <a:bodyPr/>
-                    <a:lstStyle/>
-                    <a:p>
-                      <a:r>
-                        <a:rPr lang="zh-TW" altLang="en-US" sz="1200" kern="0" dirty="0" smtClean="0">
-                          <a:solidFill>
-                            <a:srgbClr val="000000"/>
-                          </a:solidFill>
-                          <a:effectLst/>
-                          <a:latin typeface="Calibri" panose="020F0502020204030204" pitchFamily="34" charset="0"/>
-                          <a:ea typeface="新細明體" panose="02020500000000000000" pitchFamily="18" charset="-120"/>
-                          <a:cs typeface="新細明體" panose="02020500000000000000" pitchFamily="18" charset="-120"/>
-                        </a:rPr>
-                        <a:t>陳佐昂</a:t>
-                      </a:r>
-                      <a:endParaRPr lang="en-US" altLang="zh-TW" sz="1200" kern="0" dirty="0" smtClean="0">
-                        <a:solidFill>
-                          <a:srgbClr val="000000"/>
-                        </a:solidFill>
-                        <a:effectLst/>
-                        <a:latin typeface="Calibri" panose="020F0502020204030204" pitchFamily="34" charset="0"/>
-                        <a:ea typeface="新細明體" panose="02020500000000000000" pitchFamily="18" charset="-120"/>
-                        <a:cs typeface="新細明體" panose="02020500000000000000" pitchFamily="18" charset="-120"/>
-                      </a:endParaRPr>
-                    </a:p>
-                  </a:txBody>
-                  <a:tcPr marL="91451" marR="91451" marT="45725" marB="45725"/>
-                </a:tc>
-                <a:extLst>
-                  <a:ext uri="{0D108BD9-81ED-4DB2-BD59-A6C34878D82A}">
-                    <a16:rowId xmlns="" xmlns:a16="http://schemas.microsoft.com/office/drawing/2014/main" val="4079855752"/>
-                  </a:ext>
-                </a:extLst>
-              </a:tr>
-              <a:tr h="335912">
-                <a:tc>
-                  <a:txBody>
-                    <a:bodyPr/>
-                    <a:lstStyle/>
-                    <a:p>
-                      <a:pPr algn="l">
-                        <a:spcAft>
-                          <a:spcPts val="0"/>
-                        </a:spcAft>
-                      </a:pPr>
-                      <a:r>
-                        <a:rPr lang="zh-TW" sz="1200" b="1" kern="100" dirty="0">
-                          <a:effectLst/>
-                          <a:latin typeface="Calibri" panose="020F0502020204030204" pitchFamily="34" charset="0"/>
-                          <a:ea typeface="新細明體" panose="02020500000000000000" pitchFamily="18" charset="-120"/>
-                          <a:cs typeface="Times New Roman" panose="02020603050405020304" pitchFamily="18" charset="0"/>
-                        </a:rPr>
-                        <a:t>專案企劃</a:t>
-                      </a:r>
-                    </a:p>
-                  </a:txBody>
-                  <a:tcPr marL="36199" marR="0" marT="0" marB="36199"/>
-                </a:tc>
-                <a:tc>
-                  <a:txBody>
-                    <a:bodyPr/>
-                    <a:lstStyle/>
-                    <a:p>
-                      <a:r>
-                        <a:rPr lang="zh-TW" altLang="en-US" sz="1200" kern="0" dirty="0" smtClean="0">
-                          <a:solidFill>
-                            <a:srgbClr val="000000"/>
-                          </a:solidFill>
-                          <a:effectLst/>
-                          <a:latin typeface="Calibri" panose="020F0502020204030204" pitchFamily="34" charset="0"/>
-                          <a:ea typeface="新細明體" panose="02020500000000000000" pitchFamily="18" charset="-120"/>
-                          <a:cs typeface="新細明體" panose="02020500000000000000" pitchFamily="18" charset="-120"/>
-                        </a:rPr>
-                        <a:t>陳佐昂、林杰毅</a:t>
-                      </a:r>
-                      <a:endParaRPr lang="en-US" altLang="zh-TW" sz="1200" kern="0" dirty="0" smtClean="0">
-                        <a:solidFill>
-                          <a:srgbClr val="000000"/>
-                        </a:solidFill>
-                        <a:effectLst/>
-                        <a:latin typeface="Calibri" panose="020F0502020204030204" pitchFamily="34" charset="0"/>
-                        <a:ea typeface="新細明體" panose="02020500000000000000" pitchFamily="18" charset="-120"/>
-                        <a:cs typeface="新細明體" panose="02020500000000000000" pitchFamily="18" charset="-120"/>
-                      </a:endParaRPr>
-                    </a:p>
-                  </a:txBody>
-                  <a:tcPr marL="91451" marR="91451" marT="45725" marB="45725"/>
-                </a:tc>
-                <a:extLst>
-                  <a:ext uri="{0D108BD9-81ED-4DB2-BD59-A6C34878D82A}">
-                    <a16:rowId xmlns="" xmlns:a16="http://schemas.microsoft.com/office/drawing/2014/main" val="3252417867"/>
-                  </a:ext>
-                </a:extLst>
-              </a:tr>
-              <a:tr h="335912">
-                <a:tc>
-                  <a:txBody>
-                    <a:bodyPr/>
-                    <a:lstStyle/>
-                    <a:p>
-                      <a:pPr algn="l">
-                        <a:spcAft>
-                          <a:spcPts val="0"/>
-                        </a:spcAft>
-                      </a:pPr>
-                      <a:r>
-                        <a:rPr lang="zh-TW" sz="1200" b="1" kern="100" dirty="0">
-                          <a:effectLst/>
-                          <a:latin typeface="Calibri" panose="020F0502020204030204" pitchFamily="34" charset="0"/>
-                          <a:ea typeface="新細明體" panose="02020500000000000000" pitchFamily="18" charset="-120"/>
-                          <a:cs typeface="Times New Roman" panose="02020603050405020304" pitchFamily="18" charset="0"/>
-                        </a:rPr>
-                        <a:t>專案控管</a:t>
-                      </a:r>
-                    </a:p>
-                  </a:txBody>
-                  <a:tcPr marL="36199" marR="0" marT="0" marB="36199"/>
-                </a:tc>
-                <a:tc>
-                  <a:txBody>
-                    <a:bodyPr/>
-                    <a:lstStyle/>
-                    <a:p>
-                      <a:r>
-                        <a:rPr lang="zh-TW" altLang="en-US" sz="1200" kern="0" dirty="0" smtClean="0">
-                          <a:solidFill>
-                            <a:srgbClr val="000000"/>
-                          </a:solidFill>
-                          <a:effectLst/>
-                          <a:latin typeface="Calibri" panose="020F0502020204030204" pitchFamily="34" charset="0"/>
-                          <a:ea typeface="新細明體" panose="02020500000000000000" pitchFamily="18" charset="-120"/>
-                          <a:cs typeface="新細明體" panose="02020500000000000000" pitchFamily="18" charset="-120"/>
-                        </a:rPr>
-                        <a:t>陳佐昂、林杰毅</a:t>
-                      </a:r>
-                      <a:endParaRPr lang="en-US" altLang="zh-TW" sz="1200" kern="0" dirty="0" smtClean="0">
-                        <a:solidFill>
-                          <a:srgbClr val="000000"/>
-                        </a:solidFill>
-                        <a:effectLst/>
-                        <a:latin typeface="Calibri" panose="020F0502020204030204" pitchFamily="34" charset="0"/>
-                        <a:ea typeface="新細明體" panose="02020500000000000000" pitchFamily="18" charset="-120"/>
-                        <a:cs typeface="新細明體" panose="02020500000000000000" pitchFamily="18" charset="-120"/>
-                      </a:endParaRPr>
-                    </a:p>
-                  </a:txBody>
-                  <a:tcPr marL="91451" marR="91451" marT="45725" marB="45725"/>
-                </a:tc>
-                <a:extLst>
-                  <a:ext uri="{0D108BD9-81ED-4DB2-BD59-A6C34878D82A}">
-                    <a16:rowId xmlns="" xmlns:a16="http://schemas.microsoft.com/office/drawing/2014/main" val="2776023583"/>
-                  </a:ext>
-                </a:extLst>
-              </a:tr>
-              <a:tr h="335912">
-                <a:tc>
-                  <a:txBody>
-                    <a:bodyPr/>
-                    <a:lstStyle/>
-                    <a:p>
-                      <a:pPr algn="l">
-                        <a:spcAft>
-                          <a:spcPts val="0"/>
-                        </a:spcAft>
-                      </a:pPr>
-                      <a:r>
-                        <a:rPr lang="zh-TW" sz="1200" b="1" kern="100" dirty="0">
-                          <a:solidFill>
-                            <a:srgbClr val="000000"/>
-                          </a:solidFill>
-                          <a:effectLst/>
-                          <a:latin typeface="新細明體" panose="02020500000000000000" pitchFamily="18" charset="-120"/>
-                          <a:ea typeface="新細明體" panose="02020500000000000000" pitchFamily="18" charset="-120"/>
-                          <a:cs typeface="新細明體" panose="02020500000000000000" pitchFamily="18" charset="-120"/>
-                        </a:rPr>
-                        <a:t>需求分析 </a:t>
-                      </a:r>
-                    </a:p>
-                  </a:txBody>
-                  <a:tcPr marL="36199" marR="0" marT="0" marB="36199"/>
-                </a:tc>
-                <a:tc>
-                  <a:txBody>
-                    <a:bodyPr/>
-                    <a:lstStyle/>
-                    <a:p>
-                      <a:r>
-                        <a:rPr lang="zh-TW" altLang="en-US" sz="1200" kern="0" dirty="0" smtClean="0">
-                          <a:solidFill>
-                            <a:srgbClr val="000000"/>
-                          </a:solidFill>
-                          <a:effectLst/>
-                          <a:latin typeface="Calibri" panose="020F0502020204030204" pitchFamily="34" charset="0"/>
-                          <a:ea typeface="新細明體" panose="02020500000000000000" pitchFamily="18" charset="-120"/>
-                          <a:cs typeface="新細明體" panose="02020500000000000000" pitchFamily="18" charset="-120"/>
-                        </a:rPr>
-                        <a:t>鍾承翰</a:t>
-                      </a:r>
-                      <a:r>
-                        <a:rPr lang="zh-TW" altLang="en-US" sz="1200" kern="0" dirty="0" smtClean="0">
-                          <a:solidFill>
-                            <a:srgbClr val="000000"/>
-                          </a:solidFill>
-                          <a:effectLst/>
-                          <a:latin typeface="Calibri" panose="020F0502020204030204" pitchFamily="34" charset="0"/>
-                          <a:ea typeface="+mn-ea"/>
-                          <a:cs typeface="新細明體" panose="02020500000000000000" pitchFamily="18" charset="-120"/>
-                        </a:rPr>
-                        <a:t>、吳彥銘、陳佐昂</a:t>
-                      </a:r>
-                      <a:endParaRPr lang="zh-TW" altLang="en-US" sz="1200" kern="0" dirty="0">
-                        <a:solidFill>
-                          <a:srgbClr val="000000"/>
-                        </a:solidFill>
-                        <a:effectLst/>
-                        <a:latin typeface="Calibri" panose="020F0502020204030204" pitchFamily="34" charset="0"/>
-                        <a:ea typeface="新細明體" panose="02020500000000000000" pitchFamily="18" charset="-120"/>
-                        <a:cs typeface="新細明體" panose="02020500000000000000" pitchFamily="18" charset="-120"/>
-                      </a:endParaRPr>
-                    </a:p>
-                  </a:txBody>
-                  <a:tcPr marL="91451" marR="91451" marT="45725" marB="45725"/>
-                </a:tc>
-                <a:extLst>
-                  <a:ext uri="{0D108BD9-81ED-4DB2-BD59-A6C34878D82A}">
-                    <a16:rowId xmlns="" xmlns:a16="http://schemas.microsoft.com/office/drawing/2014/main" val="1167250090"/>
-                  </a:ext>
-                </a:extLst>
-              </a:tr>
-              <a:tr h="335912">
-                <a:tc>
-                  <a:txBody>
-                    <a:bodyPr/>
-                    <a:lstStyle/>
-                    <a:p>
-                      <a:pPr algn="l">
-                        <a:spcAft>
-                          <a:spcPts val="0"/>
-                        </a:spcAft>
-                      </a:pPr>
-                      <a:r>
-                        <a:rPr lang="zh-TW" sz="1150" b="1" kern="100" dirty="0">
-                          <a:solidFill>
-                            <a:srgbClr val="000000"/>
-                          </a:solidFill>
-                          <a:effectLst/>
-                          <a:latin typeface="新細明體" panose="02020500000000000000" pitchFamily="18" charset="-120"/>
-                          <a:ea typeface="新細明體" panose="02020500000000000000" pitchFamily="18" charset="-120"/>
-                          <a:cs typeface="新細明體" panose="02020500000000000000" pitchFamily="18" charset="-120"/>
-                        </a:rPr>
-                        <a:t>系統設計 </a:t>
-                      </a:r>
-                      <a:endParaRPr lang="zh-TW" sz="1200" b="1" kern="100" dirty="0">
-                        <a:solidFill>
-                          <a:srgbClr val="000000"/>
-                        </a:solidFill>
-                        <a:effectLst/>
-                        <a:latin typeface="新細明體" panose="02020500000000000000" pitchFamily="18" charset="-120"/>
-                        <a:ea typeface="新細明體" panose="02020500000000000000" pitchFamily="18" charset="-120"/>
-                        <a:cs typeface="新細明體" panose="02020500000000000000" pitchFamily="18" charset="-120"/>
-                      </a:endParaRPr>
-                    </a:p>
-                  </a:txBody>
-                  <a:tcPr marL="36195" marR="0" marT="0" marB="36195"/>
-                </a:tc>
-                <a:tc>
-                  <a:txBody>
-                    <a:bodyPr/>
-                    <a:lstStyle/>
-                    <a:p>
-                      <a:pPr marL="0" marR="0" indent="0" algn="l" defTabSz="914400" rtl="0" eaLnBrk="1" fontAlgn="auto" latinLnBrk="0" hangingPunct="1">
-                        <a:lnSpc>
-                          <a:spcPct val="100000"/>
-                        </a:lnSpc>
-                        <a:spcBef>
-                          <a:spcPts val="0"/>
-                        </a:spcBef>
-                        <a:spcAft>
-                          <a:spcPts val="0"/>
-                        </a:spcAft>
-                        <a:buClrTx/>
-                        <a:buSzTx/>
-                        <a:buFontTx/>
-                        <a:buNone/>
-                        <a:tabLst/>
-                        <a:defRPr/>
-                      </a:pPr>
-                      <a:r>
-                        <a:rPr lang="zh-TW" altLang="en-US" sz="1200" kern="0" dirty="0" smtClean="0">
-                          <a:solidFill>
-                            <a:srgbClr val="000000"/>
-                          </a:solidFill>
-                          <a:effectLst/>
-                          <a:latin typeface="Calibri" panose="020F0502020204030204" pitchFamily="34" charset="0"/>
-                          <a:ea typeface="+mn-ea"/>
-                          <a:cs typeface="新細明體" panose="02020500000000000000" pitchFamily="18" charset="-120"/>
-                        </a:rPr>
-                        <a:t>鍾承翰、吳彥銘、林杰毅、陳佐昂</a:t>
-                      </a:r>
-                    </a:p>
-                  </a:txBody>
-                  <a:tcPr marL="91451" marR="91451" marT="45725" marB="45725"/>
-                </a:tc>
-                <a:extLst>
-                  <a:ext uri="{0D108BD9-81ED-4DB2-BD59-A6C34878D82A}">
-                    <a16:rowId xmlns="" xmlns:a16="http://schemas.microsoft.com/office/drawing/2014/main" val="3851974090"/>
-                  </a:ext>
-                </a:extLst>
-              </a:tr>
-              <a:tr h="335912">
-                <a:tc>
-                  <a:txBody>
-                    <a:bodyPr/>
-                    <a:lstStyle/>
-                    <a:p>
-                      <a:pPr algn="l">
-                        <a:spcAft>
-                          <a:spcPts val="0"/>
-                        </a:spcAft>
-                      </a:pPr>
-                      <a:r>
-                        <a:rPr lang="zh-TW" sz="1150" b="1" kern="100" dirty="0">
-                          <a:solidFill>
-                            <a:srgbClr val="000000"/>
-                          </a:solidFill>
-                          <a:effectLst/>
-                          <a:latin typeface="新細明體" panose="02020500000000000000" pitchFamily="18" charset="-120"/>
-                          <a:ea typeface="新細明體" panose="02020500000000000000" pitchFamily="18" charset="-120"/>
-                          <a:cs typeface="新細明體" panose="02020500000000000000" pitchFamily="18" charset="-120"/>
-                        </a:rPr>
-                        <a:t>使用者驗證身分設計 </a:t>
-                      </a:r>
-                      <a:endParaRPr lang="zh-TW" sz="1200" b="1" kern="100" dirty="0">
-                        <a:solidFill>
-                          <a:srgbClr val="000000"/>
-                        </a:solidFill>
-                        <a:effectLst/>
-                        <a:latin typeface="新細明體" panose="02020500000000000000" pitchFamily="18" charset="-120"/>
-                        <a:ea typeface="新細明體" panose="02020500000000000000" pitchFamily="18" charset="-120"/>
-                        <a:cs typeface="新細明體" panose="02020500000000000000" pitchFamily="18" charset="-120"/>
-                      </a:endParaRPr>
-                    </a:p>
-                  </a:txBody>
-                  <a:tcPr marL="36195" marR="0" marT="0" marB="36195"/>
-                </a:tc>
-                <a:tc>
-                  <a:txBody>
-                    <a:bodyPr/>
-                    <a:lstStyle/>
-                    <a:p>
-                      <a:r>
-                        <a:rPr lang="zh-TW" altLang="en-US" sz="1200" kern="0" dirty="0" smtClean="0">
-                          <a:solidFill>
-                            <a:srgbClr val="000000"/>
-                          </a:solidFill>
-                          <a:effectLst/>
-                          <a:latin typeface="Calibri" panose="020F0502020204030204" pitchFamily="34" charset="0"/>
-                          <a:ea typeface="+mn-ea"/>
-                          <a:cs typeface="新細明體" panose="02020500000000000000" pitchFamily="18" charset="-120"/>
-                        </a:rPr>
-                        <a:t>吳彥銘、林杰毅</a:t>
-                      </a:r>
-                      <a:endParaRPr lang="zh-TW" altLang="en-US" sz="1200" kern="0" dirty="0">
-                        <a:solidFill>
-                          <a:srgbClr val="000000"/>
-                        </a:solidFill>
-                        <a:effectLst/>
-                        <a:latin typeface="Calibri" panose="020F0502020204030204" pitchFamily="34" charset="0"/>
-                        <a:ea typeface="新細明體" panose="02020500000000000000" pitchFamily="18" charset="-120"/>
-                        <a:cs typeface="新細明體" panose="02020500000000000000" pitchFamily="18" charset="-120"/>
-                      </a:endParaRPr>
-                    </a:p>
-                  </a:txBody>
-                  <a:tcPr marL="91451" marR="91451" marT="45725" marB="45725"/>
-                </a:tc>
-                <a:extLst>
-                  <a:ext uri="{0D108BD9-81ED-4DB2-BD59-A6C34878D82A}">
-                    <a16:rowId xmlns="" xmlns:a16="http://schemas.microsoft.com/office/drawing/2014/main" val="3064833447"/>
-                  </a:ext>
-                </a:extLst>
-              </a:tr>
-              <a:tr h="335912">
-                <a:tc>
-                  <a:txBody>
-                    <a:bodyPr/>
-                    <a:lstStyle/>
-                    <a:p>
-                      <a:pPr algn="l">
-                        <a:spcAft>
-                          <a:spcPts val="0"/>
-                        </a:spcAft>
-                      </a:pPr>
-                      <a:r>
-                        <a:rPr lang="zh-TW" sz="1150" b="1" kern="100">
-                          <a:solidFill>
-                            <a:srgbClr val="000000"/>
-                          </a:solidFill>
-                          <a:effectLst/>
-                          <a:latin typeface="新細明體" panose="02020500000000000000" pitchFamily="18" charset="-120"/>
-                          <a:ea typeface="新細明體" panose="02020500000000000000" pitchFamily="18" charset="-120"/>
-                          <a:cs typeface="新細明體" panose="02020500000000000000" pitchFamily="18" charset="-120"/>
-                        </a:rPr>
-                        <a:t>課程管理設計 </a:t>
-                      </a:r>
-                      <a:endParaRPr lang="zh-TW" sz="1200" b="1" kern="100">
-                        <a:solidFill>
-                          <a:srgbClr val="000000"/>
-                        </a:solidFill>
-                        <a:effectLst/>
-                        <a:latin typeface="新細明體" panose="02020500000000000000" pitchFamily="18" charset="-120"/>
-                        <a:ea typeface="新細明體" panose="02020500000000000000" pitchFamily="18" charset="-120"/>
-                        <a:cs typeface="新細明體" panose="02020500000000000000" pitchFamily="18" charset="-120"/>
-                      </a:endParaRPr>
-                    </a:p>
-                  </a:txBody>
-                  <a:tcPr marL="36195" marR="0" marT="0" marB="36195"/>
-                </a:tc>
-                <a:tc>
-                  <a:txBody>
-                    <a:bodyPr/>
-                    <a:lstStyle/>
-                    <a:p>
-                      <a:r>
-                        <a:rPr lang="zh-TW" altLang="en-US" sz="1200" kern="0" dirty="0" smtClean="0">
-                          <a:solidFill>
-                            <a:srgbClr val="000000"/>
-                          </a:solidFill>
-                          <a:effectLst/>
-                          <a:latin typeface="Calibri" panose="020F0502020204030204" pitchFamily="34" charset="0"/>
-                          <a:ea typeface="+mn-ea"/>
-                          <a:cs typeface="新細明體" panose="02020500000000000000" pitchFamily="18" charset="-120"/>
-                        </a:rPr>
-                        <a:t>鍾承翰、林杰毅</a:t>
-                      </a:r>
-                      <a:endParaRPr lang="zh-TW" altLang="en-US" sz="1200" kern="0" dirty="0">
-                        <a:solidFill>
-                          <a:srgbClr val="000000"/>
-                        </a:solidFill>
-                        <a:effectLst/>
-                        <a:latin typeface="Calibri" panose="020F0502020204030204" pitchFamily="34" charset="0"/>
-                        <a:ea typeface="新細明體" panose="02020500000000000000" pitchFamily="18" charset="-120"/>
-                        <a:cs typeface="新細明體" panose="02020500000000000000" pitchFamily="18" charset="-120"/>
-                      </a:endParaRPr>
-                    </a:p>
-                  </a:txBody>
-                  <a:tcPr marL="91451" marR="91451" marT="45725" marB="45725"/>
-                </a:tc>
-                <a:extLst>
-                  <a:ext uri="{0D108BD9-81ED-4DB2-BD59-A6C34878D82A}">
-                    <a16:rowId xmlns="" xmlns:a16="http://schemas.microsoft.com/office/drawing/2014/main" val="1873275827"/>
-                  </a:ext>
-                </a:extLst>
-              </a:tr>
-              <a:tr h="335912">
-                <a:tc>
-                  <a:txBody>
-                    <a:bodyPr/>
-                    <a:lstStyle/>
-                    <a:p>
-                      <a:pPr algn="l">
-                        <a:spcAft>
-                          <a:spcPts val="0"/>
-                        </a:spcAft>
-                      </a:pPr>
-                      <a:r>
-                        <a:rPr lang="zh-TW" sz="1150" b="1" kern="100">
-                          <a:solidFill>
-                            <a:srgbClr val="000000"/>
-                          </a:solidFill>
-                          <a:effectLst/>
-                          <a:latin typeface="新細明體" panose="02020500000000000000" pitchFamily="18" charset="-120"/>
-                          <a:ea typeface="新細明體" panose="02020500000000000000" pitchFamily="18" charset="-120"/>
-                          <a:cs typeface="新細明體" panose="02020500000000000000" pitchFamily="18" charset="-120"/>
-                        </a:rPr>
-                        <a:t>課程管理權限設計 </a:t>
-                      </a:r>
-                      <a:endParaRPr lang="zh-TW" sz="1200" b="1" kern="100">
-                        <a:solidFill>
-                          <a:srgbClr val="000000"/>
-                        </a:solidFill>
-                        <a:effectLst/>
-                        <a:latin typeface="新細明體" panose="02020500000000000000" pitchFamily="18" charset="-120"/>
-                        <a:ea typeface="新細明體" panose="02020500000000000000" pitchFamily="18" charset="-120"/>
-                        <a:cs typeface="新細明體" panose="02020500000000000000" pitchFamily="18" charset="-120"/>
-                      </a:endParaRPr>
-                    </a:p>
-                  </a:txBody>
-                  <a:tcPr marL="36195" marR="0" marT="0" marB="36195"/>
-                </a:tc>
-                <a:tc>
-                  <a:txBody>
-                    <a:bodyPr/>
-                    <a:lstStyle/>
-                    <a:p>
-                      <a:pPr marL="0" marR="0" indent="0" algn="l" defTabSz="914400" rtl="0" eaLnBrk="1" fontAlgn="auto" latinLnBrk="0" hangingPunct="1">
-                        <a:lnSpc>
-                          <a:spcPct val="100000"/>
-                        </a:lnSpc>
-                        <a:spcBef>
-                          <a:spcPts val="0"/>
-                        </a:spcBef>
-                        <a:spcAft>
-                          <a:spcPts val="0"/>
-                        </a:spcAft>
-                        <a:buClrTx/>
-                        <a:buSzTx/>
-                        <a:buFontTx/>
-                        <a:buNone/>
-                        <a:tabLst/>
-                        <a:defRPr/>
-                      </a:pPr>
-                      <a:r>
-                        <a:rPr lang="zh-TW" altLang="en-US" sz="1200" kern="0" dirty="0" smtClean="0">
-                          <a:solidFill>
-                            <a:srgbClr val="000000"/>
-                          </a:solidFill>
-                          <a:effectLst/>
-                          <a:latin typeface="Calibri" panose="020F0502020204030204" pitchFamily="34" charset="0"/>
-                          <a:ea typeface="+mn-ea"/>
-                          <a:cs typeface="新細明體" panose="02020500000000000000" pitchFamily="18" charset="-120"/>
-                        </a:rPr>
-                        <a:t>鍾承翰、林杰毅、陳佐昂</a:t>
-                      </a:r>
-                    </a:p>
-                  </a:txBody>
-                  <a:tcPr marL="91451" marR="91451" marT="45725" marB="45725"/>
-                </a:tc>
-                <a:extLst>
-                  <a:ext uri="{0D108BD9-81ED-4DB2-BD59-A6C34878D82A}">
-                    <a16:rowId xmlns="" xmlns:a16="http://schemas.microsoft.com/office/drawing/2014/main" val="4216443485"/>
-                  </a:ext>
-                </a:extLst>
-              </a:tr>
-              <a:tr h="335912">
-                <a:tc>
-                  <a:txBody>
-                    <a:bodyPr/>
-                    <a:lstStyle/>
-                    <a:p>
-                      <a:pPr algn="l">
-                        <a:spcAft>
-                          <a:spcPts val="0"/>
-                        </a:spcAft>
-                      </a:pPr>
-                      <a:r>
-                        <a:rPr lang="zh-TW" sz="1150" b="1" kern="100">
-                          <a:solidFill>
-                            <a:srgbClr val="000000"/>
-                          </a:solidFill>
-                          <a:effectLst/>
-                          <a:latin typeface="新細明體" panose="02020500000000000000" pitchFamily="18" charset="-120"/>
-                          <a:ea typeface="新細明體" panose="02020500000000000000" pitchFamily="18" charset="-120"/>
-                          <a:cs typeface="新細明體" panose="02020500000000000000" pitchFamily="18" charset="-120"/>
-                        </a:rPr>
-                        <a:t>作業繳交設計 </a:t>
-                      </a:r>
-                      <a:endParaRPr lang="zh-TW" sz="1200" b="1" kern="100">
-                        <a:solidFill>
-                          <a:srgbClr val="000000"/>
-                        </a:solidFill>
-                        <a:effectLst/>
-                        <a:latin typeface="新細明體" panose="02020500000000000000" pitchFamily="18" charset="-120"/>
-                        <a:ea typeface="新細明體" panose="02020500000000000000" pitchFamily="18" charset="-120"/>
-                        <a:cs typeface="新細明體" panose="02020500000000000000" pitchFamily="18" charset="-120"/>
-                      </a:endParaRPr>
-                    </a:p>
-                  </a:txBody>
-                  <a:tcPr marL="36195" marR="0" marT="0" marB="36195"/>
-                </a:tc>
-                <a:tc>
-                  <a:txBody>
-                    <a:bodyPr/>
-                    <a:lstStyle/>
-                    <a:p>
-                      <a:r>
-                        <a:rPr lang="zh-TW" altLang="en-US" sz="1200" kern="0" dirty="0" smtClean="0">
-                          <a:solidFill>
-                            <a:srgbClr val="000000"/>
-                          </a:solidFill>
-                          <a:effectLst/>
-                          <a:latin typeface="Calibri" panose="020F0502020204030204" pitchFamily="34" charset="0"/>
-                          <a:ea typeface="+mn-ea"/>
-                          <a:cs typeface="新細明體" panose="02020500000000000000" pitchFamily="18" charset="-120"/>
-                        </a:rPr>
-                        <a:t>鍾承翰、吳彥銘、林杰毅</a:t>
-                      </a:r>
-                      <a:endParaRPr lang="zh-TW" altLang="en-US" sz="1200" kern="0" dirty="0">
-                        <a:solidFill>
-                          <a:srgbClr val="000000"/>
-                        </a:solidFill>
-                        <a:effectLst/>
-                        <a:latin typeface="Calibri" panose="020F0502020204030204" pitchFamily="34" charset="0"/>
-                        <a:ea typeface="新細明體" panose="02020500000000000000" pitchFamily="18" charset="-120"/>
-                        <a:cs typeface="新細明體" panose="02020500000000000000" pitchFamily="18" charset="-120"/>
-                      </a:endParaRPr>
-                    </a:p>
-                  </a:txBody>
-                  <a:tcPr marL="91451" marR="91451" marT="45725" marB="45725"/>
-                </a:tc>
-                <a:extLst>
-                  <a:ext uri="{0D108BD9-81ED-4DB2-BD59-A6C34878D82A}">
-                    <a16:rowId xmlns="" xmlns:a16="http://schemas.microsoft.com/office/drawing/2014/main" val="524508212"/>
-                  </a:ext>
-                </a:extLst>
-              </a:tr>
-              <a:tr h="335912">
-                <a:tc>
-                  <a:txBody>
-                    <a:bodyPr/>
-                    <a:lstStyle/>
-                    <a:p>
-                      <a:pPr algn="l">
-                        <a:spcAft>
-                          <a:spcPts val="0"/>
-                        </a:spcAft>
-                      </a:pPr>
-                      <a:r>
-                        <a:rPr lang="zh-TW" sz="1150" b="1" kern="100" dirty="0">
-                          <a:solidFill>
-                            <a:srgbClr val="000000"/>
-                          </a:solidFill>
-                          <a:effectLst/>
-                          <a:latin typeface="新細明體" panose="02020500000000000000" pitchFamily="18" charset="-120"/>
-                          <a:ea typeface="新細明體" panose="02020500000000000000" pitchFamily="18" charset="-120"/>
-                          <a:cs typeface="新細明體" panose="02020500000000000000" pitchFamily="18" charset="-120"/>
-                        </a:rPr>
-                        <a:t>作業追蹤設計 </a:t>
-                      </a:r>
-                      <a:endParaRPr lang="zh-TW" sz="1200" b="1" kern="100" dirty="0">
-                        <a:solidFill>
-                          <a:srgbClr val="000000"/>
-                        </a:solidFill>
-                        <a:effectLst/>
-                        <a:latin typeface="新細明體" panose="02020500000000000000" pitchFamily="18" charset="-120"/>
-                        <a:ea typeface="新細明體" panose="02020500000000000000" pitchFamily="18" charset="-120"/>
-                        <a:cs typeface="新細明體" panose="02020500000000000000" pitchFamily="18" charset="-120"/>
-                      </a:endParaRPr>
-                    </a:p>
-                  </a:txBody>
-                  <a:tcPr marL="36195" marR="0" marT="0" marB="36195"/>
-                </a:tc>
-                <a:tc>
-                  <a:txBody>
-                    <a:bodyPr/>
-                    <a:lstStyle/>
-                    <a:p>
-                      <a:r>
-                        <a:rPr lang="zh-TW" altLang="en-US" sz="1200" kern="0" dirty="0" smtClean="0">
-                          <a:solidFill>
-                            <a:srgbClr val="000000"/>
-                          </a:solidFill>
-                          <a:effectLst/>
-                          <a:latin typeface="Calibri" panose="020F0502020204030204" pitchFamily="34" charset="0"/>
-                          <a:ea typeface="+mn-ea"/>
-                          <a:cs typeface="新細明體" panose="02020500000000000000" pitchFamily="18" charset="-120"/>
-                        </a:rPr>
-                        <a:t>吳彥銘、林杰毅、陳佐昂</a:t>
-                      </a:r>
-                      <a:endParaRPr lang="zh-TW" altLang="en-US" sz="1200" kern="0" dirty="0">
-                        <a:solidFill>
-                          <a:srgbClr val="000000"/>
-                        </a:solidFill>
-                        <a:effectLst/>
-                        <a:latin typeface="Calibri" panose="020F0502020204030204" pitchFamily="34" charset="0"/>
-                        <a:ea typeface="新細明體" panose="02020500000000000000" pitchFamily="18" charset="-120"/>
-                        <a:cs typeface="新細明體" panose="02020500000000000000" pitchFamily="18" charset="-120"/>
-                      </a:endParaRPr>
-                    </a:p>
-                  </a:txBody>
-                  <a:tcPr marL="91451" marR="91451" marT="45725" marB="45725"/>
-                </a:tc>
-                <a:extLst>
-                  <a:ext uri="{0D108BD9-81ED-4DB2-BD59-A6C34878D82A}">
-                    <a16:rowId xmlns="" xmlns:a16="http://schemas.microsoft.com/office/drawing/2014/main" val="2657342310"/>
-                  </a:ext>
-                </a:extLst>
-              </a:tr>
-            </a:tbl>
-          </a:graphicData>
-        </a:graphic>
-      </p:graphicFrame>
+        </p:nvPicPr>
+        <p:blipFill>
+          <a:blip r:embed="rId2">
+            <a:extLst>
+              <a:ext uri="{28A0092B-C50C-407E-A947-70E740481C1C}">
+                <a14:useLocalDpi xmlns:a14="http://schemas.microsoft.com/office/drawing/2010/main" val="0"/>
+              </a:ext>
+            </a:extLst>
+          </a:blip>
+          <a:stretch>
+            <a:fillRect/>
+          </a:stretch>
+        </p:blipFill>
+        <p:spPr>
+          <a:xfrm>
+            <a:off x="457200" y="2822988"/>
+            <a:ext cx="8229600" cy="2080387"/>
+          </a:xfrm>
+        </p:spPr>
+      </p:pic>
       <p:sp>
         <p:nvSpPr>
           <p:cNvPr id="4" name="日期版面配置區 3"/>
@@ -6675,7 +5611,7 @@
               <a:pPr>
                 <a:defRPr/>
               </a:pPr>
-              <a:t>2017/10/31</a:t>
+              <a:t>2017/11/1</a:t>
             </a:fld>
             <a:endParaRPr lang="zh-TW" altLang="en-US"/>
           </a:p>
@@ -6701,27 +5637,20 @@
               <a:pPr/>
               <a:t>11</a:t>
             </a:fld>
-            <a:endParaRPr lang="zh-TW" altLang="en-US" dirty="0"/>
+            <a:endParaRPr lang="zh-TW" altLang="en-US"/>
           </a:p>
         </p:txBody>
       </p:sp>
     </p:spTree>
     <p:extLst>
       <p:ext uri="{BB962C8B-B14F-4D97-AF65-F5344CB8AC3E}">
-        <p14:creationId xmlns:p14="http://schemas.microsoft.com/office/powerpoint/2010/main" val="1768414352"/>
+        <p14:creationId xmlns:p14="http://schemas.microsoft.com/office/powerpoint/2010/main" val="4195423168"/>
       </p:ext>
     </p:extLst>
   </p:cSld>
   <p:clrMapOvr>
     <a:masterClrMapping/>
   </p:clrMapOvr>
-  <p:timing>
-    <p:tnLst>
-      <p:par>
-        <p:cTn id="1" dur="indefinite" restart="never" nodeType="tmRoot"/>
-      </p:par>
-    </p:tnLst>
-  </p:timing>
 </p:sld>
 </file>
 
@@ -6779,14 +5708,14 @@
             <p:ph idx="1"/>
             <p:extLst>
               <p:ext uri="{D42A27DB-BD31-4B8C-83A1-F6EECF244321}">
-                <p14:modId xmlns:p14="http://schemas.microsoft.com/office/powerpoint/2010/main" val="3823161815"/>
+                <p14:modId xmlns:p14="http://schemas.microsoft.com/office/powerpoint/2010/main" val="3009199857"/>
               </p:ext>
             </p:extLst>
           </p:nvPr>
         </p:nvGraphicFramePr>
         <p:xfrm>
           <a:off x="444210" y="1371069"/>
-          <a:ext cx="8161200" cy="4409315"/>
+          <a:ext cx="8161200" cy="5068627"/>
         </p:xfrm>
         <a:graphic>
           <a:graphicData uri="http://schemas.openxmlformats.org/drawingml/2006/table">
@@ -6798,14 +5727,14 @@
                 <a:gridCol w="2712099">
                   <a:extLst>
                     <a:ext uri="{9D8B030D-6E8A-4147-A177-3AD203B41FA5}">
-                      <a16:colId xmlns="" xmlns:a16="http://schemas.microsoft.com/office/drawing/2014/main" val="87633011"/>
+                      <a16:colId xmlns:a16="http://schemas.microsoft.com/office/drawing/2014/main" xmlns="" val="87633011"/>
                     </a:ext>
                   </a:extLst>
                 </a:gridCol>
                 <a:gridCol w="5449101">
                   <a:extLst>
                     <a:ext uri="{9D8B030D-6E8A-4147-A177-3AD203B41FA5}">
-                      <a16:colId xmlns="" xmlns:a16="http://schemas.microsoft.com/office/drawing/2014/main" val="2925896174"/>
+                      <a16:colId xmlns:a16="http://schemas.microsoft.com/office/drawing/2014/main" xmlns="" val="2925896174"/>
                     </a:ext>
                   </a:extLst>
                 </a:gridCol>
@@ -6841,7 +5770,7 @@
                 </a:tc>
                 <a:extLst>
                   <a:ext uri="{0D108BD9-81ED-4DB2-BD59-A6C34878D82A}">
-                    <a16:rowId xmlns="" xmlns:a16="http://schemas.microsoft.com/office/drawing/2014/main" val="3895224598"/>
+                    <a16:rowId xmlns:a16="http://schemas.microsoft.com/office/drawing/2014/main" xmlns="" val="3895224598"/>
                   </a:ext>
                 </a:extLst>
               </a:tr>
@@ -6857,317 +5786,38 @@
                         </a:spcAft>
                       </a:pPr>
                       <a:r>
-                        <a:rPr lang="zh-TW" sz="1150" b="1" kern="100">
+                        <a:rPr lang="zh-TW" sz="1200" b="1" kern="0" dirty="0">
                           <a:solidFill>
                             <a:srgbClr val="000000"/>
                           </a:solidFill>
                           <a:effectLst/>
-                          <a:latin typeface="新細明體" panose="02020500000000000000" pitchFamily="18" charset="-120"/>
+                          <a:latin typeface="Calibri" panose="020F0502020204030204" pitchFamily="34" charset="0"/>
                           <a:ea typeface="新細明體" panose="02020500000000000000" pitchFamily="18" charset="-120"/>
                           <a:cs typeface="新細明體" panose="02020500000000000000" pitchFamily="18" charset="-120"/>
                         </a:rPr>
-                        <a:t>作業成績統計設計 </a:t>
-                      </a:r>
-                      <a:endParaRPr lang="zh-TW" sz="1200" b="1" kern="100">
-                        <a:solidFill>
-                          <a:srgbClr val="000000"/>
-                        </a:solidFill>
-                        <a:effectLst/>
-                        <a:latin typeface="新細明體" panose="02020500000000000000" pitchFamily="18" charset="-120"/>
-                        <a:ea typeface="新細明體" panose="02020500000000000000" pitchFamily="18" charset="-120"/>
-                        <a:cs typeface="新細明體" panose="02020500000000000000" pitchFamily="18" charset="-120"/>
-                      </a:endParaRPr>
-                    </a:p>
-                  </a:txBody>
-                  <a:tcPr marL="36195" marR="0" marT="0" marB="36195"/>
-                </a:tc>
-                <a:tc>
-                  <a:txBody>
-                    <a:bodyPr/>
-                    <a:lstStyle/>
-                    <a:p>
-                      <a:r>
-                        <a:rPr lang="zh-TW" altLang="en-US" sz="1200" kern="0" dirty="0" smtClean="0">
+                        <a:t>專案執行計畫</a:t>
+                      </a:r>
+                      <a:r>
+                        <a:rPr lang="zh-TW" sz="1200" b="1" kern="0" dirty="0">
                           <a:solidFill>
                             <a:srgbClr val="000000"/>
                           </a:solidFill>
                           <a:effectLst/>
                           <a:latin typeface="Calibri" panose="020F0502020204030204" pitchFamily="34" charset="0"/>
-                          <a:ea typeface="新細明體" panose="02020500000000000000" pitchFamily="18" charset="-120"/>
-                          <a:cs typeface="新細明體" panose="02020500000000000000" pitchFamily="18" charset="-120"/>
-                        </a:rPr>
-                        <a:t>陳佐昂、林杰毅</a:t>
-                      </a:r>
-                      <a:endParaRPr lang="en-US" altLang="zh-TW" sz="1200" kern="0" dirty="0" smtClean="0">
-                        <a:solidFill>
-                          <a:srgbClr val="000000"/>
-                        </a:solidFill>
-                        <a:effectLst/>
-                        <a:latin typeface="Calibri" panose="020F0502020204030204" pitchFamily="34" charset="0"/>
-                        <a:ea typeface="新細明體" panose="02020500000000000000" pitchFamily="18" charset="-120"/>
-                        <a:cs typeface="新細明體" panose="02020500000000000000" pitchFamily="18" charset="-120"/>
-                      </a:endParaRPr>
-                    </a:p>
-                  </a:txBody>
-                  <a:tcPr marL="91451" marR="91451" marT="45725" marB="45725"/>
-                </a:tc>
-                <a:extLst>
-                  <a:ext uri="{0D108BD9-81ED-4DB2-BD59-A6C34878D82A}">
-                    <a16:rowId xmlns="" xmlns:a16="http://schemas.microsoft.com/office/drawing/2014/main" val="2227397568"/>
-                  </a:ext>
-                </a:extLst>
-              </a:tr>
-              <a:tr h="335912">
-                <a:tc>
-                  <a:txBody>
-                    <a:bodyPr/>
-                    <a:lstStyle/>
-                    <a:p>
-                      <a:pPr algn="l">
-                        <a:spcAft>
-                          <a:spcPts val="0"/>
-                        </a:spcAft>
-                      </a:pPr>
-                      <a:r>
-                        <a:rPr lang="zh-TW" sz="1150" b="1" kern="100">
-                          <a:solidFill>
-                            <a:srgbClr val="000000"/>
-                          </a:solidFill>
-                          <a:effectLst/>
-                          <a:latin typeface="新細明體" panose="02020500000000000000" pitchFamily="18" charset="-120"/>
-                          <a:ea typeface="新細明體" panose="02020500000000000000" pitchFamily="18" charset="-120"/>
-                          <a:cs typeface="新細明體" panose="02020500000000000000" pitchFamily="18" charset="-120"/>
-                        </a:rPr>
-                        <a:t>介面設計 </a:t>
-                      </a:r>
-                      <a:endParaRPr lang="zh-TW" sz="1200" b="1" kern="100">
-                        <a:solidFill>
-                          <a:srgbClr val="000000"/>
-                        </a:solidFill>
-                        <a:effectLst/>
-                        <a:latin typeface="新細明體" panose="02020500000000000000" pitchFamily="18" charset="-120"/>
-                        <a:ea typeface="新細明體" panose="02020500000000000000" pitchFamily="18" charset="-120"/>
-                        <a:cs typeface="新細明體" panose="02020500000000000000" pitchFamily="18" charset="-120"/>
-                      </a:endParaRPr>
-                    </a:p>
-                  </a:txBody>
-                  <a:tcPr marL="36195" marR="0" marT="0" marB="36195"/>
-                </a:tc>
-                <a:tc>
-                  <a:txBody>
-                    <a:bodyPr/>
-                    <a:lstStyle/>
-                    <a:p>
-                      <a:r>
-                        <a:rPr lang="zh-TW" altLang="en-US" sz="1200" kern="0" dirty="0" smtClean="0">
-                          <a:solidFill>
-                            <a:srgbClr val="000000"/>
-                          </a:solidFill>
-                          <a:effectLst/>
-                          <a:latin typeface="Calibri" panose="020F0502020204030204" pitchFamily="34" charset="0"/>
-                          <a:ea typeface="新細明體" panose="02020500000000000000" pitchFamily="18" charset="-120"/>
-                          <a:cs typeface="新細明體" panose="02020500000000000000" pitchFamily="18" charset="-120"/>
-                        </a:rPr>
-                        <a:t>鍾承翰、吳彥銘</a:t>
-                      </a:r>
-                      <a:endParaRPr lang="zh-TW" altLang="en-US" sz="1200" kern="0" dirty="0">
-                        <a:solidFill>
-                          <a:srgbClr val="000000"/>
-                        </a:solidFill>
-                        <a:effectLst/>
-                        <a:latin typeface="Calibri" panose="020F0502020204030204" pitchFamily="34" charset="0"/>
-                        <a:ea typeface="新細明體" panose="02020500000000000000" pitchFamily="18" charset="-120"/>
-                        <a:cs typeface="新細明體" panose="02020500000000000000" pitchFamily="18" charset="-120"/>
-                      </a:endParaRPr>
-                    </a:p>
-                  </a:txBody>
-                  <a:tcPr marL="91451" marR="91451" marT="45725" marB="45725"/>
-                </a:tc>
-                <a:extLst>
-                  <a:ext uri="{0D108BD9-81ED-4DB2-BD59-A6C34878D82A}">
-                    <a16:rowId xmlns="" xmlns:a16="http://schemas.microsoft.com/office/drawing/2014/main" val="2285874812"/>
-                  </a:ext>
-                </a:extLst>
-              </a:tr>
-              <a:tr h="335912">
-                <a:tc>
-                  <a:txBody>
-                    <a:bodyPr/>
-                    <a:lstStyle/>
-                    <a:p>
-                      <a:pPr algn="l">
-                        <a:spcAft>
-                          <a:spcPts val="0"/>
-                        </a:spcAft>
-                      </a:pPr>
-                      <a:r>
-                        <a:rPr lang="zh-TW" sz="1150" b="1" kern="100">
-                          <a:solidFill>
-                            <a:srgbClr val="000000"/>
-                          </a:solidFill>
-                          <a:effectLst/>
-                          <a:latin typeface="新細明體" panose="02020500000000000000" pitchFamily="18" charset="-120"/>
-                          <a:ea typeface="新細明體" panose="02020500000000000000" pitchFamily="18" charset="-120"/>
-                          <a:cs typeface="新細明體" panose="02020500000000000000" pitchFamily="18" charset="-120"/>
-                        </a:rPr>
-                        <a:t>使用者驗證身分實作與測試 </a:t>
-                      </a:r>
-                      <a:endParaRPr lang="zh-TW" sz="1200" b="1" kern="100">
-                        <a:solidFill>
-                          <a:srgbClr val="000000"/>
-                        </a:solidFill>
-                        <a:effectLst/>
-                        <a:latin typeface="新細明體" panose="02020500000000000000" pitchFamily="18" charset="-120"/>
-                        <a:ea typeface="新細明體" panose="02020500000000000000" pitchFamily="18" charset="-120"/>
-                        <a:cs typeface="新細明體" panose="02020500000000000000" pitchFamily="18" charset="-120"/>
-                      </a:endParaRPr>
-                    </a:p>
-                  </a:txBody>
-                  <a:tcPr marL="36195" marR="0" marT="0" marB="36195"/>
-                </a:tc>
-                <a:tc>
-                  <a:txBody>
-                    <a:bodyPr/>
-                    <a:lstStyle/>
-                    <a:p>
-                      <a:r>
-                        <a:rPr lang="zh-TW" altLang="en-US" sz="1200" kern="0" dirty="0" smtClean="0">
-                          <a:solidFill>
-                            <a:srgbClr val="000000"/>
-                          </a:solidFill>
-                          <a:effectLst/>
-                          <a:latin typeface="Calibri" panose="020F0502020204030204" pitchFamily="34" charset="0"/>
-                          <a:ea typeface="+mn-ea"/>
-                          <a:cs typeface="新細明體" panose="02020500000000000000" pitchFamily="18" charset="-120"/>
-                        </a:rPr>
-                        <a:t>吳彥銘、林杰毅</a:t>
-                      </a:r>
-                      <a:endParaRPr lang="zh-TW" altLang="en-US" sz="1200" kern="0" dirty="0">
-                        <a:solidFill>
-                          <a:srgbClr val="000000"/>
-                        </a:solidFill>
-                        <a:effectLst/>
-                        <a:latin typeface="Calibri" panose="020F0502020204030204" pitchFamily="34" charset="0"/>
-                        <a:ea typeface="+mn-ea"/>
-                        <a:cs typeface="新細明體" panose="02020500000000000000" pitchFamily="18" charset="-120"/>
-                      </a:endParaRPr>
-                    </a:p>
-                  </a:txBody>
-                  <a:tcPr marL="91451" marR="91451" marT="45725" marB="45725"/>
-                </a:tc>
-                <a:extLst>
-                  <a:ext uri="{0D108BD9-81ED-4DB2-BD59-A6C34878D82A}">
-                    <a16:rowId xmlns="" xmlns:a16="http://schemas.microsoft.com/office/drawing/2014/main" val="3504635375"/>
-                  </a:ext>
-                </a:extLst>
-              </a:tr>
-              <a:tr h="335912">
-                <a:tc>
-                  <a:txBody>
-                    <a:bodyPr/>
-                    <a:lstStyle/>
-                    <a:p>
-                      <a:pPr algn="l">
-                        <a:spcAft>
-                          <a:spcPts val="0"/>
-                        </a:spcAft>
-                      </a:pPr>
-                      <a:r>
-                        <a:rPr lang="zh-TW" sz="1150" b="1" kern="100">
-                          <a:solidFill>
-                            <a:srgbClr val="000000"/>
-                          </a:solidFill>
-                          <a:effectLst/>
-                          <a:latin typeface="新細明體" panose="02020500000000000000" pitchFamily="18" charset="-120"/>
-                          <a:ea typeface="新細明體" panose="02020500000000000000" pitchFamily="18" charset="-120"/>
-                          <a:cs typeface="新細明體" panose="02020500000000000000" pitchFamily="18" charset="-120"/>
-                        </a:rPr>
-                        <a:t>課程管理實作與測試 </a:t>
-                      </a:r>
-                      <a:endParaRPr lang="zh-TW" sz="1200" b="1" kern="100">
-                        <a:solidFill>
-                          <a:srgbClr val="000000"/>
-                        </a:solidFill>
-                        <a:effectLst/>
-                        <a:latin typeface="新細明體" panose="02020500000000000000" pitchFamily="18" charset="-120"/>
-                        <a:ea typeface="新細明體" panose="02020500000000000000" pitchFamily="18" charset="-120"/>
-                        <a:cs typeface="新細明體" panose="02020500000000000000" pitchFamily="18" charset="-120"/>
-                      </a:endParaRPr>
-                    </a:p>
-                  </a:txBody>
-                  <a:tcPr marL="36195" marR="0" marT="0" marB="36195"/>
-                </a:tc>
-                <a:tc>
-                  <a:txBody>
-                    <a:bodyPr/>
-                    <a:lstStyle/>
-                    <a:p>
-                      <a:r>
-                        <a:rPr lang="zh-TW" altLang="en-US" sz="1200" kern="0" dirty="0" smtClean="0">
-                          <a:solidFill>
-                            <a:srgbClr val="000000"/>
-                          </a:solidFill>
-                          <a:effectLst/>
-                          <a:latin typeface="Calibri" panose="020F0502020204030204" pitchFamily="34" charset="0"/>
-                          <a:ea typeface="+mn-ea"/>
-                          <a:cs typeface="新細明體" panose="02020500000000000000" pitchFamily="18" charset="-120"/>
-                        </a:rPr>
-                        <a:t>鍾承翰、林杰毅</a:t>
-                      </a:r>
-                      <a:endParaRPr lang="zh-TW" altLang="en-US" sz="1200" kern="0" dirty="0">
-                        <a:solidFill>
-                          <a:srgbClr val="000000"/>
-                        </a:solidFill>
-                        <a:effectLst/>
-                        <a:latin typeface="Calibri" panose="020F0502020204030204" pitchFamily="34" charset="0"/>
-                        <a:ea typeface="+mn-ea"/>
-                        <a:cs typeface="新細明體" panose="02020500000000000000" pitchFamily="18" charset="-120"/>
-                      </a:endParaRPr>
-                    </a:p>
-                  </a:txBody>
-                  <a:tcPr marL="91451" marR="91451" marT="45725" marB="45725"/>
-                </a:tc>
-                <a:extLst>
-                  <a:ext uri="{0D108BD9-81ED-4DB2-BD59-A6C34878D82A}">
-                    <a16:rowId xmlns="" xmlns:a16="http://schemas.microsoft.com/office/drawing/2014/main" val="1370675075"/>
-                  </a:ext>
-                </a:extLst>
-              </a:tr>
-              <a:tr h="348424">
-                <a:tc>
-                  <a:txBody>
-                    <a:bodyPr/>
-                    <a:lstStyle/>
-                    <a:p>
-                      <a:pPr algn="l">
-                        <a:spcAft>
-                          <a:spcPts val="0"/>
-                        </a:spcAft>
-                      </a:pPr>
-                      <a:r>
-                        <a:rPr lang="zh-TW" sz="1150" b="1" kern="100">
-                          <a:solidFill>
-                            <a:srgbClr val="000000"/>
-                          </a:solidFill>
-                          <a:effectLst/>
-                          <a:latin typeface="新細明體" panose="02020500000000000000" pitchFamily="18" charset="-120"/>
-                          <a:ea typeface="新細明體" panose="02020500000000000000" pitchFamily="18" charset="-120"/>
-                          <a:cs typeface="新細明體" panose="02020500000000000000" pitchFamily="18" charset="-120"/>
-                        </a:rPr>
-                        <a:t>課程管理權限實作與測試 </a:t>
-                      </a:r>
-                      <a:endParaRPr lang="zh-TW" sz="1200" b="1" kern="100">
-                        <a:solidFill>
-                          <a:srgbClr val="000000"/>
-                        </a:solidFill>
-                        <a:effectLst/>
-                        <a:latin typeface="新細明體" panose="02020500000000000000" pitchFamily="18" charset="-120"/>
-                        <a:ea typeface="新細明體" panose="02020500000000000000" pitchFamily="18" charset="-120"/>
-                        <a:cs typeface="新細明體" panose="02020500000000000000" pitchFamily="18" charset="-120"/>
-                      </a:endParaRPr>
-                    </a:p>
-                  </a:txBody>
-                  <a:tcPr marL="36195" marR="0" marT="0" marB="36195"/>
+                          <a:ea typeface="Times New Roman" panose="02020603050405020304" pitchFamily="18" charset="0"/>
+                          <a:cs typeface="Times New Roman" panose="02020603050405020304" pitchFamily="18" charset="0"/>
+                        </a:rPr>
+                        <a:t> </a:t>
+                      </a:r>
+                      <a:endParaRPr lang="zh-TW" sz="1200" b="1" kern="100" dirty="0">
+                        <a:effectLst/>
+                        <a:latin typeface="Calibri" panose="020F0502020204030204" pitchFamily="34" charset="0"/>
+                        <a:ea typeface="新細明體" panose="02020500000000000000" pitchFamily="18" charset="-120"/>
+                        <a:cs typeface="Times New Roman" panose="02020603050405020304" pitchFamily="18" charset="0"/>
+                      </a:endParaRPr>
+                    </a:p>
+                  </a:txBody>
+                  <a:tcPr marL="36199" marR="0" marT="0" marB="36199"/>
                 </a:tc>
                 <a:tc>
                   <a:txBody>
@@ -7201,7 +5851,7 @@
                           <a:ea typeface="+mn-ea"/>
                           <a:cs typeface="新細明體" panose="02020500000000000000" pitchFamily="18" charset="-120"/>
                         </a:rPr>
-                        <a:t>鍾承翰、林杰毅、陳佐昂</a:t>
+                        <a:t>鍾承翰、吳彥銘、林杰毅、陳佐昂</a:t>
                       </a:r>
                     </a:p>
                   </a:txBody>
@@ -7209,7 +5859,7 @@
                 </a:tc>
                 <a:extLst>
                   <a:ext uri="{0D108BD9-81ED-4DB2-BD59-A6C34878D82A}">
-                    <a16:rowId xmlns="" xmlns:a16="http://schemas.microsoft.com/office/drawing/2014/main" val="4079855752"/>
+                    <a16:rowId xmlns:a16="http://schemas.microsoft.com/office/drawing/2014/main" xmlns="" val="2227397568"/>
                   </a:ext>
                 </a:extLst>
               </a:tr>
@@ -7225,29 +5875,38 @@
                         </a:spcAft>
                       </a:pPr>
                       <a:r>
-                        <a:rPr lang="zh-TW" sz="1150" b="1" kern="100">
+                        <a:rPr lang="zh-TW" sz="1200" b="1" kern="0">
                           <a:solidFill>
                             <a:srgbClr val="000000"/>
                           </a:solidFill>
                           <a:effectLst/>
-                          <a:latin typeface="新細明體" panose="02020500000000000000" pitchFamily="18" charset="-120"/>
+                          <a:latin typeface="Calibri" panose="020F0502020204030204" pitchFamily="34" charset="0"/>
                           <a:ea typeface="新細明體" panose="02020500000000000000" pitchFamily="18" charset="-120"/>
                           <a:cs typeface="新細明體" panose="02020500000000000000" pitchFamily="18" charset="-120"/>
                         </a:rPr>
-                        <a:t>作業繳交實作與測試 </a:t>
+                        <a:t>軟體需求規格書撰寫</a:t>
+                      </a:r>
+                      <a:r>
+                        <a:rPr lang="zh-TW" sz="1200" b="1" kern="0">
+                          <a:solidFill>
+                            <a:srgbClr val="000000"/>
+                          </a:solidFill>
+                          <a:effectLst/>
+                          <a:latin typeface="Calibri" panose="020F0502020204030204" pitchFamily="34" charset="0"/>
+                          <a:ea typeface="Times New Roman" panose="02020603050405020304" pitchFamily="18" charset="0"/>
+                          <a:cs typeface="Times New Roman" panose="02020603050405020304" pitchFamily="18" charset="0"/>
+                        </a:rPr>
+                        <a:t> </a:t>
                       </a:r>
                       <a:endParaRPr lang="zh-TW" sz="1200" b="1" kern="100">
-                        <a:solidFill>
-                          <a:srgbClr val="000000"/>
-                        </a:solidFill>
-                        <a:effectLst/>
-                        <a:latin typeface="新細明體" panose="02020500000000000000" pitchFamily="18" charset="-120"/>
-                        <a:ea typeface="新細明體" panose="02020500000000000000" pitchFamily="18" charset="-120"/>
-                        <a:cs typeface="新細明體" panose="02020500000000000000" pitchFamily="18" charset="-120"/>
-                      </a:endParaRPr>
-                    </a:p>
-                  </a:txBody>
-                  <a:tcPr marL="36195" marR="0" marT="0" marB="36195"/>
+                        <a:effectLst/>
+                        <a:latin typeface="Calibri" panose="020F0502020204030204" pitchFamily="34" charset="0"/>
+                        <a:ea typeface="新細明體" panose="02020500000000000000" pitchFamily="18" charset="-120"/>
+                        <a:cs typeface="Times New Roman" panose="02020603050405020304" pitchFamily="18" charset="0"/>
+                      </a:endParaRPr>
+                    </a:p>
+                  </a:txBody>
+                  <a:tcPr marL="36199" marR="0" marT="0" marB="36199"/>
                 </a:tc>
                 <a:tc>
                   <a:txBody>
@@ -7261,10 +5920,10 @@
                           </a:solidFill>
                           <a:effectLst/>
                           <a:latin typeface="Calibri" panose="020F0502020204030204" pitchFamily="34" charset="0"/>
-                          <a:ea typeface="+mn-ea"/>
+                          <a:ea typeface="新細明體" panose="02020500000000000000" pitchFamily="18" charset="-120"/>
                           <a:cs typeface="新細明體" panose="02020500000000000000" pitchFamily="18" charset="-120"/>
                         </a:rPr>
-                        <a:t>鍾承翰、吳彥銘、林杰毅</a:t>
+                        <a:t>鍾承翰、吳彥銘</a:t>
                       </a:r>
                       <a:endParaRPr lang="zh-TW" altLang="en-US" sz="1200" kern="0" dirty="0">
                         <a:solidFill>
@@ -7272,7 +5931,7 @@
                         </a:solidFill>
                         <a:effectLst/>
                         <a:latin typeface="Calibri" panose="020F0502020204030204" pitchFamily="34" charset="0"/>
-                        <a:ea typeface="+mn-ea"/>
+                        <a:ea typeface="新細明體" panose="02020500000000000000" pitchFamily="18" charset="-120"/>
                         <a:cs typeface="新細明體" panose="02020500000000000000" pitchFamily="18" charset="-120"/>
                       </a:endParaRPr>
                     </a:p>
@@ -7281,7 +5940,7 @@
                 </a:tc>
                 <a:extLst>
                   <a:ext uri="{0D108BD9-81ED-4DB2-BD59-A6C34878D82A}">
-                    <a16:rowId xmlns="" xmlns:a16="http://schemas.microsoft.com/office/drawing/2014/main" val="3252417867"/>
+                    <a16:rowId xmlns:a16="http://schemas.microsoft.com/office/drawing/2014/main" xmlns="" val="2285874812"/>
                   </a:ext>
                 </a:extLst>
               </a:tr>
@@ -7297,29 +5956,17 @@
                         </a:spcAft>
                       </a:pPr>
                       <a:r>
-                        <a:rPr lang="zh-TW" sz="1150" b="1" kern="100">
-                          <a:solidFill>
-                            <a:srgbClr val="000000"/>
-                          </a:solidFill>
-                          <a:effectLst/>
-                          <a:latin typeface="新細明體" panose="02020500000000000000" pitchFamily="18" charset="-120"/>
+                        <a:rPr lang="zh-TW" sz="1200" b="1" kern="100" dirty="0">
+                          <a:effectLst/>
+                          <a:latin typeface="Calibri" panose="020F0502020204030204" pitchFamily="34" charset="0"/>
                           <a:ea typeface="新細明體" panose="02020500000000000000" pitchFamily="18" charset="-120"/>
-                          <a:cs typeface="新細明體" panose="02020500000000000000" pitchFamily="18" charset="-120"/>
-                        </a:rPr>
-                        <a:t>作業追蹤實作與測試 </a:t>
-                      </a:r>
-                      <a:endParaRPr lang="zh-TW" sz="1200" b="1" kern="100">
-                        <a:solidFill>
-                          <a:srgbClr val="000000"/>
-                        </a:solidFill>
-                        <a:effectLst/>
-                        <a:latin typeface="新細明體" panose="02020500000000000000" pitchFamily="18" charset="-120"/>
-                        <a:ea typeface="新細明體" panose="02020500000000000000" pitchFamily="18" charset="-120"/>
-                        <a:cs typeface="新細明體" panose="02020500000000000000" pitchFamily="18" charset="-120"/>
-                      </a:endParaRPr>
-                    </a:p>
-                  </a:txBody>
-                  <a:tcPr marL="36195" marR="0" marT="0" marB="36195"/>
+                          <a:cs typeface="Times New Roman" panose="02020603050405020304" pitchFamily="18" charset="0"/>
+                        </a:rPr>
+                        <a:t>軟體設計描述</a:t>
+                      </a:r>
+                    </a:p>
+                  </a:txBody>
+                  <a:tcPr marL="36199" marR="0" marT="0" marB="36199"/>
                 </a:tc>
                 <a:tc>
                   <a:txBody>
@@ -7333,18 +5980,18 @@
                           </a:solidFill>
                           <a:effectLst/>
                           <a:latin typeface="Calibri" panose="020F0502020204030204" pitchFamily="34" charset="0"/>
-                          <a:ea typeface="+mn-ea"/>
+                          <a:ea typeface="新細明體" panose="02020500000000000000" pitchFamily="18" charset="-120"/>
                           <a:cs typeface="新細明體" panose="02020500000000000000" pitchFamily="18" charset="-120"/>
                         </a:rPr>
-                        <a:t>吳彥銘、林杰毅、陳佐昂</a:t>
-                      </a:r>
-                      <a:endParaRPr lang="zh-TW" altLang="en-US" sz="1200" kern="0" dirty="0">
+                        <a:t>陳佐昂、林杰毅</a:t>
+                      </a:r>
+                      <a:endParaRPr lang="en-US" altLang="zh-TW" sz="1200" kern="0" dirty="0" smtClean="0">
                         <a:solidFill>
                           <a:srgbClr val="000000"/>
                         </a:solidFill>
                         <a:effectLst/>
                         <a:latin typeface="Calibri" panose="020F0502020204030204" pitchFamily="34" charset="0"/>
-                        <a:ea typeface="+mn-ea"/>
+                        <a:ea typeface="新細明體" panose="02020500000000000000" pitchFamily="18" charset="-120"/>
                         <a:cs typeface="新細明體" panose="02020500000000000000" pitchFamily="18" charset="-120"/>
                       </a:endParaRPr>
                     </a:p>
@@ -7353,7 +6000,7 @@
                 </a:tc>
                 <a:extLst>
                   <a:ext uri="{0D108BD9-81ED-4DB2-BD59-A6C34878D82A}">
-                    <a16:rowId xmlns="" xmlns:a16="http://schemas.microsoft.com/office/drawing/2014/main" val="2776023583"/>
+                    <a16:rowId xmlns:a16="http://schemas.microsoft.com/office/drawing/2014/main" xmlns="" val="3504635375"/>
                   </a:ext>
                 </a:extLst>
               </a:tr>
@@ -7369,173 +6016,17 @@
                         </a:spcAft>
                       </a:pPr>
                       <a:r>
-                        <a:rPr lang="zh-TW" sz="1150" b="1" kern="100" dirty="0">
-                          <a:solidFill>
-                            <a:srgbClr val="000000"/>
-                          </a:solidFill>
-                          <a:effectLst/>
-                          <a:latin typeface="新細明體" panose="02020500000000000000" pitchFamily="18" charset="-120"/>
-                          <a:ea typeface="新細明體" panose="02020500000000000000" pitchFamily="18" charset="-120"/>
-                          <a:cs typeface="新細明體" panose="02020500000000000000" pitchFamily="18" charset="-120"/>
-                        </a:rPr>
-                        <a:t>作業成績統計實作與測試 </a:t>
-                      </a:r>
-                      <a:endParaRPr lang="zh-TW" sz="1200" b="1" kern="100" dirty="0">
-                        <a:solidFill>
-                          <a:srgbClr val="000000"/>
-                        </a:solidFill>
-                        <a:effectLst/>
-                        <a:latin typeface="新細明體" panose="02020500000000000000" pitchFamily="18" charset="-120"/>
-                        <a:ea typeface="新細明體" panose="02020500000000000000" pitchFamily="18" charset="-120"/>
-                        <a:cs typeface="新細明體" panose="02020500000000000000" pitchFamily="18" charset="-120"/>
-                      </a:endParaRPr>
-                    </a:p>
-                  </a:txBody>
-                  <a:tcPr marL="36195" marR="0" marT="0" marB="36195"/>
-                </a:tc>
-                <a:tc>
-                  <a:txBody>
-                    <a:bodyPr/>
-                    <a:lstStyle/>
-                    <a:p>
-                      <a:r>
-                        <a:rPr lang="zh-TW" altLang="en-US" sz="1200" kern="0" dirty="0" smtClean="0">
-                          <a:solidFill>
-                            <a:srgbClr val="000000"/>
-                          </a:solidFill>
+                        <a:rPr lang="zh-TW" sz="1200" b="1" kern="100">
                           <a:effectLst/>
                           <a:latin typeface="Calibri" panose="020F0502020204030204" pitchFamily="34" charset="0"/>
                           <a:ea typeface="新細明體" panose="02020500000000000000" pitchFamily="18" charset="-120"/>
-                          <a:cs typeface="新細明體" panose="02020500000000000000" pitchFamily="18" charset="-120"/>
-                        </a:rPr>
-                        <a:t>鍾承翰、吳彥銘</a:t>
-                      </a:r>
-                      <a:endParaRPr lang="zh-TW" altLang="en-US" sz="1200" kern="0" dirty="0">
-                        <a:solidFill>
-                          <a:srgbClr val="000000"/>
-                        </a:solidFill>
-                        <a:effectLst/>
-                        <a:latin typeface="Calibri" panose="020F0502020204030204" pitchFamily="34" charset="0"/>
-                        <a:ea typeface="新細明體" panose="02020500000000000000" pitchFamily="18" charset="-120"/>
-                        <a:cs typeface="新細明體" panose="02020500000000000000" pitchFamily="18" charset="-120"/>
-                      </a:endParaRPr>
-                    </a:p>
-                  </a:txBody>
-                  <a:tcPr marL="91451" marR="91451" marT="45725" marB="45725"/>
-                </a:tc>
-                <a:extLst>
-                  <a:ext uri="{0D108BD9-81ED-4DB2-BD59-A6C34878D82A}">
-                    <a16:rowId xmlns="" xmlns:a16="http://schemas.microsoft.com/office/drawing/2014/main" val="1167250090"/>
-                  </a:ext>
-                </a:extLst>
-              </a:tr>
-              <a:tr h="335912">
-                <a:tc>
-                  <a:txBody>
-                    <a:bodyPr/>
-                    <a:lstStyle/>
-                    <a:p>
-                      <a:pPr algn="l">
-                        <a:spcAft>
-                          <a:spcPts val="0"/>
-                        </a:spcAft>
-                      </a:pPr>
-                      <a:r>
-                        <a:rPr lang="zh-TW" sz="1150" b="1" kern="100">
-                          <a:solidFill>
-                            <a:srgbClr val="000000"/>
-                          </a:solidFill>
-                          <a:effectLst/>
-                          <a:latin typeface="新細明體" panose="02020500000000000000" pitchFamily="18" charset="-120"/>
-                          <a:ea typeface="新細明體" panose="02020500000000000000" pitchFamily="18" charset="-120"/>
-                          <a:cs typeface="新細明體" panose="02020500000000000000" pitchFamily="18" charset="-120"/>
-                        </a:rPr>
-                        <a:t>介面實作與測試 </a:t>
-                      </a:r>
-                      <a:endParaRPr lang="zh-TW" sz="1200" b="1" kern="100">
-                        <a:solidFill>
-                          <a:srgbClr val="000000"/>
-                        </a:solidFill>
-                        <a:effectLst/>
-                        <a:latin typeface="新細明體" panose="02020500000000000000" pitchFamily="18" charset="-120"/>
-                        <a:ea typeface="新細明體" panose="02020500000000000000" pitchFamily="18" charset="-120"/>
-                        <a:cs typeface="新細明體" panose="02020500000000000000" pitchFamily="18" charset="-120"/>
-                      </a:endParaRPr>
-                    </a:p>
-                  </a:txBody>
-                  <a:tcPr marL="36195" marR="0" marT="0" marB="36195"/>
-                </a:tc>
-                <a:tc>
-                  <a:txBody>
-                    <a:bodyPr/>
-                    <a:lstStyle/>
-                    <a:p>
-                      <a:r>
-                        <a:rPr lang="zh-TW" altLang="en-US" sz="1200" kern="0" dirty="0" smtClean="0">
-                          <a:solidFill>
-                            <a:srgbClr val="000000"/>
-                          </a:solidFill>
-                          <a:effectLst/>
-                          <a:latin typeface="Calibri" panose="020F0502020204030204" pitchFamily="34" charset="0"/>
-                          <a:ea typeface="+mn-ea"/>
-                          <a:cs typeface="新細明體" panose="02020500000000000000" pitchFamily="18" charset="-120"/>
-                        </a:rPr>
-                        <a:t>吳彥銘、林杰毅、陳佐昂</a:t>
-                      </a:r>
-                      <a:endParaRPr lang="zh-TW" altLang="en-US" sz="1200" kern="0" dirty="0">
-                        <a:solidFill>
-                          <a:srgbClr val="000000"/>
-                        </a:solidFill>
-                        <a:effectLst/>
-                        <a:latin typeface="Calibri" panose="020F0502020204030204" pitchFamily="34" charset="0"/>
-                        <a:ea typeface="新細明體" panose="02020500000000000000" pitchFamily="18" charset="-120"/>
-                        <a:cs typeface="新細明體" panose="02020500000000000000" pitchFamily="18" charset="-120"/>
-                      </a:endParaRPr>
-                    </a:p>
-                  </a:txBody>
-                  <a:tcPr marL="91451" marR="91451" marT="45725" marB="45725"/>
-                </a:tc>
-                <a:extLst>
-                  <a:ext uri="{0D108BD9-81ED-4DB2-BD59-A6C34878D82A}">
-                    <a16:rowId xmlns="" xmlns:a16="http://schemas.microsoft.com/office/drawing/2014/main" val="3851974090"/>
-                  </a:ext>
-                </a:extLst>
-              </a:tr>
-              <a:tr h="335912">
-                <a:tc>
-                  <a:txBody>
-                    <a:bodyPr/>
-                    <a:lstStyle/>
-                    <a:p>
-                      <a:pPr algn="l">
-                        <a:spcAft>
-                          <a:spcPts val="0"/>
-                        </a:spcAft>
-                      </a:pPr>
-                      <a:r>
-                        <a:rPr lang="zh-TW" sz="1150" b="1" kern="100">
-                          <a:solidFill>
-                            <a:srgbClr val="000000"/>
-                          </a:solidFill>
-                          <a:effectLst/>
-                          <a:latin typeface="新細明體" panose="02020500000000000000" pitchFamily="18" charset="-120"/>
-                          <a:ea typeface="新細明體" panose="02020500000000000000" pitchFamily="18" charset="-120"/>
-                          <a:cs typeface="新細明體" panose="02020500000000000000" pitchFamily="18" charset="-120"/>
-                        </a:rPr>
-                        <a:t>整合測試</a:t>
-                      </a:r>
-                      <a:endParaRPr lang="zh-TW" sz="1200" b="1" kern="100">
-                        <a:solidFill>
-                          <a:srgbClr val="000000"/>
-                        </a:solidFill>
-                        <a:effectLst/>
-                        <a:latin typeface="新細明體" panose="02020500000000000000" pitchFamily="18" charset="-120"/>
-                        <a:ea typeface="新細明體" panose="02020500000000000000" pitchFamily="18" charset="-120"/>
-                        <a:cs typeface="新細明體" panose="02020500000000000000" pitchFamily="18" charset="-120"/>
-                      </a:endParaRPr>
-                    </a:p>
-                  </a:txBody>
-                  <a:tcPr marL="36195" marR="0" marT="0" marB="36195"/>
+                          <a:cs typeface="Times New Roman" panose="02020603050405020304" pitchFamily="18" charset="0"/>
+                        </a:rPr>
+                        <a:t>軟體測試文件</a:t>
+                      </a:r>
+                    </a:p>
+                  </a:txBody>
+                  <a:tcPr marL="36199" marR="0" marT="0" marB="36199"/>
                 </a:tc>
                 <a:tc>
                   <a:txBody>
@@ -7577,7 +6068,7 @@
                 </a:tc>
                 <a:extLst>
                   <a:ext uri="{0D108BD9-81ED-4DB2-BD59-A6C34878D82A}">
-                    <a16:rowId xmlns="" xmlns:a16="http://schemas.microsoft.com/office/drawing/2014/main" val="3064833447"/>
+                    <a16:rowId xmlns:a16="http://schemas.microsoft.com/office/drawing/2014/main" xmlns="" val="1370675075"/>
                   </a:ext>
                 </a:extLst>
               </a:tr>
@@ -7593,18 +6084,273 @@
                         </a:spcAft>
                       </a:pPr>
                       <a:r>
-                        <a:rPr lang="zh-TW" sz="1150" b="1" kern="100">
+                        <a:rPr lang="zh-TW" sz="1200" b="1" kern="100" dirty="0">
+                          <a:effectLst/>
+                          <a:latin typeface="Calibri" panose="020F0502020204030204" pitchFamily="34" charset="0"/>
+                          <a:ea typeface="新細明體" panose="02020500000000000000" pitchFamily="18" charset="-120"/>
+                          <a:cs typeface="Times New Roman" panose="02020603050405020304" pitchFamily="18" charset="0"/>
+                        </a:rPr>
+                        <a:t>手冊文件遞交</a:t>
+                      </a:r>
+                    </a:p>
+                  </a:txBody>
+                  <a:tcPr marL="36199" marR="0" marT="0" marB="36199"/>
+                </a:tc>
+                <a:tc>
+                  <a:txBody>
+                    <a:bodyPr/>
+                    <a:lstStyle/>
+                    <a:p>
+                      <a:r>
+                        <a:rPr lang="zh-TW" altLang="en-US" sz="1200" kern="0" dirty="0" smtClean="0">
                           <a:solidFill>
                             <a:srgbClr val="000000"/>
                           </a:solidFill>
                           <a:effectLst/>
+                          <a:latin typeface="Calibri" panose="020F0502020204030204" pitchFamily="34" charset="0"/>
+                          <a:ea typeface="新細明體" panose="02020500000000000000" pitchFamily="18" charset="-120"/>
+                          <a:cs typeface="新細明體" panose="02020500000000000000" pitchFamily="18" charset="-120"/>
+                        </a:rPr>
+                        <a:t>陳佐昂</a:t>
+                      </a:r>
+                      <a:endParaRPr lang="en-US" altLang="zh-TW" sz="1200" kern="0" dirty="0" smtClean="0">
+                        <a:solidFill>
+                          <a:srgbClr val="000000"/>
+                        </a:solidFill>
+                        <a:effectLst/>
+                        <a:latin typeface="Calibri" panose="020F0502020204030204" pitchFamily="34" charset="0"/>
+                        <a:ea typeface="新細明體" panose="02020500000000000000" pitchFamily="18" charset="-120"/>
+                        <a:cs typeface="新細明體" panose="02020500000000000000" pitchFamily="18" charset="-120"/>
+                      </a:endParaRPr>
+                    </a:p>
+                  </a:txBody>
+                  <a:tcPr marL="91451" marR="91451" marT="45725" marB="45725"/>
+                </a:tc>
+                <a:extLst>
+                  <a:ext uri="{0D108BD9-81ED-4DB2-BD59-A6C34878D82A}">
+                    <a16:rowId xmlns:a16="http://schemas.microsoft.com/office/drawing/2014/main" xmlns="" val="4079855752"/>
+                  </a:ext>
+                </a:extLst>
+              </a:tr>
+              <a:tr h="335912">
+                <a:tc>
+                  <a:txBody>
+                    <a:bodyPr/>
+                    <a:lstStyle/>
+                    <a:p>
+                      <a:pPr algn="l">
+                        <a:spcAft>
+                          <a:spcPts val="0"/>
+                        </a:spcAft>
+                      </a:pPr>
+                      <a:r>
+                        <a:rPr lang="zh-TW" sz="1200" b="1" kern="100" dirty="0">
+                          <a:effectLst/>
+                          <a:latin typeface="Calibri" panose="020F0502020204030204" pitchFamily="34" charset="0"/>
+                          <a:ea typeface="新細明體" panose="02020500000000000000" pitchFamily="18" charset="-120"/>
+                          <a:cs typeface="Times New Roman" panose="02020603050405020304" pitchFamily="18" charset="0"/>
+                        </a:rPr>
+                        <a:t>專案企劃</a:t>
+                      </a:r>
+                    </a:p>
+                  </a:txBody>
+                  <a:tcPr marL="36199" marR="0" marT="0" marB="36199"/>
+                </a:tc>
+                <a:tc>
+                  <a:txBody>
+                    <a:bodyPr/>
+                    <a:lstStyle/>
+                    <a:p>
+                      <a:r>
+                        <a:rPr lang="zh-TW" altLang="en-US" sz="1200" kern="0" dirty="0" smtClean="0">
+                          <a:solidFill>
+                            <a:srgbClr val="000000"/>
+                          </a:solidFill>
+                          <a:effectLst/>
+                          <a:latin typeface="Calibri" panose="020F0502020204030204" pitchFamily="34" charset="0"/>
+                          <a:ea typeface="新細明體" panose="02020500000000000000" pitchFamily="18" charset="-120"/>
+                          <a:cs typeface="新細明體" panose="02020500000000000000" pitchFamily="18" charset="-120"/>
+                        </a:rPr>
+                        <a:t>陳佐昂、林杰毅</a:t>
+                      </a:r>
+                      <a:endParaRPr lang="en-US" altLang="zh-TW" sz="1200" kern="0" dirty="0" smtClean="0">
+                        <a:solidFill>
+                          <a:srgbClr val="000000"/>
+                        </a:solidFill>
+                        <a:effectLst/>
+                        <a:latin typeface="Calibri" panose="020F0502020204030204" pitchFamily="34" charset="0"/>
+                        <a:ea typeface="新細明體" panose="02020500000000000000" pitchFamily="18" charset="-120"/>
+                        <a:cs typeface="新細明體" panose="02020500000000000000" pitchFamily="18" charset="-120"/>
+                      </a:endParaRPr>
+                    </a:p>
+                  </a:txBody>
+                  <a:tcPr marL="91451" marR="91451" marT="45725" marB="45725"/>
+                </a:tc>
+                <a:extLst>
+                  <a:ext uri="{0D108BD9-81ED-4DB2-BD59-A6C34878D82A}">
+                    <a16:rowId xmlns:a16="http://schemas.microsoft.com/office/drawing/2014/main" xmlns="" val="3252417867"/>
+                  </a:ext>
+                </a:extLst>
+              </a:tr>
+              <a:tr h="335912">
+                <a:tc>
+                  <a:txBody>
+                    <a:bodyPr/>
+                    <a:lstStyle/>
+                    <a:p>
+                      <a:pPr algn="l">
+                        <a:spcAft>
+                          <a:spcPts val="0"/>
+                        </a:spcAft>
+                      </a:pPr>
+                      <a:r>
+                        <a:rPr lang="zh-TW" sz="1200" b="1" kern="100" dirty="0">
+                          <a:effectLst/>
+                          <a:latin typeface="Calibri" panose="020F0502020204030204" pitchFamily="34" charset="0"/>
+                          <a:ea typeface="新細明體" panose="02020500000000000000" pitchFamily="18" charset="-120"/>
+                          <a:cs typeface="Times New Roman" panose="02020603050405020304" pitchFamily="18" charset="0"/>
+                        </a:rPr>
+                        <a:t>專案控管</a:t>
+                      </a:r>
+                    </a:p>
+                  </a:txBody>
+                  <a:tcPr marL="36199" marR="0" marT="0" marB="36199"/>
+                </a:tc>
+                <a:tc>
+                  <a:txBody>
+                    <a:bodyPr/>
+                    <a:lstStyle/>
+                    <a:p>
+                      <a:r>
+                        <a:rPr lang="zh-TW" altLang="en-US" sz="1200" kern="0" dirty="0" smtClean="0">
+                          <a:solidFill>
+                            <a:srgbClr val="000000"/>
+                          </a:solidFill>
+                          <a:effectLst/>
+                          <a:latin typeface="Calibri" panose="020F0502020204030204" pitchFamily="34" charset="0"/>
+                          <a:ea typeface="新細明體" panose="02020500000000000000" pitchFamily="18" charset="-120"/>
+                          <a:cs typeface="新細明體" panose="02020500000000000000" pitchFamily="18" charset="-120"/>
+                        </a:rPr>
+                        <a:t>陳佐昂、林杰毅</a:t>
+                      </a:r>
+                      <a:endParaRPr lang="en-US" altLang="zh-TW" sz="1200" kern="0" dirty="0" smtClean="0">
+                        <a:solidFill>
+                          <a:srgbClr val="000000"/>
+                        </a:solidFill>
+                        <a:effectLst/>
+                        <a:latin typeface="Calibri" panose="020F0502020204030204" pitchFamily="34" charset="0"/>
+                        <a:ea typeface="新細明體" panose="02020500000000000000" pitchFamily="18" charset="-120"/>
+                        <a:cs typeface="新細明體" panose="02020500000000000000" pitchFamily="18" charset="-120"/>
+                      </a:endParaRPr>
+                    </a:p>
+                  </a:txBody>
+                  <a:tcPr marL="91451" marR="91451" marT="45725" marB="45725"/>
+                </a:tc>
+                <a:extLst>
+                  <a:ext uri="{0D108BD9-81ED-4DB2-BD59-A6C34878D82A}">
+                    <a16:rowId xmlns:a16="http://schemas.microsoft.com/office/drawing/2014/main" xmlns="" val="2776023583"/>
+                  </a:ext>
+                </a:extLst>
+              </a:tr>
+              <a:tr h="335912">
+                <a:tc>
+                  <a:txBody>
+                    <a:bodyPr/>
+                    <a:lstStyle/>
+                    <a:p>
+                      <a:pPr algn="l">
+                        <a:spcAft>
+                          <a:spcPts val="0"/>
+                        </a:spcAft>
+                      </a:pPr>
+                      <a:r>
+                        <a:rPr lang="zh-TW" sz="1200" b="1" kern="100" dirty="0">
+                          <a:solidFill>
+                            <a:srgbClr val="000000"/>
+                          </a:solidFill>
+                          <a:effectLst/>
                           <a:latin typeface="新細明體" panose="02020500000000000000" pitchFamily="18" charset="-120"/>
                           <a:ea typeface="新細明體" panose="02020500000000000000" pitchFamily="18" charset="-120"/>
                           <a:cs typeface="新細明體" panose="02020500000000000000" pitchFamily="18" charset="-120"/>
                         </a:rPr>
-                        <a:t>軟體系統測試 </a:t>
-                      </a:r>
-                      <a:endParaRPr lang="zh-TW" sz="1200" b="1" kern="100">
+                        <a:t>需求分析 </a:t>
+                      </a:r>
+                    </a:p>
+                  </a:txBody>
+                  <a:tcPr marL="36199" marR="0" marT="0" marB="36199"/>
+                </a:tc>
+                <a:tc>
+                  <a:txBody>
+                    <a:bodyPr/>
+                    <a:lstStyle/>
+                    <a:p>
+                      <a:r>
+                        <a:rPr lang="zh-TW" altLang="en-US" sz="1200" kern="0" dirty="0" smtClean="0">
+                          <a:solidFill>
+                            <a:srgbClr val="000000"/>
+                          </a:solidFill>
+                          <a:effectLst/>
+                          <a:latin typeface="Calibri" panose="020F0502020204030204" pitchFamily="34" charset="0"/>
+                          <a:ea typeface="新細明體" panose="02020500000000000000" pitchFamily="18" charset="-120"/>
+                          <a:cs typeface="新細明體" panose="02020500000000000000" pitchFamily="18" charset="-120"/>
+                        </a:rPr>
+                        <a:t>鍾承翰</a:t>
+                      </a:r>
+                      <a:r>
+                        <a:rPr lang="zh-TW" altLang="en-US" sz="1200" kern="0" dirty="0" smtClean="0">
+                          <a:solidFill>
+                            <a:srgbClr val="000000"/>
+                          </a:solidFill>
+                          <a:effectLst/>
+                          <a:latin typeface="Calibri" panose="020F0502020204030204" pitchFamily="34" charset="0"/>
+                          <a:ea typeface="+mn-ea"/>
+                          <a:cs typeface="新細明體" panose="02020500000000000000" pitchFamily="18" charset="-120"/>
+                        </a:rPr>
+                        <a:t>、吳彥銘、陳佐昂</a:t>
+                      </a:r>
+                      <a:endParaRPr lang="zh-TW" altLang="en-US" sz="1200" kern="0" dirty="0">
+                        <a:solidFill>
+                          <a:srgbClr val="000000"/>
+                        </a:solidFill>
+                        <a:effectLst/>
+                        <a:latin typeface="Calibri" panose="020F0502020204030204" pitchFamily="34" charset="0"/>
+                        <a:ea typeface="新細明體" panose="02020500000000000000" pitchFamily="18" charset="-120"/>
+                        <a:cs typeface="新細明體" panose="02020500000000000000" pitchFamily="18" charset="-120"/>
+                      </a:endParaRPr>
+                    </a:p>
+                  </a:txBody>
+                  <a:tcPr marL="91451" marR="91451" marT="45725" marB="45725"/>
+                </a:tc>
+                <a:extLst>
+                  <a:ext uri="{0D108BD9-81ED-4DB2-BD59-A6C34878D82A}">
+                    <a16:rowId xmlns:a16="http://schemas.microsoft.com/office/drawing/2014/main" xmlns="" val="1167250090"/>
+                  </a:ext>
+                </a:extLst>
+              </a:tr>
+              <a:tr h="335912">
+                <a:tc>
+                  <a:txBody>
+                    <a:bodyPr/>
+                    <a:lstStyle/>
+                    <a:p>
+                      <a:pPr algn="l">
+                        <a:spcAft>
+                          <a:spcPts val="0"/>
+                        </a:spcAft>
+                      </a:pPr>
+                      <a:r>
+                        <a:rPr lang="zh-TW" sz="1150" b="1" kern="100" dirty="0">
+                          <a:solidFill>
+                            <a:srgbClr val="000000"/>
+                          </a:solidFill>
+                          <a:effectLst/>
+                          <a:latin typeface="新細明體" panose="02020500000000000000" pitchFamily="18" charset="-120"/>
+                          <a:ea typeface="新細明體" panose="02020500000000000000" pitchFamily="18" charset="-120"/>
+                          <a:cs typeface="新細明體" panose="02020500000000000000" pitchFamily="18" charset="-120"/>
+                        </a:rPr>
+                        <a:t>系統設計 </a:t>
+                      </a:r>
+                      <a:endParaRPr lang="zh-TW" sz="1200" b="1" kern="100" dirty="0">
                         <a:solidFill>
                           <a:srgbClr val="000000"/>
                         </a:solidFill>
@@ -7657,7 +6403,7 @@
                 </a:tc>
                 <a:extLst>
                   <a:ext uri="{0D108BD9-81ED-4DB2-BD59-A6C34878D82A}">
-                    <a16:rowId xmlns="" xmlns:a16="http://schemas.microsoft.com/office/drawing/2014/main" val="1873275827"/>
+                    <a16:rowId xmlns:a16="http://schemas.microsoft.com/office/drawing/2014/main" xmlns="" val="3851974090"/>
                   </a:ext>
                 </a:extLst>
               </a:tr>
@@ -7682,9 +6428,153 @@
                           <a:ea typeface="新細明體" panose="02020500000000000000" pitchFamily="18" charset="-120"/>
                           <a:cs typeface="新細明體" panose="02020500000000000000" pitchFamily="18" charset="-120"/>
                         </a:rPr>
-                        <a:t>接受度測試 </a:t>
+                        <a:t>使用者驗證身分設計 </a:t>
                       </a:r>
                       <a:endParaRPr lang="zh-TW" sz="1200" b="1" kern="100" dirty="0">
+                        <a:solidFill>
+                          <a:srgbClr val="000000"/>
+                        </a:solidFill>
+                        <a:effectLst/>
+                        <a:latin typeface="新細明體" panose="02020500000000000000" pitchFamily="18" charset="-120"/>
+                        <a:ea typeface="新細明體" panose="02020500000000000000" pitchFamily="18" charset="-120"/>
+                        <a:cs typeface="新細明體" panose="02020500000000000000" pitchFamily="18" charset="-120"/>
+                      </a:endParaRPr>
+                    </a:p>
+                  </a:txBody>
+                  <a:tcPr marL="36195" marR="0" marT="0" marB="36195"/>
+                </a:tc>
+                <a:tc>
+                  <a:txBody>
+                    <a:bodyPr/>
+                    <a:lstStyle/>
+                    <a:p>
+                      <a:r>
+                        <a:rPr lang="zh-TW" altLang="en-US" sz="1200" kern="0" dirty="0" smtClean="0">
+                          <a:solidFill>
+                            <a:srgbClr val="000000"/>
+                          </a:solidFill>
+                          <a:effectLst/>
+                          <a:latin typeface="Calibri" panose="020F0502020204030204" pitchFamily="34" charset="0"/>
+                          <a:ea typeface="+mn-ea"/>
+                          <a:cs typeface="新細明體" panose="02020500000000000000" pitchFamily="18" charset="-120"/>
+                        </a:rPr>
+                        <a:t>吳彥銘、林杰毅</a:t>
+                      </a:r>
+                      <a:endParaRPr lang="zh-TW" altLang="en-US" sz="1200" kern="0" dirty="0">
+                        <a:solidFill>
+                          <a:srgbClr val="000000"/>
+                        </a:solidFill>
+                        <a:effectLst/>
+                        <a:latin typeface="Calibri" panose="020F0502020204030204" pitchFamily="34" charset="0"/>
+                        <a:ea typeface="新細明體" panose="02020500000000000000" pitchFamily="18" charset="-120"/>
+                        <a:cs typeface="新細明體" panose="02020500000000000000" pitchFamily="18" charset="-120"/>
+                      </a:endParaRPr>
+                    </a:p>
+                  </a:txBody>
+                  <a:tcPr marL="91451" marR="91451" marT="45725" marB="45725"/>
+                </a:tc>
+                <a:extLst>
+                  <a:ext uri="{0D108BD9-81ED-4DB2-BD59-A6C34878D82A}">
+                    <a16:rowId xmlns:a16="http://schemas.microsoft.com/office/drawing/2014/main" xmlns="" val="3064833447"/>
+                  </a:ext>
+                </a:extLst>
+              </a:tr>
+              <a:tr h="335912">
+                <a:tc>
+                  <a:txBody>
+                    <a:bodyPr/>
+                    <a:lstStyle/>
+                    <a:p>
+                      <a:pPr algn="l">
+                        <a:spcAft>
+                          <a:spcPts val="0"/>
+                        </a:spcAft>
+                      </a:pPr>
+                      <a:r>
+                        <a:rPr lang="zh-TW" sz="1150" b="1" kern="100">
+                          <a:solidFill>
+                            <a:srgbClr val="000000"/>
+                          </a:solidFill>
+                          <a:effectLst/>
+                          <a:latin typeface="新細明體" panose="02020500000000000000" pitchFamily="18" charset="-120"/>
+                          <a:ea typeface="新細明體" panose="02020500000000000000" pitchFamily="18" charset="-120"/>
+                          <a:cs typeface="新細明體" panose="02020500000000000000" pitchFamily="18" charset="-120"/>
+                        </a:rPr>
+                        <a:t>課程管理設計 </a:t>
+                      </a:r>
+                      <a:endParaRPr lang="zh-TW" sz="1200" b="1" kern="100">
+                        <a:solidFill>
+                          <a:srgbClr val="000000"/>
+                        </a:solidFill>
+                        <a:effectLst/>
+                        <a:latin typeface="新細明體" panose="02020500000000000000" pitchFamily="18" charset="-120"/>
+                        <a:ea typeface="新細明體" panose="02020500000000000000" pitchFamily="18" charset="-120"/>
+                        <a:cs typeface="新細明體" panose="02020500000000000000" pitchFamily="18" charset="-120"/>
+                      </a:endParaRPr>
+                    </a:p>
+                  </a:txBody>
+                  <a:tcPr marL="36195" marR="0" marT="0" marB="36195"/>
+                </a:tc>
+                <a:tc>
+                  <a:txBody>
+                    <a:bodyPr/>
+                    <a:lstStyle/>
+                    <a:p>
+                      <a:r>
+                        <a:rPr lang="zh-TW" altLang="en-US" sz="1200" kern="0" dirty="0" smtClean="0">
+                          <a:solidFill>
+                            <a:srgbClr val="000000"/>
+                          </a:solidFill>
+                          <a:effectLst/>
+                          <a:latin typeface="Calibri" panose="020F0502020204030204" pitchFamily="34" charset="0"/>
+                          <a:ea typeface="+mn-ea"/>
+                          <a:cs typeface="新細明體" panose="02020500000000000000" pitchFamily="18" charset="-120"/>
+                        </a:rPr>
+                        <a:t>鍾承翰、林杰毅</a:t>
+                      </a:r>
+                      <a:endParaRPr lang="zh-TW" altLang="en-US" sz="1200" kern="0" dirty="0">
+                        <a:solidFill>
+                          <a:srgbClr val="000000"/>
+                        </a:solidFill>
+                        <a:effectLst/>
+                        <a:latin typeface="Calibri" panose="020F0502020204030204" pitchFamily="34" charset="0"/>
+                        <a:ea typeface="新細明體" panose="02020500000000000000" pitchFamily="18" charset="-120"/>
+                        <a:cs typeface="新細明體" panose="02020500000000000000" pitchFamily="18" charset="-120"/>
+                      </a:endParaRPr>
+                    </a:p>
+                  </a:txBody>
+                  <a:tcPr marL="91451" marR="91451" marT="45725" marB="45725"/>
+                </a:tc>
+                <a:extLst>
+                  <a:ext uri="{0D108BD9-81ED-4DB2-BD59-A6C34878D82A}">
+                    <a16:rowId xmlns:a16="http://schemas.microsoft.com/office/drawing/2014/main" xmlns="" val="1873275827"/>
+                  </a:ext>
+                </a:extLst>
+              </a:tr>
+              <a:tr h="335912">
+                <a:tc>
+                  <a:txBody>
+                    <a:bodyPr/>
+                    <a:lstStyle/>
+                    <a:p>
+                      <a:pPr algn="l">
+                        <a:spcAft>
+                          <a:spcPts val="0"/>
+                        </a:spcAft>
+                      </a:pPr>
+                      <a:r>
+                        <a:rPr lang="zh-TW" sz="1150" b="1" kern="100">
+                          <a:solidFill>
+                            <a:srgbClr val="000000"/>
+                          </a:solidFill>
+                          <a:effectLst/>
+                          <a:latin typeface="新細明體" panose="02020500000000000000" pitchFamily="18" charset="-120"/>
+                          <a:ea typeface="新細明體" panose="02020500000000000000" pitchFamily="18" charset="-120"/>
+                          <a:cs typeface="新細明體" panose="02020500000000000000" pitchFamily="18" charset="-120"/>
+                        </a:rPr>
+                        <a:t>課程管理權限設計 </a:t>
+                      </a:r>
+                      <a:endParaRPr lang="zh-TW" sz="1200" b="1" kern="100">
                         <a:solidFill>
                           <a:srgbClr val="000000"/>
                         </a:solidFill>
@@ -7729,7 +6619,7 @@
                           <a:ea typeface="+mn-ea"/>
                           <a:cs typeface="新細明體" panose="02020500000000000000" pitchFamily="18" charset="-120"/>
                         </a:rPr>
-                        <a:t>鍾承翰、吳彥銘、林杰毅、陳佐昂</a:t>
+                        <a:t>鍾承翰、林杰毅、陳佐昂</a:t>
                       </a:r>
                     </a:p>
                   </a:txBody>
@@ -7737,7 +6627,151 @@
                 </a:tc>
                 <a:extLst>
                   <a:ext uri="{0D108BD9-81ED-4DB2-BD59-A6C34878D82A}">
-                    <a16:rowId xmlns="" xmlns:a16="http://schemas.microsoft.com/office/drawing/2014/main" val="4216443485"/>
+                    <a16:rowId xmlns:a16="http://schemas.microsoft.com/office/drawing/2014/main" xmlns="" val="4216443485"/>
+                  </a:ext>
+                </a:extLst>
+              </a:tr>
+              <a:tr h="335912">
+                <a:tc>
+                  <a:txBody>
+                    <a:bodyPr/>
+                    <a:lstStyle/>
+                    <a:p>
+                      <a:pPr algn="l">
+                        <a:spcAft>
+                          <a:spcPts val="0"/>
+                        </a:spcAft>
+                      </a:pPr>
+                      <a:r>
+                        <a:rPr lang="zh-TW" sz="1150" b="1" kern="100">
+                          <a:solidFill>
+                            <a:srgbClr val="000000"/>
+                          </a:solidFill>
+                          <a:effectLst/>
+                          <a:latin typeface="新細明體" panose="02020500000000000000" pitchFamily="18" charset="-120"/>
+                          <a:ea typeface="新細明體" panose="02020500000000000000" pitchFamily="18" charset="-120"/>
+                          <a:cs typeface="新細明體" panose="02020500000000000000" pitchFamily="18" charset="-120"/>
+                        </a:rPr>
+                        <a:t>作業繳交設計 </a:t>
+                      </a:r>
+                      <a:endParaRPr lang="zh-TW" sz="1200" b="1" kern="100">
+                        <a:solidFill>
+                          <a:srgbClr val="000000"/>
+                        </a:solidFill>
+                        <a:effectLst/>
+                        <a:latin typeface="新細明體" panose="02020500000000000000" pitchFamily="18" charset="-120"/>
+                        <a:ea typeface="新細明體" panose="02020500000000000000" pitchFamily="18" charset="-120"/>
+                        <a:cs typeface="新細明體" panose="02020500000000000000" pitchFamily="18" charset="-120"/>
+                      </a:endParaRPr>
+                    </a:p>
+                  </a:txBody>
+                  <a:tcPr marL="36195" marR="0" marT="0" marB="36195"/>
+                </a:tc>
+                <a:tc>
+                  <a:txBody>
+                    <a:bodyPr/>
+                    <a:lstStyle/>
+                    <a:p>
+                      <a:r>
+                        <a:rPr lang="zh-TW" altLang="en-US" sz="1200" kern="0" dirty="0" smtClean="0">
+                          <a:solidFill>
+                            <a:srgbClr val="000000"/>
+                          </a:solidFill>
+                          <a:effectLst/>
+                          <a:latin typeface="Calibri" panose="020F0502020204030204" pitchFamily="34" charset="0"/>
+                          <a:ea typeface="+mn-ea"/>
+                          <a:cs typeface="新細明體" panose="02020500000000000000" pitchFamily="18" charset="-120"/>
+                        </a:rPr>
+                        <a:t>鍾承翰、吳彥銘、林杰毅</a:t>
+                      </a:r>
+                      <a:endParaRPr lang="zh-TW" altLang="en-US" sz="1200" kern="0" dirty="0">
+                        <a:solidFill>
+                          <a:srgbClr val="000000"/>
+                        </a:solidFill>
+                        <a:effectLst/>
+                        <a:latin typeface="Calibri" panose="020F0502020204030204" pitchFamily="34" charset="0"/>
+                        <a:ea typeface="新細明體" panose="02020500000000000000" pitchFamily="18" charset="-120"/>
+                        <a:cs typeface="新細明體" panose="02020500000000000000" pitchFamily="18" charset="-120"/>
+                      </a:endParaRPr>
+                    </a:p>
+                  </a:txBody>
+                  <a:tcPr marL="91451" marR="91451" marT="45725" marB="45725"/>
+                </a:tc>
+                <a:extLst>
+                  <a:ext uri="{0D108BD9-81ED-4DB2-BD59-A6C34878D82A}">
+                    <a16:rowId xmlns:a16="http://schemas.microsoft.com/office/drawing/2014/main" xmlns="" val="524508212"/>
+                  </a:ext>
+                </a:extLst>
+              </a:tr>
+              <a:tr h="335912">
+                <a:tc>
+                  <a:txBody>
+                    <a:bodyPr/>
+                    <a:lstStyle/>
+                    <a:p>
+                      <a:pPr algn="l">
+                        <a:spcAft>
+                          <a:spcPts val="0"/>
+                        </a:spcAft>
+                      </a:pPr>
+                      <a:r>
+                        <a:rPr lang="zh-TW" sz="1150" b="1" kern="100" dirty="0">
+                          <a:solidFill>
+                            <a:srgbClr val="000000"/>
+                          </a:solidFill>
+                          <a:effectLst/>
+                          <a:latin typeface="新細明體" panose="02020500000000000000" pitchFamily="18" charset="-120"/>
+                          <a:ea typeface="新細明體" panose="02020500000000000000" pitchFamily="18" charset="-120"/>
+                          <a:cs typeface="新細明體" panose="02020500000000000000" pitchFamily="18" charset="-120"/>
+                        </a:rPr>
+                        <a:t>作業追蹤設計 </a:t>
+                      </a:r>
+                      <a:endParaRPr lang="zh-TW" sz="1200" b="1" kern="100" dirty="0">
+                        <a:solidFill>
+                          <a:srgbClr val="000000"/>
+                        </a:solidFill>
+                        <a:effectLst/>
+                        <a:latin typeface="新細明體" panose="02020500000000000000" pitchFamily="18" charset="-120"/>
+                        <a:ea typeface="新細明體" panose="02020500000000000000" pitchFamily="18" charset="-120"/>
+                        <a:cs typeface="新細明體" panose="02020500000000000000" pitchFamily="18" charset="-120"/>
+                      </a:endParaRPr>
+                    </a:p>
+                  </a:txBody>
+                  <a:tcPr marL="36195" marR="0" marT="0" marB="36195"/>
+                </a:tc>
+                <a:tc>
+                  <a:txBody>
+                    <a:bodyPr/>
+                    <a:lstStyle/>
+                    <a:p>
+                      <a:r>
+                        <a:rPr lang="zh-TW" altLang="en-US" sz="1200" kern="0" dirty="0" smtClean="0">
+                          <a:solidFill>
+                            <a:srgbClr val="000000"/>
+                          </a:solidFill>
+                          <a:effectLst/>
+                          <a:latin typeface="Calibri" panose="020F0502020204030204" pitchFamily="34" charset="0"/>
+                          <a:ea typeface="+mn-ea"/>
+                          <a:cs typeface="新細明體" panose="02020500000000000000" pitchFamily="18" charset="-120"/>
+                        </a:rPr>
+                        <a:t>吳彥銘、林杰毅、陳佐昂</a:t>
+                      </a:r>
+                      <a:endParaRPr lang="zh-TW" altLang="en-US" sz="1200" kern="0" dirty="0">
+                        <a:solidFill>
+                          <a:srgbClr val="000000"/>
+                        </a:solidFill>
+                        <a:effectLst/>
+                        <a:latin typeface="Calibri" panose="020F0502020204030204" pitchFamily="34" charset="0"/>
+                        <a:ea typeface="新細明體" panose="02020500000000000000" pitchFamily="18" charset="-120"/>
+                        <a:cs typeface="新細明體" panose="02020500000000000000" pitchFamily="18" charset="-120"/>
+                      </a:endParaRPr>
+                    </a:p>
+                  </a:txBody>
+                  <a:tcPr marL="91451" marR="91451" marT="45725" marB="45725"/>
+                </a:tc>
+                <a:extLst>
+                  <a:ext uri="{0D108BD9-81ED-4DB2-BD59-A6C34878D82A}">
+                    <a16:rowId xmlns:a16="http://schemas.microsoft.com/office/drawing/2014/main" xmlns="" val="2657342310"/>
                   </a:ext>
                 </a:extLst>
               </a:tr>
@@ -7768,7 +6802,7 @@
               <a:pPr>
                 <a:defRPr/>
               </a:pPr>
-              <a:t>2017/10/31</a:t>
+              <a:t>2017/11/1</a:t>
             </a:fld>
             <a:endParaRPr lang="zh-TW" altLang="en-US"/>
           </a:p>
@@ -7801,7 +6835,7 @@
     </p:spTree>
     <p:extLst>
       <p:ext uri="{BB962C8B-B14F-4D97-AF65-F5344CB8AC3E}">
-        <p14:creationId xmlns:p14="http://schemas.microsoft.com/office/powerpoint/2010/main" val="1153371783"/>
+        <p14:creationId xmlns:p14="http://schemas.microsoft.com/office/powerpoint/2010/main" val="1768414352"/>
       </p:ext>
     </p:extLst>
   </p:cSld>
@@ -7850,25 +6884,21 @@
           <a:bodyPr/>
           <a:lstStyle/>
           <a:p>
+            <a:pPr lvl="1"/>
             <a:r>
-              <a:rPr lang="en-US" altLang="zh-TW" dirty="0">
-                <a:effectLst/>
-              </a:rPr>
-              <a:t>Team </a:t>
+              <a:rPr lang="en-US" altLang="zh-TW" dirty="0"/>
+              <a:t>Task </a:t>
             </a:r>
             <a:r>
-              <a:rPr lang="en-US" altLang="zh-TW" dirty="0" smtClean="0">
-                <a:effectLst/>
-              </a:rPr>
-              <a:t>Meeting</a:t>
+              <a:rPr lang="en-US" altLang="zh-TW" dirty="0" smtClean="0"/>
+              <a:t>Assignments</a:t>
             </a:r>
-            <a:endParaRPr lang="zh-TW" altLang="en-US" dirty="0"/>
           </a:p>
         </p:txBody>
       </p:sp>
       <p:graphicFrame>
         <p:nvGraphicFramePr>
-          <p:cNvPr id="7" name="內容版面配置區 6"/>
+          <p:cNvPr id="8" name="內容版面配置區 7"/>
           <p:cNvGraphicFramePr>
             <a:graphicFrameLocks noGrp="1"/>
           </p:cNvGraphicFramePr>
@@ -7876,14 +6906,14 @@
             <p:ph idx="1"/>
             <p:extLst>
               <p:ext uri="{D42A27DB-BD31-4B8C-83A1-F6EECF244321}">
-                <p14:modId xmlns:p14="http://schemas.microsoft.com/office/powerpoint/2010/main" val="8627931"/>
+                <p14:modId xmlns:p14="http://schemas.microsoft.com/office/powerpoint/2010/main" val="3823161815"/>
               </p:ext>
             </p:extLst>
           </p:nvPr>
         </p:nvGraphicFramePr>
         <p:xfrm>
-          <a:off x="457200" y="1600200"/>
-          <a:ext cx="8229600" cy="4079240"/>
+          <a:off x="444210" y="1371069"/>
+          <a:ext cx="8161200" cy="4409315"/>
         </p:xfrm>
         <a:graphic>
           <a:graphicData uri="http://schemas.openxmlformats.org/drawingml/2006/table">
@@ -7892,72 +6922,380 @@
                 <a:tableStyleId>{5C22544A-7EE6-4342-B048-85BDC9FD1C3A}</a:tableStyleId>
               </a:tblPr>
               <a:tblGrid>
-                <a:gridCol w="2743200">
+                <a:gridCol w="2712099">
                   <a:extLst>
                     <a:ext uri="{9D8B030D-6E8A-4147-A177-3AD203B41FA5}">
-                      <a16:colId xmlns="" xmlns:a16="http://schemas.microsoft.com/office/drawing/2014/main" val="62378008"/>
+                      <a16:colId xmlns:a16="http://schemas.microsoft.com/office/drawing/2014/main" xmlns="" val="87633011"/>
                     </a:ext>
                   </a:extLst>
                 </a:gridCol>
-                <a:gridCol w="2743200"/>
-                <a:gridCol w="2743200">
+                <a:gridCol w="5449101">
                   <a:extLst>
                     <a:ext uri="{9D8B030D-6E8A-4147-A177-3AD203B41FA5}">
-                      <a16:colId xmlns="" xmlns:a16="http://schemas.microsoft.com/office/drawing/2014/main" val="3074775320"/>
+                      <a16:colId xmlns:a16="http://schemas.microsoft.com/office/drawing/2014/main" xmlns="" val="2925896174"/>
                     </a:ext>
                   </a:extLst>
                 </a:gridCol>
               </a:tblGrid>
-              <a:tr h="370840">
-                <a:tc>
-                  <a:txBody>
-                    <a:bodyPr/>
-                    <a:lstStyle/>
-                    <a:p>
-                      <a:r>
-                        <a:rPr lang="zh-TW" altLang="en-US" dirty="0" smtClean="0"/>
-                        <a:t>日期</a:t>
-                      </a:r>
-                      <a:endParaRPr lang="zh-TW" altLang="en-US" dirty="0"/>
-                    </a:p>
-                  </a:txBody>
-                  <a:tcPr/>
-                </a:tc>
-                <a:tc>
-                  <a:txBody>
-                    <a:bodyPr/>
-                    <a:lstStyle/>
-                    <a:p>
-                      <a:r>
-                        <a:rPr lang="zh-TW" altLang="en-US" dirty="0" smtClean="0"/>
-                        <a:t>描述</a:t>
-                      </a:r>
-                      <a:endParaRPr lang="zh-TW" altLang="en-US" dirty="0"/>
-                    </a:p>
-                  </a:txBody>
-                  <a:tcPr/>
-                </a:tc>
-                <a:tc>
-                  <a:txBody>
-                    <a:bodyPr/>
-                    <a:lstStyle/>
-                    <a:p>
-                      <a:r>
-                        <a:rPr lang="zh-TW" altLang="en-US" dirty="0" smtClean="0"/>
-                        <a:t>小時</a:t>
-                      </a:r>
-                      <a:endParaRPr lang="zh-TW" altLang="en-US" dirty="0"/>
-                    </a:p>
-                  </a:txBody>
-                  <a:tcPr/>
+              <a:tr h="365859">
+                <a:tc>
+                  <a:txBody>
+                    <a:bodyPr/>
+                    <a:lstStyle/>
+                    <a:p>
+                      <a:r>
+                        <a:rPr lang="en-US" altLang="zh-TW" sz="1800" dirty="0" smtClean="0"/>
+                        <a:t>Task</a:t>
+                      </a:r>
+                      <a:endParaRPr lang="zh-TW" altLang="en-US" sz="1800" dirty="0"/>
+                    </a:p>
+                  </a:txBody>
+                  <a:tcPr marL="91451" marR="91451" marT="45725" marB="45725"/>
+                </a:tc>
+                <a:tc>
+                  <a:txBody>
+                    <a:bodyPr/>
+                    <a:lstStyle/>
+                    <a:p>
+                      <a:r>
+                        <a:rPr lang="en-US" altLang="zh-TW" sz="1800" dirty="0" smtClean="0"/>
+                        <a:t>name</a:t>
+                      </a:r>
+                      <a:endParaRPr lang="zh-TW" altLang="en-US" sz="1800" dirty="0"/>
+                    </a:p>
+                  </a:txBody>
+                  <a:tcPr marL="91451" marR="91451" marT="45725" marB="45725"/>
                 </a:tc>
                 <a:extLst>
                   <a:ext uri="{0D108BD9-81ED-4DB2-BD59-A6C34878D82A}">
-                    <a16:rowId xmlns="" xmlns:a16="http://schemas.microsoft.com/office/drawing/2014/main" val="1544415356"/>
+                    <a16:rowId xmlns:a16="http://schemas.microsoft.com/office/drawing/2014/main" xmlns="" val="3895224598"/>
                   </a:ext>
                 </a:extLst>
               </a:tr>
-              <a:tr h="370840">
+              <a:tr h="335912">
+                <a:tc>
+                  <a:txBody>
+                    <a:bodyPr/>
+                    <a:lstStyle/>
+                    <a:p>
+                      <a:pPr algn="l">
+                        <a:spcAft>
+                          <a:spcPts val="0"/>
+                        </a:spcAft>
+                      </a:pPr>
+                      <a:r>
+                        <a:rPr lang="zh-TW" sz="1150" b="1" kern="100">
+                          <a:solidFill>
+                            <a:srgbClr val="000000"/>
+                          </a:solidFill>
+                          <a:effectLst/>
+                          <a:latin typeface="新細明體" panose="02020500000000000000" pitchFamily="18" charset="-120"/>
+                          <a:ea typeface="新細明體" panose="02020500000000000000" pitchFamily="18" charset="-120"/>
+                          <a:cs typeface="新細明體" panose="02020500000000000000" pitchFamily="18" charset="-120"/>
+                        </a:rPr>
+                        <a:t>作業成績統計設計 </a:t>
+                      </a:r>
+                      <a:endParaRPr lang="zh-TW" sz="1200" b="1" kern="100">
+                        <a:solidFill>
+                          <a:srgbClr val="000000"/>
+                        </a:solidFill>
+                        <a:effectLst/>
+                        <a:latin typeface="新細明體" panose="02020500000000000000" pitchFamily="18" charset="-120"/>
+                        <a:ea typeface="新細明體" panose="02020500000000000000" pitchFamily="18" charset="-120"/>
+                        <a:cs typeface="新細明體" panose="02020500000000000000" pitchFamily="18" charset="-120"/>
+                      </a:endParaRPr>
+                    </a:p>
+                  </a:txBody>
+                  <a:tcPr marL="36195" marR="0" marT="0" marB="36195"/>
+                </a:tc>
+                <a:tc>
+                  <a:txBody>
+                    <a:bodyPr/>
+                    <a:lstStyle/>
+                    <a:p>
+                      <a:r>
+                        <a:rPr lang="zh-TW" altLang="en-US" sz="1200" kern="0" dirty="0" smtClean="0">
+                          <a:solidFill>
+                            <a:srgbClr val="000000"/>
+                          </a:solidFill>
+                          <a:effectLst/>
+                          <a:latin typeface="Calibri" panose="020F0502020204030204" pitchFamily="34" charset="0"/>
+                          <a:ea typeface="新細明體" panose="02020500000000000000" pitchFamily="18" charset="-120"/>
+                          <a:cs typeface="新細明體" panose="02020500000000000000" pitchFamily="18" charset="-120"/>
+                        </a:rPr>
+                        <a:t>陳佐昂、林杰毅</a:t>
+                      </a:r>
+                      <a:endParaRPr lang="en-US" altLang="zh-TW" sz="1200" kern="0" dirty="0" smtClean="0">
+                        <a:solidFill>
+                          <a:srgbClr val="000000"/>
+                        </a:solidFill>
+                        <a:effectLst/>
+                        <a:latin typeface="Calibri" panose="020F0502020204030204" pitchFamily="34" charset="0"/>
+                        <a:ea typeface="新細明體" panose="02020500000000000000" pitchFamily="18" charset="-120"/>
+                        <a:cs typeface="新細明體" panose="02020500000000000000" pitchFamily="18" charset="-120"/>
+                      </a:endParaRPr>
+                    </a:p>
+                  </a:txBody>
+                  <a:tcPr marL="91451" marR="91451" marT="45725" marB="45725"/>
+                </a:tc>
+                <a:extLst>
+                  <a:ext uri="{0D108BD9-81ED-4DB2-BD59-A6C34878D82A}">
+                    <a16:rowId xmlns:a16="http://schemas.microsoft.com/office/drawing/2014/main" xmlns="" val="2227397568"/>
+                  </a:ext>
+                </a:extLst>
+              </a:tr>
+              <a:tr h="335912">
+                <a:tc>
+                  <a:txBody>
+                    <a:bodyPr/>
+                    <a:lstStyle/>
+                    <a:p>
+                      <a:pPr algn="l">
+                        <a:spcAft>
+                          <a:spcPts val="0"/>
+                        </a:spcAft>
+                      </a:pPr>
+                      <a:r>
+                        <a:rPr lang="zh-TW" sz="1150" b="1" kern="100">
+                          <a:solidFill>
+                            <a:srgbClr val="000000"/>
+                          </a:solidFill>
+                          <a:effectLst/>
+                          <a:latin typeface="新細明體" panose="02020500000000000000" pitchFamily="18" charset="-120"/>
+                          <a:ea typeface="新細明體" panose="02020500000000000000" pitchFamily="18" charset="-120"/>
+                          <a:cs typeface="新細明體" panose="02020500000000000000" pitchFamily="18" charset="-120"/>
+                        </a:rPr>
+                        <a:t>介面設計 </a:t>
+                      </a:r>
+                      <a:endParaRPr lang="zh-TW" sz="1200" b="1" kern="100">
+                        <a:solidFill>
+                          <a:srgbClr val="000000"/>
+                        </a:solidFill>
+                        <a:effectLst/>
+                        <a:latin typeface="新細明體" panose="02020500000000000000" pitchFamily="18" charset="-120"/>
+                        <a:ea typeface="新細明體" panose="02020500000000000000" pitchFamily="18" charset="-120"/>
+                        <a:cs typeface="新細明體" panose="02020500000000000000" pitchFamily="18" charset="-120"/>
+                      </a:endParaRPr>
+                    </a:p>
+                  </a:txBody>
+                  <a:tcPr marL="36195" marR="0" marT="0" marB="36195"/>
+                </a:tc>
+                <a:tc>
+                  <a:txBody>
+                    <a:bodyPr/>
+                    <a:lstStyle/>
+                    <a:p>
+                      <a:r>
+                        <a:rPr lang="zh-TW" altLang="en-US" sz="1200" kern="0" dirty="0" smtClean="0">
+                          <a:solidFill>
+                            <a:srgbClr val="000000"/>
+                          </a:solidFill>
+                          <a:effectLst/>
+                          <a:latin typeface="Calibri" panose="020F0502020204030204" pitchFamily="34" charset="0"/>
+                          <a:ea typeface="新細明體" panose="02020500000000000000" pitchFamily="18" charset="-120"/>
+                          <a:cs typeface="新細明體" panose="02020500000000000000" pitchFamily="18" charset="-120"/>
+                        </a:rPr>
+                        <a:t>鍾承翰、吳彥銘</a:t>
+                      </a:r>
+                      <a:endParaRPr lang="zh-TW" altLang="en-US" sz="1200" kern="0" dirty="0">
+                        <a:solidFill>
+                          <a:srgbClr val="000000"/>
+                        </a:solidFill>
+                        <a:effectLst/>
+                        <a:latin typeface="Calibri" panose="020F0502020204030204" pitchFamily="34" charset="0"/>
+                        <a:ea typeface="新細明體" panose="02020500000000000000" pitchFamily="18" charset="-120"/>
+                        <a:cs typeface="新細明體" panose="02020500000000000000" pitchFamily="18" charset="-120"/>
+                      </a:endParaRPr>
+                    </a:p>
+                  </a:txBody>
+                  <a:tcPr marL="91451" marR="91451" marT="45725" marB="45725"/>
+                </a:tc>
+                <a:extLst>
+                  <a:ext uri="{0D108BD9-81ED-4DB2-BD59-A6C34878D82A}">
+                    <a16:rowId xmlns:a16="http://schemas.microsoft.com/office/drawing/2014/main" xmlns="" val="2285874812"/>
+                  </a:ext>
+                </a:extLst>
+              </a:tr>
+              <a:tr h="335912">
+                <a:tc>
+                  <a:txBody>
+                    <a:bodyPr/>
+                    <a:lstStyle/>
+                    <a:p>
+                      <a:pPr algn="l">
+                        <a:spcAft>
+                          <a:spcPts val="0"/>
+                        </a:spcAft>
+                      </a:pPr>
+                      <a:r>
+                        <a:rPr lang="zh-TW" sz="1150" b="1" kern="100">
+                          <a:solidFill>
+                            <a:srgbClr val="000000"/>
+                          </a:solidFill>
+                          <a:effectLst/>
+                          <a:latin typeface="新細明體" panose="02020500000000000000" pitchFamily="18" charset="-120"/>
+                          <a:ea typeface="新細明體" panose="02020500000000000000" pitchFamily="18" charset="-120"/>
+                          <a:cs typeface="新細明體" panose="02020500000000000000" pitchFamily="18" charset="-120"/>
+                        </a:rPr>
+                        <a:t>使用者驗證身分實作與測試 </a:t>
+                      </a:r>
+                      <a:endParaRPr lang="zh-TW" sz="1200" b="1" kern="100">
+                        <a:solidFill>
+                          <a:srgbClr val="000000"/>
+                        </a:solidFill>
+                        <a:effectLst/>
+                        <a:latin typeface="新細明體" panose="02020500000000000000" pitchFamily="18" charset="-120"/>
+                        <a:ea typeface="新細明體" panose="02020500000000000000" pitchFamily="18" charset="-120"/>
+                        <a:cs typeface="新細明體" panose="02020500000000000000" pitchFamily="18" charset="-120"/>
+                      </a:endParaRPr>
+                    </a:p>
+                  </a:txBody>
+                  <a:tcPr marL="36195" marR="0" marT="0" marB="36195"/>
+                </a:tc>
+                <a:tc>
+                  <a:txBody>
+                    <a:bodyPr/>
+                    <a:lstStyle/>
+                    <a:p>
+                      <a:r>
+                        <a:rPr lang="zh-TW" altLang="en-US" sz="1200" kern="0" dirty="0" smtClean="0">
+                          <a:solidFill>
+                            <a:srgbClr val="000000"/>
+                          </a:solidFill>
+                          <a:effectLst/>
+                          <a:latin typeface="Calibri" panose="020F0502020204030204" pitchFamily="34" charset="0"/>
+                          <a:ea typeface="+mn-ea"/>
+                          <a:cs typeface="新細明體" panose="02020500000000000000" pitchFamily="18" charset="-120"/>
+                        </a:rPr>
+                        <a:t>吳彥銘、林杰毅</a:t>
+                      </a:r>
+                      <a:endParaRPr lang="zh-TW" altLang="en-US" sz="1200" kern="0" dirty="0">
+                        <a:solidFill>
+                          <a:srgbClr val="000000"/>
+                        </a:solidFill>
+                        <a:effectLst/>
+                        <a:latin typeface="Calibri" panose="020F0502020204030204" pitchFamily="34" charset="0"/>
+                        <a:ea typeface="+mn-ea"/>
+                        <a:cs typeface="新細明體" panose="02020500000000000000" pitchFamily="18" charset="-120"/>
+                      </a:endParaRPr>
+                    </a:p>
+                  </a:txBody>
+                  <a:tcPr marL="91451" marR="91451" marT="45725" marB="45725"/>
+                </a:tc>
+                <a:extLst>
+                  <a:ext uri="{0D108BD9-81ED-4DB2-BD59-A6C34878D82A}">
+                    <a16:rowId xmlns:a16="http://schemas.microsoft.com/office/drawing/2014/main" xmlns="" val="3504635375"/>
+                  </a:ext>
+                </a:extLst>
+              </a:tr>
+              <a:tr h="335912">
+                <a:tc>
+                  <a:txBody>
+                    <a:bodyPr/>
+                    <a:lstStyle/>
+                    <a:p>
+                      <a:pPr algn="l">
+                        <a:spcAft>
+                          <a:spcPts val="0"/>
+                        </a:spcAft>
+                      </a:pPr>
+                      <a:r>
+                        <a:rPr lang="zh-TW" sz="1150" b="1" kern="100">
+                          <a:solidFill>
+                            <a:srgbClr val="000000"/>
+                          </a:solidFill>
+                          <a:effectLst/>
+                          <a:latin typeface="新細明體" panose="02020500000000000000" pitchFamily="18" charset="-120"/>
+                          <a:ea typeface="新細明體" panose="02020500000000000000" pitchFamily="18" charset="-120"/>
+                          <a:cs typeface="新細明體" panose="02020500000000000000" pitchFamily="18" charset="-120"/>
+                        </a:rPr>
+                        <a:t>課程管理實作與測試 </a:t>
+                      </a:r>
+                      <a:endParaRPr lang="zh-TW" sz="1200" b="1" kern="100">
+                        <a:solidFill>
+                          <a:srgbClr val="000000"/>
+                        </a:solidFill>
+                        <a:effectLst/>
+                        <a:latin typeface="新細明體" panose="02020500000000000000" pitchFamily="18" charset="-120"/>
+                        <a:ea typeface="新細明體" panose="02020500000000000000" pitchFamily="18" charset="-120"/>
+                        <a:cs typeface="新細明體" panose="02020500000000000000" pitchFamily="18" charset="-120"/>
+                      </a:endParaRPr>
+                    </a:p>
+                  </a:txBody>
+                  <a:tcPr marL="36195" marR="0" marT="0" marB="36195"/>
+                </a:tc>
+                <a:tc>
+                  <a:txBody>
+                    <a:bodyPr/>
+                    <a:lstStyle/>
+                    <a:p>
+                      <a:r>
+                        <a:rPr lang="zh-TW" altLang="en-US" sz="1200" kern="0" dirty="0" smtClean="0">
+                          <a:solidFill>
+                            <a:srgbClr val="000000"/>
+                          </a:solidFill>
+                          <a:effectLst/>
+                          <a:latin typeface="Calibri" panose="020F0502020204030204" pitchFamily="34" charset="0"/>
+                          <a:ea typeface="+mn-ea"/>
+                          <a:cs typeface="新細明體" panose="02020500000000000000" pitchFamily="18" charset="-120"/>
+                        </a:rPr>
+                        <a:t>鍾承翰、林杰毅</a:t>
+                      </a:r>
+                      <a:endParaRPr lang="zh-TW" altLang="en-US" sz="1200" kern="0" dirty="0">
+                        <a:solidFill>
+                          <a:srgbClr val="000000"/>
+                        </a:solidFill>
+                        <a:effectLst/>
+                        <a:latin typeface="Calibri" panose="020F0502020204030204" pitchFamily="34" charset="0"/>
+                        <a:ea typeface="+mn-ea"/>
+                        <a:cs typeface="新細明體" panose="02020500000000000000" pitchFamily="18" charset="-120"/>
+                      </a:endParaRPr>
+                    </a:p>
+                  </a:txBody>
+                  <a:tcPr marL="91451" marR="91451" marT="45725" marB="45725"/>
+                </a:tc>
+                <a:extLst>
+                  <a:ext uri="{0D108BD9-81ED-4DB2-BD59-A6C34878D82A}">
+                    <a16:rowId xmlns:a16="http://schemas.microsoft.com/office/drawing/2014/main" xmlns="" val="1370675075"/>
+                  </a:ext>
+                </a:extLst>
+              </a:tr>
+              <a:tr h="348424">
+                <a:tc>
+                  <a:txBody>
+                    <a:bodyPr/>
+                    <a:lstStyle/>
+                    <a:p>
+                      <a:pPr algn="l">
+                        <a:spcAft>
+                          <a:spcPts val="0"/>
+                        </a:spcAft>
+                      </a:pPr>
+                      <a:r>
+                        <a:rPr lang="zh-TW" sz="1150" b="1" kern="100">
+                          <a:solidFill>
+                            <a:srgbClr val="000000"/>
+                          </a:solidFill>
+                          <a:effectLst/>
+                          <a:latin typeface="新細明體" panose="02020500000000000000" pitchFamily="18" charset="-120"/>
+                          <a:ea typeface="新細明體" panose="02020500000000000000" pitchFamily="18" charset="-120"/>
+                          <a:cs typeface="新細明體" panose="02020500000000000000" pitchFamily="18" charset="-120"/>
+                        </a:rPr>
+                        <a:t>課程管理權限實作與測試 </a:t>
+                      </a:r>
+                      <a:endParaRPr lang="zh-TW" sz="1200" b="1" kern="100">
+                        <a:solidFill>
+                          <a:srgbClr val="000000"/>
+                        </a:solidFill>
+                        <a:effectLst/>
+                        <a:latin typeface="新細明體" panose="02020500000000000000" pitchFamily="18" charset="-120"/>
+                        <a:ea typeface="新細明體" panose="02020500000000000000" pitchFamily="18" charset="-120"/>
+                        <a:cs typeface="新細明體" panose="02020500000000000000" pitchFamily="18" charset="-120"/>
+                      </a:endParaRPr>
+                    </a:p>
+                  </a:txBody>
+                  <a:tcPr marL="36195" marR="0" marT="0" marB="36195"/>
+                </a:tc>
                 <a:tc>
                   <a:txBody>
                     <a:bodyPr/>
@@ -7981,13 +7319,350 @@
                         <a:defRPr/>
                       </a:pPr>
                       <a:r>
-                        <a:rPr lang="en-US" altLang="zh-TW" dirty="0" smtClean="0"/>
-                        <a:t>10/2</a:t>
-                      </a:r>
-                      <a:endParaRPr lang="zh-TW" altLang="en-US" dirty="0" smtClean="0"/>
-                    </a:p>
-                  </a:txBody>
-                  <a:tcPr/>
+                        <a:rPr lang="zh-TW" altLang="en-US" sz="1200" kern="0" dirty="0" smtClean="0">
+                          <a:solidFill>
+                            <a:srgbClr val="000000"/>
+                          </a:solidFill>
+                          <a:effectLst/>
+                          <a:latin typeface="Calibri" panose="020F0502020204030204" pitchFamily="34" charset="0"/>
+                          <a:ea typeface="+mn-ea"/>
+                          <a:cs typeface="新細明體" panose="02020500000000000000" pitchFamily="18" charset="-120"/>
+                        </a:rPr>
+                        <a:t>鍾承翰、林杰毅、陳佐昂</a:t>
+                      </a:r>
+                    </a:p>
+                  </a:txBody>
+                  <a:tcPr marL="91451" marR="91451" marT="45725" marB="45725"/>
+                </a:tc>
+                <a:extLst>
+                  <a:ext uri="{0D108BD9-81ED-4DB2-BD59-A6C34878D82A}">
+                    <a16:rowId xmlns:a16="http://schemas.microsoft.com/office/drawing/2014/main" xmlns="" val="4079855752"/>
+                  </a:ext>
+                </a:extLst>
+              </a:tr>
+              <a:tr h="335912">
+                <a:tc>
+                  <a:txBody>
+                    <a:bodyPr/>
+                    <a:lstStyle/>
+                    <a:p>
+                      <a:pPr algn="l">
+                        <a:spcAft>
+                          <a:spcPts val="0"/>
+                        </a:spcAft>
+                      </a:pPr>
+                      <a:r>
+                        <a:rPr lang="zh-TW" sz="1150" b="1" kern="100">
+                          <a:solidFill>
+                            <a:srgbClr val="000000"/>
+                          </a:solidFill>
+                          <a:effectLst/>
+                          <a:latin typeface="新細明體" panose="02020500000000000000" pitchFamily="18" charset="-120"/>
+                          <a:ea typeface="新細明體" panose="02020500000000000000" pitchFamily="18" charset="-120"/>
+                          <a:cs typeface="新細明體" panose="02020500000000000000" pitchFamily="18" charset="-120"/>
+                        </a:rPr>
+                        <a:t>作業繳交實作與測試 </a:t>
+                      </a:r>
+                      <a:endParaRPr lang="zh-TW" sz="1200" b="1" kern="100">
+                        <a:solidFill>
+                          <a:srgbClr val="000000"/>
+                        </a:solidFill>
+                        <a:effectLst/>
+                        <a:latin typeface="新細明體" panose="02020500000000000000" pitchFamily="18" charset="-120"/>
+                        <a:ea typeface="新細明體" panose="02020500000000000000" pitchFamily="18" charset="-120"/>
+                        <a:cs typeface="新細明體" panose="02020500000000000000" pitchFamily="18" charset="-120"/>
+                      </a:endParaRPr>
+                    </a:p>
+                  </a:txBody>
+                  <a:tcPr marL="36195" marR="0" marT="0" marB="36195"/>
+                </a:tc>
+                <a:tc>
+                  <a:txBody>
+                    <a:bodyPr/>
+                    <a:lstStyle/>
+                    <a:p>
+                      <a:r>
+                        <a:rPr lang="zh-TW" altLang="en-US" sz="1200" kern="0" dirty="0" smtClean="0">
+                          <a:solidFill>
+                            <a:srgbClr val="000000"/>
+                          </a:solidFill>
+                          <a:effectLst/>
+                          <a:latin typeface="Calibri" panose="020F0502020204030204" pitchFamily="34" charset="0"/>
+                          <a:ea typeface="+mn-ea"/>
+                          <a:cs typeface="新細明體" panose="02020500000000000000" pitchFamily="18" charset="-120"/>
+                        </a:rPr>
+                        <a:t>鍾承翰、吳彥銘、林杰毅</a:t>
+                      </a:r>
+                      <a:endParaRPr lang="zh-TW" altLang="en-US" sz="1200" kern="0" dirty="0">
+                        <a:solidFill>
+                          <a:srgbClr val="000000"/>
+                        </a:solidFill>
+                        <a:effectLst/>
+                        <a:latin typeface="Calibri" panose="020F0502020204030204" pitchFamily="34" charset="0"/>
+                        <a:ea typeface="+mn-ea"/>
+                        <a:cs typeface="新細明體" panose="02020500000000000000" pitchFamily="18" charset="-120"/>
+                      </a:endParaRPr>
+                    </a:p>
+                  </a:txBody>
+                  <a:tcPr marL="91451" marR="91451" marT="45725" marB="45725"/>
+                </a:tc>
+                <a:extLst>
+                  <a:ext uri="{0D108BD9-81ED-4DB2-BD59-A6C34878D82A}">
+                    <a16:rowId xmlns:a16="http://schemas.microsoft.com/office/drawing/2014/main" xmlns="" val="3252417867"/>
+                  </a:ext>
+                </a:extLst>
+              </a:tr>
+              <a:tr h="335912">
+                <a:tc>
+                  <a:txBody>
+                    <a:bodyPr/>
+                    <a:lstStyle/>
+                    <a:p>
+                      <a:pPr algn="l">
+                        <a:spcAft>
+                          <a:spcPts val="0"/>
+                        </a:spcAft>
+                      </a:pPr>
+                      <a:r>
+                        <a:rPr lang="zh-TW" sz="1150" b="1" kern="100">
+                          <a:solidFill>
+                            <a:srgbClr val="000000"/>
+                          </a:solidFill>
+                          <a:effectLst/>
+                          <a:latin typeface="新細明體" panose="02020500000000000000" pitchFamily="18" charset="-120"/>
+                          <a:ea typeface="新細明體" panose="02020500000000000000" pitchFamily="18" charset="-120"/>
+                          <a:cs typeface="新細明體" panose="02020500000000000000" pitchFamily="18" charset="-120"/>
+                        </a:rPr>
+                        <a:t>作業追蹤實作與測試 </a:t>
+                      </a:r>
+                      <a:endParaRPr lang="zh-TW" sz="1200" b="1" kern="100">
+                        <a:solidFill>
+                          <a:srgbClr val="000000"/>
+                        </a:solidFill>
+                        <a:effectLst/>
+                        <a:latin typeface="新細明體" panose="02020500000000000000" pitchFamily="18" charset="-120"/>
+                        <a:ea typeface="新細明體" panose="02020500000000000000" pitchFamily="18" charset="-120"/>
+                        <a:cs typeface="新細明體" panose="02020500000000000000" pitchFamily="18" charset="-120"/>
+                      </a:endParaRPr>
+                    </a:p>
+                  </a:txBody>
+                  <a:tcPr marL="36195" marR="0" marT="0" marB="36195"/>
+                </a:tc>
+                <a:tc>
+                  <a:txBody>
+                    <a:bodyPr/>
+                    <a:lstStyle/>
+                    <a:p>
+                      <a:r>
+                        <a:rPr lang="zh-TW" altLang="en-US" sz="1200" kern="0" dirty="0" smtClean="0">
+                          <a:solidFill>
+                            <a:srgbClr val="000000"/>
+                          </a:solidFill>
+                          <a:effectLst/>
+                          <a:latin typeface="Calibri" panose="020F0502020204030204" pitchFamily="34" charset="0"/>
+                          <a:ea typeface="+mn-ea"/>
+                          <a:cs typeface="新細明體" panose="02020500000000000000" pitchFamily="18" charset="-120"/>
+                        </a:rPr>
+                        <a:t>吳彥銘、林杰毅、陳佐昂</a:t>
+                      </a:r>
+                      <a:endParaRPr lang="zh-TW" altLang="en-US" sz="1200" kern="0" dirty="0">
+                        <a:solidFill>
+                          <a:srgbClr val="000000"/>
+                        </a:solidFill>
+                        <a:effectLst/>
+                        <a:latin typeface="Calibri" panose="020F0502020204030204" pitchFamily="34" charset="0"/>
+                        <a:ea typeface="+mn-ea"/>
+                        <a:cs typeface="新細明體" panose="02020500000000000000" pitchFamily="18" charset="-120"/>
+                      </a:endParaRPr>
+                    </a:p>
+                  </a:txBody>
+                  <a:tcPr marL="91451" marR="91451" marT="45725" marB="45725"/>
+                </a:tc>
+                <a:extLst>
+                  <a:ext uri="{0D108BD9-81ED-4DB2-BD59-A6C34878D82A}">
+                    <a16:rowId xmlns:a16="http://schemas.microsoft.com/office/drawing/2014/main" xmlns="" val="2776023583"/>
+                  </a:ext>
+                </a:extLst>
+              </a:tr>
+              <a:tr h="335912">
+                <a:tc>
+                  <a:txBody>
+                    <a:bodyPr/>
+                    <a:lstStyle/>
+                    <a:p>
+                      <a:pPr algn="l">
+                        <a:spcAft>
+                          <a:spcPts val="0"/>
+                        </a:spcAft>
+                      </a:pPr>
+                      <a:r>
+                        <a:rPr lang="zh-TW" sz="1150" b="1" kern="100" dirty="0">
+                          <a:solidFill>
+                            <a:srgbClr val="000000"/>
+                          </a:solidFill>
+                          <a:effectLst/>
+                          <a:latin typeface="新細明體" panose="02020500000000000000" pitchFamily="18" charset="-120"/>
+                          <a:ea typeface="新細明體" panose="02020500000000000000" pitchFamily="18" charset="-120"/>
+                          <a:cs typeface="新細明體" panose="02020500000000000000" pitchFamily="18" charset="-120"/>
+                        </a:rPr>
+                        <a:t>作業成績統計實作與測試 </a:t>
+                      </a:r>
+                      <a:endParaRPr lang="zh-TW" sz="1200" b="1" kern="100" dirty="0">
+                        <a:solidFill>
+                          <a:srgbClr val="000000"/>
+                        </a:solidFill>
+                        <a:effectLst/>
+                        <a:latin typeface="新細明體" panose="02020500000000000000" pitchFamily="18" charset="-120"/>
+                        <a:ea typeface="新細明體" panose="02020500000000000000" pitchFamily="18" charset="-120"/>
+                        <a:cs typeface="新細明體" panose="02020500000000000000" pitchFamily="18" charset="-120"/>
+                      </a:endParaRPr>
+                    </a:p>
+                  </a:txBody>
+                  <a:tcPr marL="36195" marR="0" marT="0" marB="36195"/>
+                </a:tc>
+                <a:tc>
+                  <a:txBody>
+                    <a:bodyPr/>
+                    <a:lstStyle/>
+                    <a:p>
+                      <a:r>
+                        <a:rPr lang="zh-TW" altLang="en-US" sz="1200" kern="0" dirty="0" smtClean="0">
+                          <a:solidFill>
+                            <a:srgbClr val="000000"/>
+                          </a:solidFill>
+                          <a:effectLst/>
+                          <a:latin typeface="Calibri" panose="020F0502020204030204" pitchFamily="34" charset="0"/>
+                          <a:ea typeface="新細明體" panose="02020500000000000000" pitchFamily="18" charset="-120"/>
+                          <a:cs typeface="新細明體" panose="02020500000000000000" pitchFamily="18" charset="-120"/>
+                        </a:rPr>
+                        <a:t>鍾承翰、吳彥銘</a:t>
+                      </a:r>
+                      <a:endParaRPr lang="zh-TW" altLang="en-US" sz="1200" kern="0" dirty="0">
+                        <a:solidFill>
+                          <a:srgbClr val="000000"/>
+                        </a:solidFill>
+                        <a:effectLst/>
+                        <a:latin typeface="Calibri" panose="020F0502020204030204" pitchFamily="34" charset="0"/>
+                        <a:ea typeface="新細明體" panose="02020500000000000000" pitchFamily="18" charset="-120"/>
+                        <a:cs typeface="新細明體" panose="02020500000000000000" pitchFamily="18" charset="-120"/>
+                      </a:endParaRPr>
+                    </a:p>
+                  </a:txBody>
+                  <a:tcPr marL="91451" marR="91451" marT="45725" marB="45725"/>
+                </a:tc>
+                <a:extLst>
+                  <a:ext uri="{0D108BD9-81ED-4DB2-BD59-A6C34878D82A}">
+                    <a16:rowId xmlns:a16="http://schemas.microsoft.com/office/drawing/2014/main" xmlns="" val="1167250090"/>
+                  </a:ext>
+                </a:extLst>
+              </a:tr>
+              <a:tr h="335912">
+                <a:tc>
+                  <a:txBody>
+                    <a:bodyPr/>
+                    <a:lstStyle/>
+                    <a:p>
+                      <a:pPr algn="l">
+                        <a:spcAft>
+                          <a:spcPts val="0"/>
+                        </a:spcAft>
+                      </a:pPr>
+                      <a:r>
+                        <a:rPr lang="zh-TW" sz="1150" b="1" kern="100">
+                          <a:solidFill>
+                            <a:srgbClr val="000000"/>
+                          </a:solidFill>
+                          <a:effectLst/>
+                          <a:latin typeface="新細明體" panose="02020500000000000000" pitchFamily="18" charset="-120"/>
+                          <a:ea typeface="新細明體" panose="02020500000000000000" pitchFamily="18" charset="-120"/>
+                          <a:cs typeface="新細明體" panose="02020500000000000000" pitchFamily="18" charset="-120"/>
+                        </a:rPr>
+                        <a:t>介面實作與測試 </a:t>
+                      </a:r>
+                      <a:endParaRPr lang="zh-TW" sz="1200" b="1" kern="100">
+                        <a:solidFill>
+                          <a:srgbClr val="000000"/>
+                        </a:solidFill>
+                        <a:effectLst/>
+                        <a:latin typeface="新細明體" panose="02020500000000000000" pitchFamily="18" charset="-120"/>
+                        <a:ea typeface="新細明體" panose="02020500000000000000" pitchFamily="18" charset="-120"/>
+                        <a:cs typeface="新細明體" panose="02020500000000000000" pitchFamily="18" charset="-120"/>
+                      </a:endParaRPr>
+                    </a:p>
+                  </a:txBody>
+                  <a:tcPr marL="36195" marR="0" marT="0" marB="36195"/>
+                </a:tc>
+                <a:tc>
+                  <a:txBody>
+                    <a:bodyPr/>
+                    <a:lstStyle/>
+                    <a:p>
+                      <a:r>
+                        <a:rPr lang="zh-TW" altLang="en-US" sz="1200" kern="0" dirty="0" smtClean="0">
+                          <a:solidFill>
+                            <a:srgbClr val="000000"/>
+                          </a:solidFill>
+                          <a:effectLst/>
+                          <a:latin typeface="Calibri" panose="020F0502020204030204" pitchFamily="34" charset="0"/>
+                          <a:ea typeface="+mn-ea"/>
+                          <a:cs typeface="新細明體" panose="02020500000000000000" pitchFamily="18" charset="-120"/>
+                        </a:rPr>
+                        <a:t>吳彥銘、林杰毅、陳佐昂</a:t>
+                      </a:r>
+                      <a:endParaRPr lang="zh-TW" altLang="en-US" sz="1200" kern="0" dirty="0">
+                        <a:solidFill>
+                          <a:srgbClr val="000000"/>
+                        </a:solidFill>
+                        <a:effectLst/>
+                        <a:latin typeface="Calibri" panose="020F0502020204030204" pitchFamily="34" charset="0"/>
+                        <a:ea typeface="新細明體" panose="02020500000000000000" pitchFamily="18" charset="-120"/>
+                        <a:cs typeface="新細明體" panose="02020500000000000000" pitchFamily="18" charset="-120"/>
+                      </a:endParaRPr>
+                    </a:p>
+                  </a:txBody>
+                  <a:tcPr marL="91451" marR="91451" marT="45725" marB="45725"/>
+                </a:tc>
+                <a:extLst>
+                  <a:ext uri="{0D108BD9-81ED-4DB2-BD59-A6C34878D82A}">
+                    <a16:rowId xmlns:a16="http://schemas.microsoft.com/office/drawing/2014/main" xmlns="" val="3851974090"/>
+                  </a:ext>
+                </a:extLst>
+              </a:tr>
+              <a:tr h="335912">
+                <a:tc>
+                  <a:txBody>
+                    <a:bodyPr/>
+                    <a:lstStyle/>
+                    <a:p>
+                      <a:pPr algn="l">
+                        <a:spcAft>
+                          <a:spcPts val="0"/>
+                        </a:spcAft>
+                      </a:pPr>
+                      <a:r>
+                        <a:rPr lang="zh-TW" sz="1150" b="1" kern="100">
+                          <a:solidFill>
+                            <a:srgbClr val="000000"/>
+                          </a:solidFill>
+                          <a:effectLst/>
+                          <a:latin typeface="新細明體" panose="02020500000000000000" pitchFamily="18" charset="-120"/>
+                          <a:ea typeface="新細明體" panose="02020500000000000000" pitchFamily="18" charset="-120"/>
+                          <a:cs typeface="新細明體" panose="02020500000000000000" pitchFamily="18" charset="-120"/>
+                        </a:rPr>
+                        <a:t>整合測試</a:t>
+                      </a:r>
+                      <a:endParaRPr lang="zh-TW" sz="1200" b="1" kern="100">
+                        <a:solidFill>
+                          <a:srgbClr val="000000"/>
+                        </a:solidFill>
+                        <a:effectLst/>
+                        <a:latin typeface="新細明體" panose="02020500000000000000" pitchFamily="18" charset="-120"/>
+                        <a:ea typeface="新細明體" panose="02020500000000000000" pitchFamily="18" charset="-120"/>
+                        <a:cs typeface="新細明體" panose="02020500000000000000" pitchFamily="18" charset="-120"/>
+                      </a:endParaRPr>
+                    </a:p>
+                  </a:txBody>
+                  <a:tcPr marL="36195" marR="0" marT="0" marB="36195"/>
                 </a:tc>
                 <a:tc>
                   <a:txBody>
@@ -8012,13 +7687,62 @@
                         <a:defRPr/>
                       </a:pPr>
                       <a:r>
-                        <a:rPr lang="en-US" altLang="zh-TW" dirty="0" smtClean="0"/>
-                        <a:t>PEP</a:t>
-                      </a:r>
-                      <a:endParaRPr lang="zh-TW" altLang="en-US" dirty="0" smtClean="0"/>
-                    </a:p>
-                  </a:txBody>
-                  <a:tcPr/>
+                        <a:rPr lang="zh-TW" altLang="en-US" sz="1200" kern="0" dirty="0" smtClean="0">
+                          <a:solidFill>
+                            <a:srgbClr val="000000"/>
+                          </a:solidFill>
+                          <a:effectLst/>
+                          <a:latin typeface="Calibri" panose="020F0502020204030204" pitchFamily="34" charset="0"/>
+                          <a:ea typeface="+mn-ea"/>
+                          <a:cs typeface="新細明體" panose="02020500000000000000" pitchFamily="18" charset="-120"/>
+                        </a:rPr>
+                        <a:t>鍾承翰、吳彥銘、林杰毅、陳佐昂</a:t>
+                      </a:r>
+                    </a:p>
+                  </a:txBody>
+                  <a:tcPr marL="91451" marR="91451" marT="45725" marB="45725"/>
+                </a:tc>
+                <a:extLst>
+                  <a:ext uri="{0D108BD9-81ED-4DB2-BD59-A6C34878D82A}">
+                    <a16:rowId xmlns:a16="http://schemas.microsoft.com/office/drawing/2014/main" xmlns="" val="3064833447"/>
+                  </a:ext>
+                </a:extLst>
+              </a:tr>
+              <a:tr h="335912">
+                <a:tc>
+                  <a:txBody>
+                    <a:bodyPr/>
+                    <a:lstStyle/>
+                    <a:p>
+                      <a:pPr algn="l">
+                        <a:spcAft>
+                          <a:spcPts val="0"/>
+                        </a:spcAft>
+                      </a:pPr>
+                      <a:r>
+                        <a:rPr lang="zh-TW" sz="1150" b="1" kern="100">
+                          <a:solidFill>
+                            <a:srgbClr val="000000"/>
+                          </a:solidFill>
+                          <a:effectLst/>
+                          <a:latin typeface="新細明體" panose="02020500000000000000" pitchFamily="18" charset="-120"/>
+                          <a:ea typeface="新細明體" panose="02020500000000000000" pitchFamily="18" charset="-120"/>
+                          <a:cs typeface="新細明體" panose="02020500000000000000" pitchFamily="18" charset="-120"/>
+                        </a:rPr>
+                        <a:t>軟體系統測試 </a:t>
+                      </a:r>
+                      <a:endParaRPr lang="zh-TW" sz="1200" b="1" kern="100">
+                        <a:solidFill>
+                          <a:srgbClr val="000000"/>
+                        </a:solidFill>
+                        <a:effectLst/>
+                        <a:latin typeface="新細明體" panose="02020500000000000000" pitchFamily="18" charset="-120"/>
+                        <a:ea typeface="新細明體" panose="02020500000000000000" pitchFamily="18" charset="-120"/>
+                        <a:cs typeface="新細明體" panose="02020500000000000000" pitchFamily="18" charset="-120"/>
+                      </a:endParaRPr>
+                    </a:p>
+                  </a:txBody>
+                  <a:tcPr marL="36195" marR="0" marT="0" marB="36195"/>
                 </a:tc>
                 <a:tc>
                   <a:txBody>
@@ -8043,44 +7767,69 @@
                         <a:defRPr/>
                       </a:pPr>
                       <a:r>
-                        <a:rPr lang="en-US" altLang="zh-TW" dirty="0" smtClean="0"/>
-                        <a:t>3</a:t>
-                      </a:r>
-                      <a:r>
-                        <a:rPr lang="zh-TW" altLang="en-US" dirty="0" smtClean="0"/>
-                        <a:t>小時</a:t>
-                      </a:r>
-                    </a:p>
-                  </a:txBody>
-                  <a:tcPr/>
+                        <a:rPr lang="zh-TW" altLang="en-US" sz="1200" kern="0" dirty="0" smtClean="0">
+                          <a:solidFill>
+                            <a:srgbClr val="000000"/>
+                          </a:solidFill>
+                          <a:effectLst/>
+                          <a:latin typeface="Calibri" panose="020F0502020204030204" pitchFamily="34" charset="0"/>
+                          <a:ea typeface="+mn-ea"/>
+                          <a:cs typeface="新細明體" panose="02020500000000000000" pitchFamily="18" charset="-120"/>
+                        </a:rPr>
+                        <a:t>鍾承翰、吳彥銘、林杰毅、陳佐昂</a:t>
+                      </a:r>
+                    </a:p>
+                  </a:txBody>
+                  <a:tcPr marL="91451" marR="91451" marT="45725" marB="45725"/>
                 </a:tc>
                 <a:extLst>
                   <a:ext uri="{0D108BD9-81ED-4DB2-BD59-A6C34878D82A}">
-                    <a16:rowId xmlns="" xmlns:a16="http://schemas.microsoft.com/office/drawing/2014/main" val="3044866068"/>
+                    <a16:rowId xmlns:a16="http://schemas.microsoft.com/office/drawing/2014/main" xmlns="" val="1873275827"/>
                   </a:ext>
                 </a:extLst>
               </a:tr>
-              <a:tr h="370840">
-                <a:tc>
-                  <a:txBody>
-                    <a:bodyPr/>
-                    <a:lstStyle/>
-                    <a:p>
-                      <a:r>
-                        <a:rPr lang="en-US" altLang="zh-TW" dirty="0" smtClean="0"/>
-                        <a:t>10/5</a:t>
-                      </a:r>
-                      <a:endParaRPr lang="zh-TW" altLang="en-US" dirty="0"/>
-                    </a:p>
-                  </a:txBody>
-                  <a:tcPr/>
-                </a:tc>
-                <a:tc>
-                  <a:txBody>
-                    <a:bodyPr/>
-                    <a:lstStyle/>
-                    <a:p>
-                      <a:pPr marL="0" marR="0" lvl="0" indent="0" algn="l" defTabSz="914400" rtl="0" eaLnBrk="1" fontAlgn="auto" latinLnBrk="0" hangingPunct="1">
+              <a:tr h="335912">
+                <a:tc>
+                  <a:txBody>
+                    <a:bodyPr/>
+                    <a:lstStyle/>
+                    <a:p>
+                      <a:pPr algn="l">
+                        <a:spcAft>
+                          <a:spcPts val="0"/>
+                        </a:spcAft>
+                      </a:pPr>
+                      <a:r>
+                        <a:rPr lang="zh-TW" sz="1150" b="1" kern="100" dirty="0">
+                          <a:solidFill>
+                            <a:srgbClr val="000000"/>
+                          </a:solidFill>
+                          <a:effectLst/>
+                          <a:latin typeface="新細明體" panose="02020500000000000000" pitchFamily="18" charset="-120"/>
+                          <a:ea typeface="新細明體" panose="02020500000000000000" pitchFamily="18" charset="-120"/>
+                          <a:cs typeface="新細明體" panose="02020500000000000000" pitchFamily="18" charset="-120"/>
+                        </a:rPr>
+                        <a:t>接受度測試 </a:t>
+                      </a:r>
+                      <a:endParaRPr lang="zh-TW" sz="1200" b="1" kern="100" dirty="0">
+                        <a:solidFill>
+                          <a:srgbClr val="000000"/>
+                        </a:solidFill>
+                        <a:effectLst/>
+                        <a:latin typeface="新細明體" panose="02020500000000000000" pitchFamily="18" charset="-120"/>
+                        <a:ea typeface="新細明體" panose="02020500000000000000" pitchFamily="18" charset="-120"/>
+                        <a:cs typeface="新細明體" panose="02020500000000000000" pitchFamily="18" charset="-120"/>
+                      </a:endParaRPr>
+                    </a:p>
+                  </a:txBody>
+                  <a:tcPr marL="36195" marR="0" marT="0" marB="36195"/>
+                </a:tc>
+                <a:tc>
+                  <a:txBody>
+                    <a:bodyPr/>
+                    <a:lstStyle/>
+                    <a:p>
+                      <a:pPr marL="0" marR="0" indent="0" algn="l" defTabSz="914400" rtl="0" eaLnBrk="1" fontAlgn="auto" latinLnBrk="0" hangingPunct="1">
                         <a:lnSpc>
                           <a:spcPct val="100000"/>
                         </a:lnSpc>
@@ -8098,747 +7847,24 @@
                         <a:defRPr/>
                       </a:pPr>
                       <a:r>
-                        <a:rPr lang="en-US" altLang="zh-TW" dirty="0" smtClean="0"/>
-                        <a:t>PEP</a:t>
-                      </a:r>
-                      <a:endParaRPr lang="zh-TW" altLang="en-US" dirty="0" smtClean="0"/>
-                    </a:p>
-                  </a:txBody>
-                  <a:tcPr/>
-                </a:tc>
-                <a:tc>
-                  <a:txBody>
-                    <a:bodyPr/>
-                    <a:lstStyle/>
-                    <a:p>
-                      <a:r>
-                        <a:rPr lang="en-US" altLang="zh-TW" dirty="0" smtClean="0"/>
-                        <a:t>2</a:t>
-                      </a:r>
-                      <a:r>
-                        <a:rPr lang="zh-TW" altLang="en-US" dirty="0" smtClean="0"/>
-                        <a:t>小時</a:t>
-                      </a:r>
-                      <a:endParaRPr lang="zh-TW" altLang="en-US" dirty="0"/>
-                    </a:p>
-                  </a:txBody>
-                  <a:tcPr/>
+                        <a:rPr lang="zh-TW" altLang="en-US" sz="1200" kern="0" dirty="0" smtClean="0">
+                          <a:solidFill>
+                            <a:srgbClr val="000000"/>
+                          </a:solidFill>
+                          <a:effectLst/>
+                          <a:latin typeface="Calibri" panose="020F0502020204030204" pitchFamily="34" charset="0"/>
+                          <a:ea typeface="+mn-ea"/>
+                          <a:cs typeface="新細明體" panose="02020500000000000000" pitchFamily="18" charset="-120"/>
+                        </a:rPr>
+                        <a:t>鍾承翰、吳彥銘、林杰毅、陳佐昂</a:t>
+                      </a:r>
+                    </a:p>
+                  </a:txBody>
+                  <a:tcPr marL="91451" marR="91451" marT="45725" marB="45725"/>
                 </a:tc>
                 <a:extLst>
                   <a:ext uri="{0D108BD9-81ED-4DB2-BD59-A6C34878D82A}">
-                    <a16:rowId xmlns="" xmlns:a16="http://schemas.microsoft.com/office/drawing/2014/main" val="1829722761"/>
-                  </a:ext>
-                </a:extLst>
-              </a:tr>
-              <a:tr h="370840">
-                <a:tc>
-                  <a:txBody>
-                    <a:bodyPr/>
-                    <a:lstStyle/>
-                    <a:p>
-                      <a:r>
-                        <a:rPr lang="en-US" altLang="zh-TW" dirty="0" smtClean="0"/>
-                        <a:t>10/11</a:t>
-                      </a:r>
-                      <a:endParaRPr lang="zh-TW" altLang="en-US" dirty="0"/>
-                    </a:p>
-                  </a:txBody>
-                  <a:tcPr/>
-                </a:tc>
-                <a:tc>
-                  <a:txBody>
-                    <a:bodyPr/>
-                    <a:lstStyle/>
-                    <a:p>
-                      <a:pPr marL="0" marR="0" lvl="0" indent="0" algn="l" defTabSz="914400" rtl="0" eaLnBrk="1" fontAlgn="auto" latinLnBrk="0" hangingPunct="1">
-                        <a:lnSpc>
-                          <a:spcPct val="100000"/>
-                        </a:lnSpc>
-                        <a:spcBef>
-                          <a:spcPts val="0"/>
-                        </a:spcBef>
-                        <a:spcAft>
-                          <a:spcPts val="0"/>
-                        </a:spcAft>
-                        <a:buClrTx/>
-                        <a:buSzTx/>
-                        <a:buFontTx/>
-                        <a:buNone/>
-                        <a:tabLst/>
-                        <a:defRPr/>
-                      </a:pPr>
-                      <a:r>
-                        <a:rPr lang="en-US" altLang="zh-TW" dirty="0" smtClean="0"/>
-                        <a:t>PEP</a:t>
-                      </a:r>
-                      <a:endParaRPr lang="zh-TW" altLang="en-US" dirty="0" smtClean="0"/>
-                    </a:p>
-                  </a:txBody>
-                  <a:tcPr/>
-                </a:tc>
-                <a:tc>
-                  <a:txBody>
-                    <a:bodyPr/>
-                    <a:lstStyle/>
-                    <a:p>
-                      <a:pPr marL="0" marR="0" indent="0" algn="l" defTabSz="914400" rtl="0" eaLnBrk="1" fontAlgn="auto" latinLnBrk="0" hangingPunct="1">
-                        <a:lnSpc>
-                          <a:spcPct val="100000"/>
-                        </a:lnSpc>
-                        <a:spcBef>
-                          <a:spcPts val="0"/>
-                        </a:spcBef>
-                        <a:spcAft>
-                          <a:spcPts val="0"/>
-                        </a:spcAft>
-                        <a:buClrTx/>
-                        <a:buSzTx/>
-                        <a:buFontTx/>
-                        <a:buNone/>
-                        <a:tabLst/>
-                        <a:defRPr/>
-                      </a:pPr>
-                      <a:r>
-                        <a:rPr lang="en-US" altLang="zh-TW" dirty="0" smtClean="0"/>
-                        <a:t>3</a:t>
-                      </a:r>
-                      <a:r>
-                        <a:rPr lang="zh-TW" altLang="en-US" dirty="0" smtClean="0"/>
-                        <a:t>小時</a:t>
-                      </a:r>
-                    </a:p>
-                  </a:txBody>
-                  <a:tcPr/>
-                </a:tc>
-                <a:extLst>
-                  <a:ext uri="{0D108BD9-81ED-4DB2-BD59-A6C34878D82A}">
-                    <a16:rowId xmlns="" xmlns:a16="http://schemas.microsoft.com/office/drawing/2014/main" val="1680919419"/>
-                  </a:ext>
-                </a:extLst>
-              </a:tr>
-              <a:tr h="370840">
-                <a:tc>
-                  <a:txBody>
-                    <a:bodyPr/>
-                    <a:lstStyle/>
-                    <a:p>
-                      <a:r>
-                        <a:rPr lang="en-US" altLang="zh-TW" dirty="0" smtClean="0"/>
-                        <a:t>10/18</a:t>
-                      </a:r>
-                      <a:endParaRPr lang="zh-TW" altLang="en-US" dirty="0"/>
-                    </a:p>
-                  </a:txBody>
-                  <a:tcPr/>
-                </a:tc>
-                <a:tc>
-                  <a:txBody>
-                    <a:bodyPr/>
-                    <a:lstStyle/>
-                    <a:p>
-                      <a:pPr marL="0" marR="0" lvl="0" indent="0" algn="l" defTabSz="914400" rtl="0" eaLnBrk="1" fontAlgn="auto" latinLnBrk="0" hangingPunct="1">
-                        <a:lnSpc>
-                          <a:spcPct val="100000"/>
-                        </a:lnSpc>
-                        <a:spcBef>
-                          <a:spcPts val="0"/>
-                        </a:spcBef>
-                        <a:spcAft>
-                          <a:spcPts val="0"/>
-                        </a:spcAft>
-                        <a:buClrTx/>
-                        <a:buSzTx/>
-                        <a:buFontTx/>
-                        <a:buNone/>
-                        <a:tabLst/>
-                        <a:defRPr/>
-                      </a:pPr>
-                      <a:r>
-                        <a:rPr lang="en-US" altLang="zh-TW" dirty="0" smtClean="0"/>
-                        <a:t>PEP</a:t>
-                      </a:r>
-                      <a:endParaRPr lang="zh-TW" altLang="en-US" dirty="0" smtClean="0"/>
-                    </a:p>
-                  </a:txBody>
-                  <a:tcPr/>
-                </a:tc>
-                <a:tc>
-                  <a:txBody>
-                    <a:bodyPr/>
-                    <a:lstStyle/>
-                    <a:p>
-                      <a:pPr marL="0" marR="0" indent="0" algn="l" defTabSz="914400" rtl="0" eaLnBrk="1" fontAlgn="auto" latinLnBrk="0" hangingPunct="1">
-                        <a:lnSpc>
-                          <a:spcPct val="100000"/>
-                        </a:lnSpc>
-                        <a:spcBef>
-                          <a:spcPts val="0"/>
-                        </a:spcBef>
-                        <a:spcAft>
-                          <a:spcPts val="0"/>
-                        </a:spcAft>
-                        <a:buClrTx/>
-                        <a:buSzTx/>
-                        <a:buFontTx/>
-                        <a:buNone/>
-                        <a:tabLst/>
-                        <a:defRPr/>
-                      </a:pPr>
-                      <a:r>
-                        <a:rPr lang="en-US" altLang="zh-TW" dirty="0" smtClean="0"/>
-                        <a:t>1</a:t>
-                      </a:r>
-                      <a:r>
-                        <a:rPr lang="zh-TW" altLang="en-US" dirty="0" smtClean="0"/>
-                        <a:t>小時</a:t>
-                      </a:r>
-                    </a:p>
-                  </a:txBody>
-                  <a:tcPr/>
-                </a:tc>
-                <a:extLst>
-                  <a:ext uri="{0D108BD9-81ED-4DB2-BD59-A6C34878D82A}">
-                    <a16:rowId xmlns="" xmlns:a16="http://schemas.microsoft.com/office/drawing/2014/main" val="2783317447"/>
-                  </a:ext>
-                </a:extLst>
-              </a:tr>
-              <a:tr h="370840">
-                <a:tc>
-                  <a:txBody>
-                    <a:bodyPr/>
-                    <a:lstStyle/>
-                    <a:p>
-                      <a:r>
-                        <a:rPr lang="en-US" altLang="zh-TW" dirty="0" smtClean="0"/>
-                        <a:t>10/19</a:t>
-                      </a:r>
-                      <a:endParaRPr lang="zh-TW" altLang="en-US" dirty="0"/>
-                    </a:p>
-                  </a:txBody>
-                  <a:tcPr/>
-                </a:tc>
-                <a:tc>
-                  <a:txBody>
-                    <a:bodyPr/>
-                    <a:lstStyle/>
-                    <a:p>
-                      <a:pPr marL="0" marR="0" lvl="0" indent="0" algn="l" defTabSz="914400" rtl="0" eaLnBrk="1" fontAlgn="auto" latinLnBrk="0" hangingPunct="1">
-                        <a:lnSpc>
-                          <a:spcPct val="100000"/>
-                        </a:lnSpc>
-                        <a:spcBef>
-                          <a:spcPts val="0"/>
-                        </a:spcBef>
-                        <a:spcAft>
-                          <a:spcPts val="0"/>
-                        </a:spcAft>
-                        <a:buClrTx/>
-                        <a:buSzTx/>
-                        <a:buFontTx/>
-                        <a:buNone/>
-                        <a:tabLst/>
-                        <a:defRPr/>
-                      </a:pPr>
-                      <a:r>
-                        <a:rPr lang="en-US" altLang="zh-TW" dirty="0" smtClean="0"/>
-                        <a:t>PEP</a:t>
-                      </a:r>
-                      <a:r>
-                        <a:rPr lang="zh-TW" altLang="en-US" dirty="0" smtClean="0"/>
-                        <a:t> </a:t>
-                      </a:r>
-                      <a:r>
-                        <a:rPr lang="en-US" altLang="zh-TW" dirty="0" smtClean="0"/>
-                        <a:t>&amp;</a:t>
-                      </a:r>
-                      <a:r>
-                        <a:rPr lang="zh-TW" altLang="en-US" dirty="0" smtClean="0"/>
-                        <a:t> </a:t>
-                      </a:r>
-                      <a:r>
-                        <a:rPr lang="en-US" altLang="zh-TW" dirty="0" smtClean="0"/>
-                        <a:t>PASS</a:t>
-                      </a:r>
-                      <a:r>
-                        <a:rPr lang="zh-TW" altLang="en-US" dirty="0" smtClean="0"/>
-                        <a:t>開發</a:t>
-                      </a:r>
-                    </a:p>
-                  </a:txBody>
-                  <a:tcPr/>
-                </a:tc>
-                <a:tc>
-                  <a:txBody>
-                    <a:bodyPr/>
-                    <a:lstStyle/>
-                    <a:p>
-                      <a:pPr marL="0" marR="0" indent="0" algn="l" defTabSz="914400" rtl="0" eaLnBrk="1" fontAlgn="auto" latinLnBrk="0" hangingPunct="1">
-                        <a:lnSpc>
-                          <a:spcPct val="100000"/>
-                        </a:lnSpc>
-                        <a:spcBef>
-                          <a:spcPts val="0"/>
-                        </a:spcBef>
-                        <a:spcAft>
-                          <a:spcPts val="0"/>
-                        </a:spcAft>
-                        <a:buClrTx/>
-                        <a:buSzTx/>
-                        <a:buFontTx/>
-                        <a:buNone/>
-                        <a:tabLst/>
-                        <a:defRPr/>
-                      </a:pPr>
-                      <a:r>
-                        <a:rPr lang="en-US" altLang="zh-TW" dirty="0" smtClean="0"/>
-                        <a:t>3</a:t>
-                      </a:r>
-                      <a:r>
-                        <a:rPr lang="zh-TW" altLang="en-US" dirty="0" smtClean="0"/>
-                        <a:t>小時</a:t>
-                      </a:r>
-                    </a:p>
-                  </a:txBody>
-                  <a:tcPr/>
-                </a:tc>
-                <a:extLst>
-                  <a:ext uri="{0D108BD9-81ED-4DB2-BD59-A6C34878D82A}">
-                    <a16:rowId xmlns="" xmlns:a16="http://schemas.microsoft.com/office/drawing/2014/main" val="4073050539"/>
-                  </a:ext>
-                </a:extLst>
-              </a:tr>
-              <a:tr h="370840">
-                <a:tc>
-                  <a:txBody>
-                    <a:bodyPr/>
-                    <a:lstStyle/>
-                    <a:p>
-                      <a:r>
-                        <a:rPr lang="en-US" altLang="zh-TW" dirty="0" smtClean="0"/>
-                        <a:t>10/20</a:t>
-                      </a:r>
-                      <a:endParaRPr lang="zh-TW" altLang="en-US" dirty="0"/>
-                    </a:p>
-                  </a:txBody>
-                  <a:tcPr/>
-                </a:tc>
-                <a:tc>
-                  <a:txBody>
-                    <a:bodyPr/>
-                    <a:lstStyle/>
-                    <a:p>
-                      <a:r>
-                        <a:rPr lang="en-US" altLang="zh-TW" dirty="0" smtClean="0"/>
-                        <a:t>SRS</a:t>
-                      </a:r>
-                      <a:endParaRPr lang="zh-TW" altLang="en-US" dirty="0"/>
-                    </a:p>
-                  </a:txBody>
-                  <a:tcPr/>
-                </a:tc>
-                <a:tc>
-                  <a:txBody>
-                    <a:bodyPr/>
-                    <a:lstStyle/>
-                    <a:p>
-                      <a:pPr marL="0" marR="0" indent="0" algn="l" defTabSz="914400" rtl="0" eaLnBrk="1" fontAlgn="auto" latinLnBrk="0" hangingPunct="1">
-                        <a:lnSpc>
-                          <a:spcPct val="100000"/>
-                        </a:lnSpc>
-                        <a:spcBef>
-                          <a:spcPts val="0"/>
-                        </a:spcBef>
-                        <a:spcAft>
-                          <a:spcPts val="0"/>
-                        </a:spcAft>
-                        <a:buClrTx/>
-                        <a:buSzTx/>
-                        <a:buFontTx/>
-                        <a:buNone/>
-                        <a:tabLst/>
-                        <a:defRPr/>
-                      </a:pPr>
-                      <a:r>
-                        <a:rPr lang="en-US" altLang="zh-TW" dirty="0" smtClean="0"/>
-                        <a:t>3</a:t>
-                      </a:r>
-                      <a:r>
-                        <a:rPr lang="zh-TW" altLang="en-US" dirty="0" smtClean="0"/>
-                        <a:t>小時</a:t>
-                      </a:r>
-                    </a:p>
-                  </a:txBody>
-                  <a:tcPr/>
-                </a:tc>
-                <a:extLst>
-                  <a:ext uri="{0D108BD9-81ED-4DB2-BD59-A6C34878D82A}">
-                    <a16:rowId xmlns="" xmlns:a16="http://schemas.microsoft.com/office/drawing/2014/main" val="2598383543"/>
-                  </a:ext>
-                </a:extLst>
-              </a:tr>
-              <a:tr h="370840">
-                <a:tc>
-                  <a:txBody>
-                    <a:bodyPr/>
-                    <a:lstStyle/>
-                    <a:p>
-                      <a:r>
-                        <a:rPr lang="en-US" altLang="zh-TW" dirty="0" smtClean="0"/>
-                        <a:t>10/26</a:t>
-                      </a:r>
-                      <a:endParaRPr lang="zh-TW" altLang="en-US" dirty="0"/>
-                    </a:p>
-                  </a:txBody>
-                  <a:tcPr/>
-                </a:tc>
-                <a:tc>
-                  <a:txBody>
-                    <a:bodyPr/>
-                    <a:lstStyle/>
-                    <a:p>
-                      <a:pPr marL="0" marR="0" lvl="0" indent="0" algn="l" defTabSz="914400" rtl="0" eaLnBrk="1" fontAlgn="auto" latinLnBrk="0" hangingPunct="1">
-                        <a:lnSpc>
-                          <a:spcPct val="100000"/>
-                        </a:lnSpc>
-                        <a:spcBef>
-                          <a:spcPts val="0"/>
-                        </a:spcBef>
-                        <a:spcAft>
-                          <a:spcPts val="0"/>
-                        </a:spcAft>
-                        <a:buClrTx/>
-                        <a:buSzTx/>
-                        <a:buFontTx/>
-                        <a:buNone/>
-                        <a:tabLst/>
-                        <a:defRPr/>
-                      </a:pPr>
-                      <a:r>
-                        <a:rPr lang="en-US" altLang="zh-TW" dirty="0" smtClean="0"/>
-                        <a:t>SRS</a:t>
-                      </a:r>
-                      <a:endParaRPr lang="zh-TW" altLang="en-US" dirty="0" smtClean="0"/>
-                    </a:p>
-                  </a:txBody>
-                  <a:tcPr/>
-                </a:tc>
-                <a:tc>
-                  <a:txBody>
-                    <a:bodyPr/>
-                    <a:lstStyle/>
-                    <a:p>
-                      <a:pPr marL="0" marR="0" indent="0" algn="l" defTabSz="914400" rtl="0" eaLnBrk="1" fontAlgn="auto" latinLnBrk="0" hangingPunct="1">
-                        <a:lnSpc>
-                          <a:spcPct val="100000"/>
-                        </a:lnSpc>
-                        <a:spcBef>
-                          <a:spcPts val="0"/>
-                        </a:spcBef>
-                        <a:spcAft>
-                          <a:spcPts val="0"/>
-                        </a:spcAft>
-                        <a:buClrTx/>
-                        <a:buSzTx/>
-                        <a:buFontTx/>
-                        <a:buNone/>
-                        <a:tabLst/>
-                        <a:defRPr/>
-                      </a:pPr>
-                      <a:r>
-                        <a:rPr lang="en-US" altLang="zh-TW" dirty="0" smtClean="0"/>
-                        <a:t>2</a:t>
-                      </a:r>
-                      <a:r>
-                        <a:rPr lang="zh-TW" altLang="en-US" dirty="0" smtClean="0"/>
-                        <a:t>小時</a:t>
-                      </a:r>
-                    </a:p>
-                  </a:txBody>
-                  <a:tcPr/>
-                </a:tc>
-                <a:extLst>
-                  <a:ext uri="{0D108BD9-81ED-4DB2-BD59-A6C34878D82A}">
-                    <a16:rowId xmlns="" xmlns:a16="http://schemas.microsoft.com/office/drawing/2014/main" val="2465584741"/>
-                  </a:ext>
-                </a:extLst>
-              </a:tr>
-              <a:tr h="370840">
-                <a:tc>
-                  <a:txBody>
-                    <a:bodyPr/>
-                    <a:lstStyle/>
-                    <a:p>
-                      <a:r>
-                        <a:rPr lang="en-US" altLang="zh-TW" dirty="0" smtClean="0"/>
-                        <a:t>10/27</a:t>
-                      </a:r>
-                      <a:endParaRPr lang="zh-TW" altLang="en-US" dirty="0"/>
-                    </a:p>
-                  </a:txBody>
-                  <a:tcPr/>
-                </a:tc>
-                <a:tc>
-                  <a:txBody>
-                    <a:bodyPr/>
-                    <a:lstStyle/>
-                    <a:p>
-                      <a:pPr marL="0" marR="0" lvl="0" indent="0" algn="l" defTabSz="914400" rtl="0" eaLnBrk="1" fontAlgn="auto" latinLnBrk="0" hangingPunct="1">
-                        <a:lnSpc>
-                          <a:spcPct val="100000"/>
-                        </a:lnSpc>
-                        <a:spcBef>
-                          <a:spcPts val="0"/>
-                        </a:spcBef>
-                        <a:spcAft>
-                          <a:spcPts val="0"/>
-                        </a:spcAft>
-                        <a:buClrTx/>
-                        <a:buSzTx/>
-                        <a:buFontTx/>
-                        <a:buNone/>
-                        <a:tabLst/>
-                        <a:defRPr/>
-                      </a:pPr>
-                      <a:r>
-                        <a:rPr lang="en-US" altLang="zh-TW" dirty="0" smtClean="0"/>
-                        <a:t>SRS</a:t>
-                      </a:r>
-                      <a:endParaRPr lang="zh-TW" altLang="en-US" dirty="0" smtClean="0"/>
-                    </a:p>
-                  </a:txBody>
-                  <a:tcPr/>
-                </a:tc>
-                <a:tc>
-                  <a:txBody>
-                    <a:bodyPr/>
-                    <a:lstStyle/>
-                    <a:p>
-                      <a:pPr marL="0" marR="0" indent="0" algn="l" defTabSz="914400" rtl="0" eaLnBrk="1" fontAlgn="auto" latinLnBrk="0" hangingPunct="1">
-                        <a:lnSpc>
-                          <a:spcPct val="100000"/>
-                        </a:lnSpc>
-                        <a:spcBef>
-                          <a:spcPts val="0"/>
-                        </a:spcBef>
-                        <a:spcAft>
-                          <a:spcPts val="0"/>
-                        </a:spcAft>
-                        <a:buClrTx/>
-                        <a:buSzTx/>
-                        <a:buFontTx/>
-                        <a:buNone/>
-                        <a:tabLst/>
-                        <a:defRPr/>
-                      </a:pPr>
-                      <a:r>
-                        <a:rPr lang="en-US" altLang="zh-TW" dirty="0" smtClean="0"/>
-                        <a:t>1</a:t>
-                      </a:r>
-                      <a:r>
-                        <a:rPr lang="zh-TW" altLang="en-US" dirty="0" smtClean="0"/>
-                        <a:t>小時</a:t>
-                      </a:r>
-                    </a:p>
-                  </a:txBody>
-                  <a:tcPr/>
-                </a:tc>
-                <a:extLst>
-                  <a:ext uri="{0D108BD9-81ED-4DB2-BD59-A6C34878D82A}">
-                    <a16:rowId xmlns="" xmlns:a16="http://schemas.microsoft.com/office/drawing/2014/main" val="2330444438"/>
-                  </a:ext>
-                </a:extLst>
-              </a:tr>
-              <a:tr h="370840">
-                <a:tc>
-                  <a:txBody>
-                    <a:bodyPr/>
-                    <a:lstStyle/>
-                    <a:p>
-                      <a:r>
-                        <a:rPr lang="en-US" altLang="zh-TW" dirty="0" smtClean="0"/>
-                        <a:t>10/29</a:t>
-                      </a:r>
-                      <a:endParaRPr lang="zh-TW" altLang="en-US" dirty="0"/>
-                    </a:p>
-                  </a:txBody>
-                  <a:tcPr/>
-                </a:tc>
-                <a:tc>
-                  <a:txBody>
-                    <a:bodyPr/>
-                    <a:lstStyle/>
-                    <a:p>
-                      <a:pPr marL="0" marR="0" lvl="0" indent="0" algn="l" defTabSz="914400" rtl="0" eaLnBrk="1" fontAlgn="auto" latinLnBrk="0" hangingPunct="1">
-                        <a:lnSpc>
-                          <a:spcPct val="100000"/>
-                        </a:lnSpc>
-                        <a:spcBef>
-                          <a:spcPts val="0"/>
-                        </a:spcBef>
-                        <a:spcAft>
-                          <a:spcPts val="0"/>
-                        </a:spcAft>
-                        <a:buClrTx/>
-                        <a:buSzTx/>
-                        <a:buFontTx/>
-                        <a:buNone/>
-                        <a:tabLst/>
-                        <a:defRPr/>
-                      </a:pPr>
-                      <a:r>
-                        <a:rPr lang="en-US" altLang="zh-TW" dirty="0" smtClean="0"/>
-                        <a:t>SRS&amp;</a:t>
-                      </a:r>
-                      <a:r>
-                        <a:rPr lang="zh-TW" altLang="en-US" dirty="0" smtClean="0"/>
-                        <a:t> </a:t>
-                      </a:r>
-                      <a:r>
-                        <a:rPr lang="en-US" altLang="zh-TW" dirty="0" smtClean="0"/>
-                        <a:t>UI</a:t>
-                      </a:r>
-                      <a:r>
-                        <a:rPr lang="zh-TW" altLang="en-US" dirty="0" smtClean="0"/>
-                        <a:t> 設計</a:t>
-                      </a:r>
-                    </a:p>
-                  </a:txBody>
-                  <a:tcPr/>
-                </a:tc>
-                <a:tc>
-                  <a:txBody>
-                    <a:bodyPr/>
-                    <a:lstStyle/>
-                    <a:p>
-                      <a:pPr marL="0" marR="0" indent="0" algn="l" defTabSz="914400" rtl="0" eaLnBrk="1" fontAlgn="auto" latinLnBrk="0" hangingPunct="1">
-                        <a:lnSpc>
-                          <a:spcPct val="100000"/>
-                        </a:lnSpc>
-                        <a:spcBef>
-                          <a:spcPts val="0"/>
-                        </a:spcBef>
-                        <a:spcAft>
-                          <a:spcPts val="0"/>
-                        </a:spcAft>
-                        <a:buClrTx/>
-                        <a:buSzTx/>
-                        <a:buFontTx/>
-                        <a:buNone/>
-                        <a:tabLst/>
-                        <a:defRPr/>
-                      </a:pPr>
-                      <a:r>
-                        <a:rPr lang="en-US" altLang="zh-TW" dirty="0" smtClean="0"/>
-                        <a:t>6</a:t>
-                      </a:r>
-                      <a:r>
-                        <a:rPr lang="zh-TW" altLang="en-US" dirty="0" smtClean="0"/>
-                        <a:t>小時</a:t>
-                      </a:r>
-                    </a:p>
-                  </a:txBody>
-                  <a:tcPr/>
-                </a:tc>
-                <a:extLst>
-                  <a:ext uri="{0D108BD9-81ED-4DB2-BD59-A6C34878D82A}">
-                    <a16:rowId xmlns="" xmlns:a16="http://schemas.microsoft.com/office/drawing/2014/main" val="3390130878"/>
-                  </a:ext>
-                </a:extLst>
-              </a:tr>
-              <a:tr h="370840">
-                <a:tc>
-                  <a:txBody>
-                    <a:bodyPr/>
-                    <a:lstStyle/>
-                    <a:p>
-                      <a:r>
-                        <a:rPr lang="en-US" altLang="zh-TW" dirty="0" smtClean="0"/>
-                        <a:t>10/30</a:t>
-                      </a:r>
-                      <a:endParaRPr lang="zh-TW" altLang="en-US" dirty="0"/>
-                    </a:p>
-                  </a:txBody>
-                  <a:tcPr/>
-                </a:tc>
-                <a:tc>
-                  <a:txBody>
-                    <a:bodyPr/>
-                    <a:lstStyle/>
-                    <a:p>
-                      <a:pPr marL="0" marR="0" lvl="0" indent="0" algn="l" defTabSz="914400" rtl="0" eaLnBrk="1" fontAlgn="auto" latinLnBrk="0" hangingPunct="1">
-                        <a:lnSpc>
-                          <a:spcPct val="100000"/>
-                        </a:lnSpc>
-                        <a:spcBef>
-                          <a:spcPts val="0"/>
-                        </a:spcBef>
-                        <a:spcAft>
-                          <a:spcPts val="0"/>
-                        </a:spcAft>
-                        <a:buClrTx/>
-                        <a:buSzTx/>
-                        <a:buFontTx/>
-                        <a:buNone/>
-                        <a:tabLst/>
-                        <a:defRPr/>
-                      </a:pPr>
-                      <a:r>
-                        <a:rPr lang="en-US" altLang="zh-TW" dirty="0" smtClean="0"/>
-                        <a:t>SRS&amp;</a:t>
-                      </a:r>
-                      <a:r>
-                        <a:rPr lang="zh-TW" altLang="en-US" dirty="0" smtClean="0"/>
-                        <a:t> </a:t>
-                      </a:r>
-                      <a:r>
-                        <a:rPr lang="en-US" altLang="zh-TW" dirty="0" smtClean="0"/>
-                        <a:t>UI</a:t>
-                      </a:r>
-                      <a:r>
-                        <a:rPr lang="zh-TW" altLang="en-US" dirty="0" smtClean="0"/>
-                        <a:t> 設計</a:t>
-                      </a:r>
-                    </a:p>
-                  </a:txBody>
-                  <a:tcPr/>
-                </a:tc>
-                <a:tc>
-                  <a:txBody>
-                    <a:bodyPr/>
-                    <a:lstStyle/>
-                    <a:p>
-                      <a:pPr marL="0" marR="0" indent="0" algn="l" defTabSz="914400" rtl="0" eaLnBrk="1" fontAlgn="auto" latinLnBrk="0" hangingPunct="1">
-                        <a:lnSpc>
-                          <a:spcPct val="100000"/>
-                        </a:lnSpc>
-                        <a:spcBef>
-                          <a:spcPts val="0"/>
-                        </a:spcBef>
-                        <a:spcAft>
-                          <a:spcPts val="0"/>
-                        </a:spcAft>
-                        <a:buClrTx/>
-                        <a:buSzTx/>
-                        <a:buFontTx/>
-                        <a:buNone/>
-                        <a:tabLst/>
-                        <a:defRPr/>
-                      </a:pPr>
-                      <a:r>
-                        <a:rPr lang="en-US" altLang="zh-TW" dirty="0" smtClean="0"/>
-                        <a:t>6</a:t>
-                      </a:r>
-                      <a:r>
-                        <a:rPr lang="zh-TW" altLang="en-US" dirty="0" smtClean="0"/>
-                        <a:t>小時</a:t>
-                      </a:r>
-                    </a:p>
-                  </a:txBody>
-                  <a:tcPr/>
-                </a:tc>
-                <a:extLst>
-                  <a:ext uri="{0D108BD9-81ED-4DB2-BD59-A6C34878D82A}">
-                    <a16:rowId xmlns="" xmlns:a16="http://schemas.microsoft.com/office/drawing/2014/main" val="1561468546"/>
+                    <a16:rowId xmlns:a16="http://schemas.microsoft.com/office/drawing/2014/main" xmlns="" val="4216443485"/>
                   </a:ext>
                 </a:extLst>
               </a:tr>
@@ -8869,7 +7895,7 @@
               <a:pPr>
                 <a:defRPr/>
               </a:pPr>
-              <a:t>2017/10/31</a:t>
+              <a:t>2017/11/1</a:t>
             </a:fld>
             <a:endParaRPr lang="zh-TW" altLang="en-US"/>
           </a:p>
@@ -8895,14 +7921,14 @@
               <a:pPr/>
               <a:t>13</a:t>
             </a:fld>
-            <a:endParaRPr lang="zh-TW" altLang="en-US"/>
+            <a:endParaRPr lang="zh-TW" altLang="en-US" dirty="0"/>
           </a:p>
         </p:txBody>
       </p:sp>
     </p:spTree>
     <p:extLst>
       <p:ext uri="{BB962C8B-B14F-4D97-AF65-F5344CB8AC3E}">
-        <p14:creationId xmlns:p14="http://schemas.microsoft.com/office/powerpoint/2010/main" val="48295477"/>
+        <p14:creationId xmlns:p14="http://schemas.microsoft.com/office/powerpoint/2010/main" val="1153371783"/>
       </p:ext>
     </p:extLst>
   </p:cSld>
@@ -8952,6 +7978,1107 @@
           <a:lstStyle/>
           <a:p>
             <a:r>
+              <a:rPr lang="en-US" altLang="zh-TW" dirty="0">
+                <a:effectLst/>
+              </a:rPr>
+              <a:t>Team </a:t>
+            </a:r>
+            <a:r>
+              <a:rPr lang="en-US" altLang="zh-TW" dirty="0" smtClean="0">
+                <a:effectLst/>
+              </a:rPr>
+              <a:t>Meeting</a:t>
+            </a:r>
+            <a:endParaRPr lang="zh-TW" altLang="en-US" dirty="0"/>
+          </a:p>
+        </p:txBody>
+      </p:sp>
+      <p:graphicFrame>
+        <p:nvGraphicFramePr>
+          <p:cNvPr id="7" name="內容版面配置區 6"/>
+          <p:cNvGraphicFramePr>
+            <a:graphicFrameLocks noGrp="1"/>
+          </p:cNvGraphicFramePr>
+          <p:nvPr>
+            <p:ph idx="1"/>
+            <p:extLst>
+              <p:ext uri="{D42A27DB-BD31-4B8C-83A1-F6EECF244321}">
+                <p14:modId xmlns:p14="http://schemas.microsoft.com/office/powerpoint/2010/main" val="8627931"/>
+              </p:ext>
+            </p:extLst>
+          </p:nvPr>
+        </p:nvGraphicFramePr>
+        <p:xfrm>
+          <a:off x="457200" y="1600200"/>
+          <a:ext cx="8229600" cy="4079240"/>
+        </p:xfrm>
+        <a:graphic>
+          <a:graphicData uri="http://schemas.openxmlformats.org/drawingml/2006/table">
+            <a:tbl>
+              <a:tblPr firstRow="1" bandRow="1">
+                <a:tableStyleId>{5C22544A-7EE6-4342-B048-85BDC9FD1C3A}</a:tableStyleId>
+              </a:tblPr>
+              <a:tblGrid>
+                <a:gridCol w="2743200">
+                  <a:extLst>
+                    <a:ext uri="{9D8B030D-6E8A-4147-A177-3AD203B41FA5}">
+                      <a16:colId xmlns:a16="http://schemas.microsoft.com/office/drawing/2014/main" xmlns="" val="62378008"/>
+                    </a:ext>
+                  </a:extLst>
+                </a:gridCol>
+                <a:gridCol w="2743200"/>
+                <a:gridCol w="2743200">
+                  <a:extLst>
+                    <a:ext uri="{9D8B030D-6E8A-4147-A177-3AD203B41FA5}">
+                      <a16:colId xmlns:a16="http://schemas.microsoft.com/office/drawing/2014/main" xmlns="" val="3074775320"/>
+                    </a:ext>
+                  </a:extLst>
+                </a:gridCol>
+              </a:tblGrid>
+              <a:tr h="370840">
+                <a:tc>
+                  <a:txBody>
+                    <a:bodyPr/>
+                    <a:lstStyle/>
+                    <a:p>
+                      <a:r>
+                        <a:rPr lang="zh-TW" altLang="en-US" dirty="0" smtClean="0"/>
+                        <a:t>日期</a:t>
+                      </a:r>
+                      <a:endParaRPr lang="zh-TW" altLang="en-US" dirty="0"/>
+                    </a:p>
+                  </a:txBody>
+                  <a:tcPr/>
+                </a:tc>
+                <a:tc>
+                  <a:txBody>
+                    <a:bodyPr/>
+                    <a:lstStyle/>
+                    <a:p>
+                      <a:r>
+                        <a:rPr lang="zh-TW" altLang="en-US" dirty="0" smtClean="0"/>
+                        <a:t>描述</a:t>
+                      </a:r>
+                      <a:endParaRPr lang="zh-TW" altLang="en-US" dirty="0"/>
+                    </a:p>
+                  </a:txBody>
+                  <a:tcPr/>
+                </a:tc>
+                <a:tc>
+                  <a:txBody>
+                    <a:bodyPr/>
+                    <a:lstStyle/>
+                    <a:p>
+                      <a:r>
+                        <a:rPr lang="zh-TW" altLang="en-US" dirty="0" smtClean="0"/>
+                        <a:t>小時</a:t>
+                      </a:r>
+                      <a:endParaRPr lang="zh-TW" altLang="en-US" dirty="0"/>
+                    </a:p>
+                  </a:txBody>
+                  <a:tcPr/>
+                </a:tc>
+                <a:extLst>
+                  <a:ext uri="{0D108BD9-81ED-4DB2-BD59-A6C34878D82A}">
+                    <a16:rowId xmlns:a16="http://schemas.microsoft.com/office/drawing/2014/main" xmlns="" val="1544415356"/>
+                  </a:ext>
+                </a:extLst>
+              </a:tr>
+              <a:tr h="370840">
+                <a:tc>
+                  <a:txBody>
+                    <a:bodyPr/>
+                    <a:lstStyle/>
+                    <a:p>
+                      <a:pPr marL="0" marR="0" indent="0" algn="l" defTabSz="914400" rtl="0" eaLnBrk="1" fontAlgn="auto" latinLnBrk="0" hangingPunct="1">
+                        <a:lnSpc>
+                          <a:spcPct val="100000"/>
+                        </a:lnSpc>
+                        <a:spcBef>
+                          <a:spcPts val="0"/>
+                        </a:spcBef>
+                        <a:spcAft>
+                          <a:spcPts val="0"/>
+                        </a:spcAft>
+                        <a:buClrTx/>
+                        <a:buSzTx/>
+                        <a:buFontTx/>
+                        <a:buNone/>
+                        <a:tabLst/>
+                        <a:defRPr/>
+                      </a:pPr>
+                      <a:r>
+                        <a:rPr lang="en-US" altLang="zh-TW" dirty="0" smtClean="0"/>
+                        <a:t>10/2</a:t>
+                      </a:r>
+                      <a:endParaRPr lang="zh-TW" altLang="en-US" dirty="0" smtClean="0"/>
+                    </a:p>
+                  </a:txBody>
+                  <a:tcPr/>
+                </a:tc>
+                <a:tc>
+                  <a:txBody>
+                    <a:bodyPr/>
+                    <a:lstStyle/>
+                    <a:p>
+                      <a:pPr marL="0" marR="0" indent="0" algn="l" defTabSz="914400" rtl="0" eaLnBrk="1" fontAlgn="auto" latinLnBrk="0" hangingPunct="1">
+                        <a:lnSpc>
+                          <a:spcPct val="100000"/>
+                        </a:lnSpc>
+                        <a:spcBef>
+                          <a:spcPts val="0"/>
+                        </a:spcBef>
+                        <a:spcAft>
+                          <a:spcPts val="0"/>
+                        </a:spcAft>
+                        <a:buClrTx/>
+                        <a:buSzTx/>
+                        <a:buFontTx/>
+                        <a:buNone/>
+                        <a:tabLst/>
+                        <a:defRPr/>
+                      </a:pPr>
+                      <a:r>
+                        <a:rPr lang="en-US" altLang="zh-TW" dirty="0" smtClean="0"/>
+                        <a:t>PEP</a:t>
+                      </a:r>
+                      <a:endParaRPr lang="zh-TW" altLang="en-US" dirty="0" smtClean="0"/>
+                    </a:p>
+                  </a:txBody>
+                  <a:tcPr/>
+                </a:tc>
+                <a:tc>
+                  <a:txBody>
+                    <a:bodyPr/>
+                    <a:lstStyle/>
+                    <a:p>
+                      <a:pPr marL="0" marR="0" indent="0" algn="l" defTabSz="914400" rtl="0" eaLnBrk="1" fontAlgn="auto" latinLnBrk="0" hangingPunct="1">
+                        <a:lnSpc>
+                          <a:spcPct val="100000"/>
+                        </a:lnSpc>
+                        <a:spcBef>
+                          <a:spcPts val="0"/>
+                        </a:spcBef>
+                        <a:spcAft>
+                          <a:spcPts val="0"/>
+                        </a:spcAft>
+                        <a:buClrTx/>
+                        <a:buSzTx/>
+                        <a:buFontTx/>
+                        <a:buNone/>
+                        <a:tabLst/>
+                        <a:defRPr/>
+                      </a:pPr>
+                      <a:r>
+                        <a:rPr lang="en-US" altLang="zh-TW" dirty="0" smtClean="0"/>
+                        <a:t>3</a:t>
+                      </a:r>
+                      <a:r>
+                        <a:rPr lang="zh-TW" altLang="en-US" dirty="0" smtClean="0"/>
+                        <a:t>小時</a:t>
+                      </a:r>
+                    </a:p>
+                  </a:txBody>
+                  <a:tcPr/>
+                </a:tc>
+                <a:extLst>
+                  <a:ext uri="{0D108BD9-81ED-4DB2-BD59-A6C34878D82A}">
+                    <a16:rowId xmlns:a16="http://schemas.microsoft.com/office/drawing/2014/main" xmlns="" val="3044866068"/>
+                  </a:ext>
+                </a:extLst>
+              </a:tr>
+              <a:tr h="370840">
+                <a:tc>
+                  <a:txBody>
+                    <a:bodyPr/>
+                    <a:lstStyle/>
+                    <a:p>
+                      <a:r>
+                        <a:rPr lang="en-US" altLang="zh-TW" dirty="0" smtClean="0"/>
+                        <a:t>10/5</a:t>
+                      </a:r>
+                      <a:endParaRPr lang="zh-TW" altLang="en-US" dirty="0"/>
+                    </a:p>
+                  </a:txBody>
+                  <a:tcPr/>
+                </a:tc>
+                <a:tc>
+                  <a:txBody>
+                    <a:bodyPr/>
+                    <a:lstStyle/>
+                    <a:p>
+                      <a:pPr marL="0" marR="0" lvl="0" indent="0" algn="l" defTabSz="914400" rtl="0" eaLnBrk="1" fontAlgn="auto" latinLnBrk="0" hangingPunct="1">
+                        <a:lnSpc>
+                          <a:spcPct val="100000"/>
+                        </a:lnSpc>
+                        <a:spcBef>
+                          <a:spcPts val="0"/>
+                        </a:spcBef>
+                        <a:spcAft>
+                          <a:spcPts val="0"/>
+                        </a:spcAft>
+                        <a:buClrTx/>
+                        <a:buSzTx/>
+                        <a:buFontTx/>
+                        <a:buNone/>
+                        <a:tabLst/>
+                        <a:defRPr/>
+                      </a:pPr>
+                      <a:r>
+                        <a:rPr lang="en-US" altLang="zh-TW" dirty="0" smtClean="0"/>
+                        <a:t>PEP</a:t>
+                      </a:r>
+                      <a:endParaRPr lang="zh-TW" altLang="en-US" dirty="0" smtClean="0"/>
+                    </a:p>
+                  </a:txBody>
+                  <a:tcPr/>
+                </a:tc>
+                <a:tc>
+                  <a:txBody>
+                    <a:bodyPr/>
+                    <a:lstStyle/>
+                    <a:p>
+                      <a:r>
+                        <a:rPr lang="en-US" altLang="zh-TW" dirty="0" smtClean="0"/>
+                        <a:t>2</a:t>
+                      </a:r>
+                      <a:r>
+                        <a:rPr lang="zh-TW" altLang="en-US" dirty="0" smtClean="0"/>
+                        <a:t>小時</a:t>
+                      </a:r>
+                      <a:endParaRPr lang="zh-TW" altLang="en-US" dirty="0"/>
+                    </a:p>
+                  </a:txBody>
+                  <a:tcPr/>
+                </a:tc>
+                <a:extLst>
+                  <a:ext uri="{0D108BD9-81ED-4DB2-BD59-A6C34878D82A}">
+                    <a16:rowId xmlns:a16="http://schemas.microsoft.com/office/drawing/2014/main" xmlns="" val="1829722761"/>
+                  </a:ext>
+                </a:extLst>
+              </a:tr>
+              <a:tr h="370840">
+                <a:tc>
+                  <a:txBody>
+                    <a:bodyPr/>
+                    <a:lstStyle/>
+                    <a:p>
+                      <a:r>
+                        <a:rPr lang="en-US" altLang="zh-TW" dirty="0" smtClean="0"/>
+                        <a:t>10/11</a:t>
+                      </a:r>
+                      <a:endParaRPr lang="zh-TW" altLang="en-US" dirty="0"/>
+                    </a:p>
+                  </a:txBody>
+                  <a:tcPr/>
+                </a:tc>
+                <a:tc>
+                  <a:txBody>
+                    <a:bodyPr/>
+                    <a:lstStyle/>
+                    <a:p>
+                      <a:pPr marL="0" marR="0" lvl="0" indent="0" algn="l" defTabSz="914400" rtl="0" eaLnBrk="1" fontAlgn="auto" latinLnBrk="0" hangingPunct="1">
+                        <a:lnSpc>
+                          <a:spcPct val="100000"/>
+                        </a:lnSpc>
+                        <a:spcBef>
+                          <a:spcPts val="0"/>
+                        </a:spcBef>
+                        <a:spcAft>
+                          <a:spcPts val="0"/>
+                        </a:spcAft>
+                        <a:buClrTx/>
+                        <a:buSzTx/>
+                        <a:buFontTx/>
+                        <a:buNone/>
+                        <a:tabLst/>
+                        <a:defRPr/>
+                      </a:pPr>
+                      <a:r>
+                        <a:rPr lang="en-US" altLang="zh-TW" dirty="0" smtClean="0"/>
+                        <a:t>PEP</a:t>
+                      </a:r>
+                      <a:endParaRPr lang="zh-TW" altLang="en-US" dirty="0" smtClean="0"/>
+                    </a:p>
+                  </a:txBody>
+                  <a:tcPr/>
+                </a:tc>
+                <a:tc>
+                  <a:txBody>
+                    <a:bodyPr/>
+                    <a:lstStyle/>
+                    <a:p>
+                      <a:pPr marL="0" marR="0" indent="0" algn="l" defTabSz="914400" rtl="0" eaLnBrk="1" fontAlgn="auto" latinLnBrk="0" hangingPunct="1">
+                        <a:lnSpc>
+                          <a:spcPct val="100000"/>
+                        </a:lnSpc>
+                        <a:spcBef>
+                          <a:spcPts val="0"/>
+                        </a:spcBef>
+                        <a:spcAft>
+                          <a:spcPts val="0"/>
+                        </a:spcAft>
+                        <a:buClrTx/>
+                        <a:buSzTx/>
+                        <a:buFontTx/>
+                        <a:buNone/>
+                        <a:tabLst/>
+                        <a:defRPr/>
+                      </a:pPr>
+                      <a:r>
+                        <a:rPr lang="en-US" altLang="zh-TW" dirty="0" smtClean="0"/>
+                        <a:t>3</a:t>
+                      </a:r>
+                      <a:r>
+                        <a:rPr lang="zh-TW" altLang="en-US" dirty="0" smtClean="0"/>
+                        <a:t>小時</a:t>
+                      </a:r>
+                    </a:p>
+                  </a:txBody>
+                  <a:tcPr/>
+                </a:tc>
+                <a:extLst>
+                  <a:ext uri="{0D108BD9-81ED-4DB2-BD59-A6C34878D82A}">
+                    <a16:rowId xmlns:a16="http://schemas.microsoft.com/office/drawing/2014/main" xmlns="" val="1680919419"/>
+                  </a:ext>
+                </a:extLst>
+              </a:tr>
+              <a:tr h="370840">
+                <a:tc>
+                  <a:txBody>
+                    <a:bodyPr/>
+                    <a:lstStyle/>
+                    <a:p>
+                      <a:r>
+                        <a:rPr lang="en-US" altLang="zh-TW" dirty="0" smtClean="0"/>
+                        <a:t>10/18</a:t>
+                      </a:r>
+                      <a:endParaRPr lang="zh-TW" altLang="en-US" dirty="0"/>
+                    </a:p>
+                  </a:txBody>
+                  <a:tcPr/>
+                </a:tc>
+                <a:tc>
+                  <a:txBody>
+                    <a:bodyPr/>
+                    <a:lstStyle/>
+                    <a:p>
+                      <a:pPr marL="0" marR="0" lvl="0" indent="0" algn="l" defTabSz="914400" rtl="0" eaLnBrk="1" fontAlgn="auto" latinLnBrk="0" hangingPunct="1">
+                        <a:lnSpc>
+                          <a:spcPct val="100000"/>
+                        </a:lnSpc>
+                        <a:spcBef>
+                          <a:spcPts val="0"/>
+                        </a:spcBef>
+                        <a:spcAft>
+                          <a:spcPts val="0"/>
+                        </a:spcAft>
+                        <a:buClrTx/>
+                        <a:buSzTx/>
+                        <a:buFontTx/>
+                        <a:buNone/>
+                        <a:tabLst/>
+                        <a:defRPr/>
+                      </a:pPr>
+                      <a:r>
+                        <a:rPr lang="en-US" altLang="zh-TW" dirty="0" smtClean="0"/>
+                        <a:t>PEP</a:t>
+                      </a:r>
+                      <a:endParaRPr lang="zh-TW" altLang="en-US" dirty="0" smtClean="0"/>
+                    </a:p>
+                  </a:txBody>
+                  <a:tcPr/>
+                </a:tc>
+                <a:tc>
+                  <a:txBody>
+                    <a:bodyPr/>
+                    <a:lstStyle/>
+                    <a:p>
+                      <a:pPr marL="0" marR="0" indent="0" algn="l" defTabSz="914400" rtl="0" eaLnBrk="1" fontAlgn="auto" latinLnBrk="0" hangingPunct="1">
+                        <a:lnSpc>
+                          <a:spcPct val="100000"/>
+                        </a:lnSpc>
+                        <a:spcBef>
+                          <a:spcPts val="0"/>
+                        </a:spcBef>
+                        <a:spcAft>
+                          <a:spcPts val="0"/>
+                        </a:spcAft>
+                        <a:buClrTx/>
+                        <a:buSzTx/>
+                        <a:buFontTx/>
+                        <a:buNone/>
+                        <a:tabLst/>
+                        <a:defRPr/>
+                      </a:pPr>
+                      <a:r>
+                        <a:rPr lang="en-US" altLang="zh-TW" dirty="0" smtClean="0"/>
+                        <a:t>1</a:t>
+                      </a:r>
+                      <a:r>
+                        <a:rPr lang="zh-TW" altLang="en-US" dirty="0" smtClean="0"/>
+                        <a:t>小時</a:t>
+                      </a:r>
+                    </a:p>
+                  </a:txBody>
+                  <a:tcPr/>
+                </a:tc>
+                <a:extLst>
+                  <a:ext uri="{0D108BD9-81ED-4DB2-BD59-A6C34878D82A}">
+                    <a16:rowId xmlns:a16="http://schemas.microsoft.com/office/drawing/2014/main" xmlns="" val="2783317447"/>
+                  </a:ext>
+                </a:extLst>
+              </a:tr>
+              <a:tr h="370840">
+                <a:tc>
+                  <a:txBody>
+                    <a:bodyPr/>
+                    <a:lstStyle/>
+                    <a:p>
+                      <a:r>
+                        <a:rPr lang="en-US" altLang="zh-TW" dirty="0" smtClean="0"/>
+                        <a:t>10/19</a:t>
+                      </a:r>
+                      <a:endParaRPr lang="zh-TW" altLang="en-US" dirty="0"/>
+                    </a:p>
+                  </a:txBody>
+                  <a:tcPr/>
+                </a:tc>
+                <a:tc>
+                  <a:txBody>
+                    <a:bodyPr/>
+                    <a:lstStyle/>
+                    <a:p>
+                      <a:pPr marL="0" marR="0" lvl="0" indent="0" algn="l" defTabSz="914400" rtl="0" eaLnBrk="1" fontAlgn="auto" latinLnBrk="0" hangingPunct="1">
+                        <a:lnSpc>
+                          <a:spcPct val="100000"/>
+                        </a:lnSpc>
+                        <a:spcBef>
+                          <a:spcPts val="0"/>
+                        </a:spcBef>
+                        <a:spcAft>
+                          <a:spcPts val="0"/>
+                        </a:spcAft>
+                        <a:buClrTx/>
+                        <a:buSzTx/>
+                        <a:buFontTx/>
+                        <a:buNone/>
+                        <a:tabLst/>
+                        <a:defRPr/>
+                      </a:pPr>
+                      <a:r>
+                        <a:rPr lang="en-US" altLang="zh-TW" dirty="0" smtClean="0"/>
+                        <a:t>PEP</a:t>
+                      </a:r>
+                      <a:r>
+                        <a:rPr lang="zh-TW" altLang="en-US" dirty="0" smtClean="0"/>
+                        <a:t> </a:t>
+                      </a:r>
+                      <a:r>
+                        <a:rPr lang="en-US" altLang="zh-TW" dirty="0" smtClean="0"/>
+                        <a:t>&amp;</a:t>
+                      </a:r>
+                      <a:r>
+                        <a:rPr lang="zh-TW" altLang="en-US" dirty="0" smtClean="0"/>
+                        <a:t> </a:t>
+                      </a:r>
+                      <a:r>
+                        <a:rPr lang="en-US" altLang="zh-TW" dirty="0" smtClean="0"/>
+                        <a:t>PASS</a:t>
+                      </a:r>
+                      <a:r>
+                        <a:rPr lang="zh-TW" altLang="en-US" dirty="0" smtClean="0"/>
+                        <a:t>開發</a:t>
+                      </a:r>
+                    </a:p>
+                  </a:txBody>
+                  <a:tcPr/>
+                </a:tc>
+                <a:tc>
+                  <a:txBody>
+                    <a:bodyPr/>
+                    <a:lstStyle/>
+                    <a:p>
+                      <a:pPr marL="0" marR="0" indent="0" algn="l" defTabSz="914400" rtl="0" eaLnBrk="1" fontAlgn="auto" latinLnBrk="0" hangingPunct="1">
+                        <a:lnSpc>
+                          <a:spcPct val="100000"/>
+                        </a:lnSpc>
+                        <a:spcBef>
+                          <a:spcPts val="0"/>
+                        </a:spcBef>
+                        <a:spcAft>
+                          <a:spcPts val="0"/>
+                        </a:spcAft>
+                        <a:buClrTx/>
+                        <a:buSzTx/>
+                        <a:buFontTx/>
+                        <a:buNone/>
+                        <a:tabLst/>
+                        <a:defRPr/>
+                      </a:pPr>
+                      <a:r>
+                        <a:rPr lang="en-US" altLang="zh-TW" dirty="0" smtClean="0"/>
+                        <a:t>3</a:t>
+                      </a:r>
+                      <a:r>
+                        <a:rPr lang="zh-TW" altLang="en-US" dirty="0" smtClean="0"/>
+                        <a:t>小時</a:t>
+                      </a:r>
+                    </a:p>
+                  </a:txBody>
+                  <a:tcPr/>
+                </a:tc>
+                <a:extLst>
+                  <a:ext uri="{0D108BD9-81ED-4DB2-BD59-A6C34878D82A}">
+                    <a16:rowId xmlns:a16="http://schemas.microsoft.com/office/drawing/2014/main" xmlns="" val="4073050539"/>
+                  </a:ext>
+                </a:extLst>
+              </a:tr>
+              <a:tr h="370840">
+                <a:tc>
+                  <a:txBody>
+                    <a:bodyPr/>
+                    <a:lstStyle/>
+                    <a:p>
+                      <a:r>
+                        <a:rPr lang="en-US" altLang="zh-TW" dirty="0" smtClean="0"/>
+                        <a:t>10/20</a:t>
+                      </a:r>
+                      <a:endParaRPr lang="zh-TW" altLang="en-US" dirty="0"/>
+                    </a:p>
+                  </a:txBody>
+                  <a:tcPr/>
+                </a:tc>
+                <a:tc>
+                  <a:txBody>
+                    <a:bodyPr/>
+                    <a:lstStyle/>
+                    <a:p>
+                      <a:r>
+                        <a:rPr lang="en-US" altLang="zh-TW" dirty="0" smtClean="0"/>
+                        <a:t>SRS</a:t>
+                      </a:r>
+                      <a:endParaRPr lang="zh-TW" altLang="en-US" dirty="0"/>
+                    </a:p>
+                  </a:txBody>
+                  <a:tcPr/>
+                </a:tc>
+                <a:tc>
+                  <a:txBody>
+                    <a:bodyPr/>
+                    <a:lstStyle/>
+                    <a:p>
+                      <a:pPr marL="0" marR="0" indent="0" algn="l" defTabSz="914400" rtl="0" eaLnBrk="1" fontAlgn="auto" latinLnBrk="0" hangingPunct="1">
+                        <a:lnSpc>
+                          <a:spcPct val="100000"/>
+                        </a:lnSpc>
+                        <a:spcBef>
+                          <a:spcPts val="0"/>
+                        </a:spcBef>
+                        <a:spcAft>
+                          <a:spcPts val="0"/>
+                        </a:spcAft>
+                        <a:buClrTx/>
+                        <a:buSzTx/>
+                        <a:buFontTx/>
+                        <a:buNone/>
+                        <a:tabLst/>
+                        <a:defRPr/>
+                      </a:pPr>
+                      <a:r>
+                        <a:rPr lang="en-US" altLang="zh-TW" dirty="0" smtClean="0"/>
+                        <a:t>3</a:t>
+                      </a:r>
+                      <a:r>
+                        <a:rPr lang="zh-TW" altLang="en-US" dirty="0" smtClean="0"/>
+                        <a:t>小時</a:t>
+                      </a:r>
+                    </a:p>
+                  </a:txBody>
+                  <a:tcPr/>
+                </a:tc>
+                <a:extLst>
+                  <a:ext uri="{0D108BD9-81ED-4DB2-BD59-A6C34878D82A}">
+                    <a16:rowId xmlns:a16="http://schemas.microsoft.com/office/drawing/2014/main" xmlns="" val="2598383543"/>
+                  </a:ext>
+                </a:extLst>
+              </a:tr>
+              <a:tr h="370840">
+                <a:tc>
+                  <a:txBody>
+                    <a:bodyPr/>
+                    <a:lstStyle/>
+                    <a:p>
+                      <a:r>
+                        <a:rPr lang="en-US" altLang="zh-TW" dirty="0" smtClean="0"/>
+                        <a:t>10/26</a:t>
+                      </a:r>
+                      <a:endParaRPr lang="zh-TW" altLang="en-US" dirty="0"/>
+                    </a:p>
+                  </a:txBody>
+                  <a:tcPr/>
+                </a:tc>
+                <a:tc>
+                  <a:txBody>
+                    <a:bodyPr/>
+                    <a:lstStyle/>
+                    <a:p>
+                      <a:pPr marL="0" marR="0" lvl="0" indent="0" algn="l" defTabSz="914400" rtl="0" eaLnBrk="1" fontAlgn="auto" latinLnBrk="0" hangingPunct="1">
+                        <a:lnSpc>
+                          <a:spcPct val="100000"/>
+                        </a:lnSpc>
+                        <a:spcBef>
+                          <a:spcPts val="0"/>
+                        </a:spcBef>
+                        <a:spcAft>
+                          <a:spcPts val="0"/>
+                        </a:spcAft>
+                        <a:buClrTx/>
+                        <a:buSzTx/>
+                        <a:buFontTx/>
+                        <a:buNone/>
+                        <a:tabLst/>
+                        <a:defRPr/>
+                      </a:pPr>
+                      <a:r>
+                        <a:rPr lang="en-US" altLang="zh-TW" dirty="0" smtClean="0"/>
+                        <a:t>SRS</a:t>
+                      </a:r>
+                      <a:endParaRPr lang="zh-TW" altLang="en-US" dirty="0" smtClean="0"/>
+                    </a:p>
+                  </a:txBody>
+                  <a:tcPr/>
+                </a:tc>
+                <a:tc>
+                  <a:txBody>
+                    <a:bodyPr/>
+                    <a:lstStyle/>
+                    <a:p>
+                      <a:pPr marL="0" marR="0" indent="0" algn="l" defTabSz="914400" rtl="0" eaLnBrk="1" fontAlgn="auto" latinLnBrk="0" hangingPunct="1">
+                        <a:lnSpc>
+                          <a:spcPct val="100000"/>
+                        </a:lnSpc>
+                        <a:spcBef>
+                          <a:spcPts val="0"/>
+                        </a:spcBef>
+                        <a:spcAft>
+                          <a:spcPts val="0"/>
+                        </a:spcAft>
+                        <a:buClrTx/>
+                        <a:buSzTx/>
+                        <a:buFontTx/>
+                        <a:buNone/>
+                        <a:tabLst/>
+                        <a:defRPr/>
+                      </a:pPr>
+                      <a:r>
+                        <a:rPr lang="en-US" altLang="zh-TW" dirty="0" smtClean="0"/>
+                        <a:t>2</a:t>
+                      </a:r>
+                      <a:r>
+                        <a:rPr lang="zh-TW" altLang="en-US" dirty="0" smtClean="0"/>
+                        <a:t>小時</a:t>
+                      </a:r>
+                    </a:p>
+                  </a:txBody>
+                  <a:tcPr/>
+                </a:tc>
+                <a:extLst>
+                  <a:ext uri="{0D108BD9-81ED-4DB2-BD59-A6C34878D82A}">
+                    <a16:rowId xmlns:a16="http://schemas.microsoft.com/office/drawing/2014/main" xmlns="" val="2465584741"/>
+                  </a:ext>
+                </a:extLst>
+              </a:tr>
+              <a:tr h="370840">
+                <a:tc>
+                  <a:txBody>
+                    <a:bodyPr/>
+                    <a:lstStyle/>
+                    <a:p>
+                      <a:r>
+                        <a:rPr lang="en-US" altLang="zh-TW" dirty="0" smtClean="0"/>
+                        <a:t>10/27</a:t>
+                      </a:r>
+                      <a:endParaRPr lang="zh-TW" altLang="en-US" dirty="0"/>
+                    </a:p>
+                  </a:txBody>
+                  <a:tcPr/>
+                </a:tc>
+                <a:tc>
+                  <a:txBody>
+                    <a:bodyPr/>
+                    <a:lstStyle/>
+                    <a:p>
+                      <a:pPr marL="0" marR="0" lvl="0" indent="0" algn="l" defTabSz="914400" rtl="0" eaLnBrk="1" fontAlgn="auto" latinLnBrk="0" hangingPunct="1">
+                        <a:lnSpc>
+                          <a:spcPct val="100000"/>
+                        </a:lnSpc>
+                        <a:spcBef>
+                          <a:spcPts val="0"/>
+                        </a:spcBef>
+                        <a:spcAft>
+                          <a:spcPts val="0"/>
+                        </a:spcAft>
+                        <a:buClrTx/>
+                        <a:buSzTx/>
+                        <a:buFontTx/>
+                        <a:buNone/>
+                        <a:tabLst/>
+                        <a:defRPr/>
+                      </a:pPr>
+                      <a:r>
+                        <a:rPr lang="en-US" altLang="zh-TW" dirty="0" smtClean="0"/>
+                        <a:t>SRS</a:t>
+                      </a:r>
+                      <a:endParaRPr lang="zh-TW" altLang="en-US" dirty="0" smtClean="0"/>
+                    </a:p>
+                  </a:txBody>
+                  <a:tcPr/>
+                </a:tc>
+                <a:tc>
+                  <a:txBody>
+                    <a:bodyPr/>
+                    <a:lstStyle/>
+                    <a:p>
+                      <a:pPr marL="0" marR="0" indent="0" algn="l" defTabSz="914400" rtl="0" eaLnBrk="1" fontAlgn="auto" latinLnBrk="0" hangingPunct="1">
+                        <a:lnSpc>
+                          <a:spcPct val="100000"/>
+                        </a:lnSpc>
+                        <a:spcBef>
+                          <a:spcPts val="0"/>
+                        </a:spcBef>
+                        <a:spcAft>
+                          <a:spcPts val="0"/>
+                        </a:spcAft>
+                        <a:buClrTx/>
+                        <a:buSzTx/>
+                        <a:buFontTx/>
+                        <a:buNone/>
+                        <a:tabLst/>
+                        <a:defRPr/>
+                      </a:pPr>
+                      <a:r>
+                        <a:rPr lang="en-US" altLang="zh-TW" dirty="0" smtClean="0"/>
+                        <a:t>1</a:t>
+                      </a:r>
+                      <a:r>
+                        <a:rPr lang="zh-TW" altLang="en-US" dirty="0" smtClean="0"/>
+                        <a:t>小時</a:t>
+                      </a:r>
+                    </a:p>
+                  </a:txBody>
+                  <a:tcPr/>
+                </a:tc>
+                <a:extLst>
+                  <a:ext uri="{0D108BD9-81ED-4DB2-BD59-A6C34878D82A}">
+                    <a16:rowId xmlns:a16="http://schemas.microsoft.com/office/drawing/2014/main" xmlns="" val="2330444438"/>
+                  </a:ext>
+                </a:extLst>
+              </a:tr>
+              <a:tr h="370840">
+                <a:tc>
+                  <a:txBody>
+                    <a:bodyPr/>
+                    <a:lstStyle/>
+                    <a:p>
+                      <a:r>
+                        <a:rPr lang="en-US" altLang="zh-TW" dirty="0" smtClean="0"/>
+                        <a:t>10/29</a:t>
+                      </a:r>
+                      <a:endParaRPr lang="zh-TW" altLang="en-US" dirty="0"/>
+                    </a:p>
+                  </a:txBody>
+                  <a:tcPr/>
+                </a:tc>
+                <a:tc>
+                  <a:txBody>
+                    <a:bodyPr/>
+                    <a:lstStyle/>
+                    <a:p>
+                      <a:pPr marL="0" marR="0" lvl="0" indent="0" algn="l" defTabSz="914400" rtl="0" eaLnBrk="1" fontAlgn="auto" latinLnBrk="0" hangingPunct="1">
+                        <a:lnSpc>
+                          <a:spcPct val="100000"/>
+                        </a:lnSpc>
+                        <a:spcBef>
+                          <a:spcPts val="0"/>
+                        </a:spcBef>
+                        <a:spcAft>
+                          <a:spcPts val="0"/>
+                        </a:spcAft>
+                        <a:buClrTx/>
+                        <a:buSzTx/>
+                        <a:buFontTx/>
+                        <a:buNone/>
+                        <a:tabLst/>
+                        <a:defRPr/>
+                      </a:pPr>
+                      <a:r>
+                        <a:rPr lang="en-US" altLang="zh-TW" dirty="0" smtClean="0"/>
+                        <a:t>SRS&amp;</a:t>
+                      </a:r>
+                      <a:r>
+                        <a:rPr lang="zh-TW" altLang="en-US" dirty="0" smtClean="0"/>
+                        <a:t> </a:t>
+                      </a:r>
+                      <a:r>
+                        <a:rPr lang="en-US" altLang="zh-TW" dirty="0" smtClean="0"/>
+                        <a:t>UI</a:t>
+                      </a:r>
+                      <a:r>
+                        <a:rPr lang="zh-TW" altLang="en-US" dirty="0" smtClean="0"/>
+                        <a:t> 設計</a:t>
+                      </a:r>
+                    </a:p>
+                  </a:txBody>
+                  <a:tcPr/>
+                </a:tc>
+                <a:tc>
+                  <a:txBody>
+                    <a:bodyPr/>
+                    <a:lstStyle/>
+                    <a:p>
+                      <a:pPr marL="0" marR="0" indent="0" algn="l" defTabSz="914400" rtl="0" eaLnBrk="1" fontAlgn="auto" latinLnBrk="0" hangingPunct="1">
+                        <a:lnSpc>
+                          <a:spcPct val="100000"/>
+                        </a:lnSpc>
+                        <a:spcBef>
+                          <a:spcPts val="0"/>
+                        </a:spcBef>
+                        <a:spcAft>
+                          <a:spcPts val="0"/>
+                        </a:spcAft>
+                        <a:buClrTx/>
+                        <a:buSzTx/>
+                        <a:buFontTx/>
+                        <a:buNone/>
+                        <a:tabLst/>
+                        <a:defRPr/>
+                      </a:pPr>
+                      <a:r>
+                        <a:rPr lang="en-US" altLang="zh-TW" dirty="0" smtClean="0"/>
+                        <a:t>6</a:t>
+                      </a:r>
+                      <a:r>
+                        <a:rPr lang="zh-TW" altLang="en-US" dirty="0" smtClean="0"/>
+                        <a:t>小時</a:t>
+                      </a:r>
+                    </a:p>
+                  </a:txBody>
+                  <a:tcPr/>
+                </a:tc>
+                <a:extLst>
+                  <a:ext uri="{0D108BD9-81ED-4DB2-BD59-A6C34878D82A}">
+                    <a16:rowId xmlns:a16="http://schemas.microsoft.com/office/drawing/2014/main" xmlns="" val="3390130878"/>
+                  </a:ext>
+                </a:extLst>
+              </a:tr>
+              <a:tr h="370840">
+                <a:tc>
+                  <a:txBody>
+                    <a:bodyPr/>
+                    <a:lstStyle/>
+                    <a:p>
+                      <a:r>
+                        <a:rPr lang="en-US" altLang="zh-TW" dirty="0" smtClean="0"/>
+                        <a:t>10/30</a:t>
+                      </a:r>
+                      <a:endParaRPr lang="zh-TW" altLang="en-US" dirty="0"/>
+                    </a:p>
+                  </a:txBody>
+                  <a:tcPr/>
+                </a:tc>
+                <a:tc>
+                  <a:txBody>
+                    <a:bodyPr/>
+                    <a:lstStyle/>
+                    <a:p>
+                      <a:pPr marL="0" marR="0" lvl="0" indent="0" algn="l" defTabSz="914400" rtl="0" eaLnBrk="1" fontAlgn="auto" latinLnBrk="0" hangingPunct="1">
+                        <a:lnSpc>
+                          <a:spcPct val="100000"/>
+                        </a:lnSpc>
+                        <a:spcBef>
+                          <a:spcPts val="0"/>
+                        </a:spcBef>
+                        <a:spcAft>
+                          <a:spcPts val="0"/>
+                        </a:spcAft>
+                        <a:buClrTx/>
+                        <a:buSzTx/>
+                        <a:buFontTx/>
+                        <a:buNone/>
+                        <a:tabLst/>
+                        <a:defRPr/>
+                      </a:pPr>
+                      <a:r>
+                        <a:rPr lang="en-US" altLang="zh-TW" dirty="0" smtClean="0"/>
+                        <a:t>SRS&amp;</a:t>
+                      </a:r>
+                      <a:r>
+                        <a:rPr lang="zh-TW" altLang="en-US" dirty="0" smtClean="0"/>
+                        <a:t> </a:t>
+                      </a:r>
+                      <a:r>
+                        <a:rPr lang="en-US" altLang="zh-TW" dirty="0" smtClean="0"/>
+                        <a:t>UI</a:t>
+                      </a:r>
+                      <a:r>
+                        <a:rPr lang="zh-TW" altLang="en-US" dirty="0" smtClean="0"/>
+                        <a:t> 設計</a:t>
+                      </a:r>
+                    </a:p>
+                  </a:txBody>
+                  <a:tcPr/>
+                </a:tc>
+                <a:tc>
+                  <a:txBody>
+                    <a:bodyPr/>
+                    <a:lstStyle/>
+                    <a:p>
+                      <a:pPr marL="0" marR="0" indent="0" algn="l" defTabSz="914400" rtl="0" eaLnBrk="1" fontAlgn="auto" latinLnBrk="0" hangingPunct="1">
+                        <a:lnSpc>
+                          <a:spcPct val="100000"/>
+                        </a:lnSpc>
+                        <a:spcBef>
+                          <a:spcPts val="0"/>
+                        </a:spcBef>
+                        <a:spcAft>
+                          <a:spcPts val="0"/>
+                        </a:spcAft>
+                        <a:buClrTx/>
+                        <a:buSzTx/>
+                        <a:buFontTx/>
+                        <a:buNone/>
+                        <a:tabLst/>
+                        <a:defRPr/>
+                      </a:pPr>
+                      <a:r>
+                        <a:rPr lang="en-US" altLang="zh-TW" dirty="0" smtClean="0"/>
+                        <a:t>6</a:t>
+                      </a:r>
+                      <a:r>
+                        <a:rPr lang="zh-TW" altLang="en-US" dirty="0" smtClean="0"/>
+                        <a:t>小時</a:t>
+                      </a:r>
+                    </a:p>
+                  </a:txBody>
+                  <a:tcPr/>
+                </a:tc>
+                <a:extLst>
+                  <a:ext uri="{0D108BD9-81ED-4DB2-BD59-A6C34878D82A}">
+                    <a16:rowId xmlns:a16="http://schemas.microsoft.com/office/drawing/2014/main" xmlns="" val="1561468546"/>
+                  </a:ext>
+                </a:extLst>
+              </a:tr>
+            </a:tbl>
+          </a:graphicData>
+        </a:graphic>
+      </p:graphicFrame>
+      <p:sp>
+        <p:nvSpPr>
+          <p:cNvPr id="4" name="日期版面配置區 3"/>
+          <p:cNvSpPr>
+            <a:spLocks noGrp="1"/>
+          </p:cNvSpPr>
+          <p:nvPr>
+            <p:ph type="dt" sz="half" idx="10"/>
+          </p:nvPr>
+        </p:nvSpPr>
+        <p:spPr/>
+        <p:txBody>
+          <a:bodyPr/>
+          <a:lstStyle/>
+          <a:p>
+            <a:pPr>
+              <a:defRPr/>
+            </a:pPr>
+            <a:fld id="{BDD5BDAA-1E82-4E6D-BE3B-29DB0DC5194D}" type="datetime1">
+              <a:rPr lang="zh-TW" altLang="en-US" smtClean="0"/>
+              <a:pPr>
+                <a:defRPr/>
+              </a:pPr>
+              <a:t>2017/11/1</a:t>
+            </a:fld>
+            <a:endParaRPr lang="zh-TW" altLang="en-US"/>
+          </a:p>
+        </p:txBody>
+      </p:sp>
+      <p:sp>
+        <p:nvSpPr>
+          <p:cNvPr id="6" name="投影片編號版面配置區 5"/>
+          <p:cNvSpPr>
+            <a:spLocks noGrp="1"/>
+          </p:cNvSpPr>
+          <p:nvPr>
+            <p:ph type="sldNum" sz="quarter" idx="12"/>
+          </p:nvPr>
+        </p:nvSpPr>
+        <p:spPr/>
+        <p:txBody>
+          <a:bodyPr/>
+          <a:lstStyle/>
+          <a:p>
+            <a:fld id="{B6A84E2D-DD4B-4F2A-87C5-E179AF885E22}" type="slidenum">
+              <a:rPr lang="zh-TW" altLang="en-US" smtClean="0"/>
+              <a:pPr/>
+              <a:t>14</a:t>
+            </a:fld>
+            <a:endParaRPr lang="zh-TW" altLang="en-US"/>
+          </a:p>
+        </p:txBody>
+      </p:sp>
+    </p:spTree>
+    <p:extLst>
+      <p:ext uri="{BB962C8B-B14F-4D97-AF65-F5344CB8AC3E}">
+        <p14:creationId xmlns:p14="http://schemas.microsoft.com/office/powerpoint/2010/main" val="48295477"/>
+      </p:ext>
+    </p:extLst>
+  </p:cSld>
+  <p:clrMapOvr>
+    <a:masterClrMapping/>
+  </p:clrMapOvr>
+  <p:timing>
+    <p:tnLst>
+      <p:par>
+        <p:cTn id="1" dur="indefinite" restart="never" nodeType="tmRoot"/>
+      </p:par>
+    </p:tnLst>
+  </p:timing>
+</p:sld>
+</file>
+
+<file path=ppt/slides/slide15.xml><?xml version="1.0" encoding="utf-8"?>
+<p:sld xmlns:a="http://schemas.openxmlformats.org/drawingml/2006/main" xmlns:r="http://schemas.openxmlformats.org/officeDocument/2006/relationships" xmlns:p="http://schemas.openxmlformats.org/presentationml/2006/main">
+  <p:cSld>
+    <p:spTree>
+      <p:nvGrpSpPr>
+        <p:cNvPr id="1" name=""/>
+        <p:cNvGrpSpPr/>
+        <p:nvPr/>
+      </p:nvGrpSpPr>
+      <p:grpSpPr>
+        <a:xfrm>
+          <a:off x="0" y="0"/>
+          <a:ext cx="0" cy="0"/>
+          <a:chOff x="0" y="0"/>
+          <a:chExt cx="0" cy="0"/>
+        </a:xfrm>
+      </p:grpSpPr>
+      <p:sp>
+        <p:nvSpPr>
+          <p:cNvPr id="2" name="標題 1"/>
+          <p:cNvSpPr>
+            <a:spLocks noGrp="1"/>
+          </p:cNvSpPr>
+          <p:nvPr>
+            <p:ph type="title"/>
+          </p:nvPr>
+        </p:nvSpPr>
+        <p:spPr/>
+        <p:txBody>
+          <a:bodyPr/>
+          <a:lstStyle/>
+          <a:p>
+            <a:r>
               <a:rPr lang="en-US" altLang="zh-TW" dirty="0" smtClean="0"/>
               <a:t>Q&amp;A</a:t>
             </a:r>
@@ -9011,7 +9138,7 @@
               <a:pPr>
                 <a:defRPr/>
               </a:pPr>
-              <a:t>2017/10/31</a:t>
+              <a:t>2017/11/1</a:t>
             </a:fld>
             <a:endParaRPr lang="zh-TW" altLang="en-US"/>
           </a:p>
@@ -9035,7 +9162,7 @@
             <a:fld id="{B6A84E2D-DD4B-4F2A-87C5-E179AF885E22}" type="slidenum">
               <a:rPr lang="zh-TW" altLang="en-US" smtClean="0"/>
               <a:pPr/>
-              <a:t>14</a:t>
+              <a:t>15</a:t>
             </a:fld>
             <a:endParaRPr lang="zh-TW" altLang="en-US"/>
           </a:p>
@@ -9218,7 +9345,7 @@
               <a:pPr>
                 <a:defRPr/>
               </a:pPr>
-              <a:t>2017/10/31</a:t>
+              <a:t>2017/11/1</a:t>
             </a:fld>
             <a:endParaRPr lang="zh-TW" altLang="en-US"/>
           </a:p>
@@ -9336,7 +9463,7 @@
               <a:pPr>
                 <a:defRPr/>
               </a:pPr>
-              <a:t>2017/10/31</a:t>
+              <a:t>2017/11/1</a:t>
             </a:fld>
             <a:endParaRPr lang="zh-TW" altLang="en-US" dirty="0"/>
           </a:p>
@@ -9702,7 +9829,7 @@
               <a:pPr>
                 <a:defRPr/>
               </a:pPr>
-              <a:t>2017/10/31</a:t>
+              <a:t>2017/11/1</a:t>
             </a:fld>
             <a:endParaRPr lang="zh-TW" altLang="en-US"/>
           </a:p>
@@ -9894,7 +10021,7 @@
               <a:pPr>
                 <a:defRPr/>
               </a:pPr>
-              <a:t>2017/10/31</a:t>
+              <a:t>2017/11/1</a:t>
             </a:fld>
             <a:endParaRPr lang="zh-TW" altLang="en-US"/>
           </a:p>
@@ -10016,7 +10143,7 @@
               <a:pPr>
                 <a:defRPr/>
               </a:pPr>
-              <a:t>2017/10/31</a:t>
+              <a:t>2017/11/1</a:t>
             </a:fld>
             <a:endParaRPr lang="zh-TW" altLang="en-US" dirty="0"/>
           </a:p>
@@ -10759,35 +10886,35 @@
                 <a:gridCol w="2812212">
                   <a:extLst>
                     <a:ext uri="{9D8B030D-6E8A-4147-A177-3AD203B41FA5}">
-                      <a16:colId xmlns="" xmlns:a16="http://schemas.microsoft.com/office/drawing/2014/main" val="2884299164"/>
+                      <a16:colId xmlns:a16="http://schemas.microsoft.com/office/drawing/2014/main" xmlns="" val="2884299164"/>
                     </a:ext>
                   </a:extLst>
                 </a:gridCol>
                 <a:gridCol w="1357798">
                   <a:extLst>
                     <a:ext uri="{9D8B030D-6E8A-4147-A177-3AD203B41FA5}">
-                      <a16:colId xmlns="" xmlns:a16="http://schemas.microsoft.com/office/drawing/2014/main" val="2714764970"/>
+                      <a16:colId xmlns:a16="http://schemas.microsoft.com/office/drawing/2014/main" xmlns="" val="2714764970"/>
                     </a:ext>
                   </a:extLst>
                 </a:gridCol>
                 <a:gridCol w="1357798">
                   <a:extLst>
                     <a:ext uri="{9D8B030D-6E8A-4147-A177-3AD203B41FA5}">
-                      <a16:colId xmlns="" xmlns:a16="http://schemas.microsoft.com/office/drawing/2014/main" val="379868310"/>
+                      <a16:colId xmlns:a16="http://schemas.microsoft.com/office/drawing/2014/main" xmlns="" val="379868310"/>
                     </a:ext>
                   </a:extLst>
                 </a:gridCol>
                 <a:gridCol w="1357798">
                   <a:extLst>
                     <a:ext uri="{9D8B030D-6E8A-4147-A177-3AD203B41FA5}">
-                      <a16:colId xmlns="" xmlns:a16="http://schemas.microsoft.com/office/drawing/2014/main" val="2643519724"/>
+                      <a16:colId xmlns:a16="http://schemas.microsoft.com/office/drawing/2014/main" xmlns="" val="2643519724"/>
                     </a:ext>
                   </a:extLst>
                 </a:gridCol>
                 <a:gridCol w="1343996">
                   <a:extLst>
                     <a:ext uri="{9D8B030D-6E8A-4147-A177-3AD203B41FA5}">
-                      <a16:colId xmlns="" xmlns:a16="http://schemas.microsoft.com/office/drawing/2014/main" val="3932700639"/>
+                      <a16:colId xmlns:a16="http://schemas.microsoft.com/office/drawing/2014/main" xmlns="" val="3932700639"/>
                     </a:ext>
                   </a:extLst>
                 </a:gridCol>
@@ -10925,7 +11052,7 @@
                 </a:tc>
                 <a:extLst>
                   <a:ext uri="{0D108BD9-81ED-4DB2-BD59-A6C34878D82A}">
-                    <a16:rowId xmlns="" xmlns:a16="http://schemas.microsoft.com/office/drawing/2014/main" val="2269722852"/>
+                    <a16:rowId xmlns:a16="http://schemas.microsoft.com/office/drawing/2014/main" xmlns="" val="2269722852"/>
                   </a:ext>
                 </a:extLst>
               </a:tr>
@@ -11080,7 +11207,7 @@
                 </a:tc>
                 <a:extLst>
                   <a:ext uri="{0D108BD9-81ED-4DB2-BD59-A6C34878D82A}">
-                    <a16:rowId xmlns="" xmlns:a16="http://schemas.microsoft.com/office/drawing/2014/main" val="3037958497"/>
+                    <a16:rowId xmlns:a16="http://schemas.microsoft.com/office/drawing/2014/main" xmlns="" val="3037958497"/>
                   </a:ext>
                 </a:extLst>
               </a:tr>
@@ -11235,7 +11362,7 @@
                 </a:tc>
                 <a:extLst>
                   <a:ext uri="{0D108BD9-81ED-4DB2-BD59-A6C34878D82A}">
-                    <a16:rowId xmlns="" xmlns:a16="http://schemas.microsoft.com/office/drawing/2014/main" val="2629449705"/>
+                    <a16:rowId xmlns:a16="http://schemas.microsoft.com/office/drawing/2014/main" xmlns="" val="2629449705"/>
                   </a:ext>
                 </a:extLst>
               </a:tr>
@@ -11393,7 +11520,7 @@
                 </a:tc>
                 <a:extLst>
                   <a:ext uri="{0D108BD9-81ED-4DB2-BD59-A6C34878D82A}">
-                    <a16:rowId xmlns="" xmlns:a16="http://schemas.microsoft.com/office/drawing/2014/main" val="2081270809"/>
+                    <a16:rowId xmlns:a16="http://schemas.microsoft.com/office/drawing/2014/main" xmlns="" val="2081270809"/>
                   </a:ext>
                 </a:extLst>
               </a:tr>
@@ -11548,7 +11675,7 @@
                 </a:tc>
                 <a:extLst>
                   <a:ext uri="{0D108BD9-81ED-4DB2-BD59-A6C34878D82A}">
-                    <a16:rowId xmlns="" xmlns:a16="http://schemas.microsoft.com/office/drawing/2014/main" val="400150635"/>
+                    <a16:rowId xmlns:a16="http://schemas.microsoft.com/office/drawing/2014/main" xmlns="" val="400150635"/>
                   </a:ext>
                 </a:extLst>
               </a:tr>
@@ -11703,7 +11830,7 @@
                 </a:tc>
                 <a:extLst>
                   <a:ext uri="{0D108BD9-81ED-4DB2-BD59-A6C34878D82A}">
-                    <a16:rowId xmlns="" xmlns:a16="http://schemas.microsoft.com/office/drawing/2014/main" val="2243106353"/>
+                    <a16:rowId xmlns:a16="http://schemas.microsoft.com/office/drawing/2014/main" xmlns="" val="2243106353"/>
                   </a:ext>
                 </a:extLst>
               </a:tr>
@@ -11858,7 +11985,7 @@
                 </a:tc>
                 <a:extLst>
                   <a:ext uri="{0D108BD9-81ED-4DB2-BD59-A6C34878D82A}">
-                    <a16:rowId xmlns="" xmlns:a16="http://schemas.microsoft.com/office/drawing/2014/main" val="3821672162"/>
+                    <a16:rowId xmlns:a16="http://schemas.microsoft.com/office/drawing/2014/main" xmlns="" val="3821672162"/>
                   </a:ext>
                 </a:extLst>
               </a:tr>
@@ -12013,7 +12140,7 @@
                 </a:tc>
                 <a:extLst>
                   <a:ext uri="{0D108BD9-81ED-4DB2-BD59-A6C34878D82A}">
-                    <a16:rowId xmlns="" xmlns:a16="http://schemas.microsoft.com/office/drawing/2014/main" val="3481478037"/>
+                    <a16:rowId xmlns:a16="http://schemas.microsoft.com/office/drawing/2014/main" xmlns="" val="3481478037"/>
                   </a:ext>
                 </a:extLst>
               </a:tr>
@@ -12168,7 +12295,7 @@
                 </a:tc>
                 <a:extLst>
                   <a:ext uri="{0D108BD9-81ED-4DB2-BD59-A6C34878D82A}">
-                    <a16:rowId xmlns="" xmlns:a16="http://schemas.microsoft.com/office/drawing/2014/main" val="2352246313"/>
+                    <a16:rowId xmlns:a16="http://schemas.microsoft.com/office/drawing/2014/main" xmlns="" val="2352246313"/>
                   </a:ext>
                 </a:extLst>
               </a:tr>
@@ -12323,7 +12450,7 @@
                 </a:tc>
                 <a:extLst>
                   <a:ext uri="{0D108BD9-81ED-4DB2-BD59-A6C34878D82A}">
-                    <a16:rowId xmlns="" xmlns:a16="http://schemas.microsoft.com/office/drawing/2014/main" val="2724839462"/>
+                    <a16:rowId xmlns:a16="http://schemas.microsoft.com/office/drawing/2014/main" xmlns="" val="2724839462"/>
                   </a:ext>
                 </a:extLst>
               </a:tr>
@@ -12478,7 +12605,7 @@
                 </a:tc>
                 <a:extLst>
                   <a:ext uri="{0D108BD9-81ED-4DB2-BD59-A6C34878D82A}">
-                    <a16:rowId xmlns="" xmlns:a16="http://schemas.microsoft.com/office/drawing/2014/main" val="4197378840"/>
+                    <a16:rowId xmlns:a16="http://schemas.microsoft.com/office/drawing/2014/main" xmlns="" val="4197378840"/>
                   </a:ext>
                 </a:extLst>
               </a:tr>
@@ -12633,7 +12760,7 @@
                 </a:tc>
                 <a:extLst>
                   <a:ext uri="{0D108BD9-81ED-4DB2-BD59-A6C34878D82A}">
-                    <a16:rowId xmlns="" xmlns:a16="http://schemas.microsoft.com/office/drawing/2014/main" val="3687018084"/>
+                    <a16:rowId xmlns:a16="http://schemas.microsoft.com/office/drawing/2014/main" xmlns="" val="3687018084"/>
                   </a:ext>
                 </a:extLst>
               </a:tr>
@@ -12788,7 +12915,7 @@
                 </a:tc>
                 <a:extLst>
                   <a:ext uri="{0D108BD9-81ED-4DB2-BD59-A6C34878D82A}">
-                    <a16:rowId xmlns="" xmlns:a16="http://schemas.microsoft.com/office/drawing/2014/main" val="3831483923"/>
+                    <a16:rowId xmlns:a16="http://schemas.microsoft.com/office/drawing/2014/main" xmlns="" val="3831483923"/>
                   </a:ext>
                 </a:extLst>
               </a:tr>
@@ -12943,7 +13070,7 @@
                 </a:tc>
                 <a:extLst>
                   <a:ext uri="{0D108BD9-81ED-4DB2-BD59-A6C34878D82A}">
-                    <a16:rowId xmlns="" xmlns:a16="http://schemas.microsoft.com/office/drawing/2014/main" val="1008865574"/>
+                    <a16:rowId xmlns:a16="http://schemas.microsoft.com/office/drawing/2014/main" xmlns="" val="1008865574"/>
                   </a:ext>
                 </a:extLst>
               </a:tr>
@@ -13098,7 +13225,7 @@
                 </a:tc>
                 <a:extLst>
                   <a:ext uri="{0D108BD9-81ED-4DB2-BD59-A6C34878D82A}">
-                    <a16:rowId xmlns="" xmlns:a16="http://schemas.microsoft.com/office/drawing/2014/main" val="4256689391"/>
+                    <a16:rowId xmlns:a16="http://schemas.microsoft.com/office/drawing/2014/main" xmlns="" val="4256689391"/>
                   </a:ext>
                 </a:extLst>
               </a:tr>
@@ -13253,7 +13380,7 @@
                 </a:tc>
                 <a:extLst>
                   <a:ext uri="{0D108BD9-81ED-4DB2-BD59-A6C34878D82A}">
-                    <a16:rowId xmlns="" xmlns:a16="http://schemas.microsoft.com/office/drawing/2014/main" val="3843843987"/>
+                    <a16:rowId xmlns:a16="http://schemas.microsoft.com/office/drawing/2014/main" xmlns="" val="3843843987"/>
                   </a:ext>
                 </a:extLst>
               </a:tr>
@@ -13284,7 +13411,7 @@
               <a:pPr>
                 <a:defRPr/>
               </a:pPr>
-              <a:t>2017/10/31</a:t>
+              <a:t>2017/11/1</a:t>
             </a:fld>
             <a:endParaRPr lang="zh-TW" altLang="en-US"/>
           </a:p>
@@ -13467,35 +13594,35 @@
                 <a:gridCol w="2812212">
                   <a:extLst>
                     <a:ext uri="{9D8B030D-6E8A-4147-A177-3AD203B41FA5}">
-                      <a16:colId xmlns="" xmlns:a16="http://schemas.microsoft.com/office/drawing/2014/main" val="2884299164"/>
+                      <a16:colId xmlns:a16="http://schemas.microsoft.com/office/drawing/2014/main" xmlns="" val="2884299164"/>
                     </a:ext>
                   </a:extLst>
                 </a:gridCol>
                 <a:gridCol w="1357798">
                   <a:extLst>
                     <a:ext uri="{9D8B030D-6E8A-4147-A177-3AD203B41FA5}">
-                      <a16:colId xmlns="" xmlns:a16="http://schemas.microsoft.com/office/drawing/2014/main" val="2714764970"/>
+                      <a16:colId xmlns:a16="http://schemas.microsoft.com/office/drawing/2014/main" xmlns="" val="2714764970"/>
                     </a:ext>
                   </a:extLst>
                 </a:gridCol>
                 <a:gridCol w="1357798">
                   <a:extLst>
                     <a:ext uri="{9D8B030D-6E8A-4147-A177-3AD203B41FA5}">
-                      <a16:colId xmlns="" xmlns:a16="http://schemas.microsoft.com/office/drawing/2014/main" val="379868310"/>
+                      <a16:colId xmlns:a16="http://schemas.microsoft.com/office/drawing/2014/main" xmlns="" val="379868310"/>
                     </a:ext>
                   </a:extLst>
                 </a:gridCol>
                 <a:gridCol w="1357798">
                   <a:extLst>
                     <a:ext uri="{9D8B030D-6E8A-4147-A177-3AD203B41FA5}">
-                      <a16:colId xmlns="" xmlns:a16="http://schemas.microsoft.com/office/drawing/2014/main" val="2643519724"/>
+                      <a16:colId xmlns:a16="http://schemas.microsoft.com/office/drawing/2014/main" xmlns="" val="2643519724"/>
                     </a:ext>
                   </a:extLst>
                 </a:gridCol>
                 <a:gridCol w="1343996">
                   <a:extLst>
                     <a:ext uri="{9D8B030D-6E8A-4147-A177-3AD203B41FA5}">
-                      <a16:colId xmlns="" xmlns:a16="http://schemas.microsoft.com/office/drawing/2014/main" val="3932700639"/>
+                      <a16:colId xmlns:a16="http://schemas.microsoft.com/office/drawing/2014/main" xmlns="" val="3932700639"/>
                     </a:ext>
                   </a:extLst>
                 </a:gridCol>
@@ -13633,7 +13760,7 @@
                 </a:tc>
                 <a:extLst>
                   <a:ext uri="{0D108BD9-81ED-4DB2-BD59-A6C34878D82A}">
-                    <a16:rowId xmlns="" xmlns:a16="http://schemas.microsoft.com/office/drawing/2014/main" val="2269722852"/>
+                    <a16:rowId xmlns:a16="http://schemas.microsoft.com/office/drawing/2014/main" xmlns="" val="2269722852"/>
                   </a:ext>
                 </a:extLst>
               </a:tr>
@@ -13791,7 +13918,7 @@
                 </a:tc>
                 <a:extLst>
                   <a:ext uri="{0D108BD9-81ED-4DB2-BD59-A6C34878D82A}">
-                    <a16:rowId xmlns="" xmlns:a16="http://schemas.microsoft.com/office/drawing/2014/main" val="3037958497"/>
+                    <a16:rowId xmlns:a16="http://schemas.microsoft.com/office/drawing/2014/main" xmlns="" val="3037958497"/>
                   </a:ext>
                 </a:extLst>
               </a:tr>
@@ -13952,7 +14079,7 @@
                 </a:tc>
                 <a:extLst>
                   <a:ext uri="{0D108BD9-81ED-4DB2-BD59-A6C34878D82A}">
-                    <a16:rowId xmlns="" xmlns:a16="http://schemas.microsoft.com/office/drawing/2014/main" val="2629449705"/>
+                    <a16:rowId xmlns:a16="http://schemas.microsoft.com/office/drawing/2014/main" xmlns="" val="2629449705"/>
                   </a:ext>
                 </a:extLst>
               </a:tr>
@@ -14110,7 +14237,7 @@
                 </a:tc>
                 <a:extLst>
                   <a:ext uri="{0D108BD9-81ED-4DB2-BD59-A6C34878D82A}">
-                    <a16:rowId xmlns="" xmlns:a16="http://schemas.microsoft.com/office/drawing/2014/main" val="2081270809"/>
+                    <a16:rowId xmlns:a16="http://schemas.microsoft.com/office/drawing/2014/main" xmlns="" val="2081270809"/>
                   </a:ext>
                 </a:extLst>
               </a:tr>
@@ -14268,7 +14395,7 @@
                 </a:tc>
                 <a:extLst>
                   <a:ext uri="{0D108BD9-81ED-4DB2-BD59-A6C34878D82A}">
-                    <a16:rowId xmlns="" xmlns:a16="http://schemas.microsoft.com/office/drawing/2014/main" val="400150635"/>
+                    <a16:rowId xmlns:a16="http://schemas.microsoft.com/office/drawing/2014/main" xmlns="" val="400150635"/>
                   </a:ext>
                 </a:extLst>
               </a:tr>
@@ -14426,7 +14553,7 @@
                 </a:tc>
                 <a:extLst>
                   <a:ext uri="{0D108BD9-81ED-4DB2-BD59-A6C34878D82A}">
-                    <a16:rowId xmlns="" xmlns:a16="http://schemas.microsoft.com/office/drawing/2014/main" val="2243106353"/>
+                    <a16:rowId xmlns:a16="http://schemas.microsoft.com/office/drawing/2014/main" xmlns="" val="2243106353"/>
                   </a:ext>
                 </a:extLst>
               </a:tr>
@@ -14584,7 +14711,7 @@
                 </a:tc>
                 <a:extLst>
                   <a:ext uri="{0D108BD9-81ED-4DB2-BD59-A6C34878D82A}">
-                    <a16:rowId xmlns="" xmlns:a16="http://schemas.microsoft.com/office/drawing/2014/main" val="3821672162"/>
+                    <a16:rowId xmlns:a16="http://schemas.microsoft.com/office/drawing/2014/main" xmlns="" val="3821672162"/>
                   </a:ext>
                 </a:extLst>
               </a:tr>
@@ -14742,7 +14869,7 @@
                 </a:tc>
                 <a:extLst>
                   <a:ext uri="{0D108BD9-81ED-4DB2-BD59-A6C34878D82A}">
-                    <a16:rowId xmlns="" xmlns:a16="http://schemas.microsoft.com/office/drawing/2014/main" val="3481478037"/>
+                    <a16:rowId xmlns:a16="http://schemas.microsoft.com/office/drawing/2014/main" xmlns="" val="3481478037"/>
                   </a:ext>
                 </a:extLst>
               </a:tr>
@@ -14900,7 +15027,7 @@
                 </a:tc>
                 <a:extLst>
                   <a:ext uri="{0D108BD9-81ED-4DB2-BD59-A6C34878D82A}">
-                    <a16:rowId xmlns="" xmlns:a16="http://schemas.microsoft.com/office/drawing/2014/main" val="2352246313"/>
+                    <a16:rowId xmlns:a16="http://schemas.microsoft.com/office/drawing/2014/main" xmlns="" val="2352246313"/>
                   </a:ext>
                 </a:extLst>
               </a:tr>
@@ -15058,7 +15185,7 @@
                 </a:tc>
                 <a:extLst>
                   <a:ext uri="{0D108BD9-81ED-4DB2-BD59-A6C34878D82A}">
-                    <a16:rowId xmlns="" xmlns:a16="http://schemas.microsoft.com/office/drawing/2014/main" val="2724839462"/>
+                    <a16:rowId xmlns:a16="http://schemas.microsoft.com/office/drawing/2014/main" xmlns="" val="2724839462"/>
                   </a:ext>
                 </a:extLst>
               </a:tr>
@@ -15216,7 +15343,7 @@
                 </a:tc>
                 <a:extLst>
                   <a:ext uri="{0D108BD9-81ED-4DB2-BD59-A6C34878D82A}">
-                    <a16:rowId xmlns="" xmlns:a16="http://schemas.microsoft.com/office/drawing/2014/main" val="4197378840"/>
+                    <a16:rowId xmlns:a16="http://schemas.microsoft.com/office/drawing/2014/main" xmlns="" val="4197378840"/>
                   </a:ext>
                 </a:extLst>
               </a:tr>
@@ -15374,7 +15501,7 @@
                 </a:tc>
                 <a:extLst>
                   <a:ext uri="{0D108BD9-81ED-4DB2-BD59-A6C34878D82A}">
-                    <a16:rowId xmlns="" xmlns:a16="http://schemas.microsoft.com/office/drawing/2014/main" val="3687018084"/>
+                    <a16:rowId xmlns:a16="http://schemas.microsoft.com/office/drawing/2014/main" xmlns="" val="3687018084"/>
                   </a:ext>
                 </a:extLst>
               </a:tr>
@@ -15532,7 +15659,7 @@
                 </a:tc>
                 <a:extLst>
                   <a:ext uri="{0D108BD9-81ED-4DB2-BD59-A6C34878D82A}">
-                    <a16:rowId xmlns="" xmlns:a16="http://schemas.microsoft.com/office/drawing/2014/main" val="3831483923"/>
+                    <a16:rowId xmlns:a16="http://schemas.microsoft.com/office/drawing/2014/main" xmlns="" val="3831483923"/>
                   </a:ext>
                 </a:extLst>
               </a:tr>
@@ -15690,7 +15817,7 @@
                 </a:tc>
                 <a:extLst>
                   <a:ext uri="{0D108BD9-81ED-4DB2-BD59-A6C34878D82A}">
-                    <a16:rowId xmlns="" xmlns:a16="http://schemas.microsoft.com/office/drawing/2014/main" val="1008865574"/>
+                    <a16:rowId xmlns:a16="http://schemas.microsoft.com/office/drawing/2014/main" xmlns="" val="1008865574"/>
                   </a:ext>
                 </a:extLst>
               </a:tr>
@@ -15848,7 +15975,7 @@
                 </a:tc>
                 <a:extLst>
                   <a:ext uri="{0D108BD9-81ED-4DB2-BD59-A6C34878D82A}">
-                    <a16:rowId xmlns="" xmlns:a16="http://schemas.microsoft.com/office/drawing/2014/main" val="4256689391"/>
+                    <a16:rowId xmlns:a16="http://schemas.microsoft.com/office/drawing/2014/main" xmlns="" val="4256689391"/>
                   </a:ext>
                 </a:extLst>
               </a:tr>
@@ -15879,7 +16006,7 @@
               <a:pPr>
                 <a:defRPr/>
               </a:pPr>
-              <a:t>2017/10/31</a:t>
+              <a:t>2017/11/1</a:t>
             </a:fld>
             <a:endParaRPr lang="zh-TW" altLang="en-US"/>
           </a:p>
@@ -16062,35 +16189,35 @@
                 <a:gridCol w="2812212">
                   <a:extLst>
                     <a:ext uri="{9D8B030D-6E8A-4147-A177-3AD203B41FA5}">
-                      <a16:colId xmlns="" xmlns:a16="http://schemas.microsoft.com/office/drawing/2014/main" val="2884299164"/>
+                      <a16:colId xmlns:a16="http://schemas.microsoft.com/office/drawing/2014/main" xmlns="" val="2884299164"/>
                     </a:ext>
                   </a:extLst>
                 </a:gridCol>
                 <a:gridCol w="1357798">
                   <a:extLst>
                     <a:ext uri="{9D8B030D-6E8A-4147-A177-3AD203B41FA5}">
-                      <a16:colId xmlns="" xmlns:a16="http://schemas.microsoft.com/office/drawing/2014/main" val="2714764970"/>
+                      <a16:colId xmlns:a16="http://schemas.microsoft.com/office/drawing/2014/main" xmlns="" val="2714764970"/>
                     </a:ext>
                   </a:extLst>
                 </a:gridCol>
                 <a:gridCol w="1357798">
                   <a:extLst>
                     <a:ext uri="{9D8B030D-6E8A-4147-A177-3AD203B41FA5}">
-                      <a16:colId xmlns="" xmlns:a16="http://schemas.microsoft.com/office/drawing/2014/main" val="379868310"/>
+                      <a16:colId xmlns:a16="http://schemas.microsoft.com/office/drawing/2014/main" xmlns="" val="379868310"/>
                     </a:ext>
                   </a:extLst>
                 </a:gridCol>
                 <a:gridCol w="1357798">
                   <a:extLst>
                     <a:ext uri="{9D8B030D-6E8A-4147-A177-3AD203B41FA5}">
-                      <a16:colId xmlns="" xmlns:a16="http://schemas.microsoft.com/office/drawing/2014/main" val="2643519724"/>
+                      <a16:colId xmlns:a16="http://schemas.microsoft.com/office/drawing/2014/main" xmlns="" val="2643519724"/>
                     </a:ext>
                   </a:extLst>
                 </a:gridCol>
                 <a:gridCol w="1343996">
                   <a:extLst>
                     <a:ext uri="{9D8B030D-6E8A-4147-A177-3AD203B41FA5}">
-                      <a16:colId xmlns="" xmlns:a16="http://schemas.microsoft.com/office/drawing/2014/main" val="3932700639"/>
+                      <a16:colId xmlns:a16="http://schemas.microsoft.com/office/drawing/2014/main" xmlns="" val="3932700639"/>
                     </a:ext>
                   </a:extLst>
                 </a:gridCol>
@@ -16228,7 +16355,7 @@
                 </a:tc>
                 <a:extLst>
                   <a:ext uri="{0D108BD9-81ED-4DB2-BD59-A6C34878D82A}">
-                    <a16:rowId xmlns="" xmlns:a16="http://schemas.microsoft.com/office/drawing/2014/main" val="2269722852"/>
+                    <a16:rowId xmlns:a16="http://schemas.microsoft.com/office/drawing/2014/main" xmlns="" val="2269722852"/>
                   </a:ext>
                 </a:extLst>
               </a:tr>
@@ -16386,7 +16513,7 @@
                 </a:tc>
                 <a:extLst>
                   <a:ext uri="{0D108BD9-81ED-4DB2-BD59-A6C34878D82A}">
-                    <a16:rowId xmlns="" xmlns:a16="http://schemas.microsoft.com/office/drawing/2014/main" val="3037958497"/>
+                    <a16:rowId xmlns:a16="http://schemas.microsoft.com/office/drawing/2014/main" xmlns="" val="3037958497"/>
                   </a:ext>
                 </a:extLst>
               </a:tr>
@@ -16544,7 +16671,7 @@
                 </a:tc>
                 <a:extLst>
                   <a:ext uri="{0D108BD9-81ED-4DB2-BD59-A6C34878D82A}">
-                    <a16:rowId xmlns="" xmlns:a16="http://schemas.microsoft.com/office/drawing/2014/main" val="2629449705"/>
+                    <a16:rowId xmlns:a16="http://schemas.microsoft.com/office/drawing/2014/main" xmlns="" val="2629449705"/>
                   </a:ext>
                 </a:extLst>
               </a:tr>
@@ -16702,7 +16829,7 @@
                 </a:tc>
                 <a:extLst>
                   <a:ext uri="{0D108BD9-81ED-4DB2-BD59-A6C34878D82A}">
-                    <a16:rowId xmlns="" xmlns:a16="http://schemas.microsoft.com/office/drawing/2014/main" val="2081270809"/>
+                    <a16:rowId xmlns:a16="http://schemas.microsoft.com/office/drawing/2014/main" xmlns="" val="2081270809"/>
                   </a:ext>
                 </a:extLst>
               </a:tr>
@@ -16860,7 +16987,7 @@
                 </a:tc>
                 <a:extLst>
                   <a:ext uri="{0D108BD9-81ED-4DB2-BD59-A6C34878D82A}">
-                    <a16:rowId xmlns="" xmlns:a16="http://schemas.microsoft.com/office/drawing/2014/main" val="1725899984"/>
+                    <a16:rowId xmlns:a16="http://schemas.microsoft.com/office/drawing/2014/main" xmlns="" val="1725899984"/>
                   </a:ext>
                 </a:extLst>
               </a:tr>
@@ -16891,7 +17018,7 @@
               <a:pPr>
                 <a:defRPr/>
               </a:pPr>
-              <a:t>2017/10/31</a:t>
+              <a:t>2017/11/1</a:t>
             </a:fld>
             <a:endParaRPr lang="zh-TW" altLang="en-US"/>
           </a:p>
